--- a/AUTOMATIC IDENTIFICATION AND ANALYSIS OF COMMENTED OUT CODE.pptx
+++ b/AUTOMATIC IDENTIFICATION AND ANALYSIS OF COMMENTED OUT CODE.pptx
@@ -6,17 +6,21 @@
   </p:sldMasterIdLst>
   <p:sldIdLst>
     <p:sldId id="256" r:id="rId2"/>
-    <p:sldId id="257" r:id="rId3"/>
-    <p:sldId id="258" r:id="rId4"/>
-    <p:sldId id="259" r:id="rId5"/>
-    <p:sldId id="263" r:id="rId6"/>
-    <p:sldId id="262" r:id="rId7"/>
-    <p:sldId id="264" r:id="rId8"/>
+    <p:sldId id="269" r:id="rId3"/>
+    <p:sldId id="270" r:id="rId4"/>
+    <p:sldId id="257" r:id="rId5"/>
+    <p:sldId id="258" r:id="rId6"/>
+    <p:sldId id="271" r:id="rId7"/>
+    <p:sldId id="259" r:id="rId8"/>
     <p:sldId id="265" r:id="rId9"/>
-    <p:sldId id="260" r:id="rId10"/>
-    <p:sldId id="266" r:id="rId11"/>
-    <p:sldId id="261" r:id="rId12"/>
-    <p:sldId id="267" r:id="rId13"/>
+    <p:sldId id="264" r:id="rId10"/>
+    <p:sldId id="272" r:id="rId11"/>
+    <p:sldId id="260" r:id="rId12"/>
+    <p:sldId id="268" r:id="rId13"/>
+    <p:sldId id="266" r:id="rId14"/>
+    <p:sldId id="261" r:id="rId15"/>
+    <p:sldId id="273" r:id="rId16"/>
+    <p:sldId id="267" r:id="rId17"/>
   </p:sldIdLst>
   <p:sldSz cx="12192000" cy="6858000"/>
   <p:notesSz cx="6858000" cy="9144000"/>
@@ -115,6 +119,11 @@
       </a:defRPr>
     </a:lvl9pPr>
   </p:defaultTextStyle>
+  <p:extLst>
+    <p:ext uri="{EFAFB233-063F-42B5-8137-9DF3F51BA10A}">
+      <p15:sldGuideLst xmlns:p15="http://schemas.microsoft.com/office/powerpoint/2012/main"/>
+    </p:ext>
+  </p:extLst>
 </p:presentation>
 </file>
 
@@ -158,7 +167,7 @@
               <c:strCache>
                 <c:ptCount val="1"/>
                 <c:pt idx="0">
-                  <c:v>difference</c:v>
+                  <c:v>Difference in frequency between commented-out code and English Prose</c:v>
                 </c:pt>
               </c:strCache>
             </c:strRef>
@@ -188,12 +197,9 @@
               <a:lstStyle/>
               <a:p>
                 <a:pPr>
-                  <a:defRPr sz="800" b="0" i="0" u="none" strike="noStrike" kern="1200" baseline="0">
+                  <a:defRPr sz="1800" b="0" i="0" u="none" strike="noStrike" kern="1200" baseline="0">
                     <a:solidFill>
-                      <a:schemeClr val="tx1">
-                        <a:lumMod val="50000"/>
-                        <a:lumOff val="50000"/>
-                      </a:schemeClr>
+                      <a:schemeClr val="tx1"/>
                     </a:solidFill>
                     <a:latin typeface="+mn-lt"/>
                     <a:ea typeface="+mn-ea"/>
@@ -370,12 +376,14 @@
           <a:lstStyle/>
           <a:p>
             <a:pPr>
-              <a:defRPr sz="800" b="0" i="0" u="none" strike="noStrike" kern="1200" cap="all" spc="120" normalizeH="0" baseline="0">
+              <a:defRPr sz="1800" b="0" i="0" u="none" strike="noStrike" kern="1200" cap="all" spc="120" normalizeH="0" baseline="0">
+                <a:ln w="12700">
+                  <a:solidFill>
+                    <a:schemeClr val="tx1"/>
+                  </a:solidFill>
+                </a:ln>
                 <a:solidFill>
-                  <a:schemeClr val="tx1">
-                    <a:lumMod val="65000"/>
-                    <a:lumOff val="35000"/>
-                  </a:schemeClr>
+                  <a:schemeClr val="tx1"/>
                 </a:solidFill>
                 <a:latin typeface="+mn-lt"/>
                 <a:ea typeface="+mn-ea"/>
@@ -417,6 +425,26 @@
     </c:plotArea>
     <c:legend>
       <c:legendPos val="t"/>
+      <c:legendEntry>
+        <c:idx val="0"/>
+        <c:txPr>
+          <a:bodyPr rot="0" spcFirstLastPara="1" vertOverflow="ellipsis" vert="horz" wrap="square" anchor="ctr" anchorCtr="1"/>
+          <a:lstStyle/>
+          <a:p>
+            <a:pPr>
+              <a:defRPr sz="1800" b="0" i="0" u="none" strike="noStrike" kern="1200" baseline="0">
+                <a:solidFill>
+                  <a:schemeClr val="tx1"/>
+                </a:solidFill>
+                <a:latin typeface="+mn-lt"/>
+                <a:ea typeface="+mn-ea"/>
+                <a:cs typeface="+mn-cs"/>
+              </a:defRPr>
+            </a:pPr>
+            <a:endParaRPr lang="en-US"/>
+          </a:p>
+        </c:txPr>
+      </c:legendEntry>
       <c:overlay val="0"/>
       <c:spPr>
         <a:noFill/>
@@ -1191,7 +1219,7 @@
           <a:p>
             <a:fld id="{A708F1BC-E77D-4453-A5FD-60D9004400BE}" type="datetimeFigureOut">
               <a:rPr lang="en-US" smtClean="0"/>
-              <a:t>4/14/2020</a:t>
+              <a:t>4/16/2020</a:t>
             </a:fld>
             <a:endParaRPr lang="en-US"/>
           </a:p>
@@ -1389,7 +1417,7 @@
           <a:p>
             <a:fld id="{A708F1BC-E77D-4453-A5FD-60D9004400BE}" type="datetimeFigureOut">
               <a:rPr lang="en-US" smtClean="0"/>
-              <a:t>4/14/2020</a:t>
+              <a:t>4/16/2020</a:t>
             </a:fld>
             <a:endParaRPr lang="en-US"/>
           </a:p>
@@ -1597,7 +1625,7 @@
           <a:p>
             <a:fld id="{A708F1BC-E77D-4453-A5FD-60D9004400BE}" type="datetimeFigureOut">
               <a:rPr lang="en-US" smtClean="0"/>
-              <a:t>4/14/2020</a:t>
+              <a:t>4/16/2020</a:t>
             </a:fld>
             <a:endParaRPr lang="en-US"/>
           </a:p>
@@ -1795,7 +1823,7 @@
           <a:p>
             <a:fld id="{A708F1BC-E77D-4453-A5FD-60D9004400BE}" type="datetimeFigureOut">
               <a:rPr lang="en-US" smtClean="0"/>
-              <a:t>4/14/2020</a:t>
+              <a:t>4/16/2020</a:t>
             </a:fld>
             <a:endParaRPr lang="en-US"/>
           </a:p>
@@ -2070,7 +2098,7 @@
           <a:p>
             <a:fld id="{A708F1BC-E77D-4453-A5FD-60D9004400BE}" type="datetimeFigureOut">
               <a:rPr lang="en-US" smtClean="0"/>
-              <a:t>4/14/2020</a:t>
+              <a:t>4/16/2020</a:t>
             </a:fld>
             <a:endParaRPr lang="en-US"/>
           </a:p>
@@ -2335,7 +2363,7 @@
           <a:p>
             <a:fld id="{A708F1BC-E77D-4453-A5FD-60D9004400BE}" type="datetimeFigureOut">
               <a:rPr lang="en-US" smtClean="0"/>
-              <a:t>4/14/2020</a:t>
+              <a:t>4/16/2020</a:t>
             </a:fld>
             <a:endParaRPr lang="en-US"/>
           </a:p>
@@ -2747,7 +2775,7 @@
           <a:p>
             <a:fld id="{A708F1BC-E77D-4453-A5FD-60D9004400BE}" type="datetimeFigureOut">
               <a:rPr lang="en-US" smtClean="0"/>
-              <a:t>4/14/2020</a:t>
+              <a:t>4/16/2020</a:t>
             </a:fld>
             <a:endParaRPr lang="en-US"/>
           </a:p>
@@ -2888,7 +2916,7 @@
           <a:p>
             <a:fld id="{A708F1BC-E77D-4453-A5FD-60D9004400BE}" type="datetimeFigureOut">
               <a:rPr lang="en-US" smtClean="0"/>
-              <a:t>4/14/2020</a:t>
+              <a:t>4/16/2020</a:t>
             </a:fld>
             <a:endParaRPr lang="en-US"/>
           </a:p>
@@ -3001,7 +3029,7 @@
           <a:p>
             <a:fld id="{A708F1BC-E77D-4453-A5FD-60D9004400BE}" type="datetimeFigureOut">
               <a:rPr lang="en-US" smtClean="0"/>
-              <a:t>4/14/2020</a:t>
+              <a:t>4/16/2020</a:t>
             </a:fld>
             <a:endParaRPr lang="en-US"/>
           </a:p>
@@ -3312,7 +3340,7 @@
           <a:p>
             <a:fld id="{A708F1BC-E77D-4453-A5FD-60D9004400BE}" type="datetimeFigureOut">
               <a:rPr lang="en-US" smtClean="0"/>
-              <a:t>4/14/2020</a:t>
+              <a:t>4/16/2020</a:t>
             </a:fld>
             <a:endParaRPr lang="en-US"/>
           </a:p>
@@ -3600,7 +3628,7 @@
           <a:p>
             <a:fld id="{A708F1BC-E77D-4453-A5FD-60D9004400BE}" type="datetimeFigureOut">
               <a:rPr lang="en-US" smtClean="0"/>
-              <a:t>4/14/2020</a:t>
+              <a:t>4/16/2020</a:t>
             </a:fld>
             <a:endParaRPr lang="en-US"/>
           </a:p>
@@ -3841,7 +3869,7 @@
           <a:p>
             <a:fld id="{A708F1BC-E77D-4453-A5FD-60D9004400BE}" type="datetimeFigureOut">
               <a:rPr lang="en-US" smtClean="0"/>
-              <a:t>4/14/2020</a:t>
+              <a:t>4/16/2020</a:t>
             </a:fld>
             <a:endParaRPr lang="en-US"/>
           </a:p>
@@ -4357,6 +4385,2005 @@
           <p:cNvPr id="2" name="Title 1">
             <a:extLst>
               <a:ext uri="{FF2B5EF4-FFF2-40B4-BE49-F238E27FC236}">
+                <a16:creationId xmlns:a16="http://schemas.microsoft.com/office/drawing/2014/main" id="{D153038C-65B0-4746-9995-CC1857CF7DA0}"/>
+              </a:ext>
+            </a:extLst>
+          </p:cNvPr>
+          <p:cNvSpPr>
+            <a:spLocks noGrp="1"/>
+          </p:cNvSpPr>
+          <p:nvPr>
+            <p:ph type="title"/>
+          </p:nvPr>
+        </p:nvSpPr>
+        <p:spPr/>
+        <p:txBody>
+          <a:bodyPr/>
+          <a:lstStyle/>
+          <a:p>
+            <a:pPr algn="ctr"/>
+            <a:r>
+              <a:rPr lang="en-US" dirty="0"/>
+              <a:t>Process of Automation</a:t>
+            </a:r>
+          </a:p>
+        </p:txBody>
+      </p:sp>
+      <p:sp>
+        <p:nvSpPr>
+          <p:cNvPr id="3" name="Content Placeholder 2">
+            <a:extLst>
+              <a:ext uri="{FF2B5EF4-FFF2-40B4-BE49-F238E27FC236}">
+                <a16:creationId xmlns:a16="http://schemas.microsoft.com/office/drawing/2014/main" id="{D500C39F-DC3D-4EF9-8088-1555136D8F4F}"/>
+              </a:ext>
+            </a:extLst>
+          </p:cNvPr>
+          <p:cNvSpPr>
+            <a:spLocks noGrp="1"/>
+          </p:cNvSpPr>
+          <p:nvPr>
+            <p:ph idx="1"/>
+          </p:nvPr>
+        </p:nvSpPr>
+        <p:spPr/>
+        <p:txBody>
+          <a:bodyPr/>
+          <a:lstStyle/>
+          <a:p>
+            <a:r>
+              <a:rPr lang="en-US" dirty="0"/>
+              <a:t>Feed the full 250x250 set into a stratified K-fold cross validation K=5.</a:t>
+            </a:r>
+          </a:p>
+          <a:p>
+            <a:r>
+              <a:rPr lang="en-US" dirty="0"/>
+              <a:t>Utilize the modified CART Decision Tree of </a:t>
+            </a:r>
+            <a:r>
+              <a:rPr lang="en-US" dirty="0" err="1"/>
+              <a:t>sklearn</a:t>
+            </a:r>
+            <a:r>
+              <a:rPr lang="en-US" dirty="0"/>
+              <a:t> for analysis of comments.</a:t>
+            </a:r>
+          </a:p>
+          <a:p>
+            <a:r>
+              <a:rPr lang="en-US" dirty="0"/>
+              <a:t>Review results of the 5 folds to ensure equal value.</a:t>
+            </a:r>
+          </a:p>
+          <a:p>
+            <a:r>
+              <a:rPr lang="en-US" dirty="0"/>
+              <a:t>Use the 250x250 set as the model standard for analysis.</a:t>
+            </a:r>
+          </a:p>
+          <a:p>
+            <a:r>
+              <a:rPr lang="en-US" dirty="0"/>
+              <a:t>Do a final verification against the full Gold Set to ensure quality of the 250x250 model.</a:t>
+            </a:r>
+          </a:p>
+          <a:p>
+            <a:endParaRPr lang="en-US" dirty="0"/>
+          </a:p>
+        </p:txBody>
+      </p:sp>
+    </p:spTree>
+    <p:extLst>
+      <p:ext uri="{BB962C8B-B14F-4D97-AF65-F5344CB8AC3E}">
+        <p14:creationId xmlns:p14="http://schemas.microsoft.com/office/powerpoint/2010/main" val="2984337155"/>
+      </p:ext>
+    </p:extLst>
+  </p:cSld>
+  <p:clrMapOvr>
+    <a:masterClrMapping/>
+  </p:clrMapOvr>
+</p:sld>
+</file>
+
+<file path=ppt/slides/slide11.xml><?xml version="1.0" encoding="utf-8"?>
+<p:sld xmlns:a="http://schemas.openxmlformats.org/drawingml/2006/main" xmlns:r="http://schemas.openxmlformats.org/officeDocument/2006/relationships" xmlns:p="http://schemas.openxmlformats.org/presentationml/2006/main">
+  <p:cSld>
+    <p:spTree>
+      <p:nvGrpSpPr>
+        <p:cNvPr id="1" name=""/>
+        <p:cNvGrpSpPr/>
+        <p:nvPr/>
+      </p:nvGrpSpPr>
+      <p:grpSpPr>
+        <a:xfrm>
+          <a:off x="0" y="0"/>
+          <a:ext cx="0" cy="0"/>
+          <a:chOff x="0" y="0"/>
+          <a:chExt cx="0" cy="0"/>
+        </a:xfrm>
+      </p:grpSpPr>
+      <p:sp>
+        <p:nvSpPr>
+          <p:cNvPr id="2" name="Title 1">
+            <a:extLst>
+              <a:ext uri="{FF2B5EF4-FFF2-40B4-BE49-F238E27FC236}">
+                <a16:creationId xmlns:a16="http://schemas.microsoft.com/office/drawing/2014/main" id="{B16053C2-52D0-43D6-A767-E949EBF1D575}"/>
+              </a:ext>
+            </a:extLst>
+          </p:cNvPr>
+          <p:cNvSpPr>
+            <a:spLocks noGrp="1"/>
+          </p:cNvSpPr>
+          <p:nvPr>
+            <p:ph type="title"/>
+          </p:nvPr>
+        </p:nvSpPr>
+        <p:spPr/>
+        <p:txBody>
+          <a:bodyPr>
+            <a:normAutofit fontScale="90000"/>
+          </a:bodyPr>
+          <a:lstStyle/>
+          <a:p>
+            <a:pPr algn="ctr"/>
+            <a:r>
+              <a:rPr lang="en-US" dirty="0"/>
+              <a:t>Can We Automatically Detect Commented-Out Code With an Acceptable Margin of Error?</a:t>
+            </a:r>
+          </a:p>
+        </p:txBody>
+      </p:sp>
+      <p:graphicFrame>
+        <p:nvGraphicFramePr>
+          <p:cNvPr id="6" name="Table 6">
+            <a:extLst>
+              <a:ext uri="{FF2B5EF4-FFF2-40B4-BE49-F238E27FC236}">
+                <a16:creationId xmlns:a16="http://schemas.microsoft.com/office/drawing/2014/main" id="{77541845-92C5-4A53-B4A4-4B26FA10EA8E}"/>
+              </a:ext>
+            </a:extLst>
+          </p:cNvPr>
+          <p:cNvGraphicFramePr>
+            <a:graphicFrameLocks noGrp="1"/>
+          </p:cNvGraphicFramePr>
+          <p:nvPr>
+            <p:ph idx="1"/>
+            <p:extLst>
+              <p:ext uri="{D42A27DB-BD31-4B8C-83A1-F6EECF244321}">
+                <p14:modId xmlns:p14="http://schemas.microsoft.com/office/powerpoint/2010/main" val="3151676821"/>
+              </p:ext>
+            </p:extLst>
+          </p:nvPr>
+        </p:nvGraphicFramePr>
+        <p:xfrm>
+          <a:off x="109055" y="2316479"/>
+          <a:ext cx="11853645" cy="4285425"/>
+        </p:xfrm>
+        <a:graphic>
+          <a:graphicData uri="http://schemas.openxmlformats.org/drawingml/2006/table">
+            <a:tbl>
+              <a:tblPr firstRow="1" bandRow="1">
+                <a:tableStyleId>{5C22544A-7EE6-4342-B048-85BDC9FD1C3A}</a:tableStyleId>
+              </a:tblPr>
+              <a:tblGrid>
+                <a:gridCol w="2370729">
+                  <a:extLst>
+                    <a:ext uri="{9D8B030D-6E8A-4147-A177-3AD203B41FA5}">
+                      <a16:colId xmlns:a16="http://schemas.microsoft.com/office/drawing/2014/main" val="1471558298"/>
+                    </a:ext>
+                  </a:extLst>
+                </a:gridCol>
+                <a:gridCol w="2370729">
+                  <a:extLst>
+                    <a:ext uri="{9D8B030D-6E8A-4147-A177-3AD203B41FA5}">
+                      <a16:colId xmlns:a16="http://schemas.microsoft.com/office/drawing/2014/main" val="2520520837"/>
+                    </a:ext>
+                  </a:extLst>
+                </a:gridCol>
+                <a:gridCol w="2370729">
+                  <a:extLst>
+                    <a:ext uri="{9D8B030D-6E8A-4147-A177-3AD203B41FA5}">
+                      <a16:colId xmlns:a16="http://schemas.microsoft.com/office/drawing/2014/main" val="3077038693"/>
+                    </a:ext>
+                  </a:extLst>
+                </a:gridCol>
+                <a:gridCol w="2370729">
+                  <a:extLst>
+                    <a:ext uri="{9D8B030D-6E8A-4147-A177-3AD203B41FA5}">
+                      <a16:colId xmlns:a16="http://schemas.microsoft.com/office/drawing/2014/main" val="705787540"/>
+                    </a:ext>
+                  </a:extLst>
+                </a:gridCol>
+                <a:gridCol w="2370729">
+                  <a:extLst>
+                    <a:ext uri="{9D8B030D-6E8A-4147-A177-3AD203B41FA5}">
+                      <a16:colId xmlns:a16="http://schemas.microsoft.com/office/drawing/2014/main" val="3120608333"/>
+                    </a:ext>
+                  </a:extLst>
+                </a:gridCol>
+              </a:tblGrid>
+              <a:tr h="599627">
+                <a:tc>
+                  <a:txBody>
+                    <a:bodyPr/>
+                    <a:lstStyle/>
+                    <a:p>
+                      <a:pPr marL="0" marR="0" indent="0" algn="ctr">
+                        <a:lnSpc>
+                          <a:spcPct val="200000"/>
+                        </a:lnSpc>
+                        <a:spcBef>
+                          <a:spcPts val="0"/>
+                        </a:spcBef>
+                        <a:spcAft>
+                          <a:spcPts val="0"/>
+                        </a:spcAft>
+                      </a:pPr>
+                      <a:r>
+                        <a:rPr lang="en-US" sz="2400" b="1" dirty="0">
+                          <a:solidFill>
+                            <a:srgbClr val="000000"/>
+                          </a:solidFill>
+                          <a:effectLst/>
+                          <a:latin typeface="Calibri" panose="020F0502020204030204" pitchFamily="34" charset="0"/>
+                          <a:ea typeface="Times New Roman" panose="02020603050405020304" pitchFamily="18" charset="0"/>
+                          <a:cs typeface="Times New Roman" panose="02020603050405020304" pitchFamily="18" charset="0"/>
+                        </a:rPr>
+                        <a:t>Fold Number</a:t>
+                      </a:r>
+                      <a:endParaRPr lang="en-US" sz="2400" dirty="0">
+                        <a:effectLst/>
+                        <a:latin typeface="Times New Roman" panose="02020603050405020304" pitchFamily="18" charset="0"/>
+                        <a:ea typeface="Calibri" panose="020F0502020204030204" pitchFamily="34" charset="0"/>
+                        <a:cs typeface="Times New Roman" panose="02020603050405020304" pitchFamily="18" charset="0"/>
+                      </a:endParaRPr>
+                    </a:p>
+                  </a:txBody>
+                  <a:tcPr marL="68580" marR="68580" marT="0" marB="0" anchor="b"/>
+                </a:tc>
+                <a:tc>
+                  <a:txBody>
+                    <a:bodyPr/>
+                    <a:lstStyle/>
+                    <a:p>
+                      <a:pPr marL="0" marR="0" indent="0" algn="ctr">
+                        <a:lnSpc>
+                          <a:spcPct val="200000"/>
+                        </a:lnSpc>
+                        <a:spcBef>
+                          <a:spcPts val="0"/>
+                        </a:spcBef>
+                        <a:spcAft>
+                          <a:spcPts val="0"/>
+                        </a:spcAft>
+                      </a:pPr>
+                      <a:r>
+                        <a:rPr lang="en-US" sz="2400" b="1" dirty="0">
+                          <a:solidFill>
+                            <a:srgbClr val="000000"/>
+                          </a:solidFill>
+                          <a:effectLst/>
+                          <a:latin typeface="Calibri" panose="020F0502020204030204" pitchFamily="34" charset="0"/>
+                          <a:ea typeface="Times New Roman" panose="02020603050405020304" pitchFamily="18" charset="0"/>
+                          <a:cs typeface="Times New Roman" panose="02020603050405020304" pitchFamily="18" charset="0"/>
+                        </a:rPr>
+                        <a:t>accuracy</a:t>
+                      </a:r>
+                      <a:endParaRPr lang="en-US" sz="2400" dirty="0">
+                        <a:effectLst/>
+                        <a:latin typeface="Times New Roman" panose="02020603050405020304" pitchFamily="18" charset="0"/>
+                        <a:ea typeface="Calibri" panose="020F0502020204030204" pitchFamily="34" charset="0"/>
+                        <a:cs typeface="Times New Roman" panose="02020603050405020304" pitchFamily="18" charset="0"/>
+                      </a:endParaRPr>
+                    </a:p>
+                  </a:txBody>
+                  <a:tcPr marL="68580" marR="68580" marT="0" marB="0" anchor="b"/>
+                </a:tc>
+                <a:tc>
+                  <a:txBody>
+                    <a:bodyPr/>
+                    <a:lstStyle/>
+                    <a:p>
+                      <a:pPr marL="0" marR="0" indent="0" algn="ctr">
+                        <a:lnSpc>
+                          <a:spcPct val="200000"/>
+                        </a:lnSpc>
+                        <a:spcBef>
+                          <a:spcPts val="0"/>
+                        </a:spcBef>
+                        <a:spcAft>
+                          <a:spcPts val="0"/>
+                        </a:spcAft>
+                      </a:pPr>
+                      <a:r>
+                        <a:rPr lang="en-US" sz="2400" b="1" dirty="0">
+                          <a:solidFill>
+                            <a:srgbClr val="000000"/>
+                          </a:solidFill>
+                          <a:effectLst/>
+                          <a:latin typeface="Calibri" panose="020F0502020204030204" pitchFamily="34" charset="0"/>
+                          <a:ea typeface="Times New Roman" panose="02020603050405020304" pitchFamily="18" charset="0"/>
+                          <a:cs typeface="Times New Roman" panose="02020603050405020304" pitchFamily="18" charset="0"/>
+                        </a:rPr>
+                        <a:t>precision</a:t>
+                      </a:r>
+                      <a:endParaRPr lang="en-US" sz="2400" dirty="0">
+                        <a:effectLst/>
+                        <a:latin typeface="Times New Roman" panose="02020603050405020304" pitchFamily="18" charset="0"/>
+                        <a:ea typeface="Calibri" panose="020F0502020204030204" pitchFamily="34" charset="0"/>
+                        <a:cs typeface="Times New Roman" panose="02020603050405020304" pitchFamily="18" charset="0"/>
+                      </a:endParaRPr>
+                    </a:p>
+                  </a:txBody>
+                  <a:tcPr marL="68580" marR="68580" marT="0" marB="0" anchor="b"/>
+                </a:tc>
+                <a:tc>
+                  <a:txBody>
+                    <a:bodyPr/>
+                    <a:lstStyle/>
+                    <a:p>
+                      <a:pPr marL="0" marR="0" indent="0" algn="ctr">
+                        <a:lnSpc>
+                          <a:spcPct val="200000"/>
+                        </a:lnSpc>
+                        <a:spcBef>
+                          <a:spcPts val="0"/>
+                        </a:spcBef>
+                        <a:spcAft>
+                          <a:spcPts val="0"/>
+                        </a:spcAft>
+                      </a:pPr>
+                      <a:r>
+                        <a:rPr lang="en-US" sz="2400" b="1" dirty="0">
+                          <a:solidFill>
+                            <a:srgbClr val="000000"/>
+                          </a:solidFill>
+                          <a:effectLst/>
+                          <a:latin typeface="Calibri" panose="020F0502020204030204" pitchFamily="34" charset="0"/>
+                          <a:ea typeface="Times New Roman" panose="02020603050405020304" pitchFamily="18" charset="0"/>
+                          <a:cs typeface="Times New Roman" panose="02020603050405020304" pitchFamily="18" charset="0"/>
+                        </a:rPr>
+                        <a:t>recall</a:t>
+                      </a:r>
+                      <a:endParaRPr lang="en-US" sz="2400" dirty="0">
+                        <a:effectLst/>
+                        <a:latin typeface="Times New Roman" panose="02020603050405020304" pitchFamily="18" charset="0"/>
+                        <a:ea typeface="Calibri" panose="020F0502020204030204" pitchFamily="34" charset="0"/>
+                        <a:cs typeface="Times New Roman" panose="02020603050405020304" pitchFamily="18" charset="0"/>
+                      </a:endParaRPr>
+                    </a:p>
+                  </a:txBody>
+                  <a:tcPr marL="68580" marR="68580" marT="0" marB="0" anchor="b"/>
+                </a:tc>
+                <a:tc>
+                  <a:txBody>
+                    <a:bodyPr/>
+                    <a:lstStyle/>
+                    <a:p>
+                      <a:pPr marL="0" marR="0" indent="0" algn="ctr">
+                        <a:lnSpc>
+                          <a:spcPct val="200000"/>
+                        </a:lnSpc>
+                        <a:spcBef>
+                          <a:spcPts val="0"/>
+                        </a:spcBef>
+                        <a:spcAft>
+                          <a:spcPts val="0"/>
+                        </a:spcAft>
+                      </a:pPr>
+                      <a:r>
+                        <a:rPr lang="en-US" sz="2400" b="1" dirty="0">
+                          <a:solidFill>
+                            <a:srgbClr val="000000"/>
+                          </a:solidFill>
+                          <a:effectLst/>
+                          <a:latin typeface="Calibri" panose="020F0502020204030204" pitchFamily="34" charset="0"/>
+                          <a:ea typeface="Times New Roman" panose="02020603050405020304" pitchFamily="18" charset="0"/>
+                          <a:cs typeface="Times New Roman" panose="02020603050405020304" pitchFamily="18" charset="0"/>
+                        </a:rPr>
+                        <a:t>F1</a:t>
+                      </a:r>
+                      <a:endParaRPr lang="en-US" sz="2400" dirty="0">
+                        <a:effectLst/>
+                        <a:latin typeface="Times New Roman" panose="02020603050405020304" pitchFamily="18" charset="0"/>
+                        <a:ea typeface="Calibri" panose="020F0502020204030204" pitchFamily="34" charset="0"/>
+                        <a:cs typeface="Times New Roman" panose="02020603050405020304" pitchFamily="18" charset="0"/>
+                      </a:endParaRPr>
+                    </a:p>
+                  </a:txBody>
+                  <a:tcPr marL="68580" marR="68580" marT="0" marB="0" anchor="b"/>
+                </a:tc>
+                <a:extLst>
+                  <a:ext uri="{0D108BD9-81ED-4DB2-BD59-A6C34878D82A}">
+                    <a16:rowId xmlns:a16="http://schemas.microsoft.com/office/drawing/2014/main" val="3013659293"/>
+                  </a:ext>
+                </a:extLst>
+              </a:tr>
+              <a:tr h="599627">
+                <a:tc>
+                  <a:txBody>
+                    <a:bodyPr/>
+                    <a:lstStyle/>
+                    <a:p>
+                      <a:pPr marL="0" marR="0" indent="0" algn="l">
+                        <a:lnSpc>
+                          <a:spcPct val="200000"/>
+                        </a:lnSpc>
+                        <a:spcBef>
+                          <a:spcPts val="0"/>
+                        </a:spcBef>
+                        <a:spcAft>
+                          <a:spcPts val="0"/>
+                        </a:spcAft>
+                      </a:pPr>
+                      <a:r>
+                        <a:rPr lang="en-US" sz="2800">
+                          <a:solidFill>
+                            <a:srgbClr val="000000"/>
+                          </a:solidFill>
+                          <a:effectLst/>
+                          <a:latin typeface="Calibri" panose="020F0502020204030204" pitchFamily="34" charset="0"/>
+                          <a:ea typeface="Times New Roman" panose="02020603050405020304" pitchFamily="18" charset="0"/>
+                          <a:cs typeface="Times New Roman" panose="02020603050405020304" pitchFamily="18" charset="0"/>
+                        </a:rPr>
+                        <a:t>1</a:t>
+                      </a:r>
+                      <a:endParaRPr lang="en-US" sz="2800">
+                        <a:effectLst/>
+                        <a:latin typeface="Times New Roman" panose="02020603050405020304" pitchFamily="18" charset="0"/>
+                        <a:ea typeface="Calibri" panose="020F0502020204030204" pitchFamily="34" charset="0"/>
+                        <a:cs typeface="Times New Roman" panose="02020603050405020304" pitchFamily="18" charset="0"/>
+                      </a:endParaRPr>
+                    </a:p>
+                  </a:txBody>
+                  <a:tcPr marL="68580" marR="68580" marT="0" marB="0" anchor="b"/>
+                </a:tc>
+                <a:tc>
+                  <a:txBody>
+                    <a:bodyPr/>
+                    <a:lstStyle/>
+                    <a:p>
+                      <a:pPr marL="0" marR="0" indent="0" algn="l">
+                        <a:lnSpc>
+                          <a:spcPct val="200000"/>
+                        </a:lnSpc>
+                        <a:spcBef>
+                          <a:spcPts val="0"/>
+                        </a:spcBef>
+                        <a:spcAft>
+                          <a:spcPts val="0"/>
+                        </a:spcAft>
+                      </a:pPr>
+                      <a:r>
+                        <a:rPr lang="en-US" sz="2800">
+                          <a:solidFill>
+                            <a:srgbClr val="000000"/>
+                          </a:solidFill>
+                          <a:effectLst/>
+                          <a:latin typeface="Calibri" panose="020F0502020204030204" pitchFamily="34" charset="0"/>
+                          <a:ea typeface="Times New Roman" panose="02020603050405020304" pitchFamily="18" charset="0"/>
+                          <a:cs typeface="Times New Roman" panose="02020603050405020304" pitchFamily="18" charset="0"/>
+                        </a:rPr>
+                        <a:t>98.50</a:t>
+                      </a:r>
+                      <a:endParaRPr lang="en-US" sz="2800">
+                        <a:effectLst/>
+                        <a:latin typeface="Times New Roman" panose="02020603050405020304" pitchFamily="18" charset="0"/>
+                        <a:ea typeface="Calibri" panose="020F0502020204030204" pitchFamily="34" charset="0"/>
+                        <a:cs typeface="Times New Roman" panose="02020603050405020304" pitchFamily="18" charset="0"/>
+                      </a:endParaRPr>
+                    </a:p>
+                  </a:txBody>
+                  <a:tcPr marL="68580" marR="68580" marT="0" marB="0" anchor="b"/>
+                </a:tc>
+                <a:tc>
+                  <a:txBody>
+                    <a:bodyPr/>
+                    <a:lstStyle/>
+                    <a:p>
+                      <a:pPr marL="0" marR="0" indent="0" algn="l">
+                        <a:lnSpc>
+                          <a:spcPct val="200000"/>
+                        </a:lnSpc>
+                        <a:spcBef>
+                          <a:spcPts val="0"/>
+                        </a:spcBef>
+                        <a:spcAft>
+                          <a:spcPts val="0"/>
+                        </a:spcAft>
+                      </a:pPr>
+                      <a:r>
+                        <a:rPr lang="en-US" sz="2800">
+                          <a:solidFill>
+                            <a:srgbClr val="000000"/>
+                          </a:solidFill>
+                          <a:effectLst/>
+                          <a:latin typeface="Calibri" panose="020F0502020204030204" pitchFamily="34" charset="0"/>
+                          <a:ea typeface="Times New Roman" panose="02020603050405020304" pitchFamily="18" charset="0"/>
+                          <a:cs typeface="Times New Roman" panose="02020603050405020304" pitchFamily="18" charset="0"/>
+                        </a:rPr>
+                        <a:t>98.15</a:t>
+                      </a:r>
+                      <a:endParaRPr lang="en-US" sz="2800">
+                        <a:effectLst/>
+                        <a:latin typeface="Times New Roman" panose="02020603050405020304" pitchFamily="18" charset="0"/>
+                        <a:ea typeface="Calibri" panose="020F0502020204030204" pitchFamily="34" charset="0"/>
+                        <a:cs typeface="Times New Roman" panose="02020603050405020304" pitchFamily="18" charset="0"/>
+                      </a:endParaRPr>
+                    </a:p>
+                  </a:txBody>
+                  <a:tcPr marL="68580" marR="68580" marT="0" marB="0" anchor="b"/>
+                </a:tc>
+                <a:tc>
+                  <a:txBody>
+                    <a:bodyPr/>
+                    <a:lstStyle/>
+                    <a:p>
+                      <a:pPr marL="0" marR="0" indent="0" algn="l">
+                        <a:lnSpc>
+                          <a:spcPct val="200000"/>
+                        </a:lnSpc>
+                        <a:spcBef>
+                          <a:spcPts val="0"/>
+                        </a:spcBef>
+                        <a:spcAft>
+                          <a:spcPts val="0"/>
+                        </a:spcAft>
+                      </a:pPr>
+                      <a:r>
+                        <a:rPr lang="en-US" sz="2800">
+                          <a:solidFill>
+                            <a:srgbClr val="000000"/>
+                          </a:solidFill>
+                          <a:effectLst/>
+                          <a:latin typeface="Calibri" panose="020F0502020204030204" pitchFamily="34" charset="0"/>
+                          <a:ea typeface="Times New Roman" panose="02020603050405020304" pitchFamily="18" charset="0"/>
+                          <a:cs typeface="Times New Roman" panose="02020603050405020304" pitchFamily="18" charset="0"/>
+                        </a:rPr>
+                        <a:t>99.07</a:t>
+                      </a:r>
+                      <a:endParaRPr lang="en-US" sz="2800">
+                        <a:effectLst/>
+                        <a:latin typeface="Times New Roman" panose="02020603050405020304" pitchFamily="18" charset="0"/>
+                        <a:ea typeface="Calibri" panose="020F0502020204030204" pitchFamily="34" charset="0"/>
+                        <a:cs typeface="Times New Roman" panose="02020603050405020304" pitchFamily="18" charset="0"/>
+                      </a:endParaRPr>
+                    </a:p>
+                  </a:txBody>
+                  <a:tcPr marL="68580" marR="68580" marT="0" marB="0" anchor="b"/>
+                </a:tc>
+                <a:tc>
+                  <a:txBody>
+                    <a:bodyPr/>
+                    <a:lstStyle/>
+                    <a:p>
+                      <a:pPr marL="0" marR="0" indent="0" algn="l">
+                        <a:lnSpc>
+                          <a:spcPct val="200000"/>
+                        </a:lnSpc>
+                        <a:spcBef>
+                          <a:spcPts val="0"/>
+                        </a:spcBef>
+                        <a:spcAft>
+                          <a:spcPts val="0"/>
+                        </a:spcAft>
+                      </a:pPr>
+                      <a:r>
+                        <a:rPr lang="en-US" sz="2800">
+                          <a:solidFill>
+                            <a:srgbClr val="000000"/>
+                          </a:solidFill>
+                          <a:effectLst/>
+                          <a:latin typeface="Calibri" panose="020F0502020204030204" pitchFamily="34" charset="0"/>
+                          <a:ea typeface="Times New Roman" panose="02020603050405020304" pitchFamily="18" charset="0"/>
+                          <a:cs typeface="Times New Roman" panose="02020603050405020304" pitchFamily="18" charset="0"/>
+                        </a:rPr>
+                        <a:t>98.60</a:t>
+                      </a:r>
+                      <a:endParaRPr lang="en-US" sz="2800">
+                        <a:effectLst/>
+                        <a:latin typeface="Times New Roman" panose="02020603050405020304" pitchFamily="18" charset="0"/>
+                        <a:ea typeface="Calibri" panose="020F0502020204030204" pitchFamily="34" charset="0"/>
+                        <a:cs typeface="Times New Roman" panose="02020603050405020304" pitchFamily="18" charset="0"/>
+                      </a:endParaRPr>
+                    </a:p>
+                  </a:txBody>
+                  <a:tcPr marL="68580" marR="68580" marT="0" marB="0" anchor="b"/>
+                </a:tc>
+                <a:extLst>
+                  <a:ext uri="{0D108BD9-81ED-4DB2-BD59-A6C34878D82A}">
+                    <a16:rowId xmlns:a16="http://schemas.microsoft.com/office/drawing/2014/main" val="2700766554"/>
+                  </a:ext>
+                </a:extLst>
+              </a:tr>
+              <a:tr h="599627">
+                <a:tc>
+                  <a:txBody>
+                    <a:bodyPr/>
+                    <a:lstStyle/>
+                    <a:p>
+                      <a:pPr marL="0" marR="0" indent="0" algn="l">
+                        <a:lnSpc>
+                          <a:spcPct val="200000"/>
+                        </a:lnSpc>
+                        <a:spcBef>
+                          <a:spcPts val="0"/>
+                        </a:spcBef>
+                        <a:spcAft>
+                          <a:spcPts val="0"/>
+                        </a:spcAft>
+                      </a:pPr>
+                      <a:r>
+                        <a:rPr lang="en-US" sz="2800">
+                          <a:solidFill>
+                            <a:srgbClr val="000000"/>
+                          </a:solidFill>
+                          <a:effectLst/>
+                          <a:latin typeface="Calibri" panose="020F0502020204030204" pitchFamily="34" charset="0"/>
+                          <a:ea typeface="Times New Roman" panose="02020603050405020304" pitchFamily="18" charset="0"/>
+                          <a:cs typeface="Times New Roman" panose="02020603050405020304" pitchFamily="18" charset="0"/>
+                        </a:rPr>
+                        <a:t>2</a:t>
+                      </a:r>
+                      <a:endParaRPr lang="en-US" sz="2800">
+                        <a:effectLst/>
+                        <a:latin typeface="Times New Roman" panose="02020603050405020304" pitchFamily="18" charset="0"/>
+                        <a:ea typeface="Calibri" panose="020F0502020204030204" pitchFamily="34" charset="0"/>
+                        <a:cs typeface="Times New Roman" panose="02020603050405020304" pitchFamily="18" charset="0"/>
+                      </a:endParaRPr>
+                    </a:p>
+                  </a:txBody>
+                  <a:tcPr marL="68580" marR="68580" marT="0" marB="0" anchor="b"/>
+                </a:tc>
+                <a:tc>
+                  <a:txBody>
+                    <a:bodyPr/>
+                    <a:lstStyle/>
+                    <a:p>
+                      <a:pPr marL="0" marR="0" indent="0" algn="l">
+                        <a:lnSpc>
+                          <a:spcPct val="200000"/>
+                        </a:lnSpc>
+                        <a:spcBef>
+                          <a:spcPts val="0"/>
+                        </a:spcBef>
+                        <a:spcAft>
+                          <a:spcPts val="0"/>
+                        </a:spcAft>
+                      </a:pPr>
+                      <a:r>
+                        <a:rPr lang="en-US" sz="2800">
+                          <a:solidFill>
+                            <a:srgbClr val="000000"/>
+                          </a:solidFill>
+                          <a:effectLst/>
+                          <a:latin typeface="Calibri" panose="020F0502020204030204" pitchFamily="34" charset="0"/>
+                          <a:ea typeface="Times New Roman" panose="02020603050405020304" pitchFamily="18" charset="0"/>
+                          <a:cs typeface="Times New Roman" panose="02020603050405020304" pitchFamily="18" charset="0"/>
+                        </a:rPr>
+                        <a:t>97.00</a:t>
+                      </a:r>
+                      <a:endParaRPr lang="en-US" sz="2800">
+                        <a:effectLst/>
+                        <a:latin typeface="Times New Roman" panose="02020603050405020304" pitchFamily="18" charset="0"/>
+                        <a:ea typeface="Calibri" panose="020F0502020204030204" pitchFamily="34" charset="0"/>
+                        <a:cs typeface="Times New Roman" panose="02020603050405020304" pitchFamily="18" charset="0"/>
+                      </a:endParaRPr>
+                    </a:p>
+                  </a:txBody>
+                  <a:tcPr marL="68580" marR="68580" marT="0" marB="0" anchor="b"/>
+                </a:tc>
+                <a:tc>
+                  <a:txBody>
+                    <a:bodyPr/>
+                    <a:lstStyle/>
+                    <a:p>
+                      <a:pPr marL="0" marR="0" indent="0" algn="l">
+                        <a:lnSpc>
+                          <a:spcPct val="200000"/>
+                        </a:lnSpc>
+                        <a:spcBef>
+                          <a:spcPts val="0"/>
+                        </a:spcBef>
+                        <a:spcAft>
+                          <a:spcPts val="0"/>
+                        </a:spcAft>
+                      </a:pPr>
+                      <a:r>
+                        <a:rPr lang="en-US" sz="2800">
+                          <a:solidFill>
+                            <a:srgbClr val="000000"/>
+                          </a:solidFill>
+                          <a:effectLst/>
+                          <a:latin typeface="Calibri" panose="020F0502020204030204" pitchFamily="34" charset="0"/>
+                          <a:ea typeface="Times New Roman" panose="02020603050405020304" pitchFamily="18" charset="0"/>
+                          <a:cs typeface="Times New Roman" panose="02020603050405020304" pitchFamily="18" charset="0"/>
+                        </a:rPr>
+                        <a:t>100.00</a:t>
+                      </a:r>
+                      <a:endParaRPr lang="en-US" sz="2800">
+                        <a:effectLst/>
+                        <a:latin typeface="Times New Roman" panose="02020603050405020304" pitchFamily="18" charset="0"/>
+                        <a:ea typeface="Calibri" panose="020F0502020204030204" pitchFamily="34" charset="0"/>
+                        <a:cs typeface="Times New Roman" panose="02020603050405020304" pitchFamily="18" charset="0"/>
+                      </a:endParaRPr>
+                    </a:p>
+                  </a:txBody>
+                  <a:tcPr marL="68580" marR="68580" marT="0" marB="0" anchor="b"/>
+                </a:tc>
+                <a:tc>
+                  <a:txBody>
+                    <a:bodyPr/>
+                    <a:lstStyle/>
+                    <a:p>
+                      <a:pPr marL="0" marR="0" indent="0" algn="l">
+                        <a:lnSpc>
+                          <a:spcPct val="200000"/>
+                        </a:lnSpc>
+                        <a:spcBef>
+                          <a:spcPts val="0"/>
+                        </a:spcBef>
+                        <a:spcAft>
+                          <a:spcPts val="0"/>
+                        </a:spcAft>
+                      </a:pPr>
+                      <a:r>
+                        <a:rPr lang="en-US" sz="2800">
+                          <a:solidFill>
+                            <a:srgbClr val="000000"/>
+                          </a:solidFill>
+                          <a:effectLst/>
+                          <a:latin typeface="Calibri" panose="020F0502020204030204" pitchFamily="34" charset="0"/>
+                          <a:ea typeface="Times New Roman" panose="02020603050405020304" pitchFamily="18" charset="0"/>
+                          <a:cs typeface="Times New Roman" panose="02020603050405020304" pitchFamily="18" charset="0"/>
+                        </a:rPr>
+                        <a:t>94.00</a:t>
+                      </a:r>
+                      <a:endParaRPr lang="en-US" sz="2800">
+                        <a:effectLst/>
+                        <a:latin typeface="Times New Roman" panose="02020603050405020304" pitchFamily="18" charset="0"/>
+                        <a:ea typeface="Calibri" panose="020F0502020204030204" pitchFamily="34" charset="0"/>
+                        <a:cs typeface="Times New Roman" panose="02020603050405020304" pitchFamily="18" charset="0"/>
+                      </a:endParaRPr>
+                    </a:p>
+                  </a:txBody>
+                  <a:tcPr marL="68580" marR="68580" marT="0" marB="0" anchor="b"/>
+                </a:tc>
+                <a:tc>
+                  <a:txBody>
+                    <a:bodyPr/>
+                    <a:lstStyle/>
+                    <a:p>
+                      <a:pPr marL="0" marR="0" indent="0" algn="l">
+                        <a:lnSpc>
+                          <a:spcPct val="200000"/>
+                        </a:lnSpc>
+                        <a:spcBef>
+                          <a:spcPts val="0"/>
+                        </a:spcBef>
+                        <a:spcAft>
+                          <a:spcPts val="0"/>
+                        </a:spcAft>
+                      </a:pPr>
+                      <a:r>
+                        <a:rPr lang="en-US" sz="2800">
+                          <a:solidFill>
+                            <a:srgbClr val="000000"/>
+                          </a:solidFill>
+                          <a:effectLst/>
+                          <a:latin typeface="Calibri" panose="020F0502020204030204" pitchFamily="34" charset="0"/>
+                          <a:ea typeface="Times New Roman" panose="02020603050405020304" pitchFamily="18" charset="0"/>
+                          <a:cs typeface="Times New Roman" panose="02020603050405020304" pitchFamily="18" charset="0"/>
+                        </a:rPr>
+                        <a:t>96.91</a:t>
+                      </a:r>
+                      <a:endParaRPr lang="en-US" sz="2800">
+                        <a:effectLst/>
+                        <a:latin typeface="Times New Roman" panose="02020603050405020304" pitchFamily="18" charset="0"/>
+                        <a:ea typeface="Calibri" panose="020F0502020204030204" pitchFamily="34" charset="0"/>
+                        <a:cs typeface="Times New Roman" panose="02020603050405020304" pitchFamily="18" charset="0"/>
+                      </a:endParaRPr>
+                    </a:p>
+                  </a:txBody>
+                  <a:tcPr marL="68580" marR="68580" marT="0" marB="0" anchor="b"/>
+                </a:tc>
+                <a:extLst>
+                  <a:ext uri="{0D108BD9-81ED-4DB2-BD59-A6C34878D82A}">
+                    <a16:rowId xmlns:a16="http://schemas.microsoft.com/office/drawing/2014/main" val="16180132"/>
+                  </a:ext>
+                </a:extLst>
+              </a:tr>
+              <a:tr h="599627">
+                <a:tc>
+                  <a:txBody>
+                    <a:bodyPr/>
+                    <a:lstStyle/>
+                    <a:p>
+                      <a:pPr marL="0" marR="0" indent="0" algn="l">
+                        <a:lnSpc>
+                          <a:spcPct val="200000"/>
+                        </a:lnSpc>
+                        <a:spcBef>
+                          <a:spcPts val="0"/>
+                        </a:spcBef>
+                        <a:spcAft>
+                          <a:spcPts val="0"/>
+                        </a:spcAft>
+                      </a:pPr>
+                      <a:r>
+                        <a:rPr lang="en-US" sz="2800">
+                          <a:solidFill>
+                            <a:srgbClr val="000000"/>
+                          </a:solidFill>
+                          <a:effectLst/>
+                          <a:latin typeface="Calibri" panose="020F0502020204030204" pitchFamily="34" charset="0"/>
+                          <a:ea typeface="Times New Roman" panose="02020603050405020304" pitchFamily="18" charset="0"/>
+                          <a:cs typeface="Times New Roman" panose="02020603050405020304" pitchFamily="18" charset="0"/>
+                        </a:rPr>
+                        <a:t>3</a:t>
+                      </a:r>
+                      <a:endParaRPr lang="en-US" sz="2800">
+                        <a:effectLst/>
+                        <a:latin typeface="Times New Roman" panose="02020603050405020304" pitchFamily="18" charset="0"/>
+                        <a:ea typeface="Calibri" panose="020F0502020204030204" pitchFamily="34" charset="0"/>
+                        <a:cs typeface="Times New Roman" panose="02020603050405020304" pitchFamily="18" charset="0"/>
+                      </a:endParaRPr>
+                    </a:p>
+                  </a:txBody>
+                  <a:tcPr marL="68580" marR="68580" marT="0" marB="0" anchor="b"/>
+                </a:tc>
+                <a:tc>
+                  <a:txBody>
+                    <a:bodyPr/>
+                    <a:lstStyle/>
+                    <a:p>
+                      <a:pPr marL="0" marR="0" indent="0" algn="l">
+                        <a:lnSpc>
+                          <a:spcPct val="200000"/>
+                        </a:lnSpc>
+                        <a:spcBef>
+                          <a:spcPts val="0"/>
+                        </a:spcBef>
+                        <a:spcAft>
+                          <a:spcPts val="0"/>
+                        </a:spcAft>
+                      </a:pPr>
+                      <a:r>
+                        <a:rPr lang="en-US" sz="2800">
+                          <a:solidFill>
+                            <a:srgbClr val="000000"/>
+                          </a:solidFill>
+                          <a:effectLst/>
+                          <a:latin typeface="Calibri" panose="020F0502020204030204" pitchFamily="34" charset="0"/>
+                          <a:ea typeface="Times New Roman" panose="02020603050405020304" pitchFamily="18" charset="0"/>
+                          <a:cs typeface="Times New Roman" panose="02020603050405020304" pitchFamily="18" charset="0"/>
+                        </a:rPr>
+                        <a:t>97.50</a:t>
+                      </a:r>
+                      <a:endParaRPr lang="en-US" sz="2800">
+                        <a:effectLst/>
+                        <a:latin typeface="Times New Roman" panose="02020603050405020304" pitchFamily="18" charset="0"/>
+                        <a:ea typeface="Calibri" panose="020F0502020204030204" pitchFamily="34" charset="0"/>
+                        <a:cs typeface="Times New Roman" panose="02020603050405020304" pitchFamily="18" charset="0"/>
+                      </a:endParaRPr>
+                    </a:p>
+                  </a:txBody>
+                  <a:tcPr marL="68580" marR="68580" marT="0" marB="0" anchor="b"/>
+                </a:tc>
+                <a:tc>
+                  <a:txBody>
+                    <a:bodyPr/>
+                    <a:lstStyle/>
+                    <a:p>
+                      <a:pPr marL="0" marR="0" indent="0" algn="l">
+                        <a:lnSpc>
+                          <a:spcPct val="200000"/>
+                        </a:lnSpc>
+                        <a:spcBef>
+                          <a:spcPts val="0"/>
+                        </a:spcBef>
+                        <a:spcAft>
+                          <a:spcPts val="0"/>
+                        </a:spcAft>
+                      </a:pPr>
+                      <a:r>
+                        <a:rPr lang="en-US" sz="2800">
+                          <a:solidFill>
+                            <a:srgbClr val="000000"/>
+                          </a:solidFill>
+                          <a:effectLst/>
+                          <a:latin typeface="Calibri" panose="020F0502020204030204" pitchFamily="34" charset="0"/>
+                          <a:ea typeface="Times New Roman" panose="02020603050405020304" pitchFamily="18" charset="0"/>
+                          <a:cs typeface="Times New Roman" panose="02020603050405020304" pitchFamily="18" charset="0"/>
+                        </a:rPr>
+                        <a:t>95.65</a:t>
+                      </a:r>
+                      <a:endParaRPr lang="en-US" sz="2800">
+                        <a:effectLst/>
+                        <a:latin typeface="Times New Roman" panose="02020603050405020304" pitchFamily="18" charset="0"/>
+                        <a:ea typeface="Calibri" panose="020F0502020204030204" pitchFamily="34" charset="0"/>
+                        <a:cs typeface="Times New Roman" panose="02020603050405020304" pitchFamily="18" charset="0"/>
+                      </a:endParaRPr>
+                    </a:p>
+                  </a:txBody>
+                  <a:tcPr marL="68580" marR="68580" marT="0" marB="0" anchor="b"/>
+                </a:tc>
+                <a:tc>
+                  <a:txBody>
+                    <a:bodyPr/>
+                    <a:lstStyle/>
+                    <a:p>
+                      <a:pPr marL="0" marR="0" indent="0" algn="l">
+                        <a:lnSpc>
+                          <a:spcPct val="200000"/>
+                        </a:lnSpc>
+                        <a:spcBef>
+                          <a:spcPts val="0"/>
+                        </a:spcBef>
+                        <a:spcAft>
+                          <a:spcPts val="0"/>
+                        </a:spcAft>
+                      </a:pPr>
+                      <a:r>
+                        <a:rPr lang="en-US" sz="2800">
+                          <a:solidFill>
+                            <a:srgbClr val="000000"/>
+                          </a:solidFill>
+                          <a:effectLst/>
+                          <a:latin typeface="Calibri" panose="020F0502020204030204" pitchFamily="34" charset="0"/>
+                          <a:ea typeface="Times New Roman" panose="02020603050405020304" pitchFamily="18" charset="0"/>
+                          <a:cs typeface="Times New Roman" panose="02020603050405020304" pitchFamily="18" charset="0"/>
+                        </a:rPr>
+                        <a:t>98.88</a:t>
+                      </a:r>
+                      <a:endParaRPr lang="en-US" sz="2800">
+                        <a:effectLst/>
+                        <a:latin typeface="Times New Roman" panose="02020603050405020304" pitchFamily="18" charset="0"/>
+                        <a:ea typeface="Calibri" panose="020F0502020204030204" pitchFamily="34" charset="0"/>
+                        <a:cs typeface="Times New Roman" panose="02020603050405020304" pitchFamily="18" charset="0"/>
+                      </a:endParaRPr>
+                    </a:p>
+                  </a:txBody>
+                  <a:tcPr marL="68580" marR="68580" marT="0" marB="0" anchor="b"/>
+                </a:tc>
+                <a:tc>
+                  <a:txBody>
+                    <a:bodyPr/>
+                    <a:lstStyle/>
+                    <a:p>
+                      <a:pPr marL="0" marR="0" indent="0" algn="l">
+                        <a:lnSpc>
+                          <a:spcPct val="200000"/>
+                        </a:lnSpc>
+                        <a:spcBef>
+                          <a:spcPts val="0"/>
+                        </a:spcBef>
+                        <a:spcAft>
+                          <a:spcPts val="0"/>
+                        </a:spcAft>
+                      </a:pPr>
+                      <a:r>
+                        <a:rPr lang="en-US" sz="2800">
+                          <a:solidFill>
+                            <a:srgbClr val="000000"/>
+                          </a:solidFill>
+                          <a:effectLst/>
+                          <a:latin typeface="Calibri" panose="020F0502020204030204" pitchFamily="34" charset="0"/>
+                          <a:ea typeface="Times New Roman" panose="02020603050405020304" pitchFamily="18" charset="0"/>
+                          <a:cs typeface="Times New Roman" panose="02020603050405020304" pitchFamily="18" charset="0"/>
+                        </a:rPr>
+                        <a:t>97.23</a:t>
+                      </a:r>
+                      <a:endParaRPr lang="en-US" sz="2800">
+                        <a:effectLst/>
+                        <a:latin typeface="Times New Roman" panose="02020603050405020304" pitchFamily="18" charset="0"/>
+                        <a:ea typeface="Calibri" panose="020F0502020204030204" pitchFamily="34" charset="0"/>
+                        <a:cs typeface="Times New Roman" panose="02020603050405020304" pitchFamily="18" charset="0"/>
+                      </a:endParaRPr>
+                    </a:p>
+                  </a:txBody>
+                  <a:tcPr marL="68580" marR="68580" marT="0" marB="0" anchor="b"/>
+                </a:tc>
+                <a:extLst>
+                  <a:ext uri="{0D108BD9-81ED-4DB2-BD59-A6C34878D82A}">
+                    <a16:rowId xmlns:a16="http://schemas.microsoft.com/office/drawing/2014/main" val="2007775634"/>
+                  </a:ext>
+                </a:extLst>
+              </a:tr>
+              <a:tr h="599627">
+                <a:tc>
+                  <a:txBody>
+                    <a:bodyPr/>
+                    <a:lstStyle/>
+                    <a:p>
+                      <a:pPr marL="0" marR="0" indent="0" algn="l">
+                        <a:lnSpc>
+                          <a:spcPct val="200000"/>
+                        </a:lnSpc>
+                        <a:spcBef>
+                          <a:spcPts val="0"/>
+                        </a:spcBef>
+                        <a:spcAft>
+                          <a:spcPts val="0"/>
+                        </a:spcAft>
+                      </a:pPr>
+                      <a:r>
+                        <a:rPr lang="en-US" sz="2800">
+                          <a:solidFill>
+                            <a:srgbClr val="000000"/>
+                          </a:solidFill>
+                          <a:effectLst/>
+                          <a:latin typeface="Calibri" panose="020F0502020204030204" pitchFamily="34" charset="0"/>
+                          <a:ea typeface="Times New Roman" panose="02020603050405020304" pitchFamily="18" charset="0"/>
+                          <a:cs typeface="Times New Roman" panose="02020603050405020304" pitchFamily="18" charset="0"/>
+                        </a:rPr>
+                        <a:t>4</a:t>
+                      </a:r>
+                      <a:endParaRPr lang="en-US" sz="2800">
+                        <a:effectLst/>
+                        <a:latin typeface="Times New Roman" panose="02020603050405020304" pitchFamily="18" charset="0"/>
+                        <a:ea typeface="Calibri" panose="020F0502020204030204" pitchFamily="34" charset="0"/>
+                        <a:cs typeface="Times New Roman" panose="02020603050405020304" pitchFamily="18" charset="0"/>
+                      </a:endParaRPr>
+                    </a:p>
+                  </a:txBody>
+                  <a:tcPr marL="68580" marR="68580" marT="0" marB="0" anchor="b"/>
+                </a:tc>
+                <a:tc>
+                  <a:txBody>
+                    <a:bodyPr/>
+                    <a:lstStyle/>
+                    <a:p>
+                      <a:pPr marL="0" marR="0" indent="0" algn="l">
+                        <a:lnSpc>
+                          <a:spcPct val="200000"/>
+                        </a:lnSpc>
+                        <a:spcBef>
+                          <a:spcPts val="0"/>
+                        </a:spcBef>
+                        <a:spcAft>
+                          <a:spcPts val="0"/>
+                        </a:spcAft>
+                      </a:pPr>
+                      <a:r>
+                        <a:rPr lang="en-US" sz="2800">
+                          <a:solidFill>
+                            <a:srgbClr val="000000"/>
+                          </a:solidFill>
+                          <a:effectLst/>
+                          <a:latin typeface="Calibri" panose="020F0502020204030204" pitchFamily="34" charset="0"/>
+                          <a:ea typeface="Times New Roman" panose="02020603050405020304" pitchFamily="18" charset="0"/>
+                          <a:cs typeface="Times New Roman" panose="02020603050405020304" pitchFamily="18" charset="0"/>
+                        </a:rPr>
+                        <a:t>98.50</a:t>
+                      </a:r>
+                      <a:endParaRPr lang="en-US" sz="2800">
+                        <a:effectLst/>
+                        <a:latin typeface="Times New Roman" panose="02020603050405020304" pitchFamily="18" charset="0"/>
+                        <a:ea typeface="Calibri" panose="020F0502020204030204" pitchFamily="34" charset="0"/>
+                        <a:cs typeface="Times New Roman" panose="02020603050405020304" pitchFamily="18" charset="0"/>
+                      </a:endParaRPr>
+                    </a:p>
+                  </a:txBody>
+                  <a:tcPr marL="68580" marR="68580" marT="0" marB="0" anchor="b"/>
+                </a:tc>
+                <a:tc>
+                  <a:txBody>
+                    <a:bodyPr/>
+                    <a:lstStyle/>
+                    <a:p>
+                      <a:pPr marL="0" marR="0" indent="0" algn="l">
+                        <a:lnSpc>
+                          <a:spcPct val="200000"/>
+                        </a:lnSpc>
+                        <a:spcBef>
+                          <a:spcPts val="0"/>
+                        </a:spcBef>
+                        <a:spcAft>
+                          <a:spcPts val="0"/>
+                        </a:spcAft>
+                      </a:pPr>
+                      <a:r>
+                        <a:rPr lang="en-US" sz="2800">
+                          <a:solidFill>
+                            <a:srgbClr val="000000"/>
+                          </a:solidFill>
+                          <a:effectLst/>
+                          <a:latin typeface="Calibri" panose="020F0502020204030204" pitchFamily="34" charset="0"/>
+                          <a:ea typeface="Times New Roman" panose="02020603050405020304" pitchFamily="18" charset="0"/>
+                          <a:cs typeface="Times New Roman" panose="02020603050405020304" pitchFamily="18" charset="0"/>
+                        </a:rPr>
+                        <a:t>99.00</a:t>
+                      </a:r>
+                      <a:endParaRPr lang="en-US" sz="2800">
+                        <a:effectLst/>
+                        <a:latin typeface="Times New Roman" panose="02020603050405020304" pitchFamily="18" charset="0"/>
+                        <a:ea typeface="Calibri" panose="020F0502020204030204" pitchFamily="34" charset="0"/>
+                        <a:cs typeface="Times New Roman" panose="02020603050405020304" pitchFamily="18" charset="0"/>
+                      </a:endParaRPr>
+                    </a:p>
+                  </a:txBody>
+                  <a:tcPr marL="68580" marR="68580" marT="0" marB="0" anchor="b"/>
+                </a:tc>
+                <a:tc>
+                  <a:txBody>
+                    <a:bodyPr/>
+                    <a:lstStyle/>
+                    <a:p>
+                      <a:pPr marL="0" marR="0" indent="0" algn="l">
+                        <a:lnSpc>
+                          <a:spcPct val="200000"/>
+                        </a:lnSpc>
+                        <a:spcBef>
+                          <a:spcPts val="0"/>
+                        </a:spcBef>
+                        <a:spcAft>
+                          <a:spcPts val="0"/>
+                        </a:spcAft>
+                      </a:pPr>
+                      <a:r>
+                        <a:rPr lang="en-US" sz="2800">
+                          <a:solidFill>
+                            <a:srgbClr val="000000"/>
+                          </a:solidFill>
+                          <a:effectLst/>
+                          <a:latin typeface="Calibri" panose="020F0502020204030204" pitchFamily="34" charset="0"/>
+                          <a:ea typeface="Times New Roman" panose="02020603050405020304" pitchFamily="18" charset="0"/>
+                          <a:cs typeface="Times New Roman" panose="02020603050405020304" pitchFamily="18" charset="0"/>
+                        </a:rPr>
+                        <a:t>98.02</a:t>
+                      </a:r>
+                      <a:endParaRPr lang="en-US" sz="2800">
+                        <a:effectLst/>
+                        <a:latin typeface="Times New Roman" panose="02020603050405020304" pitchFamily="18" charset="0"/>
+                        <a:ea typeface="Calibri" panose="020F0502020204030204" pitchFamily="34" charset="0"/>
+                        <a:cs typeface="Times New Roman" panose="02020603050405020304" pitchFamily="18" charset="0"/>
+                      </a:endParaRPr>
+                    </a:p>
+                  </a:txBody>
+                  <a:tcPr marL="68580" marR="68580" marT="0" marB="0" anchor="b"/>
+                </a:tc>
+                <a:tc>
+                  <a:txBody>
+                    <a:bodyPr/>
+                    <a:lstStyle/>
+                    <a:p>
+                      <a:pPr marL="0" marR="0" indent="0" algn="l">
+                        <a:lnSpc>
+                          <a:spcPct val="200000"/>
+                        </a:lnSpc>
+                        <a:spcBef>
+                          <a:spcPts val="0"/>
+                        </a:spcBef>
+                        <a:spcAft>
+                          <a:spcPts val="0"/>
+                        </a:spcAft>
+                      </a:pPr>
+                      <a:r>
+                        <a:rPr lang="en-US" sz="2800">
+                          <a:solidFill>
+                            <a:srgbClr val="000000"/>
+                          </a:solidFill>
+                          <a:effectLst/>
+                          <a:latin typeface="Calibri" panose="020F0502020204030204" pitchFamily="34" charset="0"/>
+                          <a:ea typeface="Times New Roman" panose="02020603050405020304" pitchFamily="18" charset="0"/>
+                          <a:cs typeface="Times New Roman" panose="02020603050405020304" pitchFamily="18" charset="0"/>
+                        </a:rPr>
+                        <a:t>98.51</a:t>
+                      </a:r>
+                      <a:endParaRPr lang="en-US" sz="2800">
+                        <a:effectLst/>
+                        <a:latin typeface="Times New Roman" panose="02020603050405020304" pitchFamily="18" charset="0"/>
+                        <a:ea typeface="Calibri" panose="020F0502020204030204" pitchFamily="34" charset="0"/>
+                        <a:cs typeface="Times New Roman" panose="02020603050405020304" pitchFamily="18" charset="0"/>
+                      </a:endParaRPr>
+                    </a:p>
+                  </a:txBody>
+                  <a:tcPr marL="68580" marR="68580" marT="0" marB="0" anchor="b"/>
+                </a:tc>
+                <a:extLst>
+                  <a:ext uri="{0D108BD9-81ED-4DB2-BD59-A6C34878D82A}">
+                    <a16:rowId xmlns:a16="http://schemas.microsoft.com/office/drawing/2014/main" val="643496013"/>
+                  </a:ext>
+                </a:extLst>
+              </a:tr>
+              <a:tr h="599627">
+                <a:tc>
+                  <a:txBody>
+                    <a:bodyPr/>
+                    <a:lstStyle/>
+                    <a:p>
+                      <a:pPr marL="0" marR="0" indent="0" algn="l">
+                        <a:lnSpc>
+                          <a:spcPct val="200000"/>
+                        </a:lnSpc>
+                        <a:spcBef>
+                          <a:spcPts val="0"/>
+                        </a:spcBef>
+                        <a:spcAft>
+                          <a:spcPts val="0"/>
+                        </a:spcAft>
+                      </a:pPr>
+                      <a:r>
+                        <a:rPr lang="en-US" sz="2800">
+                          <a:solidFill>
+                            <a:srgbClr val="000000"/>
+                          </a:solidFill>
+                          <a:effectLst/>
+                          <a:latin typeface="Calibri" panose="020F0502020204030204" pitchFamily="34" charset="0"/>
+                          <a:ea typeface="Times New Roman" panose="02020603050405020304" pitchFamily="18" charset="0"/>
+                          <a:cs typeface="Times New Roman" panose="02020603050405020304" pitchFamily="18" charset="0"/>
+                        </a:rPr>
+                        <a:t>5</a:t>
+                      </a:r>
+                      <a:endParaRPr lang="en-US" sz="2800">
+                        <a:effectLst/>
+                        <a:latin typeface="Times New Roman" panose="02020603050405020304" pitchFamily="18" charset="0"/>
+                        <a:ea typeface="Calibri" panose="020F0502020204030204" pitchFamily="34" charset="0"/>
+                        <a:cs typeface="Times New Roman" panose="02020603050405020304" pitchFamily="18" charset="0"/>
+                      </a:endParaRPr>
+                    </a:p>
+                  </a:txBody>
+                  <a:tcPr marL="68580" marR="68580" marT="0" marB="0" anchor="b"/>
+                </a:tc>
+                <a:tc>
+                  <a:txBody>
+                    <a:bodyPr/>
+                    <a:lstStyle/>
+                    <a:p>
+                      <a:pPr marL="0" marR="0" indent="0" algn="l">
+                        <a:lnSpc>
+                          <a:spcPct val="200000"/>
+                        </a:lnSpc>
+                        <a:spcBef>
+                          <a:spcPts val="0"/>
+                        </a:spcBef>
+                        <a:spcAft>
+                          <a:spcPts val="0"/>
+                        </a:spcAft>
+                      </a:pPr>
+                      <a:r>
+                        <a:rPr lang="en-US" sz="2800" dirty="0">
+                          <a:solidFill>
+                            <a:srgbClr val="000000"/>
+                          </a:solidFill>
+                          <a:effectLst/>
+                          <a:latin typeface="Calibri" panose="020F0502020204030204" pitchFamily="34" charset="0"/>
+                          <a:ea typeface="Times New Roman" panose="02020603050405020304" pitchFamily="18" charset="0"/>
+                          <a:cs typeface="Times New Roman" panose="02020603050405020304" pitchFamily="18" charset="0"/>
+                        </a:rPr>
+                        <a:t>98.00</a:t>
+                      </a:r>
+                      <a:endParaRPr lang="en-US" sz="2800" dirty="0">
+                        <a:effectLst/>
+                        <a:latin typeface="Times New Roman" panose="02020603050405020304" pitchFamily="18" charset="0"/>
+                        <a:ea typeface="Calibri" panose="020F0502020204030204" pitchFamily="34" charset="0"/>
+                        <a:cs typeface="Times New Roman" panose="02020603050405020304" pitchFamily="18" charset="0"/>
+                      </a:endParaRPr>
+                    </a:p>
+                  </a:txBody>
+                  <a:tcPr marL="68580" marR="68580" marT="0" marB="0" anchor="b"/>
+                </a:tc>
+                <a:tc>
+                  <a:txBody>
+                    <a:bodyPr/>
+                    <a:lstStyle/>
+                    <a:p>
+                      <a:pPr marL="0" marR="0" indent="0" algn="l">
+                        <a:lnSpc>
+                          <a:spcPct val="200000"/>
+                        </a:lnSpc>
+                        <a:spcBef>
+                          <a:spcPts val="0"/>
+                        </a:spcBef>
+                        <a:spcAft>
+                          <a:spcPts val="0"/>
+                        </a:spcAft>
+                      </a:pPr>
+                      <a:r>
+                        <a:rPr lang="en-US" sz="2800" dirty="0">
+                          <a:solidFill>
+                            <a:srgbClr val="000000"/>
+                          </a:solidFill>
+                          <a:effectLst/>
+                          <a:latin typeface="Calibri" panose="020F0502020204030204" pitchFamily="34" charset="0"/>
+                          <a:ea typeface="Times New Roman" panose="02020603050405020304" pitchFamily="18" charset="0"/>
+                          <a:cs typeface="Times New Roman" panose="02020603050405020304" pitchFamily="18" charset="0"/>
+                        </a:rPr>
+                        <a:t>99.01</a:t>
+                      </a:r>
+                      <a:endParaRPr lang="en-US" sz="2800" dirty="0">
+                        <a:effectLst/>
+                        <a:latin typeface="Times New Roman" panose="02020603050405020304" pitchFamily="18" charset="0"/>
+                        <a:ea typeface="Calibri" panose="020F0502020204030204" pitchFamily="34" charset="0"/>
+                        <a:cs typeface="Times New Roman" panose="02020603050405020304" pitchFamily="18" charset="0"/>
+                      </a:endParaRPr>
+                    </a:p>
+                  </a:txBody>
+                  <a:tcPr marL="68580" marR="68580" marT="0" marB="0" anchor="b"/>
+                </a:tc>
+                <a:tc>
+                  <a:txBody>
+                    <a:bodyPr/>
+                    <a:lstStyle/>
+                    <a:p>
+                      <a:pPr marL="0" marR="0" indent="0" algn="l">
+                        <a:lnSpc>
+                          <a:spcPct val="200000"/>
+                        </a:lnSpc>
+                        <a:spcBef>
+                          <a:spcPts val="0"/>
+                        </a:spcBef>
+                        <a:spcAft>
+                          <a:spcPts val="0"/>
+                        </a:spcAft>
+                      </a:pPr>
+                      <a:r>
+                        <a:rPr lang="en-US" sz="2800" dirty="0">
+                          <a:solidFill>
+                            <a:srgbClr val="000000"/>
+                          </a:solidFill>
+                          <a:effectLst/>
+                          <a:latin typeface="Calibri" panose="020F0502020204030204" pitchFamily="34" charset="0"/>
+                          <a:ea typeface="Times New Roman" panose="02020603050405020304" pitchFamily="18" charset="0"/>
+                          <a:cs typeface="Times New Roman" panose="02020603050405020304" pitchFamily="18" charset="0"/>
+                        </a:rPr>
+                        <a:t>97.09</a:t>
+                      </a:r>
+                      <a:endParaRPr lang="en-US" sz="2800" dirty="0">
+                        <a:effectLst/>
+                        <a:latin typeface="Times New Roman" panose="02020603050405020304" pitchFamily="18" charset="0"/>
+                        <a:ea typeface="Calibri" panose="020F0502020204030204" pitchFamily="34" charset="0"/>
+                        <a:cs typeface="Times New Roman" panose="02020603050405020304" pitchFamily="18" charset="0"/>
+                      </a:endParaRPr>
+                    </a:p>
+                  </a:txBody>
+                  <a:tcPr marL="68580" marR="68580" marT="0" marB="0" anchor="b"/>
+                </a:tc>
+                <a:tc>
+                  <a:txBody>
+                    <a:bodyPr/>
+                    <a:lstStyle/>
+                    <a:p>
+                      <a:pPr marL="0" marR="0" indent="0" algn="l">
+                        <a:lnSpc>
+                          <a:spcPct val="200000"/>
+                        </a:lnSpc>
+                        <a:spcBef>
+                          <a:spcPts val="0"/>
+                        </a:spcBef>
+                        <a:spcAft>
+                          <a:spcPts val="0"/>
+                        </a:spcAft>
+                      </a:pPr>
+                      <a:r>
+                        <a:rPr lang="en-US" sz="2800" dirty="0">
+                          <a:solidFill>
+                            <a:srgbClr val="000000"/>
+                          </a:solidFill>
+                          <a:effectLst/>
+                          <a:latin typeface="Calibri" panose="020F0502020204030204" pitchFamily="34" charset="0"/>
+                          <a:ea typeface="Times New Roman" panose="02020603050405020304" pitchFamily="18" charset="0"/>
+                          <a:cs typeface="Times New Roman" panose="02020603050405020304" pitchFamily="18" charset="0"/>
+                        </a:rPr>
+                        <a:t>98.04</a:t>
+                      </a:r>
+                      <a:endParaRPr lang="en-US" sz="2800" dirty="0">
+                        <a:effectLst/>
+                        <a:latin typeface="Times New Roman" panose="02020603050405020304" pitchFamily="18" charset="0"/>
+                        <a:ea typeface="Calibri" panose="020F0502020204030204" pitchFamily="34" charset="0"/>
+                        <a:cs typeface="Times New Roman" panose="02020603050405020304" pitchFamily="18" charset="0"/>
+                      </a:endParaRPr>
+                    </a:p>
+                  </a:txBody>
+                  <a:tcPr marL="68580" marR="68580" marT="0" marB="0" anchor="b"/>
+                </a:tc>
+                <a:extLst>
+                  <a:ext uri="{0D108BD9-81ED-4DB2-BD59-A6C34878D82A}">
+                    <a16:rowId xmlns:a16="http://schemas.microsoft.com/office/drawing/2014/main" val="1420824005"/>
+                  </a:ext>
+                </a:extLst>
+              </a:tr>
+            </a:tbl>
+          </a:graphicData>
+        </a:graphic>
+      </p:graphicFrame>
+      <p:sp>
+        <p:nvSpPr>
+          <p:cNvPr id="12" name="TextBox 11">
+            <a:extLst>
+              <a:ext uri="{FF2B5EF4-FFF2-40B4-BE49-F238E27FC236}">
+                <a16:creationId xmlns:a16="http://schemas.microsoft.com/office/drawing/2014/main" id="{7A1E9305-7C9A-4983-BF55-B09BFC0B1331}"/>
+              </a:ext>
+            </a:extLst>
+          </p:cNvPr>
+          <p:cNvSpPr txBox="1"/>
+          <p:nvPr/>
+        </p:nvSpPr>
+        <p:spPr>
+          <a:xfrm>
+            <a:off x="4475875" y="1649641"/>
+            <a:ext cx="3240249" cy="707886"/>
+          </a:xfrm>
+          <a:prstGeom prst="rect">
+            <a:avLst/>
+          </a:prstGeom>
+          <a:noFill/>
+        </p:spPr>
+        <p:txBody>
+          <a:bodyPr wrap="square" rtlCol="0">
+            <a:spAutoFit/>
+          </a:bodyPr>
+          <a:lstStyle/>
+          <a:p>
+            <a:r>
+              <a:rPr lang="en-US" sz="4000" b="1" i="1" dirty="0"/>
+              <a:t>Initial Testing</a:t>
+            </a:r>
+          </a:p>
+        </p:txBody>
+      </p:sp>
+    </p:spTree>
+    <p:extLst>
+      <p:ext uri="{BB962C8B-B14F-4D97-AF65-F5344CB8AC3E}">
+        <p14:creationId xmlns:p14="http://schemas.microsoft.com/office/powerpoint/2010/main" val="2857646808"/>
+      </p:ext>
+    </p:extLst>
+  </p:cSld>
+  <p:clrMapOvr>
+    <a:masterClrMapping/>
+  </p:clrMapOvr>
+</p:sld>
+</file>
+
+<file path=ppt/slides/slide12.xml><?xml version="1.0" encoding="utf-8"?>
+<p:sld xmlns:a="http://schemas.openxmlformats.org/drawingml/2006/main" xmlns:r="http://schemas.openxmlformats.org/officeDocument/2006/relationships" xmlns:p="http://schemas.openxmlformats.org/presentationml/2006/main">
+  <p:cSld>
+    <p:spTree>
+      <p:nvGrpSpPr>
+        <p:cNvPr id="1" name=""/>
+        <p:cNvGrpSpPr/>
+        <p:nvPr/>
+      </p:nvGrpSpPr>
+      <p:grpSpPr>
+        <a:xfrm>
+          <a:off x="0" y="0"/>
+          <a:ext cx="0" cy="0"/>
+          <a:chOff x="0" y="0"/>
+          <a:chExt cx="0" cy="0"/>
+        </a:xfrm>
+      </p:grpSpPr>
+      <p:sp>
+        <p:nvSpPr>
+          <p:cNvPr id="2" name="Title 1">
+            <a:extLst>
+              <a:ext uri="{FF2B5EF4-FFF2-40B4-BE49-F238E27FC236}">
+                <a16:creationId xmlns:a16="http://schemas.microsoft.com/office/drawing/2014/main" id="{866F96AD-FE0F-471E-9465-10AF1DFC8CE7}"/>
+              </a:ext>
+            </a:extLst>
+          </p:cNvPr>
+          <p:cNvSpPr>
+            <a:spLocks noGrp="1"/>
+          </p:cNvSpPr>
+          <p:nvPr>
+            <p:ph type="title"/>
+          </p:nvPr>
+        </p:nvSpPr>
+        <p:spPr/>
+        <p:txBody>
+          <a:bodyPr>
+            <a:normAutofit fontScale="90000"/>
+          </a:bodyPr>
+          <a:lstStyle/>
+          <a:p>
+            <a:pPr algn="ctr"/>
+            <a:r>
+              <a:rPr lang="en-US" dirty="0"/>
+              <a:t>Can We Automatically Detect Commented-Out Code With an Acceptable Margin of Error? Contd.</a:t>
+            </a:r>
+          </a:p>
+        </p:txBody>
+      </p:sp>
+      <p:graphicFrame>
+        <p:nvGraphicFramePr>
+          <p:cNvPr id="4" name="Table 10">
+            <a:extLst>
+              <a:ext uri="{FF2B5EF4-FFF2-40B4-BE49-F238E27FC236}">
+                <a16:creationId xmlns:a16="http://schemas.microsoft.com/office/drawing/2014/main" id="{90F59D8D-9FCF-4119-AB89-6350909F61D8}"/>
+              </a:ext>
+            </a:extLst>
+          </p:cNvPr>
+          <p:cNvGraphicFramePr>
+            <a:graphicFrameLocks noGrp="1"/>
+          </p:cNvGraphicFramePr>
+          <p:nvPr>
+            <p:extLst>
+              <p:ext uri="{D42A27DB-BD31-4B8C-83A1-F6EECF244321}">
+                <p14:modId xmlns:p14="http://schemas.microsoft.com/office/powerpoint/2010/main" val="1976184310"/>
+              </p:ext>
+            </p:extLst>
+          </p:nvPr>
+        </p:nvGraphicFramePr>
+        <p:xfrm>
+          <a:off x="1948576" y="4310977"/>
+          <a:ext cx="8294848" cy="1914476"/>
+        </p:xfrm>
+        <a:graphic>
+          <a:graphicData uri="http://schemas.openxmlformats.org/drawingml/2006/table">
+            <a:tbl>
+              <a:tblPr firstRow="1" bandRow="1">
+                <a:tableStyleId>{5C22544A-7EE6-4342-B048-85BDC9FD1C3A}</a:tableStyleId>
+              </a:tblPr>
+              <a:tblGrid>
+                <a:gridCol w="2073712">
+                  <a:extLst>
+                    <a:ext uri="{9D8B030D-6E8A-4147-A177-3AD203B41FA5}">
+                      <a16:colId xmlns:a16="http://schemas.microsoft.com/office/drawing/2014/main" val="3450924420"/>
+                    </a:ext>
+                  </a:extLst>
+                </a:gridCol>
+                <a:gridCol w="2073712">
+                  <a:extLst>
+                    <a:ext uri="{9D8B030D-6E8A-4147-A177-3AD203B41FA5}">
+                      <a16:colId xmlns:a16="http://schemas.microsoft.com/office/drawing/2014/main" val="3408883311"/>
+                    </a:ext>
+                  </a:extLst>
+                </a:gridCol>
+                <a:gridCol w="2073712">
+                  <a:extLst>
+                    <a:ext uri="{9D8B030D-6E8A-4147-A177-3AD203B41FA5}">
+                      <a16:colId xmlns:a16="http://schemas.microsoft.com/office/drawing/2014/main" val="1751367319"/>
+                    </a:ext>
+                  </a:extLst>
+                </a:gridCol>
+                <a:gridCol w="2073712">
+                  <a:extLst>
+                    <a:ext uri="{9D8B030D-6E8A-4147-A177-3AD203B41FA5}">
+                      <a16:colId xmlns:a16="http://schemas.microsoft.com/office/drawing/2014/main" val="2484624937"/>
+                    </a:ext>
+                  </a:extLst>
+                </a:gridCol>
+              </a:tblGrid>
+              <a:tr h="957238">
+                <a:tc>
+                  <a:txBody>
+                    <a:bodyPr/>
+                    <a:lstStyle/>
+                    <a:p>
+                      <a:pPr marL="0" marR="0" indent="0" algn="ctr">
+                        <a:lnSpc>
+                          <a:spcPct val="200000"/>
+                        </a:lnSpc>
+                        <a:spcBef>
+                          <a:spcPts val="0"/>
+                        </a:spcBef>
+                        <a:spcAft>
+                          <a:spcPts val="0"/>
+                        </a:spcAft>
+                      </a:pPr>
+                      <a:r>
+                        <a:rPr lang="en-US" sz="3600" b="1" dirty="0">
+                          <a:solidFill>
+                            <a:srgbClr val="000000"/>
+                          </a:solidFill>
+                          <a:effectLst/>
+                          <a:latin typeface="Calibri" panose="020F0502020204030204" pitchFamily="34" charset="0"/>
+                          <a:ea typeface="Times New Roman" panose="02020603050405020304" pitchFamily="18" charset="0"/>
+                          <a:cs typeface="Times New Roman" panose="02020603050405020304" pitchFamily="18" charset="0"/>
+                        </a:rPr>
+                        <a:t>accuracy</a:t>
+                      </a:r>
+                      <a:endParaRPr lang="en-US" sz="3600" dirty="0">
+                        <a:effectLst/>
+                        <a:latin typeface="Times New Roman" panose="02020603050405020304" pitchFamily="18" charset="0"/>
+                        <a:ea typeface="Calibri" panose="020F0502020204030204" pitchFamily="34" charset="0"/>
+                        <a:cs typeface="Times New Roman" panose="02020603050405020304" pitchFamily="18" charset="0"/>
+                      </a:endParaRPr>
+                    </a:p>
+                  </a:txBody>
+                  <a:tcPr marL="68580" marR="68580" marT="0" marB="0" anchor="b"/>
+                </a:tc>
+                <a:tc>
+                  <a:txBody>
+                    <a:bodyPr/>
+                    <a:lstStyle/>
+                    <a:p>
+                      <a:pPr marL="0" marR="0" indent="0" algn="ctr">
+                        <a:lnSpc>
+                          <a:spcPct val="200000"/>
+                        </a:lnSpc>
+                        <a:spcBef>
+                          <a:spcPts val="0"/>
+                        </a:spcBef>
+                        <a:spcAft>
+                          <a:spcPts val="0"/>
+                        </a:spcAft>
+                      </a:pPr>
+                      <a:r>
+                        <a:rPr lang="en-US" sz="3600" b="1" dirty="0">
+                          <a:solidFill>
+                            <a:srgbClr val="000000"/>
+                          </a:solidFill>
+                          <a:effectLst/>
+                          <a:latin typeface="Calibri" panose="020F0502020204030204" pitchFamily="34" charset="0"/>
+                          <a:ea typeface="Times New Roman" panose="02020603050405020304" pitchFamily="18" charset="0"/>
+                          <a:cs typeface="Times New Roman" panose="02020603050405020304" pitchFamily="18" charset="0"/>
+                        </a:rPr>
+                        <a:t>precision</a:t>
+                      </a:r>
+                      <a:endParaRPr lang="en-US" sz="3600" dirty="0">
+                        <a:effectLst/>
+                        <a:latin typeface="Times New Roman" panose="02020603050405020304" pitchFamily="18" charset="0"/>
+                        <a:ea typeface="Calibri" panose="020F0502020204030204" pitchFamily="34" charset="0"/>
+                        <a:cs typeface="Times New Roman" panose="02020603050405020304" pitchFamily="18" charset="0"/>
+                      </a:endParaRPr>
+                    </a:p>
+                  </a:txBody>
+                  <a:tcPr marL="68580" marR="68580" marT="0" marB="0" anchor="b"/>
+                </a:tc>
+                <a:tc>
+                  <a:txBody>
+                    <a:bodyPr/>
+                    <a:lstStyle/>
+                    <a:p>
+                      <a:pPr marL="0" marR="0" indent="0" algn="ctr">
+                        <a:lnSpc>
+                          <a:spcPct val="200000"/>
+                        </a:lnSpc>
+                        <a:spcBef>
+                          <a:spcPts val="0"/>
+                        </a:spcBef>
+                        <a:spcAft>
+                          <a:spcPts val="0"/>
+                        </a:spcAft>
+                      </a:pPr>
+                      <a:r>
+                        <a:rPr lang="en-US" sz="3600" b="1" dirty="0">
+                          <a:solidFill>
+                            <a:srgbClr val="000000"/>
+                          </a:solidFill>
+                          <a:effectLst/>
+                          <a:latin typeface="Calibri" panose="020F0502020204030204" pitchFamily="34" charset="0"/>
+                          <a:ea typeface="Times New Roman" panose="02020603050405020304" pitchFamily="18" charset="0"/>
+                          <a:cs typeface="Times New Roman" panose="02020603050405020304" pitchFamily="18" charset="0"/>
+                        </a:rPr>
+                        <a:t>recall</a:t>
+                      </a:r>
+                      <a:endParaRPr lang="en-US" sz="3600" dirty="0">
+                        <a:effectLst/>
+                        <a:latin typeface="Times New Roman" panose="02020603050405020304" pitchFamily="18" charset="0"/>
+                        <a:ea typeface="Calibri" panose="020F0502020204030204" pitchFamily="34" charset="0"/>
+                        <a:cs typeface="Times New Roman" panose="02020603050405020304" pitchFamily="18" charset="0"/>
+                      </a:endParaRPr>
+                    </a:p>
+                  </a:txBody>
+                  <a:tcPr marL="68580" marR="68580" marT="0" marB="0" anchor="b"/>
+                </a:tc>
+                <a:tc>
+                  <a:txBody>
+                    <a:bodyPr/>
+                    <a:lstStyle/>
+                    <a:p>
+                      <a:pPr marL="0" marR="0" indent="0" algn="ctr">
+                        <a:lnSpc>
+                          <a:spcPct val="200000"/>
+                        </a:lnSpc>
+                        <a:spcBef>
+                          <a:spcPts val="0"/>
+                        </a:spcBef>
+                        <a:spcAft>
+                          <a:spcPts val="0"/>
+                        </a:spcAft>
+                      </a:pPr>
+                      <a:r>
+                        <a:rPr lang="en-US" sz="3600" b="1" dirty="0">
+                          <a:solidFill>
+                            <a:srgbClr val="000000"/>
+                          </a:solidFill>
+                          <a:effectLst/>
+                          <a:latin typeface="Calibri" panose="020F0502020204030204" pitchFamily="34" charset="0"/>
+                          <a:ea typeface="Times New Roman" panose="02020603050405020304" pitchFamily="18" charset="0"/>
+                          <a:cs typeface="Times New Roman" panose="02020603050405020304" pitchFamily="18" charset="0"/>
+                        </a:rPr>
+                        <a:t>F1</a:t>
+                      </a:r>
+                      <a:endParaRPr lang="en-US" sz="3600" dirty="0">
+                        <a:effectLst/>
+                        <a:latin typeface="Times New Roman" panose="02020603050405020304" pitchFamily="18" charset="0"/>
+                        <a:ea typeface="Calibri" panose="020F0502020204030204" pitchFamily="34" charset="0"/>
+                        <a:cs typeface="Times New Roman" panose="02020603050405020304" pitchFamily="18" charset="0"/>
+                      </a:endParaRPr>
+                    </a:p>
+                  </a:txBody>
+                  <a:tcPr marL="68580" marR="68580" marT="0" marB="0" anchor="b"/>
+                </a:tc>
+                <a:extLst>
+                  <a:ext uri="{0D108BD9-81ED-4DB2-BD59-A6C34878D82A}">
+                    <a16:rowId xmlns:a16="http://schemas.microsoft.com/office/drawing/2014/main" val="117126656"/>
+                  </a:ext>
+                </a:extLst>
+              </a:tr>
+              <a:tr h="957238">
+                <a:tc>
+                  <a:txBody>
+                    <a:bodyPr/>
+                    <a:lstStyle/>
+                    <a:p>
+                      <a:pPr marL="0" marR="0" indent="0" algn="l">
+                        <a:lnSpc>
+                          <a:spcPct val="200000"/>
+                        </a:lnSpc>
+                        <a:spcBef>
+                          <a:spcPts val="0"/>
+                        </a:spcBef>
+                        <a:spcAft>
+                          <a:spcPts val="0"/>
+                        </a:spcAft>
+                      </a:pPr>
+                      <a:r>
+                        <a:rPr lang="en-US" sz="3600" dirty="0">
+                          <a:solidFill>
+                            <a:srgbClr val="000000"/>
+                          </a:solidFill>
+                          <a:effectLst/>
+                          <a:latin typeface="Calibri" panose="020F0502020204030204" pitchFamily="34" charset="0"/>
+                          <a:ea typeface="Times New Roman" panose="02020603050405020304" pitchFamily="18" charset="0"/>
+                          <a:cs typeface="Times New Roman" panose="02020603050405020304" pitchFamily="18" charset="0"/>
+                        </a:rPr>
+                        <a:t>98.00</a:t>
+                      </a:r>
+                      <a:endParaRPr lang="en-US" sz="3600" dirty="0">
+                        <a:effectLst/>
+                        <a:latin typeface="Times New Roman" panose="02020603050405020304" pitchFamily="18" charset="0"/>
+                        <a:ea typeface="Calibri" panose="020F0502020204030204" pitchFamily="34" charset="0"/>
+                        <a:cs typeface="Times New Roman" panose="02020603050405020304" pitchFamily="18" charset="0"/>
+                      </a:endParaRPr>
+                    </a:p>
+                  </a:txBody>
+                  <a:tcPr marL="68580" marR="68580" marT="0" marB="0" anchor="b"/>
+                </a:tc>
+                <a:tc>
+                  <a:txBody>
+                    <a:bodyPr/>
+                    <a:lstStyle/>
+                    <a:p>
+                      <a:pPr marL="0" marR="0" indent="0" algn="l">
+                        <a:lnSpc>
+                          <a:spcPct val="200000"/>
+                        </a:lnSpc>
+                        <a:spcBef>
+                          <a:spcPts val="0"/>
+                        </a:spcBef>
+                        <a:spcAft>
+                          <a:spcPts val="0"/>
+                        </a:spcAft>
+                      </a:pPr>
+                      <a:r>
+                        <a:rPr lang="en-US" sz="3600" dirty="0">
+                          <a:solidFill>
+                            <a:srgbClr val="000000"/>
+                          </a:solidFill>
+                          <a:effectLst/>
+                          <a:latin typeface="Calibri" panose="020F0502020204030204" pitchFamily="34" charset="0"/>
+                          <a:ea typeface="Times New Roman" panose="02020603050405020304" pitchFamily="18" charset="0"/>
+                          <a:cs typeface="Times New Roman" panose="02020603050405020304" pitchFamily="18" charset="0"/>
+                        </a:rPr>
+                        <a:t>98.32</a:t>
+                      </a:r>
+                      <a:endParaRPr lang="en-US" sz="3600" dirty="0">
+                        <a:effectLst/>
+                        <a:latin typeface="Times New Roman" panose="02020603050405020304" pitchFamily="18" charset="0"/>
+                        <a:ea typeface="Calibri" panose="020F0502020204030204" pitchFamily="34" charset="0"/>
+                        <a:cs typeface="Times New Roman" panose="02020603050405020304" pitchFamily="18" charset="0"/>
+                      </a:endParaRPr>
+                    </a:p>
+                  </a:txBody>
+                  <a:tcPr marL="68580" marR="68580" marT="0" marB="0" anchor="b"/>
+                </a:tc>
+                <a:tc>
+                  <a:txBody>
+                    <a:bodyPr/>
+                    <a:lstStyle/>
+                    <a:p>
+                      <a:pPr marL="0" marR="0" indent="0" algn="l">
+                        <a:lnSpc>
+                          <a:spcPct val="200000"/>
+                        </a:lnSpc>
+                        <a:spcBef>
+                          <a:spcPts val="0"/>
+                        </a:spcBef>
+                        <a:spcAft>
+                          <a:spcPts val="0"/>
+                        </a:spcAft>
+                      </a:pPr>
+                      <a:r>
+                        <a:rPr lang="en-US" sz="3600" dirty="0">
+                          <a:solidFill>
+                            <a:srgbClr val="000000"/>
+                          </a:solidFill>
+                          <a:effectLst/>
+                          <a:latin typeface="Calibri" panose="020F0502020204030204" pitchFamily="34" charset="0"/>
+                          <a:ea typeface="Times New Roman" panose="02020603050405020304" pitchFamily="18" charset="0"/>
+                          <a:cs typeface="Times New Roman" panose="02020603050405020304" pitchFamily="18" charset="0"/>
+                        </a:rPr>
+                        <a:t>98.23</a:t>
+                      </a:r>
+                      <a:endParaRPr lang="en-US" sz="3600" dirty="0">
+                        <a:effectLst/>
+                        <a:latin typeface="Times New Roman" panose="02020603050405020304" pitchFamily="18" charset="0"/>
+                        <a:ea typeface="Calibri" panose="020F0502020204030204" pitchFamily="34" charset="0"/>
+                        <a:cs typeface="Times New Roman" panose="02020603050405020304" pitchFamily="18" charset="0"/>
+                      </a:endParaRPr>
+                    </a:p>
+                  </a:txBody>
+                  <a:tcPr marL="68580" marR="68580" marT="0" marB="0" anchor="b"/>
+                </a:tc>
+                <a:tc>
+                  <a:txBody>
+                    <a:bodyPr/>
+                    <a:lstStyle/>
+                    <a:p>
+                      <a:pPr marL="0" marR="0" indent="0" algn="l">
+                        <a:lnSpc>
+                          <a:spcPct val="200000"/>
+                        </a:lnSpc>
+                        <a:spcBef>
+                          <a:spcPts val="0"/>
+                        </a:spcBef>
+                        <a:spcAft>
+                          <a:spcPts val="0"/>
+                        </a:spcAft>
+                      </a:pPr>
+                      <a:r>
+                        <a:rPr lang="en-US" sz="3600" dirty="0">
+                          <a:solidFill>
+                            <a:srgbClr val="000000"/>
+                          </a:solidFill>
+                          <a:effectLst/>
+                          <a:latin typeface="Calibri" panose="020F0502020204030204" pitchFamily="34" charset="0"/>
+                          <a:ea typeface="Times New Roman" panose="02020603050405020304" pitchFamily="18" charset="0"/>
+                          <a:cs typeface="Times New Roman" panose="02020603050405020304" pitchFamily="18" charset="0"/>
+                        </a:rPr>
+                        <a:t>97.89</a:t>
+                      </a:r>
+                      <a:endParaRPr lang="en-US" sz="3600" dirty="0">
+                        <a:effectLst/>
+                        <a:latin typeface="Times New Roman" panose="02020603050405020304" pitchFamily="18" charset="0"/>
+                        <a:ea typeface="Calibri" panose="020F0502020204030204" pitchFamily="34" charset="0"/>
+                        <a:cs typeface="Times New Roman" panose="02020603050405020304" pitchFamily="18" charset="0"/>
+                      </a:endParaRPr>
+                    </a:p>
+                  </a:txBody>
+                  <a:tcPr marL="68580" marR="68580" marT="0" marB="0" anchor="b"/>
+                </a:tc>
+                <a:extLst>
+                  <a:ext uri="{0D108BD9-81ED-4DB2-BD59-A6C34878D82A}">
+                    <a16:rowId xmlns:a16="http://schemas.microsoft.com/office/drawing/2014/main" val="3051649833"/>
+                  </a:ext>
+                </a:extLst>
+              </a:tr>
+            </a:tbl>
+          </a:graphicData>
+        </a:graphic>
+      </p:graphicFrame>
+      <p:sp>
+        <p:nvSpPr>
+          <p:cNvPr id="5" name="TextBox 4">
+            <a:extLst>
+              <a:ext uri="{FF2B5EF4-FFF2-40B4-BE49-F238E27FC236}">
+                <a16:creationId xmlns:a16="http://schemas.microsoft.com/office/drawing/2014/main" id="{61906EC9-3D21-4FEA-BA00-1917B4ED31C9}"/>
+              </a:ext>
+            </a:extLst>
+          </p:cNvPr>
+          <p:cNvSpPr txBox="1"/>
+          <p:nvPr/>
+        </p:nvSpPr>
+        <p:spPr>
+          <a:xfrm>
+            <a:off x="5347981" y="3799172"/>
+            <a:ext cx="1496038" cy="584775"/>
+          </a:xfrm>
+          <a:prstGeom prst="rect">
+            <a:avLst/>
+          </a:prstGeom>
+          <a:noFill/>
+        </p:spPr>
+        <p:txBody>
+          <a:bodyPr wrap="square" rtlCol="0">
+            <a:spAutoFit/>
+          </a:bodyPr>
+          <a:lstStyle/>
+          <a:p>
+            <a:r>
+              <a:rPr lang="en-US" sz="3200" b="1" i="1" dirty="0"/>
+              <a:t>Full Set</a:t>
+            </a:r>
+          </a:p>
+        </p:txBody>
+      </p:sp>
+      <p:sp>
+        <p:nvSpPr>
+          <p:cNvPr id="3" name="TextBox 2">
+            <a:extLst>
+              <a:ext uri="{FF2B5EF4-FFF2-40B4-BE49-F238E27FC236}">
+                <a16:creationId xmlns:a16="http://schemas.microsoft.com/office/drawing/2014/main" id="{7C204C88-360A-4B1B-A31F-3E3F18AAF99A}"/>
+              </a:ext>
+            </a:extLst>
+          </p:cNvPr>
+          <p:cNvSpPr txBox="1"/>
+          <p:nvPr/>
+        </p:nvSpPr>
+        <p:spPr>
+          <a:xfrm>
+            <a:off x="1324946" y="2281740"/>
+            <a:ext cx="9787813" cy="1077218"/>
+          </a:xfrm>
+          <a:prstGeom prst="rect">
+            <a:avLst/>
+          </a:prstGeom>
+          <a:noFill/>
+        </p:spPr>
+        <p:txBody>
+          <a:bodyPr wrap="square" rtlCol="0">
+            <a:spAutoFit/>
+          </a:bodyPr>
+          <a:lstStyle/>
+          <a:p>
+            <a:pPr marL="285750" indent="-285750">
+              <a:buFont typeface="Arial" panose="020B0604020202020204" pitchFamily="34" charset="0"/>
+              <a:buChar char="•"/>
+            </a:pPr>
+            <a:r>
+              <a:rPr lang="en-US" sz="3200" dirty="0"/>
+              <a:t>Built model using all 250x250 comments</a:t>
+            </a:r>
+          </a:p>
+          <a:p>
+            <a:pPr marL="285750" indent="-285750">
+              <a:buFont typeface="Arial" panose="020B0604020202020204" pitchFamily="34" charset="0"/>
+              <a:buChar char="•"/>
+            </a:pPr>
+            <a:r>
+              <a:rPr lang="en-US" sz="3200" dirty="0"/>
+              <a:t>Applied model to the remainder of the Gold Set</a:t>
+            </a:r>
+          </a:p>
+        </p:txBody>
+      </p:sp>
+    </p:spTree>
+    <p:extLst>
+      <p:ext uri="{BB962C8B-B14F-4D97-AF65-F5344CB8AC3E}">
+        <p14:creationId xmlns:p14="http://schemas.microsoft.com/office/powerpoint/2010/main" val="1221674303"/>
+      </p:ext>
+    </p:extLst>
+  </p:cSld>
+  <p:clrMapOvr>
+    <a:masterClrMapping/>
+  </p:clrMapOvr>
+</p:sld>
+</file>
+
+<file path=ppt/slides/slide13.xml><?xml version="1.0" encoding="utf-8"?>
+<p:sld xmlns:a="http://schemas.openxmlformats.org/drawingml/2006/main" xmlns:r="http://schemas.openxmlformats.org/officeDocument/2006/relationships" xmlns:p="http://schemas.openxmlformats.org/presentationml/2006/main">
+  <p:cSld>
+    <p:spTree>
+      <p:nvGrpSpPr>
+        <p:cNvPr id="1" name=""/>
+        <p:cNvGrpSpPr/>
+        <p:nvPr/>
+      </p:nvGrpSpPr>
+      <p:grpSpPr>
+        <a:xfrm>
+          <a:off x="0" y="0"/>
+          <a:ext cx="0" cy="0"/>
+          <a:chOff x="0" y="0"/>
+          <a:chExt cx="0" cy="0"/>
+        </a:xfrm>
+      </p:grpSpPr>
+      <p:sp>
+        <p:nvSpPr>
+          <p:cNvPr id="2" name="Title 1">
+            <a:extLst>
+              <a:ext uri="{FF2B5EF4-FFF2-40B4-BE49-F238E27FC236}">
                 <a16:creationId xmlns:a16="http://schemas.microsoft.com/office/drawing/2014/main" id="{BB114D1D-0B33-4778-9C26-149366AAC523}"/>
               </a:ext>
             </a:extLst>
@@ -4426,7 +6453,7 @@
 </p:sld>
 </file>
 
-<file path=ppt/slides/slide11.xml><?xml version="1.0" encoding="utf-8"?>
+<file path=ppt/slides/slide14.xml><?xml version="1.0" encoding="utf-8"?>
 <p:sld xmlns:a="http://schemas.openxmlformats.org/drawingml/2006/main" xmlns:r="http://schemas.openxmlformats.org/officeDocument/2006/relationships" xmlns:p="http://schemas.openxmlformats.org/presentationml/2006/main">
   <p:cSld>
     <p:spTree>
@@ -4488,14 +6515,14 @@
             <p:ph idx="1"/>
             <p:extLst>
               <p:ext uri="{D42A27DB-BD31-4B8C-83A1-F6EECF244321}">
-                <p14:modId xmlns:p14="http://schemas.microsoft.com/office/powerpoint/2010/main" val="1250839316"/>
+                <p14:modId xmlns:p14="http://schemas.microsoft.com/office/powerpoint/2010/main" val="1135458386"/>
               </p:ext>
             </p:extLst>
           </p:nvPr>
         </p:nvGraphicFramePr>
         <p:xfrm>
-          <a:off x="838200" y="2325853"/>
-          <a:ext cx="10515600" cy="741680"/>
+          <a:off x="537944" y="4686498"/>
+          <a:ext cx="11116112" cy="1114028"/>
         </p:xfrm>
         <a:graphic>
           <a:graphicData uri="http://schemas.openxmlformats.org/drawingml/2006/table">
@@ -4504,28 +6531,28 @@
                 <a:tableStyleId>{5C22544A-7EE6-4342-B048-85BDC9FD1C3A}</a:tableStyleId>
               </a:tblPr>
               <a:tblGrid>
-                <a:gridCol w="2628900">
+                <a:gridCol w="2779028">
                   <a:extLst>
                     <a:ext uri="{9D8B030D-6E8A-4147-A177-3AD203B41FA5}">
                       <a16:colId xmlns:a16="http://schemas.microsoft.com/office/drawing/2014/main" val="592019087"/>
                     </a:ext>
                   </a:extLst>
                 </a:gridCol>
-                <a:gridCol w="2628900">
+                <a:gridCol w="2779028">
                   <a:extLst>
                     <a:ext uri="{9D8B030D-6E8A-4147-A177-3AD203B41FA5}">
                       <a16:colId xmlns:a16="http://schemas.microsoft.com/office/drawing/2014/main" val="510750912"/>
                     </a:ext>
                   </a:extLst>
                 </a:gridCol>
-                <a:gridCol w="2628900">
+                <a:gridCol w="2779028">
                   <a:extLst>
                     <a:ext uri="{9D8B030D-6E8A-4147-A177-3AD203B41FA5}">
                       <a16:colId xmlns:a16="http://schemas.microsoft.com/office/drawing/2014/main" val="1696434926"/>
                     </a:ext>
                   </a:extLst>
                 </a:gridCol>
-                <a:gridCol w="2628900">
+                <a:gridCol w="2779028">
                   <a:extLst>
                     <a:ext uri="{9D8B030D-6E8A-4147-A177-3AD203B41FA5}">
                       <a16:colId xmlns:a16="http://schemas.microsoft.com/office/drawing/2014/main" val="2382413124"/>
@@ -4533,7 +6560,7 @@
                   </a:extLst>
                 </a:gridCol>
               </a:tblGrid>
-              <a:tr h="370840">
+              <a:tr h="557014">
                 <a:tc>
                   <a:txBody>
                     <a:bodyPr/>
@@ -4551,7 +6578,7 @@
                         </a:spcAft>
                       </a:pPr>
                       <a:r>
-                        <a:rPr lang="en-US" sz="1200" dirty="0">
+                        <a:rPr lang="en-US" sz="2000" dirty="0">
                           <a:effectLst/>
                           <a:latin typeface="Times New Roman" panose="02020603050405020304" pitchFamily="18" charset="0"/>
                           <a:ea typeface="Calibri" panose="020F0502020204030204" pitchFamily="34" charset="0"/>
@@ -4580,7 +6607,7 @@
                         </a:spcAft>
                       </a:pPr>
                       <a:r>
-                        <a:rPr lang="en-US" sz="1200">
+                        <a:rPr lang="en-US" sz="2000" dirty="0">
                           <a:effectLst/>
                           <a:latin typeface="Times New Roman" panose="02020603050405020304" pitchFamily="18" charset="0"/>
                           <a:ea typeface="Calibri" panose="020F0502020204030204" pitchFamily="34" charset="0"/>
@@ -4609,7 +6636,7 @@
                         </a:spcAft>
                       </a:pPr>
                       <a:r>
-                        <a:rPr lang="en-US" sz="1200">
+                        <a:rPr lang="en-US" sz="2000">
                           <a:effectLst/>
                           <a:latin typeface="Times New Roman" panose="02020603050405020304" pitchFamily="18" charset="0"/>
                           <a:ea typeface="Calibri" panose="020F0502020204030204" pitchFamily="34" charset="0"/>
@@ -4638,7 +6665,7 @@
                         </a:spcAft>
                       </a:pPr>
                       <a:r>
-                        <a:rPr lang="en-US" sz="1200">
+                        <a:rPr lang="en-US" sz="2000" dirty="0">
                           <a:effectLst/>
                           <a:latin typeface="Times New Roman" panose="02020603050405020304" pitchFamily="18" charset="0"/>
                           <a:ea typeface="Calibri" panose="020F0502020204030204" pitchFamily="34" charset="0"/>
@@ -4656,7 +6683,7 @@
                   </a:ext>
                 </a:extLst>
               </a:tr>
-              <a:tr h="370840">
+              <a:tr h="557014">
                 <a:tc>
                   <a:txBody>
                     <a:bodyPr/>
@@ -4674,7 +6701,7 @@
                         </a:spcAft>
                       </a:pPr>
                       <a:r>
-                        <a:rPr lang="en-US" sz="1200">
+                        <a:rPr lang="en-US" sz="2000">
                           <a:effectLst/>
                           <a:latin typeface="Times New Roman" panose="02020603050405020304" pitchFamily="18" charset="0"/>
                           <a:ea typeface="Calibri" panose="020F0502020204030204" pitchFamily="34" charset="0"/>
@@ -4703,7 +6730,7 @@
                         </a:spcAft>
                       </a:pPr>
                       <a:r>
-                        <a:rPr lang="en-US" sz="1200">
+                        <a:rPr lang="en-US" sz="2000" dirty="0">
                           <a:effectLst/>
                           <a:latin typeface="Times New Roman" panose="02020603050405020304" pitchFamily="18" charset="0"/>
                           <a:ea typeface="Calibri" panose="020F0502020204030204" pitchFamily="34" charset="0"/>
@@ -4732,7 +6759,7 @@
                         </a:spcAft>
                       </a:pPr>
                       <a:r>
-                        <a:rPr lang="en-US" sz="1200">
+                        <a:rPr lang="en-US" sz="2000">
                           <a:effectLst/>
                           <a:latin typeface="Times New Roman" panose="02020603050405020304" pitchFamily="18" charset="0"/>
                           <a:ea typeface="Calibri" panose="020F0502020204030204" pitchFamily="34" charset="0"/>
@@ -4761,7 +6788,7 @@
                         </a:spcAft>
                       </a:pPr>
                       <a:r>
-                        <a:rPr lang="en-US" sz="1200" dirty="0">
+                        <a:rPr lang="en-US" sz="2000" dirty="0">
                           <a:effectLst/>
                           <a:latin typeface="Times New Roman" panose="02020603050405020304" pitchFamily="18" charset="0"/>
                           <a:ea typeface="Calibri" panose="020F0502020204030204" pitchFamily="34" charset="0"/>
@@ -4776,996 +6803,6 @@
                 <a:extLst>
                   <a:ext uri="{0D108BD9-81ED-4DB2-BD59-A6C34878D82A}">
                     <a16:rowId xmlns:a16="http://schemas.microsoft.com/office/drawing/2014/main" val="1887599459"/>
-                  </a:ext>
-                </a:extLst>
-              </a:tr>
-            </a:tbl>
-          </a:graphicData>
-        </a:graphic>
-      </p:graphicFrame>
-      <p:graphicFrame>
-        <p:nvGraphicFramePr>
-          <p:cNvPr id="8" name="Table 8">
-            <a:extLst>
-              <a:ext uri="{FF2B5EF4-FFF2-40B4-BE49-F238E27FC236}">
-                <a16:creationId xmlns:a16="http://schemas.microsoft.com/office/drawing/2014/main" id="{B1631F62-91E8-48AF-A088-051F988299D1}"/>
-              </a:ext>
-            </a:extLst>
-          </p:cNvPr>
-          <p:cNvGraphicFramePr>
-            <a:graphicFrameLocks noGrp="1"/>
-          </p:cNvGraphicFramePr>
-          <p:nvPr>
-            <p:extLst>
-              <p:ext uri="{D42A27DB-BD31-4B8C-83A1-F6EECF244321}">
-                <p14:modId xmlns:p14="http://schemas.microsoft.com/office/powerpoint/2010/main" val="868191141"/>
-              </p:ext>
-            </p:extLst>
-          </p:nvPr>
-        </p:nvGraphicFramePr>
-        <p:xfrm>
-          <a:off x="2031999" y="4444378"/>
-          <a:ext cx="8128002" cy="2154047"/>
-        </p:xfrm>
-        <a:graphic>
-          <a:graphicData uri="http://schemas.openxmlformats.org/drawingml/2006/table">
-            <a:tbl>
-              <a:tblPr firstRow="1" bandRow="1">
-                <a:tableStyleId>{5C22544A-7EE6-4342-B048-85BDC9FD1C3A}</a:tableStyleId>
-              </a:tblPr>
-              <a:tblGrid>
-                <a:gridCol w="1354667">
-                  <a:extLst>
-                    <a:ext uri="{9D8B030D-6E8A-4147-A177-3AD203B41FA5}">
-                      <a16:colId xmlns:a16="http://schemas.microsoft.com/office/drawing/2014/main" val="1546099680"/>
-                    </a:ext>
-                  </a:extLst>
-                </a:gridCol>
-                <a:gridCol w="1354667">
-                  <a:extLst>
-                    <a:ext uri="{9D8B030D-6E8A-4147-A177-3AD203B41FA5}">
-                      <a16:colId xmlns:a16="http://schemas.microsoft.com/office/drawing/2014/main" val="4176588439"/>
-                    </a:ext>
-                  </a:extLst>
-                </a:gridCol>
-                <a:gridCol w="1354667">
-                  <a:extLst>
-                    <a:ext uri="{9D8B030D-6E8A-4147-A177-3AD203B41FA5}">
-                      <a16:colId xmlns:a16="http://schemas.microsoft.com/office/drawing/2014/main" val="1552544909"/>
-                    </a:ext>
-                  </a:extLst>
-                </a:gridCol>
-                <a:gridCol w="1354667">
-                  <a:extLst>
-                    <a:ext uri="{9D8B030D-6E8A-4147-A177-3AD203B41FA5}">
-                      <a16:colId xmlns:a16="http://schemas.microsoft.com/office/drawing/2014/main" val="3737744101"/>
-                    </a:ext>
-                  </a:extLst>
-                </a:gridCol>
-                <a:gridCol w="1354667">
-                  <a:extLst>
-                    <a:ext uri="{9D8B030D-6E8A-4147-A177-3AD203B41FA5}">
-                      <a16:colId xmlns:a16="http://schemas.microsoft.com/office/drawing/2014/main" val="3124323932"/>
-                    </a:ext>
-                  </a:extLst>
-                </a:gridCol>
-                <a:gridCol w="1354667">
-                  <a:extLst>
-                    <a:ext uri="{9D8B030D-6E8A-4147-A177-3AD203B41FA5}">
-                      <a16:colId xmlns:a16="http://schemas.microsoft.com/office/drawing/2014/main" val="1753288542"/>
-                    </a:ext>
-                  </a:extLst>
-                </a:gridCol>
-              </a:tblGrid>
-              <a:tr h="370840">
-                <a:tc>
-                  <a:txBody>
-                    <a:bodyPr/>
-                    <a:lstStyle/>
-                    <a:p>
-                      <a:endParaRPr lang="en-US"/>
-                    </a:p>
-                  </a:txBody>
-                  <a:tcPr/>
-                </a:tc>
-                <a:tc>
-                  <a:txBody>
-                    <a:bodyPr/>
-                    <a:lstStyle/>
-                    <a:p>
-                      <a:pPr marL="0" marR="0" indent="0" algn="ctr">
-                        <a:lnSpc>
-                          <a:spcPct val="200000"/>
-                        </a:lnSpc>
-                        <a:spcBef>
-                          <a:spcPts val="0"/>
-                        </a:spcBef>
-                        <a:spcAft>
-                          <a:spcPts val="0"/>
-                        </a:spcAft>
-                      </a:pPr>
-                      <a:r>
-                        <a:rPr lang="en-US" sz="1200" b="1" dirty="0">
-                          <a:solidFill>
-                            <a:srgbClr val="000000"/>
-                          </a:solidFill>
-                          <a:effectLst/>
-                          <a:latin typeface="Times New Roman" panose="02020603050405020304" pitchFamily="18" charset="0"/>
-                          <a:ea typeface="Calibri" panose="020F0502020204030204" pitchFamily="34" charset="0"/>
-                          <a:cs typeface="Times New Roman" panose="02020603050405020304" pitchFamily="18" charset="0"/>
-                        </a:rPr>
-                        <a:t>Lines of Comments</a:t>
-                      </a:r>
-                      <a:endParaRPr lang="en-US" sz="1200" dirty="0">
-                        <a:effectLst/>
-                        <a:latin typeface="Times New Roman" panose="02020603050405020304" pitchFamily="18" charset="0"/>
-                        <a:ea typeface="Calibri" panose="020F0502020204030204" pitchFamily="34" charset="0"/>
-                        <a:cs typeface="Times New Roman" panose="02020603050405020304" pitchFamily="18" charset="0"/>
-                      </a:endParaRPr>
-                    </a:p>
-                  </a:txBody>
-                  <a:tcPr marL="68580" marR="68580" marT="0" marB="0" anchor="b"/>
-                </a:tc>
-                <a:tc>
-                  <a:txBody>
-                    <a:bodyPr/>
-                    <a:lstStyle/>
-                    <a:p>
-                      <a:pPr marL="0" marR="0" indent="0" algn="ctr">
-                        <a:lnSpc>
-                          <a:spcPct val="200000"/>
-                        </a:lnSpc>
-                        <a:spcBef>
-                          <a:spcPts val="0"/>
-                        </a:spcBef>
-                        <a:spcAft>
-                          <a:spcPts val="0"/>
-                        </a:spcAft>
-                      </a:pPr>
-                      <a:r>
-                        <a:rPr lang="en-US" sz="1200" b="1">
-                          <a:solidFill>
-                            <a:srgbClr val="000000"/>
-                          </a:solidFill>
-                          <a:effectLst/>
-                          <a:latin typeface="Times New Roman" panose="02020603050405020304" pitchFamily="18" charset="0"/>
-                          <a:ea typeface="Calibri" panose="020F0502020204030204" pitchFamily="34" charset="0"/>
-                          <a:cs typeface="Times New Roman" panose="02020603050405020304" pitchFamily="18" charset="0"/>
-                        </a:rPr>
-                        <a:t>Number of Comments</a:t>
-                      </a:r>
-                      <a:endParaRPr lang="en-US" sz="1200">
-                        <a:effectLst/>
-                        <a:latin typeface="Times New Roman" panose="02020603050405020304" pitchFamily="18" charset="0"/>
-                        <a:ea typeface="Calibri" panose="020F0502020204030204" pitchFamily="34" charset="0"/>
-                        <a:cs typeface="Times New Roman" panose="02020603050405020304" pitchFamily="18" charset="0"/>
-                      </a:endParaRPr>
-                    </a:p>
-                  </a:txBody>
-                  <a:tcPr marL="68580" marR="68580" marT="0" marB="0" anchor="b"/>
-                </a:tc>
-                <a:tc>
-                  <a:txBody>
-                    <a:bodyPr/>
-                    <a:lstStyle/>
-                    <a:p>
-                      <a:pPr marL="0" marR="0" indent="0" algn="ctr">
-                        <a:lnSpc>
-                          <a:spcPct val="200000"/>
-                        </a:lnSpc>
-                        <a:spcBef>
-                          <a:spcPts val="0"/>
-                        </a:spcBef>
-                        <a:spcAft>
-                          <a:spcPts val="0"/>
-                        </a:spcAft>
-                      </a:pPr>
-                      <a:r>
-                        <a:rPr lang="en-US" sz="1200" b="1">
-                          <a:solidFill>
-                            <a:srgbClr val="000000"/>
-                          </a:solidFill>
-                          <a:effectLst/>
-                          <a:latin typeface="Times New Roman" panose="02020603050405020304" pitchFamily="18" charset="0"/>
-                          <a:ea typeface="Calibri" panose="020F0502020204030204" pitchFamily="34" charset="0"/>
-                          <a:cs typeface="Times New Roman" panose="02020603050405020304" pitchFamily="18" charset="0"/>
-                        </a:rPr>
-                        <a:t>Lines of Commented-out Code</a:t>
-                      </a:r>
-                      <a:endParaRPr lang="en-US" sz="1200">
-                        <a:effectLst/>
-                        <a:latin typeface="Times New Roman" panose="02020603050405020304" pitchFamily="18" charset="0"/>
-                        <a:ea typeface="Calibri" panose="020F0502020204030204" pitchFamily="34" charset="0"/>
-                        <a:cs typeface="Times New Roman" panose="02020603050405020304" pitchFamily="18" charset="0"/>
-                      </a:endParaRPr>
-                    </a:p>
-                  </a:txBody>
-                  <a:tcPr marL="68580" marR="68580" marT="0" marB="0" anchor="b"/>
-                </a:tc>
-                <a:tc>
-                  <a:txBody>
-                    <a:bodyPr/>
-                    <a:lstStyle/>
-                    <a:p>
-                      <a:pPr marL="0" marR="0" indent="0" algn="ctr">
-                        <a:lnSpc>
-                          <a:spcPct val="200000"/>
-                        </a:lnSpc>
-                        <a:spcBef>
-                          <a:spcPts val="0"/>
-                        </a:spcBef>
-                        <a:spcAft>
-                          <a:spcPts val="0"/>
-                        </a:spcAft>
-                      </a:pPr>
-                      <a:r>
-                        <a:rPr lang="en-US" sz="1200" b="1">
-                          <a:solidFill>
-                            <a:srgbClr val="000000"/>
-                          </a:solidFill>
-                          <a:effectLst/>
-                          <a:latin typeface="Times New Roman" panose="02020603050405020304" pitchFamily="18" charset="0"/>
-                          <a:ea typeface="Calibri" panose="020F0502020204030204" pitchFamily="34" charset="0"/>
-                          <a:cs typeface="Times New Roman" panose="02020603050405020304" pitchFamily="18" charset="0"/>
-                        </a:rPr>
-                        <a:t>Ratio of comments to Statement LOC</a:t>
-                      </a:r>
-                      <a:endParaRPr lang="en-US" sz="1200">
-                        <a:effectLst/>
-                        <a:latin typeface="Times New Roman" panose="02020603050405020304" pitchFamily="18" charset="0"/>
-                        <a:ea typeface="Calibri" panose="020F0502020204030204" pitchFamily="34" charset="0"/>
-                        <a:cs typeface="Times New Roman" panose="02020603050405020304" pitchFamily="18" charset="0"/>
-                      </a:endParaRPr>
-                    </a:p>
-                  </a:txBody>
-                  <a:tcPr marL="68580" marR="68580" marT="0" marB="0" anchor="b"/>
-                </a:tc>
-                <a:tc>
-                  <a:txBody>
-                    <a:bodyPr/>
-                    <a:lstStyle/>
-                    <a:p>
-                      <a:pPr marL="0" marR="0" indent="0" algn="ctr">
-                        <a:lnSpc>
-                          <a:spcPct val="200000"/>
-                        </a:lnSpc>
-                        <a:spcBef>
-                          <a:spcPts val="0"/>
-                        </a:spcBef>
-                        <a:spcAft>
-                          <a:spcPts val="0"/>
-                        </a:spcAft>
-                      </a:pPr>
-                      <a:r>
-                        <a:rPr lang="en-US" sz="1200" b="1" dirty="0">
-                          <a:solidFill>
-                            <a:srgbClr val="000000"/>
-                          </a:solidFill>
-                          <a:effectLst/>
-                          <a:latin typeface="Times New Roman" panose="02020603050405020304" pitchFamily="18" charset="0"/>
-                          <a:ea typeface="Calibri" panose="020F0502020204030204" pitchFamily="34" charset="0"/>
-                          <a:cs typeface="Times New Roman" panose="02020603050405020304" pitchFamily="18" charset="0"/>
-                        </a:rPr>
-                        <a:t>Percentage of Commented-out Code</a:t>
-                      </a:r>
-                      <a:endParaRPr lang="en-US" sz="1200" dirty="0">
-                        <a:effectLst/>
-                        <a:latin typeface="Times New Roman" panose="02020603050405020304" pitchFamily="18" charset="0"/>
-                        <a:ea typeface="Calibri" panose="020F0502020204030204" pitchFamily="34" charset="0"/>
-                        <a:cs typeface="Times New Roman" panose="02020603050405020304" pitchFamily="18" charset="0"/>
-                      </a:endParaRPr>
-                    </a:p>
-                  </a:txBody>
-                  <a:tcPr marL="68580" marR="68580" marT="0" marB="0" anchor="b"/>
-                </a:tc>
-                <a:extLst>
-                  <a:ext uri="{0D108BD9-81ED-4DB2-BD59-A6C34878D82A}">
-                    <a16:rowId xmlns:a16="http://schemas.microsoft.com/office/drawing/2014/main" val="478997457"/>
-                  </a:ext>
-                </a:extLst>
-              </a:tr>
-              <a:tr h="370840">
-                <a:tc>
-                  <a:txBody>
-                    <a:bodyPr/>
-                    <a:lstStyle/>
-                    <a:p>
-                      <a:pPr marL="0" marR="0" indent="0">
-                        <a:lnSpc>
-                          <a:spcPct val="200000"/>
-                        </a:lnSpc>
-                        <a:spcBef>
-                          <a:spcPts val="0"/>
-                        </a:spcBef>
-                        <a:spcAft>
-                          <a:spcPts val="0"/>
-                        </a:spcAft>
-                      </a:pPr>
-                      <a:r>
-                        <a:rPr lang="en-US" sz="1000" b="1" dirty="0">
-                          <a:solidFill>
-                            <a:srgbClr val="000000"/>
-                          </a:solidFill>
-                          <a:effectLst/>
-                          <a:latin typeface="Times New Roman" panose="02020603050405020304" pitchFamily="18" charset="0"/>
-                          <a:ea typeface="Calibri" panose="020F0502020204030204" pitchFamily="34" charset="0"/>
-                          <a:cs typeface="Times New Roman" panose="02020603050405020304" pitchFamily="18" charset="0"/>
-                        </a:rPr>
-                        <a:t>Total</a:t>
-                      </a:r>
-                      <a:endParaRPr lang="en-US" sz="1200" b="1" dirty="0">
-                        <a:effectLst/>
-                        <a:latin typeface="Times New Roman" panose="02020603050405020304" pitchFamily="18" charset="0"/>
-                        <a:ea typeface="Calibri" panose="020F0502020204030204" pitchFamily="34" charset="0"/>
-                        <a:cs typeface="Times New Roman" panose="02020603050405020304" pitchFamily="18" charset="0"/>
-                      </a:endParaRPr>
-                    </a:p>
-                  </a:txBody>
-                  <a:tcPr marL="68580" marR="68580" marT="0" marB="0" anchor="b"/>
-                </a:tc>
-                <a:tc>
-                  <a:txBody>
-                    <a:bodyPr/>
-                    <a:lstStyle/>
-                    <a:p>
-                      <a:pPr marL="0" marR="0" indent="0" algn="r">
-                        <a:lnSpc>
-                          <a:spcPct val="200000"/>
-                        </a:lnSpc>
-                        <a:spcBef>
-                          <a:spcPts val="0"/>
-                        </a:spcBef>
-                        <a:spcAft>
-                          <a:spcPts val="0"/>
-                        </a:spcAft>
-                      </a:pPr>
-                      <a:r>
-                        <a:rPr lang="en-US" sz="1000" dirty="0">
-                          <a:solidFill>
-                            <a:srgbClr val="000000"/>
-                          </a:solidFill>
-                          <a:effectLst/>
-                          <a:latin typeface="Times New Roman" panose="02020603050405020304" pitchFamily="18" charset="0"/>
-                          <a:ea typeface="Calibri" panose="020F0502020204030204" pitchFamily="34" charset="0"/>
-                          <a:cs typeface="Times New Roman" panose="02020603050405020304" pitchFamily="18" charset="0"/>
-                        </a:rPr>
-                        <a:t>2980155</a:t>
-                      </a:r>
-                      <a:endParaRPr lang="en-US" sz="1200" dirty="0">
-                        <a:effectLst/>
-                        <a:latin typeface="Times New Roman" panose="02020603050405020304" pitchFamily="18" charset="0"/>
-                        <a:ea typeface="Calibri" panose="020F0502020204030204" pitchFamily="34" charset="0"/>
-                        <a:cs typeface="Times New Roman" panose="02020603050405020304" pitchFamily="18" charset="0"/>
-                      </a:endParaRPr>
-                    </a:p>
-                  </a:txBody>
-                  <a:tcPr marL="68580" marR="68580" marT="0" marB="0" anchor="b"/>
-                </a:tc>
-                <a:tc>
-                  <a:txBody>
-                    <a:bodyPr/>
-                    <a:lstStyle/>
-                    <a:p>
-                      <a:pPr marL="0" marR="0" indent="0" algn="r">
-                        <a:lnSpc>
-                          <a:spcPct val="200000"/>
-                        </a:lnSpc>
-                        <a:spcBef>
-                          <a:spcPts val="0"/>
-                        </a:spcBef>
-                        <a:spcAft>
-                          <a:spcPts val="0"/>
-                        </a:spcAft>
-                      </a:pPr>
-                      <a:r>
-                        <a:rPr lang="en-US" sz="1000">
-                          <a:solidFill>
-                            <a:srgbClr val="000000"/>
-                          </a:solidFill>
-                          <a:effectLst/>
-                          <a:latin typeface="Times New Roman" panose="02020603050405020304" pitchFamily="18" charset="0"/>
-                          <a:ea typeface="Calibri" panose="020F0502020204030204" pitchFamily="34" charset="0"/>
-                          <a:cs typeface="Times New Roman" panose="02020603050405020304" pitchFamily="18" charset="0"/>
-                        </a:rPr>
-                        <a:t>1663325</a:t>
-                      </a:r>
-                      <a:endParaRPr lang="en-US" sz="1200">
-                        <a:effectLst/>
-                        <a:latin typeface="Times New Roman" panose="02020603050405020304" pitchFamily="18" charset="0"/>
-                        <a:ea typeface="Calibri" panose="020F0502020204030204" pitchFamily="34" charset="0"/>
-                        <a:cs typeface="Times New Roman" panose="02020603050405020304" pitchFamily="18" charset="0"/>
-                      </a:endParaRPr>
-                    </a:p>
-                  </a:txBody>
-                  <a:tcPr marL="68580" marR="68580" marT="0" marB="0" anchor="b"/>
-                </a:tc>
-                <a:tc>
-                  <a:txBody>
-                    <a:bodyPr/>
-                    <a:lstStyle/>
-                    <a:p>
-                      <a:pPr marL="0" marR="0" indent="0" algn="r">
-                        <a:lnSpc>
-                          <a:spcPct val="200000"/>
-                        </a:lnSpc>
-                        <a:spcBef>
-                          <a:spcPts val="0"/>
-                        </a:spcBef>
-                        <a:spcAft>
-                          <a:spcPts val="0"/>
-                        </a:spcAft>
-                      </a:pPr>
-                      <a:r>
-                        <a:rPr lang="en-US" sz="1000">
-                          <a:solidFill>
-                            <a:srgbClr val="000000"/>
-                          </a:solidFill>
-                          <a:effectLst/>
-                          <a:latin typeface="Times New Roman" panose="02020603050405020304" pitchFamily="18" charset="0"/>
-                          <a:ea typeface="Calibri" panose="020F0502020204030204" pitchFamily="34" charset="0"/>
-                          <a:cs typeface="Times New Roman" panose="02020603050405020304" pitchFamily="18" charset="0"/>
-                        </a:rPr>
-                        <a:t>176503</a:t>
-                      </a:r>
-                      <a:endParaRPr lang="en-US" sz="1200">
-                        <a:effectLst/>
-                        <a:latin typeface="Times New Roman" panose="02020603050405020304" pitchFamily="18" charset="0"/>
-                        <a:ea typeface="Calibri" panose="020F0502020204030204" pitchFamily="34" charset="0"/>
-                        <a:cs typeface="Times New Roman" panose="02020603050405020304" pitchFamily="18" charset="0"/>
-                      </a:endParaRPr>
-                    </a:p>
-                  </a:txBody>
-                  <a:tcPr marL="68580" marR="68580" marT="0" marB="0" anchor="b"/>
-                </a:tc>
-                <a:tc>
-                  <a:txBody>
-                    <a:bodyPr/>
-                    <a:lstStyle/>
-                    <a:p>
-                      <a:pPr marL="0" marR="0" indent="0" algn="r">
-                        <a:lnSpc>
-                          <a:spcPct val="200000"/>
-                        </a:lnSpc>
-                        <a:spcBef>
-                          <a:spcPts val="0"/>
-                        </a:spcBef>
-                        <a:spcAft>
-                          <a:spcPts val="0"/>
-                        </a:spcAft>
-                      </a:pPr>
-                      <a:r>
-                        <a:rPr lang="en-US" sz="1000" dirty="0">
-                          <a:solidFill>
-                            <a:srgbClr val="000000"/>
-                          </a:solidFill>
-                          <a:effectLst/>
-                          <a:latin typeface="Times New Roman" panose="02020603050405020304" pitchFamily="18" charset="0"/>
-                          <a:ea typeface="Calibri" panose="020F0502020204030204" pitchFamily="34" charset="0"/>
-                          <a:cs typeface="Times New Roman" panose="02020603050405020304" pitchFamily="18" charset="0"/>
-                        </a:rPr>
-                        <a:t>-------------------------- </a:t>
-                      </a:r>
-                      <a:endParaRPr lang="en-US" sz="1200" dirty="0">
-                        <a:effectLst/>
-                        <a:latin typeface="Times New Roman" panose="02020603050405020304" pitchFamily="18" charset="0"/>
-                        <a:ea typeface="Calibri" panose="020F0502020204030204" pitchFamily="34" charset="0"/>
-                        <a:cs typeface="Times New Roman" panose="02020603050405020304" pitchFamily="18" charset="0"/>
-                      </a:endParaRPr>
-                    </a:p>
-                  </a:txBody>
-                  <a:tcPr marL="68580" marR="68580" marT="0" marB="0" anchor="b"/>
-                </a:tc>
-                <a:tc>
-                  <a:txBody>
-                    <a:bodyPr/>
-                    <a:lstStyle/>
-                    <a:p>
-                      <a:pPr marL="0" marR="0" indent="0" algn="r">
-                        <a:lnSpc>
-                          <a:spcPct val="200000"/>
-                        </a:lnSpc>
-                        <a:spcBef>
-                          <a:spcPts val="0"/>
-                        </a:spcBef>
-                        <a:spcAft>
-                          <a:spcPts val="0"/>
-                        </a:spcAft>
-                      </a:pPr>
-                      <a:r>
-                        <a:rPr lang="en-US" sz="1000" dirty="0">
-                          <a:solidFill>
-                            <a:srgbClr val="000000"/>
-                          </a:solidFill>
-                          <a:effectLst/>
-                          <a:latin typeface="Times New Roman" panose="02020603050405020304" pitchFamily="18" charset="0"/>
-                          <a:ea typeface="Calibri" panose="020F0502020204030204" pitchFamily="34" charset="0"/>
-                          <a:cs typeface="Times New Roman" panose="02020603050405020304" pitchFamily="18" charset="0"/>
-                        </a:rPr>
-                        <a:t>--------------------------- </a:t>
-                      </a:r>
-                      <a:endParaRPr lang="en-US" sz="1200" dirty="0">
-                        <a:effectLst/>
-                        <a:latin typeface="Times New Roman" panose="02020603050405020304" pitchFamily="18" charset="0"/>
-                        <a:ea typeface="Calibri" panose="020F0502020204030204" pitchFamily="34" charset="0"/>
-                        <a:cs typeface="Times New Roman" panose="02020603050405020304" pitchFamily="18" charset="0"/>
-                      </a:endParaRPr>
-                    </a:p>
-                  </a:txBody>
-                  <a:tcPr marL="68580" marR="68580" marT="0" marB="0" anchor="b"/>
-                </a:tc>
-                <a:extLst>
-                  <a:ext uri="{0D108BD9-81ED-4DB2-BD59-A6C34878D82A}">
-                    <a16:rowId xmlns:a16="http://schemas.microsoft.com/office/drawing/2014/main" val="615035176"/>
-                  </a:ext>
-                </a:extLst>
-              </a:tr>
-              <a:tr h="370840">
-                <a:tc>
-                  <a:txBody>
-                    <a:bodyPr/>
-                    <a:lstStyle/>
-                    <a:p>
-                      <a:pPr marL="0" marR="0" indent="0">
-                        <a:lnSpc>
-                          <a:spcPct val="200000"/>
-                        </a:lnSpc>
-                        <a:spcBef>
-                          <a:spcPts val="0"/>
-                        </a:spcBef>
-                        <a:spcAft>
-                          <a:spcPts val="0"/>
-                        </a:spcAft>
-                      </a:pPr>
-                      <a:r>
-                        <a:rPr lang="en-US" sz="1000" b="1">
-                          <a:solidFill>
-                            <a:srgbClr val="000000"/>
-                          </a:solidFill>
-                          <a:effectLst/>
-                          <a:latin typeface="Times New Roman" panose="02020603050405020304" pitchFamily="18" charset="0"/>
-                          <a:ea typeface="Calibri" panose="020F0502020204030204" pitchFamily="34" charset="0"/>
-                          <a:cs typeface="Times New Roman" panose="02020603050405020304" pitchFamily="18" charset="0"/>
-                        </a:rPr>
-                        <a:t>Average</a:t>
-                      </a:r>
-                      <a:endParaRPr lang="en-US" sz="1200" b="1">
-                        <a:effectLst/>
-                        <a:latin typeface="Times New Roman" panose="02020603050405020304" pitchFamily="18" charset="0"/>
-                        <a:ea typeface="Calibri" panose="020F0502020204030204" pitchFamily="34" charset="0"/>
-                        <a:cs typeface="Times New Roman" panose="02020603050405020304" pitchFamily="18" charset="0"/>
-                      </a:endParaRPr>
-                    </a:p>
-                  </a:txBody>
-                  <a:tcPr marL="68580" marR="68580" marT="0" marB="0" anchor="b"/>
-                </a:tc>
-                <a:tc>
-                  <a:txBody>
-                    <a:bodyPr/>
-                    <a:lstStyle/>
-                    <a:p>
-                      <a:pPr marL="0" marR="0" indent="0" algn="r">
-                        <a:lnSpc>
-                          <a:spcPct val="200000"/>
-                        </a:lnSpc>
-                        <a:spcBef>
-                          <a:spcPts val="0"/>
-                        </a:spcBef>
-                        <a:spcAft>
-                          <a:spcPts val="0"/>
-                        </a:spcAft>
-                      </a:pPr>
-                      <a:r>
-                        <a:rPr lang="en-US" sz="1000">
-                          <a:solidFill>
-                            <a:srgbClr val="000000"/>
-                          </a:solidFill>
-                          <a:effectLst/>
-                          <a:latin typeface="Times New Roman" panose="02020603050405020304" pitchFamily="18" charset="0"/>
-                          <a:ea typeface="Calibri" panose="020F0502020204030204" pitchFamily="34" charset="0"/>
-                          <a:cs typeface="Times New Roman" panose="02020603050405020304" pitchFamily="18" charset="0"/>
-                        </a:rPr>
-                        <a:t>59603.1</a:t>
-                      </a:r>
-                      <a:endParaRPr lang="en-US" sz="1200">
-                        <a:effectLst/>
-                        <a:latin typeface="Times New Roman" panose="02020603050405020304" pitchFamily="18" charset="0"/>
-                        <a:ea typeface="Calibri" panose="020F0502020204030204" pitchFamily="34" charset="0"/>
-                        <a:cs typeface="Times New Roman" panose="02020603050405020304" pitchFamily="18" charset="0"/>
-                      </a:endParaRPr>
-                    </a:p>
-                  </a:txBody>
-                  <a:tcPr marL="68580" marR="68580" marT="0" marB="0" anchor="b"/>
-                </a:tc>
-                <a:tc>
-                  <a:txBody>
-                    <a:bodyPr/>
-                    <a:lstStyle/>
-                    <a:p>
-                      <a:pPr marL="0" marR="0" indent="0" algn="r">
-                        <a:lnSpc>
-                          <a:spcPct val="200000"/>
-                        </a:lnSpc>
-                        <a:spcBef>
-                          <a:spcPts val="0"/>
-                        </a:spcBef>
-                        <a:spcAft>
-                          <a:spcPts val="0"/>
-                        </a:spcAft>
-                      </a:pPr>
-                      <a:r>
-                        <a:rPr lang="en-US" sz="1000">
-                          <a:solidFill>
-                            <a:srgbClr val="000000"/>
-                          </a:solidFill>
-                          <a:effectLst/>
-                          <a:latin typeface="Times New Roman" panose="02020603050405020304" pitchFamily="18" charset="0"/>
-                          <a:ea typeface="Calibri" panose="020F0502020204030204" pitchFamily="34" charset="0"/>
-                          <a:cs typeface="Times New Roman" panose="02020603050405020304" pitchFamily="18" charset="0"/>
-                        </a:rPr>
-                        <a:t>33266.5</a:t>
-                      </a:r>
-                      <a:endParaRPr lang="en-US" sz="1200">
-                        <a:effectLst/>
-                        <a:latin typeface="Times New Roman" panose="02020603050405020304" pitchFamily="18" charset="0"/>
-                        <a:ea typeface="Calibri" panose="020F0502020204030204" pitchFamily="34" charset="0"/>
-                        <a:cs typeface="Times New Roman" panose="02020603050405020304" pitchFamily="18" charset="0"/>
-                      </a:endParaRPr>
-                    </a:p>
-                  </a:txBody>
-                  <a:tcPr marL="68580" marR="68580" marT="0" marB="0" anchor="b"/>
-                </a:tc>
-                <a:tc>
-                  <a:txBody>
-                    <a:bodyPr/>
-                    <a:lstStyle/>
-                    <a:p>
-                      <a:pPr marL="0" marR="0" indent="0" algn="r">
-                        <a:lnSpc>
-                          <a:spcPct val="200000"/>
-                        </a:lnSpc>
-                        <a:spcBef>
-                          <a:spcPts val="0"/>
-                        </a:spcBef>
-                        <a:spcAft>
-                          <a:spcPts val="0"/>
-                        </a:spcAft>
-                      </a:pPr>
-                      <a:r>
-                        <a:rPr lang="en-US" sz="1000">
-                          <a:solidFill>
-                            <a:srgbClr val="000000"/>
-                          </a:solidFill>
-                          <a:effectLst/>
-                          <a:latin typeface="Times New Roman" panose="02020603050405020304" pitchFamily="18" charset="0"/>
-                          <a:ea typeface="Calibri" panose="020F0502020204030204" pitchFamily="34" charset="0"/>
-                          <a:cs typeface="Times New Roman" panose="02020603050405020304" pitchFamily="18" charset="0"/>
-                        </a:rPr>
-                        <a:t>3602.102041</a:t>
-                      </a:r>
-                      <a:endParaRPr lang="en-US" sz="1200">
-                        <a:effectLst/>
-                        <a:latin typeface="Times New Roman" panose="02020603050405020304" pitchFamily="18" charset="0"/>
-                        <a:ea typeface="Calibri" panose="020F0502020204030204" pitchFamily="34" charset="0"/>
-                        <a:cs typeface="Times New Roman" panose="02020603050405020304" pitchFamily="18" charset="0"/>
-                      </a:endParaRPr>
-                    </a:p>
-                  </a:txBody>
-                  <a:tcPr marL="68580" marR="68580" marT="0" marB="0" anchor="b"/>
-                </a:tc>
-                <a:tc>
-                  <a:txBody>
-                    <a:bodyPr/>
-                    <a:lstStyle/>
-                    <a:p>
-                      <a:pPr marL="0" marR="0" indent="0" algn="r">
-                        <a:lnSpc>
-                          <a:spcPct val="200000"/>
-                        </a:lnSpc>
-                        <a:spcBef>
-                          <a:spcPts val="0"/>
-                        </a:spcBef>
-                        <a:spcAft>
-                          <a:spcPts val="0"/>
-                        </a:spcAft>
-                      </a:pPr>
-                      <a:r>
-                        <a:rPr lang="en-US" sz="1000">
-                          <a:solidFill>
-                            <a:srgbClr val="000000"/>
-                          </a:solidFill>
-                          <a:effectLst/>
-                          <a:latin typeface="Times New Roman" panose="02020603050405020304" pitchFamily="18" charset="0"/>
-                          <a:ea typeface="Calibri" panose="020F0502020204030204" pitchFamily="34" charset="0"/>
-                          <a:cs typeface="Times New Roman" panose="02020603050405020304" pitchFamily="18" charset="0"/>
-                        </a:rPr>
-                        <a:t>0.24</a:t>
-                      </a:r>
-                      <a:endParaRPr lang="en-US" sz="1200">
-                        <a:effectLst/>
-                        <a:latin typeface="Times New Roman" panose="02020603050405020304" pitchFamily="18" charset="0"/>
-                        <a:ea typeface="Calibri" panose="020F0502020204030204" pitchFamily="34" charset="0"/>
-                        <a:cs typeface="Times New Roman" panose="02020603050405020304" pitchFamily="18" charset="0"/>
-                      </a:endParaRPr>
-                    </a:p>
-                  </a:txBody>
-                  <a:tcPr marL="68580" marR="68580" marT="0" marB="0" anchor="b"/>
-                </a:tc>
-                <a:tc>
-                  <a:txBody>
-                    <a:bodyPr/>
-                    <a:lstStyle/>
-                    <a:p>
-                      <a:pPr marL="0" marR="0" indent="0" algn="r">
-                        <a:lnSpc>
-                          <a:spcPct val="200000"/>
-                        </a:lnSpc>
-                        <a:spcBef>
-                          <a:spcPts val="0"/>
-                        </a:spcBef>
-                        <a:spcAft>
-                          <a:spcPts val="0"/>
-                        </a:spcAft>
-                      </a:pPr>
-                      <a:r>
-                        <a:rPr lang="en-US" sz="1000">
-                          <a:solidFill>
-                            <a:srgbClr val="000000"/>
-                          </a:solidFill>
-                          <a:effectLst/>
-                          <a:latin typeface="Times New Roman" panose="02020603050405020304" pitchFamily="18" charset="0"/>
-                          <a:ea typeface="Calibri" panose="020F0502020204030204" pitchFamily="34" charset="0"/>
-                          <a:cs typeface="Times New Roman" panose="02020603050405020304" pitchFamily="18" charset="0"/>
-                        </a:rPr>
-                        <a:t>4.43</a:t>
-                      </a:r>
-                      <a:endParaRPr lang="en-US" sz="1200">
-                        <a:effectLst/>
-                        <a:latin typeface="Times New Roman" panose="02020603050405020304" pitchFamily="18" charset="0"/>
-                        <a:ea typeface="Calibri" panose="020F0502020204030204" pitchFamily="34" charset="0"/>
-                        <a:cs typeface="Times New Roman" panose="02020603050405020304" pitchFamily="18" charset="0"/>
-                      </a:endParaRPr>
-                    </a:p>
-                  </a:txBody>
-                  <a:tcPr marL="68580" marR="68580" marT="0" marB="0" anchor="b"/>
-                </a:tc>
-                <a:extLst>
-                  <a:ext uri="{0D108BD9-81ED-4DB2-BD59-A6C34878D82A}">
-                    <a16:rowId xmlns:a16="http://schemas.microsoft.com/office/drawing/2014/main" val="2341910378"/>
-                  </a:ext>
-                </a:extLst>
-              </a:tr>
-              <a:tr h="370840">
-                <a:tc>
-                  <a:txBody>
-                    <a:bodyPr/>
-                    <a:lstStyle/>
-                    <a:p>
-                      <a:pPr marL="0" marR="0" indent="0">
-                        <a:lnSpc>
-                          <a:spcPct val="200000"/>
-                        </a:lnSpc>
-                        <a:spcBef>
-                          <a:spcPts val="0"/>
-                        </a:spcBef>
-                        <a:spcAft>
-                          <a:spcPts val="0"/>
-                        </a:spcAft>
-                      </a:pPr>
-                      <a:r>
-                        <a:rPr lang="en-US" sz="1000" b="1" dirty="0">
-                          <a:solidFill>
-                            <a:srgbClr val="000000"/>
-                          </a:solidFill>
-                          <a:effectLst/>
-                          <a:latin typeface="Times New Roman" panose="02020603050405020304" pitchFamily="18" charset="0"/>
-                          <a:ea typeface="Calibri" panose="020F0502020204030204" pitchFamily="34" charset="0"/>
-                          <a:cs typeface="Times New Roman" panose="02020603050405020304" pitchFamily="18" charset="0"/>
-                        </a:rPr>
-                        <a:t>Median</a:t>
-                      </a:r>
-                      <a:endParaRPr lang="en-US" sz="1200" b="1" dirty="0">
-                        <a:effectLst/>
-                        <a:latin typeface="Times New Roman" panose="02020603050405020304" pitchFamily="18" charset="0"/>
-                        <a:ea typeface="Calibri" panose="020F0502020204030204" pitchFamily="34" charset="0"/>
-                        <a:cs typeface="Times New Roman" panose="02020603050405020304" pitchFamily="18" charset="0"/>
-                      </a:endParaRPr>
-                    </a:p>
-                  </a:txBody>
-                  <a:tcPr marL="68580" marR="68580" marT="0" marB="0" anchor="b"/>
-                </a:tc>
-                <a:tc>
-                  <a:txBody>
-                    <a:bodyPr/>
-                    <a:lstStyle/>
-                    <a:p>
-                      <a:pPr marL="0" marR="0" indent="0" algn="r">
-                        <a:lnSpc>
-                          <a:spcPct val="200000"/>
-                        </a:lnSpc>
-                        <a:spcBef>
-                          <a:spcPts val="0"/>
-                        </a:spcBef>
-                        <a:spcAft>
-                          <a:spcPts val="0"/>
-                        </a:spcAft>
-                      </a:pPr>
-                      <a:r>
-                        <a:rPr lang="en-US" sz="1000">
-                          <a:solidFill>
-                            <a:srgbClr val="000000"/>
-                          </a:solidFill>
-                          <a:effectLst/>
-                          <a:latin typeface="Times New Roman" panose="02020603050405020304" pitchFamily="18" charset="0"/>
-                          <a:ea typeface="Calibri" panose="020F0502020204030204" pitchFamily="34" charset="0"/>
-                          <a:cs typeface="Times New Roman" panose="02020603050405020304" pitchFamily="18" charset="0"/>
-                        </a:rPr>
-                        <a:t>6229</a:t>
-                      </a:r>
-                      <a:endParaRPr lang="en-US" sz="1200">
-                        <a:effectLst/>
-                        <a:latin typeface="Times New Roman" panose="02020603050405020304" pitchFamily="18" charset="0"/>
-                        <a:ea typeface="Calibri" panose="020F0502020204030204" pitchFamily="34" charset="0"/>
-                        <a:cs typeface="Times New Roman" panose="02020603050405020304" pitchFamily="18" charset="0"/>
-                      </a:endParaRPr>
-                    </a:p>
-                  </a:txBody>
-                  <a:tcPr marL="68580" marR="68580" marT="0" marB="0" anchor="b"/>
-                </a:tc>
-                <a:tc>
-                  <a:txBody>
-                    <a:bodyPr/>
-                    <a:lstStyle/>
-                    <a:p>
-                      <a:pPr marL="0" marR="0" indent="0" algn="r">
-                        <a:lnSpc>
-                          <a:spcPct val="200000"/>
-                        </a:lnSpc>
-                        <a:spcBef>
-                          <a:spcPts val="0"/>
-                        </a:spcBef>
-                        <a:spcAft>
-                          <a:spcPts val="0"/>
-                        </a:spcAft>
-                      </a:pPr>
-                      <a:r>
-                        <a:rPr lang="en-US" sz="1000">
-                          <a:solidFill>
-                            <a:srgbClr val="000000"/>
-                          </a:solidFill>
-                          <a:effectLst/>
-                          <a:latin typeface="Times New Roman" panose="02020603050405020304" pitchFamily="18" charset="0"/>
-                          <a:ea typeface="Calibri" panose="020F0502020204030204" pitchFamily="34" charset="0"/>
-                          <a:cs typeface="Times New Roman" panose="02020603050405020304" pitchFamily="18" charset="0"/>
-                        </a:rPr>
-                        <a:t>3033</a:t>
-                      </a:r>
-                      <a:endParaRPr lang="en-US" sz="1200">
-                        <a:effectLst/>
-                        <a:latin typeface="Times New Roman" panose="02020603050405020304" pitchFamily="18" charset="0"/>
-                        <a:ea typeface="Calibri" panose="020F0502020204030204" pitchFamily="34" charset="0"/>
-                        <a:cs typeface="Times New Roman" panose="02020603050405020304" pitchFamily="18" charset="0"/>
-                      </a:endParaRPr>
-                    </a:p>
-                  </a:txBody>
-                  <a:tcPr marL="68580" marR="68580" marT="0" marB="0" anchor="b"/>
-                </a:tc>
-                <a:tc>
-                  <a:txBody>
-                    <a:bodyPr/>
-                    <a:lstStyle/>
-                    <a:p>
-                      <a:pPr marL="0" marR="0" indent="0" algn="r">
-                        <a:lnSpc>
-                          <a:spcPct val="200000"/>
-                        </a:lnSpc>
-                        <a:spcBef>
-                          <a:spcPts val="0"/>
-                        </a:spcBef>
-                        <a:spcAft>
-                          <a:spcPts val="0"/>
-                        </a:spcAft>
-                      </a:pPr>
-                      <a:r>
-                        <a:rPr lang="en-US" sz="1000">
-                          <a:solidFill>
-                            <a:srgbClr val="000000"/>
-                          </a:solidFill>
-                          <a:effectLst/>
-                          <a:latin typeface="Times New Roman" panose="02020603050405020304" pitchFamily="18" charset="0"/>
-                          <a:ea typeface="Calibri" panose="020F0502020204030204" pitchFamily="34" charset="0"/>
-                          <a:cs typeface="Times New Roman" panose="02020603050405020304" pitchFamily="18" charset="0"/>
-                        </a:rPr>
-                        <a:t>137</a:t>
-                      </a:r>
-                      <a:endParaRPr lang="en-US" sz="1200">
-                        <a:effectLst/>
-                        <a:latin typeface="Times New Roman" panose="02020603050405020304" pitchFamily="18" charset="0"/>
-                        <a:ea typeface="Calibri" panose="020F0502020204030204" pitchFamily="34" charset="0"/>
-                        <a:cs typeface="Times New Roman" panose="02020603050405020304" pitchFamily="18" charset="0"/>
-                      </a:endParaRPr>
-                    </a:p>
-                  </a:txBody>
-                  <a:tcPr marL="68580" marR="68580" marT="0" marB="0" anchor="b"/>
-                </a:tc>
-                <a:tc>
-                  <a:txBody>
-                    <a:bodyPr/>
-                    <a:lstStyle/>
-                    <a:p>
-                      <a:pPr marL="0" marR="0" indent="0" algn="r">
-                        <a:lnSpc>
-                          <a:spcPct val="200000"/>
-                        </a:lnSpc>
-                        <a:spcBef>
-                          <a:spcPts val="0"/>
-                        </a:spcBef>
-                        <a:spcAft>
-                          <a:spcPts val="0"/>
-                        </a:spcAft>
-                      </a:pPr>
-                      <a:r>
-                        <a:rPr lang="en-US" sz="1000">
-                          <a:solidFill>
-                            <a:srgbClr val="000000"/>
-                          </a:solidFill>
-                          <a:effectLst/>
-                          <a:latin typeface="Times New Roman" panose="02020603050405020304" pitchFamily="18" charset="0"/>
-                          <a:ea typeface="Calibri" panose="020F0502020204030204" pitchFamily="34" charset="0"/>
-                          <a:cs typeface="Times New Roman" panose="02020603050405020304" pitchFamily="18" charset="0"/>
-                        </a:rPr>
-                        <a:t>0.21</a:t>
-                      </a:r>
-                      <a:endParaRPr lang="en-US" sz="1200">
-                        <a:effectLst/>
-                        <a:latin typeface="Times New Roman" panose="02020603050405020304" pitchFamily="18" charset="0"/>
-                        <a:ea typeface="Calibri" panose="020F0502020204030204" pitchFamily="34" charset="0"/>
-                        <a:cs typeface="Times New Roman" panose="02020603050405020304" pitchFamily="18" charset="0"/>
-                      </a:endParaRPr>
-                    </a:p>
-                  </a:txBody>
-                  <a:tcPr marL="68580" marR="68580" marT="0" marB="0" anchor="b"/>
-                </a:tc>
-                <a:tc>
-                  <a:txBody>
-                    <a:bodyPr/>
-                    <a:lstStyle/>
-                    <a:p>
-                      <a:pPr marL="0" marR="0" indent="0" algn="r">
-                        <a:lnSpc>
-                          <a:spcPct val="200000"/>
-                        </a:lnSpc>
-                        <a:spcBef>
-                          <a:spcPts val="0"/>
-                        </a:spcBef>
-                        <a:spcAft>
-                          <a:spcPts val="0"/>
-                        </a:spcAft>
-                      </a:pPr>
-                      <a:r>
-                        <a:rPr lang="en-US" sz="1000" dirty="0">
-                          <a:solidFill>
-                            <a:srgbClr val="000000"/>
-                          </a:solidFill>
-                          <a:effectLst/>
-                          <a:latin typeface="Times New Roman" panose="02020603050405020304" pitchFamily="18" charset="0"/>
-                          <a:ea typeface="Calibri" panose="020F0502020204030204" pitchFamily="34" charset="0"/>
-                          <a:cs typeface="Times New Roman" panose="02020603050405020304" pitchFamily="18" charset="0"/>
-                        </a:rPr>
-                        <a:t>2.76</a:t>
-                      </a:r>
-                      <a:endParaRPr lang="en-US" sz="1200" dirty="0">
-                        <a:effectLst/>
-                        <a:latin typeface="Times New Roman" panose="02020603050405020304" pitchFamily="18" charset="0"/>
-                        <a:ea typeface="Calibri" panose="020F0502020204030204" pitchFamily="34" charset="0"/>
-                        <a:cs typeface="Times New Roman" panose="02020603050405020304" pitchFamily="18" charset="0"/>
-                      </a:endParaRPr>
-                    </a:p>
-                  </a:txBody>
-                  <a:tcPr marL="68580" marR="68580" marT="0" marB="0" anchor="b"/>
-                </a:tc>
-                <a:extLst>
-                  <a:ext uri="{0D108BD9-81ED-4DB2-BD59-A6C34878D82A}">
-                    <a16:rowId xmlns:a16="http://schemas.microsoft.com/office/drawing/2014/main" val="1212684028"/>
                   </a:ext>
                 </a:extLst>
               </a:tr>
@@ -5787,8 +6824,8 @@
         </p:nvSpPr>
         <p:spPr>
           <a:xfrm>
-            <a:off x="5122877" y="1956521"/>
-            <a:ext cx="1946246" cy="369332"/>
+            <a:off x="4771238" y="4224833"/>
+            <a:ext cx="2649523" cy="461665"/>
           </a:xfrm>
           <a:prstGeom prst="rect">
             <a:avLst/>
@@ -5802,7 +6839,7 @@
           <a:lstStyle/>
           <a:p>
             <a:r>
-              <a:rPr lang="en-US" dirty="0"/>
+              <a:rPr lang="en-US" sz="2400" dirty="0"/>
               <a:t>50 Projects Results</a:t>
             </a:r>
           </a:p>
@@ -5810,10 +6847,10 @@
       </p:sp>
       <p:sp>
         <p:nvSpPr>
-          <p:cNvPr id="11" name="TextBox 10">
+          <p:cNvPr id="3" name="TextBox 2">
             <a:extLst>
               <a:ext uri="{FF2B5EF4-FFF2-40B4-BE49-F238E27FC236}">
-                <a16:creationId xmlns:a16="http://schemas.microsoft.com/office/drawing/2014/main" id="{A3BA959D-5130-4CCA-8010-8A7194BE4013}"/>
+                <a16:creationId xmlns:a16="http://schemas.microsoft.com/office/drawing/2014/main" id="{6BBEEECF-D7CA-4CEA-9E48-ABE22D3ED403}"/>
               </a:ext>
             </a:extLst>
           </p:cNvPr>
@@ -5822,8 +6859,8 @@
         </p:nvSpPr>
         <p:spPr>
           <a:xfrm>
-            <a:off x="4741178" y="4075046"/>
-            <a:ext cx="2709644" cy="369332"/>
+            <a:off x="838200" y="1700442"/>
+            <a:ext cx="10515600" cy="2246769"/>
           </a:xfrm>
           <a:prstGeom prst="rect">
             <a:avLst/>
@@ -5836,9 +6873,33 @@
           </a:bodyPr>
           <a:lstStyle/>
           <a:p>
-            <a:r>
-              <a:rPr lang="en-US" dirty="0"/>
-              <a:t>50 Projects Additional Data</a:t>
+            <a:pPr marL="285750" indent="-285750">
+              <a:buFont typeface="Arial" panose="020B0604020202020204" pitchFamily="34" charset="0"/>
+              <a:buChar char="•"/>
+            </a:pPr>
+            <a:r>
+              <a:rPr lang="en-US" sz="2800" dirty="0"/>
+              <a:t>We selected 50 unseen projects not found in the original 78 projects from GitHub following the same collection procedure.</a:t>
+            </a:r>
+          </a:p>
+          <a:p>
+            <a:pPr marL="285750" indent="-285750">
+              <a:buFont typeface="Arial" panose="020B0604020202020204" pitchFamily="34" charset="0"/>
+              <a:buChar char="•"/>
+            </a:pPr>
+            <a:r>
+              <a:rPr lang="en-US" sz="2800" dirty="0"/>
+              <a:t>Projects were split C++ - 13 C# - 13 C – 12 Java – 12. </a:t>
+            </a:r>
+          </a:p>
+          <a:p>
+            <a:pPr marL="285750" indent="-285750">
+              <a:buFont typeface="Arial" panose="020B0604020202020204" pitchFamily="34" charset="0"/>
+              <a:buChar char="•"/>
+            </a:pPr>
+            <a:r>
+              <a:rPr lang="en-US" sz="2800" dirty="0"/>
+              <a:t>Verified every case of commented out code and 2 nearby pieces of English Prose for each case of commented-out code.</a:t>
             </a:r>
           </a:p>
         </p:txBody>
@@ -5856,7 +6917,1124 @@
 </p:sld>
 </file>
 
-<file path=ppt/slides/slide12.xml><?xml version="1.0" encoding="utf-8"?>
+<file path=ppt/slides/slide15.xml><?xml version="1.0" encoding="utf-8"?>
+<p:sld xmlns:a="http://schemas.openxmlformats.org/drawingml/2006/main" xmlns:r="http://schemas.openxmlformats.org/officeDocument/2006/relationships" xmlns:p="http://schemas.openxmlformats.org/presentationml/2006/main">
+  <p:cSld>
+    <p:spTree>
+      <p:nvGrpSpPr>
+        <p:cNvPr id="1" name=""/>
+        <p:cNvGrpSpPr/>
+        <p:nvPr/>
+      </p:nvGrpSpPr>
+      <p:grpSpPr>
+        <a:xfrm>
+          <a:off x="0" y="0"/>
+          <a:ext cx="0" cy="0"/>
+          <a:chOff x="0" y="0"/>
+          <a:chExt cx="0" cy="0"/>
+        </a:xfrm>
+      </p:grpSpPr>
+      <p:sp>
+        <p:nvSpPr>
+          <p:cNvPr id="2" name="Title 1">
+            <a:extLst>
+              <a:ext uri="{FF2B5EF4-FFF2-40B4-BE49-F238E27FC236}">
+                <a16:creationId xmlns:a16="http://schemas.microsoft.com/office/drawing/2014/main" id="{BEC2FF7C-3675-4FD6-B866-3F97DA692D93}"/>
+              </a:ext>
+            </a:extLst>
+          </p:cNvPr>
+          <p:cNvSpPr>
+            <a:spLocks noGrp="1"/>
+          </p:cNvSpPr>
+          <p:nvPr>
+            <p:ph type="title"/>
+          </p:nvPr>
+        </p:nvSpPr>
+        <p:spPr/>
+        <p:txBody>
+          <a:bodyPr/>
+          <a:lstStyle/>
+          <a:p>
+            <a:pPr algn="ctr"/>
+            <a:r>
+              <a:rPr lang="en-US" dirty="0"/>
+              <a:t>How Prevalent is Commented-Out Code in Open-Source Software?</a:t>
+            </a:r>
+          </a:p>
+        </p:txBody>
+      </p:sp>
+      <p:graphicFrame>
+        <p:nvGraphicFramePr>
+          <p:cNvPr id="8" name="Table 8">
+            <a:extLst>
+              <a:ext uri="{FF2B5EF4-FFF2-40B4-BE49-F238E27FC236}">
+                <a16:creationId xmlns:a16="http://schemas.microsoft.com/office/drawing/2014/main" id="{B1631F62-91E8-48AF-A088-051F988299D1}"/>
+              </a:ext>
+            </a:extLst>
+          </p:cNvPr>
+          <p:cNvGraphicFramePr>
+            <a:graphicFrameLocks noGrp="1"/>
+          </p:cNvGraphicFramePr>
+          <p:nvPr>
+            <p:extLst>
+              <p:ext uri="{D42A27DB-BD31-4B8C-83A1-F6EECF244321}">
+                <p14:modId xmlns:p14="http://schemas.microsoft.com/office/powerpoint/2010/main" val="2121026831"/>
+              </p:ext>
+            </p:extLst>
+          </p:nvPr>
+        </p:nvGraphicFramePr>
+        <p:xfrm>
+          <a:off x="1092492" y="3027289"/>
+          <a:ext cx="10007016" cy="2839896"/>
+        </p:xfrm>
+        <a:graphic>
+          <a:graphicData uri="http://schemas.openxmlformats.org/drawingml/2006/table">
+            <a:tbl>
+              <a:tblPr firstRow="1" bandRow="1">
+                <a:tableStyleId>{5C22544A-7EE6-4342-B048-85BDC9FD1C3A}</a:tableStyleId>
+              </a:tblPr>
+              <a:tblGrid>
+                <a:gridCol w="1667836">
+                  <a:extLst>
+                    <a:ext uri="{9D8B030D-6E8A-4147-A177-3AD203B41FA5}">
+                      <a16:colId xmlns:a16="http://schemas.microsoft.com/office/drawing/2014/main" val="1546099680"/>
+                    </a:ext>
+                  </a:extLst>
+                </a:gridCol>
+                <a:gridCol w="1667836">
+                  <a:extLst>
+                    <a:ext uri="{9D8B030D-6E8A-4147-A177-3AD203B41FA5}">
+                      <a16:colId xmlns:a16="http://schemas.microsoft.com/office/drawing/2014/main" val="4176588439"/>
+                    </a:ext>
+                  </a:extLst>
+                </a:gridCol>
+                <a:gridCol w="1667836">
+                  <a:extLst>
+                    <a:ext uri="{9D8B030D-6E8A-4147-A177-3AD203B41FA5}">
+                      <a16:colId xmlns:a16="http://schemas.microsoft.com/office/drawing/2014/main" val="1552544909"/>
+                    </a:ext>
+                  </a:extLst>
+                </a:gridCol>
+                <a:gridCol w="1667836">
+                  <a:extLst>
+                    <a:ext uri="{9D8B030D-6E8A-4147-A177-3AD203B41FA5}">
+                      <a16:colId xmlns:a16="http://schemas.microsoft.com/office/drawing/2014/main" val="3737744101"/>
+                    </a:ext>
+                  </a:extLst>
+                </a:gridCol>
+                <a:gridCol w="1667836">
+                  <a:extLst>
+                    <a:ext uri="{9D8B030D-6E8A-4147-A177-3AD203B41FA5}">
+                      <a16:colId xmlns:a16="http://schemas.microsoft.com/office/drawing/2014/main" val="3124323932"/>
+                    </a:ext>
+                  </a:extLst>
+                </a:gridCol>
+                <a:gridCol w="1667836">
+                  <a:extLst>
+                    <a:ext uri="{9D8B030D-6E8A-4147-A177-3AD203B41FA5}">
+                      <a16:colId xmlns:a16="http://schemas.microsoft.com/office/drawing/2014/main" val="1753288542"/>
+                    </a:ext>
+                  </a:extLst>
+                </a:gridCol>
+              </a:tblGrid>
+              <a:tr h="1358549">
+                <a:tc>
+                  <a:txBody>
+                    <a:bodyPr/>
+                    <a:lstStyle/>
+                    <a:p>
+                      <a:endParaRPr lang="en-US" dirty="0"/>
+                    </a:p>
+                  </a:txBody>
+                  <a:tcPr/>
+                </a:tc>
+                <a:tc>
+                  <a:txBody>
+                    <a:bodyPr/>
+                    <a:lstStyle/>
+                    <a:p>
+                      <a:pPr marL="0" marR="0" indent="0" algn="ctr">
+                        <a:lnSpc>
+                          <a:spcPct val="200000"/>
+                        </a:lnSpc>
+                        <a:spcBef>
+                          <a:spcPts val="0"/>
+                        </a:spcBef>
+                        <a:spcAft>
+                          <a:spcPts val="0"/>
+                        </a:spcAft>
+                      </a:pPr>
+                      <a:r>
+                        <a:rPr lang="en-US" sz="1600" b="1" dirty="0">
+                          <a:solidFill>
+                            <a:srgbClr val="000000"/>
+                          </a:solidFill>
+                          <a:effectLst/>
+                          <a:latin typeface="Times New Roman" panose="02020603050405020304" pitchFamily="18" charset="0"/>
+                          <a:ea typeface="Calibri" panose="020F0502020204030204" pitchFamily="34" charset="0"/>
+                          <a:cs typeface="Times New Roman" panose="02020603050405020304" pitchFamily="18" charset="0"/>
+                        </a:rPr>
+                        <a:t>Lines of Comments</a:t>
+                      </a:r>
+                      <a:endParaRPr lang="en-US" sz="1600" dirty="0">
+                        <a:effectLst/>
+                        <a:latin typeface="Times New Roman" panose="02020603050405020304" pitchFamily="18" charset="0"/>
+                        <a:ea typeface="Calibri" panose="020F0502020204030204" pitchFamily="34" charset="0"/>
+                        <a:cs typeface="Times New Roman" panose="02020603050405020304" pitchFamily="18" charset="0"/>
+                      </a:endParaRPr>
+                    </a:p>
+                  </a:txBody>
+                  <a:tcPr marL="68580" marR="68580" marT="0" marB="0" anchor="b"/>
+                </a:tc>
+                <a:tc>
+                  <a:txBody>
+                    <a:bodyPr/>
+                    <a:lstStyle/>
+                    <a:p>
+                      <a:pPr marL="0" marR="0" indent="0" algn="ctr">
+                        <a:lnSpc>
+                          <a:spcPct val="200000"/>
+                        </a:lnSpc>
+                        <a:spcBef>
+                          <a:spcPts val="0"/>
+                        </a:spcBef>
+                        <a:spcAft>
+                          <a:spcPts val="0"/>
+                        </a:spcAft>
+                      </a:pPr>
+                      <a:r>
+                        <a:rPr lang="en-US" sz="1600" b="1" dirty="0">
+                          <a:solidFill>
+                            <a:srgbClr val="000000"/>
+                          </a:solidFill>
+                          <a:effectLst/>
+                          <a:latin typeface="Times New Roman" panose="02020603050405020304" pitchFamily="18" charset="0"/>
+                          <a:ea typeface="Calibri" panose="020F0502020204030204" pitchFamily="34" charset="0"/>
+                          <a:cs typeface="Times New Roman" panose="02020603050405020304" pitchFamily="18" charset="0"/>
+                        </a:rPr>
+                        <a:t>Number of Comments</a:t>
+                      </a:r>
+                      <a:endParaRPr lang="en-US" sz="1600" dirty="0">
+                        <a:effectLst/>
+                        <a:latin typeface="Times New Roman" panose="02020603050405020304" pitchFamily="18" charset="0"/>
+                        <a:ea typeface="Calibri" panose="020F0502020204030204" pitchFamily="34" charset="0"/>
+                        <a:cs typeface="Times New Roman" panose="02020603050405020304" pitchFamily="18" charset="0"/>
+                      </a:endParaRPr>
+                    </a:p>
+                  </a:txBody>
+                  <a:tcPr marL="68580" marR="68580" marT="0" marB="0" anchor="b"/>
+                </a:tc>
+                <a:tc>
+                  <a:txBody>
+                    <a:bodyPr/>
+                    <a:lstStyle/>
+                    <a:p>
+                      <a:pPr marL="0" marR="0" indent="0" algn="ctr">
+                        <a:lnSpc>
+                          <a:spcPct val="200000"/>
+                        </a:lnSpc>
+                        <a:spcBef>
+                          <a:spcPts val="0"/>
+                        </a:spcBef>
+                        <a:spcAft>
+                          <a:spcPts val="0"/>
+                        </a:spcAft>
+                      </a:pPr>
+                      <a:r>
+                        <a:rPr lang="en-US" sz="1600" b="1" dirty="0">
+                          <a:solidFill>
+                            <a:srgbClr val="000000"/>
+                          </a:solidFill>
+                          <a:effectLst/>
+                          <a:latin typeface="Times New Roman" panose="02020603050405020304" pitchFamily="18" charset="0"/>
+                          <a:ea typeface="Calibri" panose="020F0502020204030204" pitchFamily="34" charset="0"/>
+                          <a:cs typeface="Times New Roman" panose="02020603050405020304" pitchFamily="18" charset="0"/>
+                        </a:rPr>
+                        <a:t>Lines of Commented-out Code</a:t>
+                      </a:r>
+                      <a:endParaRPr lang="en-US" sz="1600" dirty="0">
+                        <a:effectLst/>
+                        <a:latin typeface="Times New Roman" panose="02020603050405020304" pitchFamily="18" charset="0"/>
+                        <a:ea typeface="Calibri" panose="020F0502020204030204" pitchFamily="34" charset="0"/>
+                        <a:cs typeface="Times New Roman" panose="02020603050405020304" pitchFamily="18" charset="0"/>
+                      </a:endParaRPr>
+                    </a:p>
+                  </a:txBody>
+                  <a:tcPr marL="68580" marR="68580" marT="0" marB="0" anchor="b"/>
+                </a:tc>
+                <a:tc>
+                  <a:txBody>
+                    <a:bodyPr/>
+                    <a:lstStyle/>
+                    <a:p>
+                      <a:pPr marL="0" marR="0" indent="0" algn="ctr">
+                        <a:lnSpc>
+                          <a:spcPct val="200000"/>
+                        </a:lnSpc>
+                        <a:spcBef>
+                          <a:spcPts val="0"/>
+                        </a:spcBef>
+                        <a:spcAft>
+                          <a:spcPts val="0"/>
+                        </a:spcAft>
+                      </a:pPr>
+                      <a:r>
+                        <a:rPr lang="en-US" sz="1600" b="1">
+                          <a:solidFill>
+                            <a:srgbClr val="000000"/>
+                          </a:solidFill>
+                          <a:effectLst/>
+                          <a:latin typeface="Times New Roman" panose="02020603050405020304" pitchFamily="18" charset="0"/>
+                          <a:ea typeface="Calibri" panose="020F0502020204030204" pitchFamily="34" charset="0"/>
+                          <a:cs typeface="Times New Roman" panose="02020603050405020304" pitchFamily="18" charset="0"/>
+                        </a:rPr>
+                        <a:t>Ratio of comments to Statement LOC</a:t>
+                      </a:r>
+                      <a:endParaRPr lang="en-US" sz="1600">
+                        <a:effectLst/>
+                        <a:latin typeface="Times New Roman" panose="02020603050405020304" pitchFamily="18" charset="0"/>
+                        <a:ea typeface="Calibri" panose="020F0502020204030204" pitchFamily="34" charset="0"/>
+                        <a:cs typeface="Times New Roman" panose="02020603050405020304" pitchFamily="18" charset="0"/>
+                      </a:endParaRPr>
+                    </a:p>
+                  </a:txBody>
+                  <a:tcPr marL="68580" marR="68580" marT="0" marB="0" anchor="b"/>
+                </a:tc>
+                <a:tc>
+                  <a:txBody>
+                    <a:bodyPr/>
+                    <a:lstStyle/>
+                    <a:p>
+                      <a:pPr marL="0" marR="0" indent="0" algn="ctr">
+                        <a:lnSpc>
+                          <a:spcPct val="200000"/>
+                        </a:lnSpc>
+                        <a:spcBef>
+                          <a:spcPts val="0"/>
+                        </a:spcBef>
+                        <a:spcAft>
+                          <a:spcPts val="0"/>
+                        </a:spcAft>
+                      </a:pPr>
+                      <a:r>
+                        <a:rPr lang="en-US" sz="1600" b="1" dirty="0">
+                          <a:solidFill>
+                            <a:srgbClr val="000000"/>
+                          </a:solidFill>
+                          <a:effectLst/>
+                          <a:latin typeface="Times New Roman" panose="02020603050405020304" pitchFamily="18" charset="0"/>
+                          <a:ea typeface="Calibri" panose="020F0502020204030204" pitchFamily="34" charset="0"/>
+                          <a:cs typeface="Times New Roman" panose="02020603050405020304" pitchFamily="18" charset="0"/>
+                        </a:rPr>
+                        <a:t>Percentage of Commented-out Code</a:t>
+                      </a:r>
+                      <a:endParaRPr lang="en-US" sz="1600" dirty="0">
+                        <a:effectLst/>
+                        <a:latin typeface="Times New Roman" panose="02020603050405020304" pitchFamily="18" charset="0"/>
+                        <a:ea typeface="Calibri" panose="020F0502020204030204" pitchFamily="34" charset="0"/>
+                        <a:cs typeface="Times New Roman" panose="02020603050405020304" pitchFamily="18" charset="0"/>
+                      </a:endParaRPr>
+                    </a:p>
+                  </a:txBody>
+                  <a:tcPr marL="68580" marR="68580" marT="0" marB="0" anchor="b"/>
+                </a:tc>
+                <a:extLst>
+                  <a:ext uri="{0D108BD9-81ED-4DB2-BD59-A6C34878D82A}">
+                    <a16:rowId xmlns:a16="http://schemas.microsoft.com/office/drawing/2014/main" val="478997457"/>
+                  </a:ext>
+                </a:extLst>
+              </a:tr>
+              <a:tr h="483717">
+                <a:tc>
+                  <a:txBody>
+                    <a:bodyPr/>
+                    <a:lstStyle/>
+                    <a:p>
+                      <a:pPr marL="0" marR="0" indent="0">
+                        <a:lnSpc>
+                          <a:spcPct val="200000"/>
+                        </a:lnSpc>
+                        <a:spcBef>
+                          <a:spcPts val="0"/>
+                        </a:spcBef>
+                        <a:spcAft>
+                          <a:spcPts val="0"/>
+                        </a:spcAft>
+                      </a:pPr>
+                      <a:r>
+                        <a:rPr lang="en-US" sz="1800" b="1" dirty="0">
+                          <a:solidFill>
+                            <a:srgbClr val="000000"/>
+                          </a:solidFill>
+                          <a:effectLst/>
+                          <a:latin typeface="Times New Roman" panose="02020603050405020304" pitchFamily="18" charset="0"/>
+                          <a:ea typeface="Calibri" panose="020F0502020204030204" pitchFamily="34" charset="0"/>
+                          <a:cs typeface="Times New Roman" panose="02020603050405020304" pitchFamily="18" charset="0"/>
+                        </a:rPr>
+                        <a:t>Total</a:t>
+                      </a:r>
+                      <a:endParaRPr lang="en-US" sz="1800" b="1" dirty="0">
+                        <a:effectLst/>
+                        <a:latin typeface="Times New Roman" panose="02020603050405020304" pitchFamily="18" charset="0"/>
+                        <a:ea typeface="Calibri" panose="020F0502020204030204" pitchFamily="34" charset="0"/>
+                        <a:cs typeface="Times New Roman" panose="02020603050405020304" pitchFamily="18" charset="0"/>
+                      </a:endParaRPr>
+                    </a:p>
+                  </a:txBody>
+                  <a:tcPr marL="68580" marR="68580" marT="0" marB="0" anchor="b"/>
+                </a:tc>
+                <a:tc>
+                  <a:txBody>
+                    <a:bodyPr/>
+                    <a:lstStyle/>
+                    <a:p>
+                      <a:pPr marL="0" marR="0" indent="0" algn="r">
+                        <a:lnSpc>
+                          <a:spcPct val="200000"/>
+                        </a:lnSpc>
+                        <a:spcBef>
+                          <a:spcPts val="0"/>
+                        </a:spcBef>
+                        <a:spcAft>
+                          <a:spcPts val="0"/>
+                        </a:spcAft>
+                      </a:pPr>
+                      <a:r>
+                        <a:rPr lang="en-US" sz="1800" dirty="0">
+                          <a:solidFill>
+                            <a:srgbClr val="000000"/>
+                          </a:solidFill>
+                          <a:effectLst/>
+                          <a:latin typeface="Times New Roman" panose="02020603050405020304" pitchFamily="18" charset="0"/>
+                          <a:ea typeface="Calibri" panose="020F0502020204030204" pitchFamily="34" charset="0"/>
+                          <a:cs typeface="Times New Roman" panose="02020603050405020304" pitchFamily="18" charset="0"/>
+                        </a:rPr>
+                        <a:t>2980155</a:t>
+                      </a:r>
+                      <a:endParaRPr lang="en-US" sz="1800" dirty="0">
+                        <a:effectLst/>
+                        <a:latin typeface="Times New Roman" panose="02020603050405020304" pitchFamily="18" charset="0"/>
+                        <a:ea typeface="Calibri" panose="020F0502020204030204" pitchFamily="34" charset="0"/>
+                        <a:cs typeface="Times New Roman" panose="02020603050405020304" pitchFamily="18" charset="0"/>
+                      </a:endParaRPr>
+                    </a:p>
+                  </a:txBody>
+                  <a:tcPr marL="68580" marR="68580" marT="0" marB="0" anchor="b"/>
+                </a:tc>
+                <a:tc>
+                  <a:txBody>
+                    <a:bodyPr/>
+                    <a:lstStyle/>
+                    <a:p>
+                      <a:pPr marL="0" marR="0" indent="0" algn="r">
+                        <a:lnSpc>
+                          <a:spcPct val="200000"/>
+                        </a:lnSpc>
+                        <a:spcBef>
+                          <a:spcPts val="0"/>
+                        </a:spcBef>
+                        <a:spcAft>
+                          <a:spcPts val="0"/>
+                        </a:spcAft>
+                      </a:pPr>
+                      <a:r>
+                        <a:rPr lang="en-US" sz="1800">
+                          <a:solidFill>
+                            <a:srgbClr val="000000"/>
+                          </a:solidFill>
+                          <a:effectLst/>
+                          <a:latin typeface="Times New Roman" panose="02020603050405020304" pitchFamily="18" charset="0"/>
+                          <a:ea typeface="Calibri" panose="020F0502020204030204" pitchFamily="34" charset="0"/>
+                          <a:cs typeface="Times New Roman" panose="02020603050405020304" pitchFamily="18" charset="0"/>
+                        </a:rPr>
+                        <a:t>1663325</a:t>
+                      </a:r>
+                      <a:endParaRPr lang="en-US" sz="1800">
+                        <a:effectLst/>
+                        <a:latin typeface="Times New Roman" panose="02020603050405020304" pitchFamily="18" charset="0"/>
+                        <a:ea typeface="Calibri" panose="020F0502020204030204" pitchFamily="34" charset="0"/>
+                        <a:cs typeface="Times New Roman" panose="02020603050405020304" pitchFamily="18" charset="0"/>
+                      </a:endParaRPr>
+                    </a:p>
+                  </a:txBody>
+                  <a:tcPr marL="68580" marR="68580" marT="0" marB="0" anchor="b"/>
+                </a:tc>
+                <a:tc>
+                  <a:txBody>
+                    <a:bodyPr/>
+                    <a:lstStyle/>
+                    <a:p>
+                      <a:pPr marL="0" marR="0" indent="0" algn="r">
+                        <a:lnSpc>
+                          <a:spcPct val="200000"/>
+                        </a:lnSpc>
+                        <a:spcBef>
+                          <a:spcPts val="0"/>
+                        </a:spcBef>
+                        <a:spcAft>
+                          <a:spcPts val="0"/>
+                        </a:spcAft>
+                      </a:pPr>
+                      <a:r>
+                        <a:rPr lang="en-US" sz="1800">
+                          <a:solidFill>
+                            <a:srgbClr val="000000"/>
+                          </a:solidFill>
+                          <a:effectLst/>
+                          <a:latin typeface="Times New Roman" panose="02020603050405020304" pitchFamily="18" charset="0"/>
+                          <a:ea typeface="Calibri" panose="020F0502020204030204" pitchFamily="34" charset="0"/>
+                          <a:cs typeface="Times New Roman" panose="02020603050405020304" pitchFamily="18" charset="0"/>
+                        </a:rPr>
+                        <a:t>176503</a:t>
+                      </a:r>
+                      <a:endParaRPr lang="en-US" sz="1800">
+                        <a:effectLst/>
+                        <a:latin typeface="Times New Roman" panose="02020603050405020304" pitchFamily="18" charset="0"/>
+                        <a:ea typeface="Calibri" panose="020F0502020204030204" pitchFamily="34" charset="0"/>
+                        <a:cs typeface="Times New Roman" panose="02020603050405020304" pitchFamily="18" charset="0"/>
+                      </a:endParaRPr>
+                    </a:p>
+                  </a:txBody>
+                  <a:tcPr marL="68580" marR="68580" marT="0" marB="0" anchor="b"/>
+                </a:tc>
+                <a:tc>
+                  <a:txBody>
+                    <a:bodyPr/>
+                    <a:lstStyle/>
+                    <a:p>
+                      <a:pPr marL="0" marR="0" indent="0" algn="r">
+                        <a:lnSpc>
+                          <a:spcPct val="200000"/>
+                        </a:lnSpc>
+                        <a:spcBef>
+                          <a:spcPts val="0"/>
+                        </a:spcBef>
+                        <a:spcAft>
+                          <a:spcPts val="0"/>
+                        </a:spcAft>
+                      </a:pPr>
+                      <a:r>
+                        <a:rPr lang="en-US" sz="1800" dirty="0">
+                          <a:solidFill>
+                            <a:srgbClr val="000000"/>
+                          </a:solidFill>
+                          <a:effectLst/>
+                          <a:latin typeface="Times New Roman" panose="02020603050405020304" pitchFamily="18" charset="0"/>
+                          <a:ea typeface="Calibri" panose="020F0502020204030204" pitchFamily="34" charset="0"/>
+                          <a:cs typeface="Times New Roman" panose="02020603050405020304" pitchFamily="18" charset="0"/>
+                        </a:rPr>
+                        <a:t>--------- </a:t>
+                      </a:r>
+                      <a:endParaRPr lang="en-US" sz="1800" dirty="0">
+                        <a:effectLst/>
+                        <a:latin typeface="Times New Roman" panose="02020603050405020304" pitchFamily="18" charset="0"/>
+                        <a:ea typeface="Calibri" panose="020F0502020204030204" pitchFamily="34" charset="0"/>
+                        <a:cs typeface="Times New Roman" panose="02020603050405020304" pitchFamily="18" charset="0"/>
+                      </a:endParaRPr>
+                    </a:p>
+                  </a:txBody>
+                  <a:tcPr marL="68580" marR="68580" marT="0" marB="0" anchor="b"/>
+                </a:tc>
+                <a:tc>
+                  <a:txBody>
+                    <a:bodyPr/>
+                    <a:lstStyle/>
+                    <a:p>
+                      <a:pPr marL="0" marR="0" indent="0" algn="r">
+                        <a:lnSpc>
+                          <a:spcPct val="200000"/>
+                        </a:lnSpc>
+                        <a:spcBef>
+                          <a:spcPts val="0"/>
+                        </a:spcBef>
+                        <a:spcAft>
+                          <a:spcPts val="0"/>
+                        </a:spcAft>
+                      </a:pPr>
+                      <a:r>
+                        <a:rPr lang="en-US" sz="1800" dirty="0">
+                          <a:solidFill>
+                            <a:srgbClr val="000000"/>
+                          </a:solidFill>
+                          <a:effectLst/>
+                          <a:latin typeface="Times New Roman" panose="02020603050405020304" pitchFamily="18" charset="0"/>
+                          <a:ea typeface="Calibri" panose="020F0502020204030204" pitchFamily="34" charset="0"/>
+                          <a:cs typeface="Times New Roman" panose="02020603050405020304" pitchFamily="18" charset="0"/>
+                        </a:rPr>
+                        <a:t>--------- </a:t>
+                      </a:r>
+                      <a:endParaRPr lang="en-US" sz="1800" dirty="0">
+                        <a:effectLst/>
+                        <a:latin typeface="Times New Roman" panose="02020603050405020304" pitchFamily="18" charset="0"/>
+                        <a:ea typeface="Calibri" panose="020F0502020204030204" pitchFamily="34" charset="0"/>
+                        <a:cs typeface="Times New Roman" panose="02020603050405020304" pitchFamily="18" charset="0"/>
+                      </a:endParaRPr>
+                    </a:p>
+                  </a:txBody>
+                  <a:tcPr marL="68580" marR="68580" marT="0" marB="0" anchor="b"/>
+                </a:tc>
+                <a:extLst>
+                  <a:ext uri="{0D108BD9-81ED-4DB2-BD59-A6C34878D82A}">
+                    <a16:rowId xmlns:a16="http://schemas.microsoft.com/office/drawing/2014/main" val="615035176"/>
+                  </a:ext>
+                </a:extLst>
+              </a:tr>
+              <a:tr h="483717">
+                <a:tc>
+                  <a:txBody>
+                    <a:bodyPr/>
+                    <a:lstStyle/>
+                    <a:p>
+                      <a:pPr marL="0" marR="0" indent="0">
+                        <a:lnSpc>
+                          <a:spcPct val="200000"/>
+                        </a:lnSpc>
+                        <a:spcBef>
+                          <a:spcPts val="0"/>
+                        </a:spcBef>
+                        <a:spcAft>
+                          <a:spcPts val="0"/>
+                        </a:spcAft>
+                      </a:pPr>
+                      <a:r>
+                        <a:rPr lang="en-US" sz="1800" b="1">
+                          <a:solidFill>
+                            <a:srgbClr val="000000"/>
+                          </a:solidFill>
+                          <a:effectLst/>
+                          <a:latin typeface="Times New Roman" panose="02020603050405020304" pitchFamily="18" charset="0"/>
+                          <a:ea typeface="Calibri" panose="020F0502020204030204" pitchFamily="34" charset="0"/>
+                          <a:cs typeface="Times New Roman" panose="02020603050405020304" pitchFamily="18" charset="0"/>
+                        </a:rPr>
+                        <a:t>Average</a:t>
+                      </a:r>
+                      <a:endParaRPr lang="en-US" sz="1800" b="1">
+                        <a:effectLst/>
+                        <a:latin typeface="Times New Roman" panose="02020603050405020304" pitchFamily="18" charset="0"/>
+                        <a:ea typeface="Calibri" panose="020F0502020204030204" pitchFamily="34" charset="0"/>
+                        <a:cs typeface="Times New Roman" panose="02020603050405020304" pitchFamily="18" charset="0"/>
+                      </a:endParaRPr>
+                    </a:p>
+                  </a:txBody>
+                  <a:tcPr marL="68580" marR="68580" marT="0" marB="0" anchor="b"/>
+                </a:tc>
+                <a:tc>
+                  <a:txBody>
+                    <a:bodyPr/>
+                    <a:lstStyle/>
+                    <a:p>
+                      <a:pPr marL="0" marR="0" indent="0" algn="r">
+                        <a:lnSpc>
+                          <a:spcPct val="200000"/>
+                        </a:lnSpc>
+                        <a:spcBef>
+                          <a:spcPts val="0"/>
+                        </a:spcBef>
+                        <a:spcAft>
+                          <a:spcPts val="0"/>
+                        </a:spcAft>
+                      </a:pPr>
+                      <a:r>
+                        <a:rPr lang="en-US" sz="1800">
+                          <a:solidFill>
+                            <a:srgbClr val="000000"/>
+                          </a:solidFill>
+                          <a:effectLst/>
+                          <a:latin typeface="Times New Roman" panose="02020603050405020304" pitchFamily="18" charset="0"/>
+                          <a:ea typeface="Calibri" panose="020F0502020204030204" pitchFamily="34" charset="0"/>
+                          <a:cs typeface="Times New Roman" panose="02020603050405020304" pitchFamily="18" charset="0"/>
+                        </a:rPr>
+                        <a:t>59603.1</a:t>
+                      </a:r>
+                      <a:endParaRPr lang="en-US" sz="1800">
+                        <a:effectLst/>
+                        <a:latin typeface="Times New Roman" panose="02020603050405020304" pitchFamily="18" charset="0"/>
+                        <a:ea typeface="Calibri" panose="020F0502020204030204" pitchFamily="34" charset="0"/>
+                        <a:cs typeface="Times New Roman" panose="02020603050405020304" pitchFamily="18" charset="0"/>
+                      </a:endParaRPr>
+                    </a:p>
+                  </a:txBody>
+                  <a:tcPr marL="68580" marR="68580" marT="0" marB="0" anchor="b"/>
+                </a:tc>
+                <a:tc>
+                  <a:txBody>
+                    <a:bodyPr/>
+                    <a:lstStyle/>
+                    <a:p>
+                      <a:pPr marL="0" marR="0" indent="0" algn="r">
+                        <a:lnSpc>
+                          <a:spcPct val="200000"/>
+                        </a:lnSpc>
+                        <a:spcBef>
+                          <a:spcPts val="0"/>
+                        </a:spcBef>
+                        <a:spcAft>
+                          <a:spcPts val="0"/>
+                        </a:spcAft>
+                      </a:pPr>
+                      <a:r>
+                        <a:rPr lang="en-US" sz="1800">
+                          <a:solidFill>
+                            <a:srgbClr val="000000"/>
+                          </a:solidFill>
+                          <a:effectLst/>
+                          <a:latin typeface="Times New Roman" panose="02020603050405020304" pitchFamily="18" charset="0"/>
+                          <a:ea typeface="Calibri" panose="020F0502020204030204" pitchFamily="34" charset="0"/>
+                          <a:cs typeface="Times New Roman" panose="02020603050405020304" pitchFamily="18" charset="0"/>
+                        </a:rPr>
+                        <a:t>33266.5</a:t>
+                      </a:r>
+                      <a:endParaRPr lang="en-US" sz="1800">
+                        <a:effectLst/>
+                        <a:latin typeface="Times New Roman" panose="02020603050405020304" pitchFamily="18" charset="0"/>
+                        <a:ea typeface="Calibri" panose="020F0502020204030204" pitchFamily="34" charset="0"/>
+                        <a:cs typeface="Times New Roman" panose="02020603050405020304" pitchFamily="18" charset="0"/>
+                      </a:endParaRPr>
+                    </a:p>
+                  </a:txBody>
+                  <a:tcPr marL="68580" marR="68580" marT="0" marB="0" anchor="b"/>
+                </a:tc>
+                <a:tc>
+                  <a:txBody>
+                    <a:bodyPr/>
+                    <a:lstStyle/>
+                    <a:p>
+                      <a:pPr marL="0" marR="0" indent="0" algn="r">
+                        <a:lnSpc>
+                          <a:spcPct val="200000"/>
+                        </a:lnSpc>
+                        <a:spcBef>
+                          <a:spcPts val="0"/>
+                        </a:spcBef>
+                        <a:spcAft>
+                          <a:spcPts val="0"/>
+                        </a:spcAft>
+                      </a:pPr>
+                      <a:r>
+                        <a:rPr lang="en-US" sz="1800">
+                          <a:solidFill>
+                            <a:srgbClr val="000000"/>
+                          </a:solidFill>
+                          <a:effectLst/>
+                          <a:latin typeface="Times New Roman" panose="02020603050405020304" pitchFamily="18" charset="0"/>
+                          <a:ea typeface="Calibri" panose="020F0502020204030204" pitchFamily="34" charset="0"/>
+                          <a:cs typeface="Times New Roman" panose="02020603050405020304" pitchFamily="18" charset="0"/>
+                        </a:rPr>
+                        <a:t>3602.102041</a:t>
+                      </a:r>
+                      <a:endParaRPr lang="en-US" sz="1800">
+                        <a:effectLst/>
+                        <a:latin typeface="Times New Roman" panose="02020603050405020304" pitchFamily="18" charset="0"/>
+                        <a:ea typeface="Calibri" panose="020F0502020204030204" pitchFamily="34" charset="0"/>
+                        <a:cs typeface="Times New Roman" panose="02020603050405020304" pitchFamily="18" charset="0"/>
+                      </a:endParaRPr>
+                    </a:p>
+                  </a:txBody>
+                  <a:tcPr marL="68580" marR="68580" marT="0" marB="0" anchor="b"/>
+                </a:tc>
+                <a:tc>
+                  <a:txBody>
+                    <a:bodyPr/>
+                    <a:lstStyle/>
+                    <a:p>
+                      <a:pPr marL="0" marR="0" indent="0" algn="r">
+                        <a:lnSpc>
+                          <a:spcPct val="200000"/>
+                        </a:lnSpc>
+                        <a:spcBef>
+                          <a:spcPts val="0"/>
+                        </a:spcBef>
+                        <a:spcAft>
+                          <a:spcPts val="0"/>
+                        </a:spcAft>
+                      </a:pPr>
+                      <a:r>
+                        <a:rPr lang="en-US" sz="1800">
+                          <a:solidFill>
+                            <a:srgbClr val="000000"/>
+                          </a:solidFill>
+                          <a:effectLst/>
+                          <a:latin typeface="Times New Roman" panose="02020603050405020304" pitchFamily="18" charset="0"/>
+                          <a:ea typeface="Calibri" panose="020F0502020204030204" pitchFamily="34" charset="0"/>
+                          <a:cs typeface="Times New Roman" panose="02020603050405020304" pitchFamily="18" charset="0"/>
+                        </a:rPr>
+                        <a:t>0.24</a:t>
+                      </a:r>
+                      <a:endParaRPr lang="en-US" sz="1800">
+                        <a:effectLst/>
+                        <a:latin typeface="Times New Roman" panose="02020603050405020304" pitchFamily="18" charset="0"/>
+                        <a:ea typeface="Calibri" panose="020F0502020204030204" pitchFamily="34" charset="0"/>
+                        <a:cs typeface="Times New Roman" panose="02020603050405020304" pitchFamily="18" charset="0"/>
+                      </a:endParaRPr>
+                    </a:p>
+                  </a:txBody>
+                  <a:tcPr marL="68580" marR="68580" marT="0" marB="0" anchor="b"/>
+                </a:tc>
+                <a:tc>
+                  <a:txBody>
+                    <a:bodyPr/>
+                    <a:lstStyle/>
+                    <a:p>
+                      <a:pPr marL="0" marR="0" indent="0" algn="r">
+                        <a:lnSpc>
+                          <a:spcPct val="200000"/>
+                        </a:lnSpc>
+                        <a:spcBef>
+                          <a:spcPts val="0"/>
+                        </a:spcBef>
+                        <a:spcAft>
+                          <a:spcPts val="0"/>
+                        </a:spcAft>
+                      </a:pPr>
+                      <a:r>
+                        <a:rPr lang="en-US" sz="1800">
+                          <a:solidFill>
+                            <a:srgbClr val="000000"/>
+                          </a:solidFill>
+                          <a:effectLst/>
+                          <a:latin typeface="Times New Roman" panose="02020603050405020304" pitchFamily="18" charset="0"/>
+                          <a:ea typeface="Calibri" panose="020F0502020204030204" pitchFamily="34" charset="0"/>
+                          <a:cs typeface="Times New Roman" panose="02020603050405020304" pitchFamily="18" charset="0"/>
+                        </a:rPr>
+                        <a:t>4.43</a:t>
+                      </a:r>
+                      <a:endParaRPr lang="en-US" sz="1800">
+                        <a:effectLst/>
+                        <a:latin typeface="Times New Roman" panose="02020603050405020304" pitchFamily="18" charset="0"/>
+                        <a:ea typeface="Calibri" panose="020F0502020204030204" pitchFamily="34" charset="0"/>
+                        <a:cs typeface="Times New Roman" panose="02020603050405020304" pitchFamily="18" charset="0"/>
+                      </a:endParaRPr>
+                    </a:p>
+                  </a:txBody>
+                  <a:tcPr marL="68580" marR="68580" marT="0" marB="0" anchor="b"/>
+                </a:tc>
+                <a:extLst>
+                  <a:ext uri="{0D108BD9-81ED-4DB2-BD59-A6C34878D82A}">
+                    <a16:rowId xmlns:a16="http://schemas.microsoft.com/office/drawing/2014/main" val="2341910378"/>
+                  </a:ext>
+                </a:extLst>
+              </a:tr>
+              <a:tr h="483717">
+                <a:tc>
+                  <a:txBody>
+                    <a:bodyPr/>
+                    <a:lstStyle/>
+                    <a:p>
+                      <a:pPr marL="0" marR="0" indent="0">
+                        <a:lnSpc>
+                          <a:spcPct val="200000"/>
+                        </a:lnSpc>
+                        <a:spcBef>
+                          <a:spcPts val="0"/>
+                        </a:spcBef>
+                        <a:spcAft>
+                          <a:spcPts val="0"/>
+                        </a:spcAft>
+                      </a:pPr>
+                      <a:r>
+                        <a:rPr lang="en-US" sz="1800" b="1" dirty="0">
+                          <a:solidFill>
+                            <a:srgbClr val="000000"/>
+                          </a:solidFill>
+                          <a:effectLst/>
+                          <a:latin typeface="Times New Roman" panose="02020603050405020304" pitchFamily="18" charset="0"/>
+                          <a:ea typeface="Calibri" panose="020F0502020204030204" pitchFamily="34" charset="0"/>
+                          <a:cs typeface="Times New Roman" panose="02020603050405020304" pitchFamily="18" charset="0"/>
+                        </a:rPr>
+                        <a:t>Median</a:t>
+                      </a:r>
+                      <a:endParaRPr lang="en-US" sz="1800" b="1" dirty="0">
+                        <a:effectLst/>
+                        <a:latin typeface="Times New Roman" panose="02020603050405020304" pitchFamily="18" charset="0"/>
+                        <a:ea typeface="Calibri" panose="020F0502020204030204" pitchFamily="34" charset="0"/>
+                        <a:cs typeface="Times New Roman" panose="02020603050405020304" pitchFamily="18" charset="0"/>
+                      </a:endParaRPr>
+                    </a:p>
+                  </a:txBody>
+                  <a:tcPr marL="68580" marR="68580" marT="0" marB="0" anchor="b"/>
+                </a:tc>
+                <a:tc>
+                  <a:txBody>
+                    <a:bodyPr/>
+                    <a:lstStyle/>
+                    <a:p>
+                      <a:pPr marL="0" marR="0" indent="0" algn="r">
+                        <a:lnSpc>
+                          <a:spcPct val="200000"/>
+                        </a:lnSpc>
+                        <a:spcBef>
+                          <a:spcPts val="0"/>
+                        </a:spcBef>
+                        <a:spcAft>
+                          <a:spcPts val="0"/>
+                        </a:spcAft>
+                      </a:pPr>
+                      <a:r>
+                        <a:rPr lang="en-US" sz="1800">
+                          <a:solidFill>
+                            <a:srgbClr val="000000"/>
+                          </a:solidFill>
+                          <a:effectLst/>
+                          <a:latin typeface="Times New Roman" panose="02020603050405020304" pitchFamily="18" charset="0"/>
+                          <a:ea typeface="Calibri" panose="020F0502020204030204" pitchFamily="34" charset="0"/>
+                          <a:cs typeface="Times New Roman" panose="02020603050405020304" pitchFamily="18" charset="0"/>
+                        </a:rPr>
+                        <a:t>6229</a:t>
+                      </a:r>
+                      <a:endParaRPr lang="en-US" sz="1800">
+                        <a:effectLst/>
+                        <a:latin typeface="Times New Roman" panose="02020603050405020304" pitchFamily="18" charset="0"/>
+                        <a:ea typeface="Calibri" panose="020F0502020204030204" pitchFamily="34" charset="0"/>
+                        <a:cs typeface="Times New Roman" panose="02020603050405020304" pitchFamily="18" charset="0"/>
+                      </a:endParaRPr>
+                    </a:p>
+                  </a:txBody>
+                  <a:tcPr marL="68580" marR="68580" marT="0" marB="0" anchor="b"/>
+                </a:tc>
+                <a:tc>
+                  <a:txBody>
+                    <a:bodyPr/>
+                    <a:lstStyle/>
+                    <a:p>
+                      <a:pPr marL="0" marR="0" indent="0" algn="r">
+                        <a:lnSpc>
+                          <a:spcPct val="200000"/>
+                        </a:lnSpc>
+                        <a:spcBef>
+                          <a:spcPts val="0"/>
+                        </a:spcBef>
+                        <a:spcAft>
+                          <a:spcPts val="0"/>
+                        </a:spcAft>
+                      </a:pPr>
+                      <a:r>
+                        <a:rPr lang="en-US" sz="1800">
+                          <a:solidFill>
+                            <a:srgbClr val="000000"/>
+                          </a:solidFill>
+                          <a:effectLst/>
+                          <a:latin typeface="Times New Roman" panose="02020603050405020304" pitchFamily="18" charset="0"/>
+                          <a:ea typeface="Calibri" panose="020F0502020204030204" pitchFamily="34" charset="0"/>
+                          <a:cs typeface="Times New Roman" panose="02020603050405020304" pitchFamily="18" charset="0"/>
+                        </a:rPr>
+                        <a:t>3033</a:t>
+                      </a:r>
+                      <a:endParaRPr lang="en-US" sz="1800">
+                        <a:effectLst/>
+                        <a:latin typeface="Times New Roman" panose="02020603050405020304" pitchFamily="18" charset="0"/>
+                        <a:ea typeface="Calibri" panose="020F0502020204030204" pitchFamily="34" charset="0"/>
+                        <a:cs typeface="Times New Roman" panose="02020603050405020304" pitchFamily="18" charset="0"/>
+                      </a:endParaRPr>
+                    </a:p>
+                  </a:txBody>
+                  <a:tcPr marL="68580" marR="68580" marT="0" marB="0" anchor="b"/>
+                </a:tc>
+                <a:tc>
+                  <a:txBody>
+                    <a:bodyPr/>
+                    <a:lstStyle/>
+                    <a:p>
+                      <a:pPr marL="0" marR="0" indent="0" algn="r">
+                        <a:lnSpc>
+                          <a:spcPct val="200000"/>
+                        </a:lnSpc>
+                        <a:spcBef>
+                          <a:spcPts val="0"/>
+                        </a:spcBef>
+                        <a:spcAft>
+                          <a:spcPts val="0"/>
+                        </a:spcAft>
+                      </a:pPr>
+                      <a:r>
+                        <a:rPr lang="en-US" sz="1800">
+                          <a:solidFill>
+                            <a:srgbClr val="000000"/>
+                          </a:solidFill>
+                          <a:effectLst/>
+                          <a:latin typeface="Times New Roman" panose="02020603050405020304" pitchFamily="18" charset="0"/>
+                          <a:ea typeface="Calibri" panose="020F0502020204030204" pitchFamily="34" charset="0"/>
+                          <a:cs typeface="Times New Roman" panose="02020603050405020304" pitchFamily="18" charset="0"/>
+                        </a:rPr>
+                        <a:t>137</a:t>
+                      </a:r>
+                      <a:endParaRPr lang="en-US" sz="1800">
+                        <a:effectLst/>
+                        <a:latin typeface="Times New Roman" panose="02020603050405020304" pitchFamily="18" charset="0"/>
+                        <a:ea typeface="Calibri" panose="020F0502020204030204" pitchFamily="34" charset="0"/>
+                        <a:cs typeface="Times New Roman" panose="02020603050405020304" pitchFamily="18" charset="0"/>
+                      </a:endParaRPr>
+                    </a:p>
+                  </a:txBody>
+                  <a:tcPr marL="68580" marR="68580" marT="0" marB="0" anchor="b"/>
+                </a:tc>
+                <a:tc>
+                  <a:txBody>
+                    <a:bodyPr/>
+                    <a:lstStyle/>
+                    <a:p>
+                      <a:pPr marL="0" marR="0" indent="0" algn="r">
+                        <a:lnSpc>
+                          <a:spcPct val="200000"/>
+                        </a:lnSpc>
+                        <a:spcBef>
+                          <a:spcPts val="0"/>
+                        </a:spcBef>
+                        <a:spcAft>
+                          <a:spcPts val="0"/>
+                        </a:spcAft>
+                      </a:pPr>
+                      <a:r>
+                        <a:rPr lang="en-US" sz="1800">
+                          <a:solidFill>
+                            <a:srgbClr val="000000"/>
+                          </a:solidFill>
+                          <a:effectLst/>
+                          <a:latin typeface="Times New Roman" panose="02020603050405020304" pitchFamily="18" charset="0"/>
+                          <a:ea typeface="Calibri" panose="020F0502020204030204" pitchFamily="34" charset="0"/>
+                          <a:cs typeface="Times New Roman" panose="02020603050405020304" pitchFamily="18" charset="0"/>
+                        </a:rPr>
+                        <a:t>0.21</a:t>
+                      </a:r>
+                      <a:endParaRPr lang="en-US" sz="1800">
+                        <a:effectLst/>
+                        <a:latin typeface="Times New Roman" panose="02020603050405020304" pitchFamily="18" charset="0"/>
+                        <a:ea typeface="Calibri" panose="020F0502020204030204" pitchFamily="34" charset="0"/>
+                        <a:cs typeface="Times New Roman" panose="02020603050405020304" pitchFamily="18" charset="0"/>
+                      </a:endParaRPr>
+                    </a:p>
+                  </a:txBody>
+                  <a:tcPr marL="68580" marR="68580" marT="0" marB="0" anchor="b"/>
+                </a:tc>
+                <a:tc>
+                  <a:txBody>
+                    <a:bodyPr/>
+                    <a:lstStyle/>
+                    <a:p>
+                      <a:pPr marL="0" marR="0" indent="0" algn="r">
+                        <a:lnSpc>
+                          <a:spcPct val="200000"/>
+                        </a:lnSpc>
+                        <a:spcBef>
+                          <a:spcPts val="0"/>
+                        </a:spcBef>
+                        <a:spcAft>
+                          <a:spcPts val="0"/>
+                        </a:spcAft>
+                      </a:pPr>
+                      <a:r>
+                        <a:rPr lang="en-US" sz="1800" dirty="0">
+                          <a:solidFill>
+                            <a:srgbClr val="000000"/>
+                          </a:solidFill>
+                          <a:effectLst/>
+                          <a:latin typeface="Times New Roman" panose="02020603050405020304" pitchFamily="18" charset="0"/>
+                          <a:ea typeface="Calibri" panose="020F0502020204030204" pitchFamily="34" charset="0"/>
+                          <a:cs typeface="Times New Roman" panose="02020603050405020304" pitchFamily="18" charset="0"/>
+                        </a:rPr>
+                        <a:t>2.76</a:t>
+                      </a:r>
+                      <a:endParaRPr lang="en-US" sz="1800" dirty="0">
+                        <a:effectLst/>
+                        <a:latin typeface="Times New Roman" panose="02020603050405020304" pitchFamily="18" charset="0"/>
+                        <a:ea typeface="Calibri" panose="020F0502020204030204" pitchFamily="34" charset="0"/>
+                        <a:cs typeface="Times New Roman" panose="02020603050405020304" pitchFamily="18" charset="0"/>
+                      </a:endParaRPr>
+                    </a:p>
+                  </a:txBody>
+                  <a:tcPr marL="68580" marR="68580" marT="0" marB="0" anchor="b"/>
+                </a:tc>
+                <a:extLst>
+                  <a:ext uri="{0D108BD9-81ED-4DB2-BD59-A6C34878D82A}">
+                    <a16:rowId xmlns:a16="http://schemas.microsoft.com/office/drawing/2014/main" val="1212684028"/>
+                  </a:ext>
+                </a:extLst>
+              </a:tr>
+            </a:tbl>
+          </a:graphicData>
+        </a:graphic>
+      </p:graphicFrame>
+      <p:sp>
+        <p:nvSpPr>
+          <p:cNvPr id="11" name="TextBox 10">
+            <a:extLst>
+              <a:ext uri="{FF2B5EF4-FFF2-40B4-BE49-F238E27FC236}">
+                <a16:creationId xmlns:a16="http://schemas.microsoft.com/office/drawing/2014/main" id="{A3BA959D-5130-4CCA-8010-8A7194BE4013}"/>
+              </a:ext>
+            </a:extLst>
+          </p:cNvPr>
+          <p:cNvSpPr txBox="1"/>
+          <p:nvPr/>
+        </p:nvSpPr>
+        <p:spPr>
+          <a:xfrm>
+            <a:off x="4320380" y="2519118"/>
+            <a:ext cx="3551240" cy="461665"/>
+          </a:xfrm>
+          <a:prstGeom prst="rect">
+            <a:avLst/>
+          </a:prstGeom>
+          <a:noFill/>
+        </p:spPr>
+        <p:txBody>
+          <a:bodyPr wrap="square" rtlCol="0">
+            <a:spAutoFit/>
+          </a:bodyPr>
+          <a:lstStyle/>
+          <a:p>
+            <a:r>
+              <a:rPr lang="en-US" sz="2400" dirty="0"/>
+              <a:t>50 Projects Additional Data</a:t>
+            </a:r>
+          </a:p>
+        </p:txBody>
+      </p:sp>
+      <p:sp>
+        <p:nvSpPr>
+          <p:cNvPr id="5" name="Content Placeholder 4">
+            <a:extLst>
+              <a:ext uri="{FF2B5EF4-FFF2-40B4-BE49-F238E27FC236}">
+                <a16:creationId xmlns:a16="http://schemas.microsoft.com/office/drawing/2014/main" id="{AA37E1B4-11FA-42B5-A69C-0DFA7DA0BF6C}"/>
+              </a:ext>
+            </a:extLst>
+          </p:cNvPr>
+          <p:cNvSpPr>
+            <a:spLocks noGrp="1"/>
+          </p:cNvSpPr>
+          <p:nvPr>
+            <p:ph idx="1"/>
+          </p:nvPr>
+        </p:nvSpPr>
+        <p:spPr>
+          <a:xfrm>
+            <a:off x="838200" y="1825625"/>
+            <a:ext cx="9518780" cy="646987"/>
+          </a:xfrm>
+        </p:spPr>
+        <p:txBody>
+          <a:bodyPr/>
+          <a:lstStyle/>
+          <a:p>
+            <a:r>
+              <a:rPr lang="en-US" dirty="0"/>
+              <a:t>Applied the 250x250 model on 50 projects</a:t>
+            </a:r>
+          </a:p>
+        </p:txBody>
+      </p:sp>
+    </p:spTree>
+    <p:extLst>
+      <p:ext uri="{BB962C8B-B14F-4D97-AF65-F5344CB8AC3E}">
+        <p14:creationId xmlns:p14="http://schemas.microsoft.com/office/powerpoint/2010/main" val="3888136488"/>
+      </p:ext>
+    </p:extLst>
+  </p:cSld>
+  <p:clrMapOvr>
+    <a:masterClrMapping/>
+  </p:clrMapOvr>
+</p:sld>
+</file>
+
+<file path=ppt/slides/slide16.xml><?xml version="1.0" encoding="utf-8"?>
 <p:sld xmlns:a="http://schemas.openxmlformats.org/drawingml/2006/main" xmlns:r="http://schemas.openxmlformats.org/officeDocument/2006/relationships" xmlns:p="http://schemas.openxmlformats.org/presentationml/2006/main">
   <p:cSld>
     <p:spTree>
@@ -5942,7 +8120,7 @@
           <p:cNvPr id="2" name="Title 1">
             <a:extLst>
               <a:ext uri="{FF2B5EF4-FFF2-40B4-BE49-F238E27FC236}">
-                <a16:creationId xmlns:a16="http://schemas.microsoft.com/office/drawing/2014/main" id="{C6A9C459-8F90-4169-94F0-CC9B41E1ECF9}"/>
+                <a16:creationId xmlns:a16="http://schemas.microsoft.com/office/drawing/2014/main" id="{A24D2D26-90C9-4836-B653-E87730C48134}"/>
               </a:ext>
             </a:extLst>
           </p:cNvPr>
@@ -5956,6 +8134,217 @@
         <p:spPr/>
         <p:txBody>
           <a:bodyPr/>
+          <a:lstStyle/>
+          <a:p>
+            <a:pPr algn="ctr"/>
+            <a:r>
+              <a:rPr lang="en-US" dirty="0"/>
+              <a:t>Motivation</a:t>
+            </a:r>
+          </a:p>
+        </p:txBody>
+      </p:sp>
+      <p:sp>
+        <p:nvSpPr>
+          <p:cNvPr id="3" name="Content Placeholder 2">
+            <a:extLst>
+              <a:ext uri="{FF2B5EF4-FFF2-40B4-BE49-F238E27FC236}">
+                <a16:creationId xmlns:a16="http://schemas.microsoft.com/office/drawing/2014/main" id="{402BC7FC-EC1E-4F00-A058-89406777B837}"/>
+              </a:ext>
+            </a:extLst>
+          </p:cNvPr>
+          <p:cNvSpPr>
+            <a:spLocks noGrp="1"/>
+          </p:cNvSpPr>
+          <p:nvPr>
+            <p:ph idx="1"/>
+          </p:nvPr>
+        </p:nvSpPr>
+        <p:spPr/>
+        <p:txBody>
+          <a:bodyPr/>
+          <a:lstStyle/>
+          <a:p>
+            <a:r>
+              <a:rPr lang="en-US" dirty="0"/>
+              <a:t>Commented-out code causes problems in code comprehension.</a:t>
+            </a:r>
+          </a:p>
+          <a:p>
+            <a:r>
+              <a:rPr lang="en-US" dirty="0"/>
+              <a:t>Commented-out code can cause legal problems.</a:t>
+            </a:r>
+          </a:p>
+          <a:p>
+            <a:r>
+              <a:rPr lang="en-US" dirty="0"/>
+              <a:t>Aids in improving techniques that rely on comments such as IR techniques.</a:t>
+            </a:r>
+          </a:p>
+          <a:p>
+            <a:r>
+              <a:rPr lang="en-US" dirty="0"/>
+              <a:t>Inserting code which has been commented out in an active program can cause unpredictable results.</a:t>
+            </a:r>
+          </a:p>
+        </p:txBody>
+      </p:sp>
+    </p:spTree>
+    <p:extLst>
+      <p:ext uri="{BB962C8B-B14F-4D97-AF65-F5344CB8AC3E}">
+        <p14:creationId xmlns:p14="http://schemas.microsoft.com/office/powerpoint/2010/main" val="126131198"/>
+      </p:ext>
+    </p:extLst>
+  </p:cSld>
+  <p:clrMapOvr>
+    <a:masterClrMapping/>
+  </p:clrMapOvr>
+</p:sld>
+</file>
+
+<file path=ppt/slides/slide3.xml><?xml version="1.0" encoding="utf-8"?>
+<p:sld xmlns:a="http://schemas.openxmlformats.org/drawingml/2006/main" xmlns:r="http://schemas.openxmlformats.org/officeDocument/2006/relationships" xmlns:p="http://schemas.openxmlformats.org/presentationml/2006/main">
+  <p:cSld>
+    <p:spTree>
+      <p:nvGrpSpPr>
+        <p:cNvPr id="1" name=""/>
+        <p:cNvGrpSpPr/>
+        <p:nvPr/>
+      </p:nvGrpSpPr>
+      <p:grpSpPr>
+        <a:xfrm>
+          <a:off x="0" y="0"/>
+          <a:ext cx="0" cy="0"/>
+          <a:chOff x="0" y="0"/>
+          <a:chExt cx="0" cy="0"/>
+        </a:xfrm>
+      </p:grpSpPr>
+      <p:sp>
+        <p:nvSpPr>
+          <p:cNvPr id="2" name="Title 1">
+            <a:extLst>
+              <a:ext uri="{FF2B5EF4-FFF2-40B4-BE49-F238E27FC236}">
+                <a16:creationId xmlns:a16="http://schemas.microsoft.com/office/drawing/2014/main" id="{6D0DD4D5-BB69-4BCA-AF69-73CD8F632582}"/>
+              </a:ext>
+            </a:extLst>
+          </p:cNvPr>
+          <p:cNvSpPr>
+            <a:spLocks noGrp="1"/>
+          </p:cNvSpPr>
+          <p:nvPr>
+            <p:ph type="title"/>
+          </p:nvPr>
+        </p:nvSpPr>
+        <p:spPr/>
+        <p:txBody>
+          <a:bodyPr/>
+          <a:lstStyle/>
+          <a:p>
+            <a:pPr algn="ctr"/>
+            <a:r>
+              <a:rPr lang="en-US" dirty="0"/>
+              <a:t>Knight Capital</a:t>
+            </a:r>
+          </a:p>
+        </p:txBody>
+      </p:sp>
+      <p:sp>
+        <p:nvSpPr>
+          <p:cNvPr id="3" name="Content Placeholder 2">
+            <a:extLst>
+              <a:ext uri="{FF2B5EF4-FFF2-40B4-BE49-F238E27FC236}">
+                <a16:creationId xmlns:a16="http://schemas.microsoft.com/office/drawing/2014/main" id="{DA085D84-D979-4B23-8D3E-02E160DB6E7D}"/>
+              </a:ext>
+            </a:extLst>
+          </p:cNvPr>
+          <p:cNvSpPr>
+            <a:spLocks noGrp="1"/>
+          </p:cNvSpPr>
+          <p:nvPr>
+            <p:ph idx="1"/>
+          </p:nvPr>
+        </p:nvSpPr>
+        <p:spPr/>
+        <p:txBody>
+          <a:bodyPr/>
+          <a:lstStyle/>
+          <a:p>
+            <a:r>
+              <a:rPr lang="en-US" dirty="0"/>
+              <a:t>An updated copy of Knight Capital’s stock purchasing software was deployed on seven of their eight servers with an active piece of previously commented-out code.</a:t>
+            </a:r>
+          </a:p>
+          <a:p>
+            <a:r>
+              <a:rPr lang="en-US" dirty="0"/>
+              <a:t>This commented-out code led to the purchase of over seven billion dollars’ worth of stock in the span of one hour.</a:t>
+            </a:r>
+          </a:p>
+          <a:p>
+            <a:r>
+              <a:rPr lang="en-US" dirty="0"/>
+              <a:t>Final loss was 440 million dollars.</a:t>
+            </a:r>
+          </a:p>
+        </p:txBody>
+      </p:sp>
+    </p:spTree>
+    <p:extLst>
+      <p:ext uri="{BB962C8B-B14F-4D97-AF65-F5344CB8AC3E}">
+        <p14:creationId xmlns:p14="http://schemas.microsoft.com/office/powerpoint/2010/main" val="2115098698"/>
+      </p:ext>
+    </p:extLst>
+  </p:cSld>
+  <p:clrMapOvr>
+    <a:masterClrMapping/>
+  </p:clrMapOvr>
+</p:sld>
+</file>
+
+<file path=ppt/slides/slide4.xml><?xml version="1.0" encoding="utf-8"?>
+<p:sld xmlns:a="http://schemas.openxmlformats.org/drawingml/2006/main" xmlns:r="http://schemas.openxmlformats.org/officeDocument/2006/relationships" xmlns:p="http://schemas.openxmlformats.org/presentationml/2006/main">
+  <p:cSld>
+    <p:spTree>
+      <p:nvGrpSpPr>
+        <p:cNvPr id="1" name=""/>
+        <p:cNvGrpSpPr/>
+        <p:nvPr/>
+      </p:nvGrpSpPr>
+      <p:grpSpPr>
+        <a:xfrm>
+          <a:off x="0" y="0"/>
+          <a:ext cx="0" cy="0"/>
+          <a:chOff x="0" y="0"/>
+          <a:chExt cx="0" cy="0"/>
+        </a:xfrm>
+      </p:grpSpPr>
+      <p:sp>
+        <p:nvSpPr>
+          <p:cNvPr id="2" name="Title 1">
+            <a:extLst>
+              <a:ext uri="{FF2B5EF4-FFF2-40B4-BE49-F238E27FC236}">
+                <a16:creationId xmlns:a16="http://schemas.microsoft.com/office/drawing/2014/main" id="{C6A9C459-8F90-4169-94F0-CC9B41E1ECF9}"/>
+              </a:ext>
+            </a:extLst>
+          </p:cNvPr>
+          <p:cNvSpPr>
+            <a:spLocks noGrp="1"/>
+          </p:cNvSpPr>
+          <p:nvPr>
+            <p:ph type="title"/>
+          </p:nvPr>
+        </p:nvSpPr>
+        <p:spPr>
+          <a:xfrm>
+            <a:off x="838200" y="0"/>
+            <a:ext cx="10515600" cy="641554"/>
+          </a:xfrm>
+        </p:spPr>
+        <p:txBody>
+          <a:bodyPr>
+            <a:normAutofit fontScale="90000"/>
+          </a:bodyPr>
           <a:lstStyle/>
           <a:p>
             <a:pPr algn="ctr"/>
@@ -5982,14 +8371,14 @@
             <p:ph idx="1"/>
             <p:extLst>
               <p:ext uri="{D42A27DB-BD31-4B8C-83A1-F6EECF244321}">
-                <p14:modId xmlns:p14="http://schemas.microsoft.com/office/powerpoint/2010/main" val="1872613821"/>
+                <p14:modId xmlns:p14="http://schemas.microsoft.com/office/powerpoint/2010/main" val="2800278966"/>
               </p:ext>
             </p:extLst>
           </p:nvPr>
         </p:nvGraphicFramePr>
         <p:xfrm>
-          <a:off x="838200" y="2042160"/>
-          <a:ext cx="10515600" cy="2773680"/>
+          <a:off x="150303" y="641554"/>
+          <a:ext cx="11762064" cy="6173978"/>
         </p:xfrm>
         <a:graphic>
           <a:graphicData uri="http://schemas.openxmlformats.org/drawingml/2006/table">
@@ -5998,14 +8387,14 @@
                 <a:tableStyleId>{5C22544A-7EE6-4342-B048-85BDC9FD1C3A}</a:tableStyleId>
               </a:tblPr>
               <a:tblGrid>
-                <a:gridCol w="2005668">
+                <a:gridCol w="2243409">
                   <a:extLst>
                     <a:ext uri="{9D8B030D-6E8A-4147-A177-3AD203B41FA5}">
                       <a16:colId xmlns:a16="http://schemas.microsoft.com/office/drawing/2014/main" val="722285965"/>
                     </a:ext>
                   </a:extLst>
                 </a:gridCol>
-                <a:gridCol w="8509932">
+                <a:gridCol w="9518655">
                   <a:extLst>
                     <a:ext uri="{9D8B030D-6E8A-4147-A177-3AD203B41FA5}">
                       <a16:colId xmlns:a16="http://schemas.microsoft.com/office/drawing/2014/main" val="3831972886"/>
@@ -6064,7 +8453,7 @@
                         </a:spcAft>
                       </a:pPr>
                       <a:r>
-                        <a:rPr lang="en-US" sz="1200" dirty="0">
+                        <a:rPr lang="en-US" sz="2000" dirty="0">
                           <a:effectLst/>
                           <a:latin typeface="Times New Roman" panose="02020603050405020304" pitchFamily="18" charset="0"/>
                           <a:ea typeface="Calibri" panose="020F0502020204030204" pitchFamily="34" charset="0"/>
@@ -6093,14 +8482,47 @@
                         </a:spcAft>
                       </a:pPr>
                       <a:r>
-                        <a:rPr lang="en-US" sz="1200">
+                        <a:rPr lang="en-US" sz="1600" i="1" kern="1200" dirty="0">
+                          <a:solidFill>
+                            <a:schemeClr val="dk1"/>
+                          </a:solidFill>
                           <a:effectLst/>
                           <a:latin typeface="Times New Roman" panose="02020603050405020304" pitchFamily="18" charset="0"/>
-                          <a:ea typeface="Calibri" panose="020F0502020204030204" pitchFamily="34" charset="0"/>
-                          <a:cs typeface="Times New Roman" panose="02020603050405020304" pitchFamily="18" charset="0"/>
-                        </a:rPr>
-                        <a:t>A single line within source code that has been commented out by means of a line comment marker such as //.  Used for both commented-out code and English prose.</a:t>
-                      </a:r>
+                          <a:ea typeface="+mn-ea"/>
+                          <a:cs typeface="Times New Roman" panose="02020603050405020304" pitchFamily="18" charset="0"/>
+                        </a:rPr>
+                        <a:t>//for(int p = 0;p&lt;</a:t>
+                      </a:r>
+                      <a:r>
+                        <a:rPr lang="en-US" sz="1600" i="1" kern="1200" dirty="0" err="1">
+                          <a:solidFill>
+                            <a:schemeClr val="dk1"/>
+                          </a:solidFill>
+                          <a:effectLst/>
+                          <a:latin typeface="Times New Roman" panose="02020603050405020304" pitchFamily="18" charset="0"/>
+                          <a:ea typeface="+mn-ea"/>
+                          <a:cs typeface="Times New Roman" panose="02020603050405020304" pitchFamily="18" charset="0"/>
+                        </a:rPr>
+                        <a:t>P.rows</a:t>
+                      </a:r>
+                      <a:r>
+                        <a:rPr lang="en-US" sz="1600" i="1" kern="1200" dirty="0">
+                          <a:solidFill>
+                            <a:schemeClr val="dk1"/>
+                          </a:solidFill>
+                          <a:effectLst/>
+                          <a:latin typeface="Times New Roman" panose="02020603050405020304" pitchFamily="18" charset="0"/>
+                          <a:ea typeface="+mn-ea"/>
+                          <a:cs typeface="Times New Roman" panose="02020603050405020304" pitchFamily="18" charset="0"/>
+                        </a:rPr>
+                        <a:t>();p++)</a:t>
+                      </a:r>
+                      <a:endParaRPr lang="en-US" sz="1600" i="1" dirty="0">
+                        <a:effectLst/>
+                        <a:latin typeface="Times New Roman" panose="02020603050405020304" pitchFamily="18" charset="0"/>
+                        <a:ea typeface="Calibri" panose="020F0502020204030204" pitchFamily="34" charset="0"/>
+                        <a:cs typeface="Times New Roman" panose="02020603050405020304" pitchFamily="18" charset="0"/>
+                      </a:endParaRPr>
                     </a:p>
                   </a:txBody>
                   <a:tcPr marL="68580" marR="68580" marT="0" marB="0"/>
@@ -6129,7 +8551,7 @@
                         </a:spcAft>
                       </a:pPr>
                       <a:r>
-                        <a:rPr lang="en-US" sz="1200">
+                        <a:rPr lang="en-US" sz="2000">
                           <a:effectLst/>
                           <a:latin typeface="Times New Roman" panose="02020603050405020304" pitchFamily="18" charset="0"/>
                           <a:ea typeface="Calibri" panose="020F0502020204030204" pitchFamily="34" charset="0"/>
@@ -6146,26 +8568,162 @@
                     <a:bodyPr/>
                     <a:lstStyle/>
                     <a:p>
-                      <a:pPr marL="0" marR="0" indent="0" algn="just">
-                        <a:lnSpc>
-                          <a:spcPct val="100000"/>
-                        </a:lnSpc>
-                        <a:spcBef>
-                          <a:spcPts val="0"/>
-                        </a:spcBef>
-                        <a:spcAft>
-                          <a:spcPts val="0"/>
-                        </a:spcAft>
-                      </a:pPr>
-                      <a:r>
-                        <a:rPr lang="en-US" sz="1200">
+                      <a:r>
+                        <a:rPr lang="en-US" sz="1600" i="1" kern="1200" dirty="0">
+                          <a:solidFill>
+                            <a:schemeClr val="dk1"/>
+                          </a:solidFill>
                           <a:effectLst/>
                           <a:latin typeface="Times New Roman" panose="02020603050405020304" pitchFamily="18" charset="0"/>
-                          <a:ea typeface="Calibri" panose="020F0502020204030204" pitchFamily="34" charset="0"/>
-                          <a:cs typeface="Times New Roman" panose="02020603050405020304" pitchFamily="18" charset="0"/>
-                        </a:rPr>
-                        <a:t>Multiple lines within source code that have been commented out by means of a block comment marker such as /* ending with */.  Used for both commented-out code and English prose.</a:t>
-                      </a:r>
+                          <a:ea typeface="+mn-ea"/>
+                          <a:cs typeface="Times New Roman" panose="02020603050405020304" pitchFamily="18" charset="0"/>
+                        </a:rPr>
+                        <a:t>/*var </a:t>
+                      </a:r>
+                      <a:r>
+                        <a:rPr lang="en-US" sz="1600" i="1" kern="1200" dirty="0" err="1">
+                          <a:solidFill>
+                            <a:schemeClr val="dk1"/>
+                          </a:solidFill>
+                          <a:effectLst/>
+                          <a:latin typeface="Times New Roman" panose="02020603050405020304" pitchFamily="18" charset="0"/>
+                          <a:ea typeface="+mn-ea"/>
+                          <a:cs typeface="Times New Roman" panose="02020603050405020304" pitchFamily="18" charset="0"/>
+                        </a:rPr>
+                        <a:t>cour</a:t>
+                      </a:r>
+                      <a:r>
+                        <a:rPr lang="en-US" sz="1600" i="1" kern="1200" dirty="0">
+                          <a:solidFill>
+                            <a:schemeClr val="dk1"/>
+                          </a:solidFill>
+                          <a:effectLst/>
+                          <a:latin typeface="Times New Roman" panose="02020603050405020304" pitchFamily="18" charset="0"/>
+                          <a:ea typeface="+mn-ea"/>
+                          <a:cs typeface="Times New Roman" panose="02020603050405020304" pitchFamily="18" charset="0"/>
+                        </a:rPr>
+                        <a:t> = </a:t>
+                      </a:r>
+                      <a:r>
+                        <a:rPr lang="en-US" sz="1600" i="1" kern="1200" dirty="0" err="1">
+                          <a:solidFill>
+                            <a:schemeClr val="dk1"/>
+                          </a:solidFill>
+                          <a:effectLst/>
+                          <a:latin typeface="Times New Roman" panose="02020603050405020304" pitchFamily="18" charset="0"/>
+                          <a:ea typeface="+mn-ea"/>
+                          <a:cs typeface="Times New Roman" panose="02020603050405020304" pitchFamily="18" charset="0"/>
+                        </a:rPr>
+                        <a:t>EntityManager</a:t>
+                      </a:r>
+                      <a:r>
+                        <a:rPr lang="en-US" sz="1600" i="1" kern="1200" dirty="0">
+                          <a:solidFill>
+                            <a:schemeClr val="dk1"/>
+                          </a:solidFill>
+                          <a:effectLst/>
+                          <a:latin typeface="Times New Roman" panose="02020603050405020304" pitchFamily="18" charset="0"/>
+                          <a:ea typeface="+mn-ea"/>
+                          <a:cs typeface="Times New Roman" panose="02020603050405020304" pitchFamily="18" charset="0"/>
+                        </a:rPr>
+                        <a:t>&lt;Courier&gt;.</a:t>
+                      </a:r>
+                      <a:r>
+                        <a:rPr lang="en-US" sz="1600" i="1" kern="1200" dirty="0" err="1">
+                          <a:solidFill>
+                            <a:schemeClr val="dk1"/>
+                          </a:solidFill>
+                          <a:effectLst/>
+                          <a:latin typeface="Times New Roman" panose="02020603050405020304" pitchFamily="18" charset="0"/>
+                          <a:ea typeface="+mn-ea"/>
+                          <a:cs typeface="Times New Roman" panose="02020603050405020304" pitchFamily="18" charset="0"/>
+                        </a:rPr>
+                        <a:t>Entities.FirstOrDefault</a:t>
+                      </a:r>
+                      <a:r>
+                        <a:rPr lang="en-US" sz="1600" i="1" kern="1200" dirty="0">
+                          <a:solidFill>
+                            <a:schemeClr val="dk1"/>
+                          </a:solidFill>
+                          <a:effectLst/>
+                          <a:latin typeface="Times New Roman" panose="02020603050405020304" pitchFamily="18" charset="0"/>
+                          <a:ea typeface="+mn-ea"/>
+                          <a:cs typeface="Times New Roman" panose="02020603050405020304" pitchFamily="18" charset="0"/>
+                        </a:rPr>
+                        <a:t>();</a:t>
+                      </a:r>
+                    </a:p>
+                    <a:p>
+                      <a:r>
+                        <a:rPr lang="en-US" sz="1600" i="1" kern="1200" dirty="0">
+                          <a:solidFill>
+                            <a:schemeClr val="dk1"/>
+                          </a:solidFill>
+                          <a:effectLst/>
+                          <a:latin typeface="Times New Roman" panose="02020603050405020304" pitchFamily="18" charset="0"/>
+                          <a:ea typeface="+mn-ea"/>
+                          <a:cs typeface="Times New Roman" panose="02020603050405020304" pitchFamily="18" charset="0"/>
+                        </a:rPr>
+                        <a:t>            </a:t>
+                      </a:r>
+                      <a:r>
+                        <a:rPr lang="en-US" sz="1600" i="1" kern="1200" dirty="0" err="1">
+                          <a:solidFill>
+                            <a:schemeClr val="dk1"/>
+                          </a:solidFill>
+                          <a:effectLst/>
+                          <a:latin typeface="Times New Roman" panose="02020603050405020304" pitchFamily="18" charset="0"/>
+                          <a:ea typeface="+mn-ea"/>
+                          <a:cs typeface="Times New Roman" panose="02020603050405020304" pitchFamily="18" charset="0"/>
+                        </a:rPr>
+                        <a:t>UpdateManager.Subscribe</a:t>
+                      </a:r>
+                      <a:r>
+                        <a:rPr lang="en-US" sz="1600" i="1" kern="1200" dirty="0">
+                          <a:solidFill>
+                            <a:schemeClr val="dk1"/>
+                          </a:solidFill>
+                          <a:effectLst/>
+                          <a:latin typeface="Times New Roman" panose="02020603050405020304" pitchFamily="18" charset="0"/>
+                          <a:ea typeface="+mn-ea"/>
+                          <a:cs typeface="Times New Roman" panose="02020603050405020304" pitchFamily="18" charset="0"/>
+                        </a:rPr>
+                        <a:t>(() =&gt;</a:t>
+                      </a:r>
+                    </a:p>
+                    <a:p>
+                      <a:r>
+                        <a:rPr lang="en-US" sz="1600" i="1" kern="1200" dirty="0">
+                          <a:solidFill>
+                            <a:schemeClr val="dk1"/>
+                          </a:solidFill>
+                          <a:effectLst/>
+                          <a:latin typeface="Times New Roman" panose="02020603050405020304" pitchFamily="18" charset="0"/>
+                          <a:ea typeface="+mn-ea"/>
+                          <a:cs typeface="Times New Roman" panose="02020603050405020304" pitchFamily="18" charset="0"/>
+                        </a:rPr>
+                        <a:t>            { …</a:t>
+                      </a:r>
+                    </a:p>
+                    <a:p>
+                      <a:r>
+                        <a:rPr lang="en-US" sz="1600" i="1" kern="1200" dirty="0">
+                          <a:solidFill>
+                            <a:schemeClr val="dk1"/>
+                          </a:solidFill>
+                          <a:effectLst/>
+                          <a:latin typeface="Times New Roman" panose="02020603050405020304" pitchFamily="18" charset="0"/>
+                          <a:ea typeface="+mn-ea"/>
+                          <a:cs typeface="Times New Roman" panose="02020603050405020304" pitchFamily="18" charset="0"/>
+                        </a:rPr>
+                        <a:t>}, 1000);*/</a:t>
+                      </a:r>
+                      <a:endParaRPr lang="en-US" sz="1600" i="1" dirty="0">
+                        <a:effectLst/>
+                        <a:latin typeface="Times New Roman" panose="02020603050405020304" pitchFamily="18" charset="0"/>
+                        <a:ea typeface="Calibri" panose="020F0502020204030204" pitchFamily="34" charset="0"/>
+                        <a:cs typeface="Times New Roman" panose="02020603050405020304" pitchFamily="18" charset="0"/>
+                      </a:endParaRPr>
                     </a:p>
                   </a:txBody>
                   <a:tcPr marL="68580" marR="68580" marT="0" marB="0"/>
@@ -6194,7 +8752,7 @@
                         </a:spcAft>
                       </a:pPr>
                       <a:r>
-                        <a:rPr lang="en-US" sz="1200">
+                        <a:rPr lang="en-US" sz="2000">
                           <a:effectLst/>
                           <a:latin typeface="Times New Roman" panose="02020603050405020304" pitchFamily="18" charset="0"/>
                           <a:ea typeface="Calibri" panose="020F0502020204030204" pitchFamily="34" charset="0"/>
@@ -6223,13 +8781,101 @@
                         </a:spcAft>
                       </a:pPr>
                       <a:r>
-                        <a:rPr lang="en-US" sz="1200">
+                        <a:rPr lang="nn-NO" sz="1600" i="1" dirty="0">
                           <a:effectLst/>
                           <a:latin typeface="Times New Roman" panose="02020603050405020304" pitchFamily="18" charset="0"/>
                           <a:ea typeface="Calibri" panose="020F0502020204030204" pitchFamily="34" charset="0"/>
                           <a:cs typeface="Times New Roman" panose="02020603050405020304" pitchFamily="18" charset="0"/>
                         </a:rPr>
-                        <a:t>Multiple lines of code within source code that have been commented out by means of wrapping the code inside a preprocessor if with a condition of 0.   All text/code up until a matching #endif is removed automatically by the preprocessor during compilation.  Typically, used to comment out code.</a:t>
+                        <a:t>#if 0</a:t>
+                      </a:r>
+                    </a:p>
+                    <a:p>
+                      <a:pPr marL="0" marR="0" indent="0" algn="just">
+                        <a:lnSpc>
+                          <a:spcPct val="100000"/>
+                        </a:lnSpc>
+                        <a:spcBef>
+                          <a:spcPts val="0"/>
+                        </a:spcBef>
+                        <a:spcAft>
+                          <a:spcPts val="0"/>
+                        </a:spcAft>
+                      </a:pPr>
+                      <a:r>
+                        <a:rPr lang="nn-NO" sz="1600" i="1" dirty="0">
+                          <a:effectLst/>
+                          <a:latin typeface="Times New Roman" panose="02020603050405020304" pitchFamily="18" charset="0"/>
+                          <a:ea typeface="Calibri" panose="020F0502020204030204" pitchFamily="34" charset="0"/>
+                          <a:cs typeface="Times New Roman" panose="02020603050405020304" pitchFamily="18" charset="0"/>
+                        </a:rPr>
+                        <a:t>    for(int i = 0; i &lt; 10; ++i){</a:t>
+                      </a:r>
+                    </a:p>
+                    <a:p>
+                      <a:pPr marL="0" marR="0" indent="0" algn="just">
+                        <a:lnSpc>
+                          <a:spcPct val="100000"/>
+                        </a:lnSpc>
+                        <a:spcBef>
+                          <a:spcPts val="0"/>
+                        </a:spcBef>
+                        <a:spcAft>
+                          <a:spcPts val="0"/>
+                        </a:spcAft>
+                      </a:pPr>
+                      <a:r>
+                        <a:rPr lang="nn-NO" sz="1600" i="1" dirty="0">
+                          <a:effectLst/>
+                          <a:latin typeface="Times New Roman" panose="02020603050405020304" pitchFamily="18" charset="0"/>
+                          <a:ea typeface="Calibri" panose="020F0502020204030204" pitchFamily="34" charset="0"/>
+                          <a:cs typeface="Times New Roman" panose="02020603050405020304" pitchFamily="18" charset="0"/>
+                        </a:rPr>
+                        <a:t>        a += i;</a:t>
+                      </a:r>
+                    </a:p>
+                    <a:p>
+                      <a:pPr marL="0" marR="0" indent="0" algn="just">
+                        <a:lnSpc>
+                          <a:spcPct val="100000"/>
+                        </a:lnSpc>
+                        <a:spcBef>
+                          <a:spcPts val="0"/>
+                        </a:spcBef>
+                        <a:spcAft>
+                          <a:spcPts val="0"/>
+                        </a:spcAft>
+                      </a:pPr>
+                      <a:r>
+                        <a:rPr lang="nn-NO" sz="1600" i="1" dirty="0">
+                          <a:effectLst/>
+                          <a:latin typeface="Times New Roman" panose="02020603050405020304" pitchFamily="18" charset="0"/>
+                          <a:ea typeface="Calibri" panose="020F0502020204030204" pitchFamily="34" charset="0"/>
+                          <a:cs typeface="Times New Roman" panose="02020603050405020304" pitchFamily="18" charset="0"/>
+                        </a:rPr>
+                        <a:t>    }</a:t>
+                      </a:r>
+                    </a:p>
+                    <a:p>
+                      <a:pPr marL="0" marR="0" indent="0" algn="just">
+                        <a:lnSpc>
+                          <a:spcPct val="100000"/>
+                        </a:lnSpc>
+                        <a:spcBef>
+                          <a:spcPts val="0"/>
+                        </a:spcBef>
+                        <a:spcAft>
+                          <a:spcPts val="0"/>
+                        </a:spcAft>
+                      </a:pPr>
+                      <a:r>
+                        <a:rPr lang="nn-NO" sz="1600" i="1" dirty="0">
+                          <a:effectLst/>
+                          <a:latin typeface="Times New Roman" panose="02020603050405020304" pitchFamily="18" charset="0"/>
+                          <a:ea typeface="Calibri" panose="020F0502020204030204" pitchFamily="34" charset="0"/>
+                          <a:cs typeface="Times New Roman" panose="02020603050405020304" pitchFamily="18" charset="0"/>
+                        </a:rPr>
+                        <a:t>#endif</a:t>
                       </a:r>
                     </a:p>
                   </a:txBody>
@@ -6259,7 +8905,7 @@
                         </a:spcAft>
                       </a:pPr>
                       <a:r>
-                        <a:rPr lang="en-US" sz="1200" dirty="0">
+                        <a:rPr lang="en-US" sz="2000" dirty="0">
                           <a:effectLst/>
                           <a:latin typeface="Times New Roman" panose="02020603050405020304" pitchFamily="18" charset="0"/>
                           <a:ea typeface="Calibri" panose="020F0502020204030204" pitchFamily="34" charset="0"/>
@@ -6288,14 +8934,121 @@
                         </a:spcAft>
                       </a:pPr>
                       <a:r>
-                        <a:rPr lang="en-US" sz="1200">
+                        <a:rPr lang="nn-NO" sz="1600" i="1" dirty="0">
                           <a:effectLst/>
                           <a:latin typeface="Times New Roman" panose="02020603050405020304" pitchFamily="18" charset="0"/>
                           <a:ea typeface="Calibri" panose="020F0502020204030204" pitchFamily="34" charset="0"/>
                           <a:cs typeface="Times New Roman" panose="02020603050405020304" pitchFamily="18" charset="0"/>
                         </a:rPr>
-                        <a:t>While similar to the preprocessor, an if-statement is used, the standard if(0) is processed and compiled by the compiler.  This type of block can be rapidly commented and uncommented by changing the 0 to 1 and vice-versa.  Can be used to comment-out code.</a:t>
-                      </a:r>
+                        <a:t>if(0){</a:t>
+                      </a:r>
+                    </a:p>
+                    <a:p>
+                      <a:pPr marL="0" marR="0" indent="0" algn="just">
+                        <a:lnSpc>
+                          <a:spcPct val="100000"/>
+                        </a:lnSpc>
+                        <a:spcBef>
+                          <a:spcPts val="0"/>
+                        </a:spcBef>
+                        <a:spcAft>
+                          <a:spcPts val="0"/>
+                        </a:spcAft>
+                      </a:pPr>
+                      <a:r>
+                        <a:rPr lang="nn-NO" sz="1600" i="1" dirty="0">
+                          <a:effectLst/>
+                          <a:latin typeface="Times New Roman" panose="02020603050405020304" pitchFamily="18" charset="0"/>
+                          <a:ea typeface="Calibri" panose="020F0502020204030204" pitchFamily="34" charset="0"/>
+                          <a:cs typeface="Times New Roman" panose="02020603050405020304" pitchFamily="18" charset="0"/>
+                        </a:rPr>
+                        <a:t>    for(int i = 0; i &lt; 10; ++i){</a:t>
+                      </a:r>
+                    </a:p>
+                    <a:p>
+                      <a:pPr marL="0" marR="0" indent="0" algn="just">
+                        <a:lnSpc>
+                          <a:spcPct val="100000"/>
+                        </a:lnSpc>
+                        <a:spcBef>
+                          <a:spcPts val="0"/>
+                        </a:spcBef>
+                        <a:spcAft>
+                          <a:spcPts val="0"/>
+                        </a:spcAft>
+                      </a:pPr>
+                      <a:r>
+                        <a:rPr lang="nn-NO" sz="1600" i="1" dirty="0">
+                          <a:effectLst/>
+                          <a:latin typeface="Times New Roman" panose="02020603050405020304" pitchFamily="18" charset="0"/>
+                          <a:ea typeface="Calibri" panose="020F0502020204030204" pitchFamily="34" charset="0"/>
+                          <a:cs typeface="Times New Roman" panose="02020603050405020304" pitchFamily="18" charset="0"/>
+                        </a:rPr>
+                        <a:t>        a += i;</a:t>
+                      </a:r>
+                    </a:p>
+                    <a:p>
+                      <a:pPr marL="0" marR="0" indent="0" algn="just">
+                        <a:lnSpc>
+                          <a:spcPct val="100000"/>
+                        </a:lnSpc>
+                        <a:spcBef>
+                          <a:spcPts val="0"/>
+                        </a:spcBef>
+                        <a:spcAft>
+                          <a:spcPts val="0"/>
+                        </a:spcAft>
+                      </a:pPr>
+                      <a:r>
+                        <a:rPr lang="nn-NO" sz="1600" i="1" dirty="0">
+                          <a:effectLst/>
+                          <a:latin typeface="Times New Roman" panose="02020603050405020304" pitchFamily="18" charset="0"/>
+                          <a:ea typeface="Calibri" panose="020F0502020204030204" pitchFamily="34" charset="0"/>
+                          <a:cs typeface="Times New Roman" panose="02020603050405020304" pitchFamily="18" charset="0"/>
+                        </a:rPr>
+                        <a:t>    }</a:t>
+                      </a:r>
+                    </a:p>
+                    <a:p>
+                      <a:pPr marL="0" marR="0" indent="0" algn="just">
+                        <a:lnSpc>
+                          <a:spcPct val="100000"/>
+                        </a:lnSpc>
+                        <a:spcBef>
+                          <a:spcPts val="0"/>
+                        </a:spcBef>
+                        <a:spcAft>
+                          <a:spcPts val="0"/>
+                        </a:spcAft>
+                      </a:pPr>
+                      <a:r>
+                        <a:rPr lang="nn-NO" sz="1600" i="1" dirty="0">
+                          <a:effectLst/>
+                          <a:latin typeface="Times New Roman" panose="02020603050405020304" pitchFamily="18" charset="0"/>
+                          <a:ea typeface="Calibri" panose="020F0502020204030204" pitchFamily="34" charset="0"/>
+                          <a:cs typeface="Times New Roman" panose="02020603050405020304" pitchFamily="18" charset="0"/>
+                        </a:rPr>
+                        <a:t>}</a:t>
+                      </a:r>
+                    </a:p>
+                    <a:p>
+                      <a:pPr marL="0" marR="0" indent="0" algn="just">
+                        <a:lnSpc>
+                          <a:spcPct val="100000"/>
+                        </a:lnSpc>
+                        <a:spcBef>
+                          <a:spcPts val="0"/>
+                        </a:spcBef>
+                        <a:spcAft>
+                          <a:spcPts val="0"/>
+                        </a:spcAft>
+                      </a:pPr>
+                      <a:endParaRPr lang="en-US" sz="1600" i="1" dirty="0">
+                        <a:effectLst/>
+                        <a:latin typeface="Times New Roman" panose="02020603050405020304" pitchFamily="18" charset="0"/>
+                        <a:ea typeface="Calibri" panose="020F0502020204030204" pitchFamily="34" charset="0"/>
+                        <a:cs typeface="Times New Roman" panose="02020603050405020304" pitchFamily="18" charset="0"/>
+                      </a:endParaRPr>
                     </a:p>
                   </a:txBody>
                   <a:tcPr marL="68580" marR="68580" marT="0" marB="0"/>
@@ -6324,7 +9077,7 @@
                         </a:spcAft>
                       </a:pPr>
                       <a:r>
-                        <a:rPr lang="en-US" sz="1200">
+                        <a:rPr lang="en-US" sz="2000">
                           <a:effectLst/>
                           <a:latin typeface="Times New Roman" panose="02020603050405020304" pitchFamily="18" charset="0"/>
                           <a:ea typeface="Calibri" panose="020F0502020204030204" pitchFamily="34" charset="0"/>
@@ -6341,26 +9094,38 @@
                     <a:bodyPr/>
                     <a:lstStyle/>
                     <a:p>
-                      <a:pPr marL="0" marR="0" indent="0" algn="just">
-                        <a:lnSpc>
-                          <a:spcPct val="100000"/>
-                        </a:lnSpc>
-                        <a:spcBef>
-                          <a:spcPts val="0"/>
-                        </a:spcBef>
-                        <a:spcAft>
-                          <a:spcPts val="0"/>
-                        </a:spcAft>
-                      </a:pPr>
-                      <a:r>
-                        <a:rPr lang="en-US" sz="1200">
+                      <a:r>
+                        <a:rPr lang="en-US" sz="1600" i="1" kern="1200" dirty="0">
+                          <a:solidFill>
+                            <a:schemeClr val="dk1"/>
+                          </a:solidFill>
                           <a:effectLst/>
                           <a:latin typeface="Times New Roman" panose="02020603050405020304" pitchFamily="18" charset="0"/>
-                          <a:ea typeface="Calibri" panose="020F0502020204030204" pitchFamily="34" charset="0"/>
-                          <a:cs typeface="Times New Roman" panose="02020603050405020304" pitchFamily="18" charset="0"/>
-                        </a:rPr>
-                        <a:t>Used to write software reference documentation, these comments can have hyperlinks and other document wide references.  Typically, used to comment out code.</a:t>
-                      </a:r>
+                          <a:ea typeface="+mn-ea"/>
+                          <a:cs typeface="Times New Roman" panose="02020603050405020304" pitchFamily="18" charset="0"/>
+                        </a:rPr>
+                        <a:t>/// Construct an alive Account, with given endowment, for either a normal (non-contract)</a:t>
+                      </a:r>
+                    </a:p>
+                    <a:p>
+                      <a:r>
+                        <a:rPr lang="en-US" sz="1600" i="1" kern="1200" dirty="0">
+                          <a:solidFill>
+                            <a:schemeClr val="dk1"/>
+                          </a:solidFill>
+                          <a:effectLst/>
+                          <a:latin typeface="Times New Roman" panose="02020603050405020304" pitchFamily="18" charset="0"/>
+                          <a:ea typeface="+mn-ea"/>
+                          <a:cs typeface="Times New Roman" panose="02020603050405020304" pitchFamily="18" charset="0"/>
+                        </a:rPr>
+                        <a:t>/// account or for a contract account in the conception phase, where the code is not yet known.</a:t>
+                      </a:r>
+                      <a:endParaRPr lang="en-US" sz="1600" i="1" dirty="0">
+                        <a:effectLst/>
+                        <a:latin typeface="Times New Roman" panose="02020603050405020304" pitchFamily="18" charset="0"/>
+                        <a:ea typeface="Calibri" panose="020F0502020204030204" pitchFamily="34" charset="0"/>
+                        <a:cs typeface="Times New Roman" panose="02020603050405020304" pitchFamily="18" charset="0"/>
+                      </a:endParaRPr>
                     </a:p>
                   </a:txBody>
                   <a:tcPr marL="68580" marR="68580" marT="0" marB="0"/>
@@ -6389,7 +9154,7 @@
                         </a:spcAft>
                       </a:pPr>
                       <a:r>
-                        <a:rPr lang="en-US" sz="1200">
+                        <a:rPr lang="en-US" sz="2000" dirty="0">
                           <a:effectLst/>
                           <a:latin typeface="Times New Roman" panose="02020603050405020304" pitchFamily="18" charset="0"/>
                           <a:ea typeface="Calibri" panose="020F0502020204030204" pitchFamily="34" charset="0"/>
@@ -6406,9 +9171,9 @@
                     <a:bodyPr/>
                     <a:lstStyle/>
                     <a:p>
-                      <a:pPr marL="0" marR="0" indent="0" algn="just">
+                      <a:pPr marL="0" marR="0" indent="0">
                         <a:lnSpc>
-                          <a:spcPct val="100000"/>
+                          <a:spcPct val="107000"/>
                         </a:lnSpc>
                         <a:spcBef>
                           <a:spcPts val="0"/>
@@ -6418,13 +9183,119 @@
                         </a:spcAft>
                       </a:pPr>
                       <a:r>
-                        <a:rPr lang="en-US" sz="1200" dirty="0">
+                        <a:rPr lang="en-US" sz="1600" i="1" dirty="0">
                           <a:effectLst/>
                           <a:latin typeface="Times New Roman" panose="02020603050405020304" pitchFamily="18" charset="0"/>
                           <a:ea typeface="Calibri" panose="020F0502020204030204" pitchFamily="34" charset="0"/>
                           <a:cs typeface="Times New Roman" panose="02020603050405020304" pitchFamily="18" charset="0"/>
                         </a:rPr>
-                        <a:t>Used to write software reference documentation, these comments have hyperlinks and other document wide references.  While similar to Doxygen it is limited to Java languages.</a:t>
+                        <a:t>/**</a:t>
+                      </a:r>
+                    </a:p>
+                    <a:p>
+                      <a:pPr marL="0" marR="0" indent="0">
+                        <a:lnSpc>
+                          <a:spcPct val="107000"/>
+                        </a:lnSpc>
+                        <a:spcBef>
+                          <a:spcPts val="0"/>
+                        </a:spcBef>
+                        <a:spcAft>
+                          <a:spcPts val="0"/>
+                        </a:spcAft>
+                      </a:pPr>
+                      <a:r>
+                        <a:rPr lang="en-US" sz="1600" i="1" dirty="0">
+                          <a:effectLst/>
+                          <a:latin typeface="Times New Roman" panose="02020603050405020304" pitchFamily="18" charset="0"/>
+                          <a:ea typeface="Calibri" panose="020F0502020204030204" pitchFamily="34" charset="0"/>
+                          <a:cs typeface="Times New Roman" panose="02020603050405020304" pitchFamily="18" charset="0"/>
+                        </a:rPr>
+                        <a:t> * BENCHMARK_START_GROUP(</a:t>
+                      </a:r>
+                      <a:r>
+                        <a:rPr lang="en-US" sz="1600" i="1" dirty="0" err="1">
+                          <a:effectLst/>
+                          <a:latin typeface="Times New Roman" panose="02020603050405020304" pitchFamily="18" charset="0"/>
+                          <a:ea typeface="Calibri" panose="020F0502020204030204" pitchFamily="34" charset="0"/>
+                          <a:cs typeface="Times New Roman" panose="02020603050405020304" pitchFamily="18" charset="0"/>
+                        </a:rPr>
+                        <a:t>insertVectorBegin</a:t>
+                      </a:r>
+                      <a:r>
+                        <a:rPr lang="en-US" sz="1600" i="1" dirty="0">
+                          <a:effectLst/>
+                          <a:latin typeface="Times New Roman" panose="02020603050405020304" pitchFamily="18" charset="0"/>
+                          <a:ea typeface="Calibri" panose="020F0502020204030204" pitchFamily="34" charset="0"/>
+                          <a:cs typeface="Times New Roman" panose="02020603050405020304" pitchFamily="18" charset="0"/>
+                        </a:rPr>
+                        <a:t>, n) {</a:t>
+                      </a:r>
+                    </a:p>
+                    <a:p>
+                      <a:pPr marL="0" marR="0" indent="0">
+                        <a:lnSpc>
+                          <a:spcPct val="107000"/>
+                        </a:lnSpc>
+                        <a:spcBef>
+                          <a:spcPts val="0"/>
+                        </a:spcBef>
+                        <a:spcAft>
+                          <a:spcPts val="0"/>
+                        </a:spcAft>
+                      </a:pPr>
+                      <a:r>
+                        <a:rPr lang="en-US" sz="1600" i="1" dirty="0">
+                          <a:effectLst/>
+                          <a:latin typeface="Times New Roman" panose="02020603050405020304" pitchFamily="18" charset="0"/>
+                          <a:ea typeface="Calibri" panose="020F0502020204030204" pitchFamily="34" charset="0"/>
+                          <a:cs typeface="Times New Roman" panose="02020603050405020304" pitchFamily="18" charset="0"/>
+                        </a:rPr>
+                        <a:t> *   vector&lt;int&gt; v; …</a:t>
+                      </a:r>
+                    </a:p>
+                    <a:p>
+                      <a:pPr marL="0" marR="0" indent="0">
+                        <a:lnSpc>
+                          <a:spcPct val="107000"/>
+                        </a:lnSpc>
+                        <a:spcBef>
+                          <a:spcPts val="0"/>
+                        </a:spcBef>
+                        <a:spcAft>
+                          <a:spcPts val="0"/>
+                        </a:spcAft>
+                      </a:pPr>
+                      <a:r>
+                        <a:rPr lang="en-US" sz="1600" i="1" dirty="0">
+                          <a:effectLst/>
+                          <a:latin typeface="Times New Roman" panose="02020603050405020304" pitchFamily="18" charset="0"/>
+                          <a:ea typeface="Calibri" panose="020F0502020204030204" pitchFamily="34" charset="0"/>
+                          <a:cs typeface="Times New Roman" panose="02020603050405020304" pitchFamily="18" charset="0"/>
+                        </a:rPr>
+                        <a:t>* }</a:t>
+                      </a:r>
+                    </a:p>
+                    <a:p>
+                      <a:pPr marL="0" marR="0" indent="0">
+                        <a:lnSpc>
+                          <a:spcPct val="107000"/>
+                        </a:lnSpc>
+                        <a:spcBef>
+                          <a:spcPts val="0"/>
+                        </a:spcBef>
+                        <a:spcAft>
+                          <a:spcPts val="0"/>
+                        </a:spcAft>
+                      </a:pPr>
+                      <a:r>
+                        <a:rPr lang="en-US" sz="1600" i="1" dirty="0">
+                          <a:effectLst/>
+                          <a:latin typeface="Times New Roman" panose="02020603050405020304" pitchFamily="18" charset="0"/>
+                          <a:ea typeface="Calibri" panose="020F0502020204030204" pitchFamily="34" charset="0"/>
+                          <a:cs typeface="Times New Roman" panose="02020603050405020304" pitchFamily="18" charset="0"/>
+                        </a:rPr>
+                        <a:t> */</a:t>
                       </a:r>
                     </a:p>
                   </a:txBody>
@@ -6453,7 +9324,7 @@
 </p:sld>
 </file>
 
-<file path=ppt/slides/slide3.xml><?xml version="1.0" encoding="utf-8"?>
+<file path=ppt/slides/slide5.xml><?xml version="1.0" encoding="utf-8"?>
 <p:sld xmlns:a="http://schemas.openxmlformats.org/drawingml/2006/main" xmlns:r="http://schemas.openxmlformats.org/officeDocument/2006/relationships" xmlns:p="http://schemas.openxmlformats.org/presentationml/2006/main">
   <p:cSld>
     <p:spTree>
@@ -6518,7 +9389,7 @@
         <p:spPr>
           <a:xfrm>
             <a:off x="838200" y="1825625"/>
-            <a:ext cx="5101206" cy="4351338"/>
+            <a:ext cx="9186644" cy="4351338"/>
           </a:xfrm>
         </p:spPr>
         <p:txBody>
@@ -6527,142 +9398,255 @@
           </a:bodyPr>
           <a:lstStyle/>
           <a:p>
-            <a:r>
-              <a:rPr lang="en-US" i="1" dirty="0"/>
+            <a:pPr marL="0" indent="0">
+              <a:buNone/>
+            </a:pPr>
+            <a:r>
+              <a:rPr lang="en-US" i="1" dirty="0">
+                <a:latin typeface="Courier New" panose="02070309020205020404" pitchFamily="49" charset="0"/>
+              </a:rPr>
               <a:t>// void Print(int res[20][20], int </a:t>
             </a:r>
             <a:r>
-              <a:rPr lang="en-US" i="1" dirty="0" err="1"/>
+              <a:rPr lang="en-US" i="1" dirty="0" err="1">
+                <a:latin typeface="Courier New" panose="02070309020205020404" pitchFamily="49" charset="0"/>
+              </a:rPr>
               <a:t>i</a:t>
             </a:r>
             <a:r>
-              <a:rPr lang="en-US" i="1" dirty="0"/>
+              <a:rPr lang="en-US" i="1" dirty="0">
+                <a:latin typeface="Courier New" panose="02070309020205020404" pitchFamily="49" charset="0"/>
+              </a:rPr>
               <a:t>, int j, int capacity)</a:t>
             </a:r>
-            <a:endParaRPr lang="en-US" dirty="0"/>
-          </a:p>
-          <a:p>
-            <a:r>
-              <a:rPr lang="en-US" i="1" dirty="0"/>
+            <a:endParaRPr lang="en-US" dirty="0">
+              <a:latin typeface="Courier New" panose="02070309020205020404" pitchFamily="49" charset="0"/>
+            </a:endParaRPr>
+          </a:p>
+          <a:p>
+            <a:pPr marL="0" indent="0">
+              <a:buNone/>
+            </a:pPr>
+            <a:r>
+              <a:rPr lang="en-US" i="1" dirty="0">
+                <a:latin typeface="Courier New" panose="02070309020205020404" pitchFamily="49" charset="0"/>
+              </a:rPr>
               <a:t>// {</a:t>
             </a:r>
-            <a:endParaRPr lang="en-US" dirty="0"/>
-          </a:p>
-          <a:p>
-            <a:r>
-              <a:rPr lang="en-US" i="1" dirty="0"/>
+            <a:endParaRPr lang="en-US" dirty="0">
+              <a:latin typeface="Courier New" panose="02070309020205020404" pitchFamily="49" charset="0"/>
+            </a:endParaRPr>
+          </a:p>
+          <a:p>
+            <a:pPr marL="0" indent="0">
+              <a:buNone/>
+            </a:pPr>
+            <a:r>
+              <a:rPr lang="en-US" i="1" dirty="0">
+                <a:latin typeface="Courier New" panose="02070309020205020404" pitchFamily="49" charset="0"/>
+              </a:rPr>
               <a:t>//     if(</a:t>
             </a:r>
             <a:r>
-              <a:rPr lang="en-US" i="1" dirty="0" err="1"/>
+              <a:rPr lang="en-US" i="1" dirty="0" err="1">
+                <a:latin typeface="Courier New" panose="02070309020205020404" pitchFamily="49" charset="0"/>
+              </a:rPr>
               <a:t>i</a:t>
             </a:r>
             <a:r>
-              <a:rPr lang="en-US" i="1" dirty="0"/>
+              <a:rPr lang="en-US" i="1" dirty="0">
+                <a:latin typeface="Courier New" panose="02070309020205020404" pitchFamily="49" charset="0"/>
+              </a:rPr>
               <a:t>==0 || j==0)</a:t>
             </a:r>
-            <a:endParaRPr lang="en-US" dirty="0"/>
-          </a:p>
-          <a:p>
-            <a:r>
-              <a:rPr lang="en-US" i="1" dirty="0"/>
+            <a:endParaRPr lang="en-US" dirty="0">
+              <a:latin typeface="Courier New" panose="02070309020205020404" pitchFamily="49" charset="0"/>
+            </a:endParaRPr>
+          </a:p>
+          <a:p>
+            <a:pPr marL="0" indent="0">
+              <a:buNone/>
+            </a:pPr>
+            <a:r>
+              <a:rPr lang="en-US" i="1" dirty="0">
+                <a:latin typeface="Courier New" panose="02070309020205020404" pitchFamily="49" charset="0"/>
+              </a:rPr>
               <a:t>//     {</a:t>
             </a:r>
-            <a:endParaRPr lang="en-US" dirty="0"/>
-          </a:p>
-          <a:p>
-            <a:r>
-              <a:rPr lang="en-US" i="1" dirty="0"/>
+            <a:endParaRPr lang="en-US" dirty="0">
+              <a:latin typeface="Courier New" panose="02070309020205020404" pitchFamily="49" charset="0"/>
+            </a:endParaRPr>
+          </a:p>
+          <a:p>
+            <a:pPr marL="0" indent="0">
+              <a:buNone/>
+            </a:pPr>
+            <a:r>
+              <a:rPr lang="en-US" i="1" dirty="0">
+                <a:latin typeface="Courier New" panose="02070309020205020404" pitchFamily="49" charset="0"/>
+              </a:rPr>
               <a:t>//         return;</a:t>
             </a:r>
-            <a:endParaRPr lang="en-US" dirty="0"/>
-          </a:p>
-          <a:p>
-            <a:r>
-              <a:rPr lang="en-US" i="1" dirty="0"/>
+            <a:endParaRPr lang="en-US" dirty="0">
+              <a:latin typeface="Courier New" panose="02070309020205020404" pitchFamily="49" charset="0"/>
+            </a:endParaRPr>
+          </a:p>
+          <a:p>
+            <a:pPr marL="0" indent="0">
+              <a:buNone/>
+            </a:pPr>
+            <a:r>
+              <a:rPr lang="en-US" i="1" dirty="0">
+                <a:latin typeface="Courier New" panose="02070309020205020404" pitchFamily="49" charset="0"/>
+              </a:rPr>
               <a:t>//     }</a:t>
             </a:r>
-            <a:endParaRPr lang="en-US" dirty="0"/>
-          </a:p>
-          <a:p>
-            <a:r>
-              <a:rPr lang="en-US" i="1" dirty="0"/>
+            <a:endParaRPr lang="en-US" dirty="0">
+              <a:latin typeface="Courier New" panose="02070309020205020404" pitchFamily="49" charset="0"/>
+            </a:endParaRPr>
+          </a:p>
+          <a:p>
+            <a:pPr marL="0" indent="0">
+              <a:buNone/>
+            </a:pPr>
+            <a:r>
+              <a:rPr lang="en-US" i="1" dirty="0">
+                <a:latin typeface="Courier New" panose="02070309020205020404" pitchFamily="49" charset="0"/>
+              </a:rPr>
               <a:t>//     if(res[i-1][j]==res[</a:t>
             </a:r>
             <a:r>
-              <a:rPr lang="en-US" i="1" dirty="0" err="1"/>
+              <a:rPr lang="en-US" i="1" dirty="0" err="1">
+                <a:latin typeface="Courier New" panose="02070309020205020404" pitchFamily="49" charset="0"/>
+              </a:rPr>
               <a:t>i</a:t>
             </a:r>
             <a:r>
-              <a:rPr lang="en-US" i="1" dirty="0"/>
+              <a:rPr lang="en-US" i="1" dirty="0">
+                <a:latin typeface="Courier New" panose="02070309020205020404" pitchFamily="49" charset="0"/>
+              </a:rPr>
               <a:t>][j-1])</a:t>
             </a:r>
-            <a:endParaRPr lang="en-US" dirty="0"/>
-          </a:p>
-          <a:p>
-            <a:r>
-              <a:rPr lang="en-US" i="1" dirty="0"/>
+            <a:endParaRPr lang="en-US" dirty="0">
+              <a:latin typeface="Courier New" panose="02070309020205020404" pitchFamily="49" charset="0"/>
+            </a:endParaRPr>
+          </a:p>
+          <a:p>
+            <a:pPr marL="0" indent="0">
+              <a:buNone/>
+            </a:pPr>
+            <a:r>
+              <a:rPr lang="en-US" i="1" dirty="0">
+                <a:latin typeface="Courier New" panose="02070309020205020404" pitchFamily="49" charset="0"/>
+              </a:rPr>
               <a:t>//     {</a:t>
             </a:r>
-            <a:endParaRPr lang="en-US" dirty="0"/>
-          </a:p>
-          <a:p>
-            <a:r>
-              <a:rPr lang="en-US" i="1" dirty="0"/>
+            <a:endParaRPr lang="en-US" dirty="0">
+              <a:latin typeface="Courier New" panose="02070309020205020404" pitchFamily="49" charset="0"/>
+            </a:endParaRPr>
+          </a:p>
+          <a:p>
+            <a:pPr marL="0" indent="0">
+              <a:buNone/>
+            </a:pPr>
+            <a:r>
+              <a:rPr lang="en-US" i="1" dirty="0">
+                <a:latin typeface="Courier New" panose="02070309020205020404" pitchFamily="49" charset="0"/>
+              </a:rPr>
               <a:t>//         if(</a:t>
             </a:r>
             <a:r>
-              <a:rPr lang="en-US" i="1" dirty="0" err="1"/>
+              <a:rPr lang="en-US" i="1" dirty="0" err="1">
+                <a:latin typeface="Courier New" panose="02070309020205020404" pitchFamily="49" charset="0"/>
+              </a:rPr>
               <a:t>i</a:t>
             </a:r>
             <a:r>
-              <a:rPr lang="en-US" i="1" dirty="0"/>
+              <a:rPr lang="en-US" i="1" dirty="0">
+                <a:latin typeface="Courier New" panose="02070309020205020404" pitchFamily="49" charset="0"/>
+              </a:rPr>
               <a:t>&lt;=capacity)</a:t>
             </a:r>
-            <a:endParaRPr lang="en-US" dirty="0"/>
-          </a:p>
-          <a:p>
-            <a:r>
-              <a:rPr lang="en-US" i="1" dirty="0"/>
+            <a:endParaRPr lang="en-US" dirty="0">
+              <a:latin typeface="Courier New" panose="02070309020205020404" pitchFamily="49" charset="0"/>
+            </a:endParaRPr>
+          </a:p>
+          <a:p>
+            <a:pPr marL="0" indent="0">
+              <a:buNone/>
+            </a:pPr>
+            <a:r>
+              <a:rPr lang="en-US" i="1" dirty="0">
+                <a:latin typeface="Courier New" panose="02070309020205020404" pitchFamily="49" charset="0"/>
+              </a:rPr>
               <a:t>//         {</a:t>
             </a:r>
-            <a:endParaRPr lang="en-US" dirty="0"/>
-          </a:p>
-          <a:p>
-            <a:r>
-              <a:rPr lang="en-US" i="1" dirty="0"/>
+            <a:endParaRPr lang="en-US" dirty="0">
+              <a:latin typeface="Courier New" panose="02070309020205020404" pitchFamily="49" charset="0"/>
+            </a:endParaRPr>
+          </a:p>
+          <a:p>
+            <a:pPr marL="0" indent="0">
+              <a:buNone/>
+            </a:pPr>
+            <a:r>
+              <a:rPr lang="en-US" i="1" dirty="0">
+                <a:latin typeface="Courier New" panose="02070309020205020404" pitchFamily="49" charset="0"/>
+              </a:rPr>
               <a:t>//             </a:t>
             </a:r>
             <a:r>
-              <a:rPr lang="en-US" i="1" dirty="0" err="1"/>
+              <a:rPr lang="en-US" i="1" dirty="0" err="1">
+                <a:latin typeface="Courier New" panose="02070309020205020404" pitchFamily="49" charset="0"/>
+              </a:rPr>
               <a:t>cout</a:t>
             </a:r>
             <a:r>
-              <a:rPr lang="en-US" i="1" dirty="0"/>
+              <a:rPr lang="en-US" i="1" dirty="0">
+                <a:latin typeface="Courier New" panose="02070309020205020404" pitchFamily="49" charset="0"/>
+              </a:rPr>
               <a:t>&lt;&lt;</a:t>
             </a:r>
             <a:r>
-              <a:rPr lang="en-US" i="1" dirty="0" err="1"/>
+              <a:rPr lang="en-US" i="1" dirty="0" err="1">
+                <a:latin typeface="Courier New" panose="02070309020205020404" pitchFamily="49" charset="0"/>
+              </a:rPr>
               <a:t>i</a:t>
             </a:r>
             <a:r>
-              <a:rPr lang="en-US" i="1" dirty="0"/>
+              <a:rPr lang="en-US" i="1" dirty="0">
+                <a:latin typeface="Courier New" panose="02070309020205020404" pitchFamily="49" charset="0"/>
+              </a:rPr>
               <a:t>&lt;&lt;" ";</a:t>
             </a:r>
-            <a:endParaRPr lang="en-US" dirty="0"/>
-          </a:p>
-          <a:p>
-            <a:r>
-              <a:rPr lang="en-US" i="1" dirty="0"/>
+            <a:endParaRPr lang="en-US" dirty="0">
+              <a:latin typeface="Courier New" panose="02070309020205020404" pitchFamily="49" charset="0"/>
+            </a:endParaRPr>
+          </a:p>
+          <a:p>
+            <a:pPr marL="0" indent="0">
+              <a:buNone/>
+            </a:pPr>
+            <a:r>
+              <a:rPr lang="en-US" i="1" dirty="0">
+                <a:latin typeface="Courier New" panose="02070309020205020404" pitchFamily="49" charset="0"/>
+              </a:rPr>
               <a:t>//         }</a:t>
             </a:r>
           </a:p>
           <a:p>
-            <a:r>
-              <a:rPr lang="en-US" i="1" dirty="0"/>
+            <a:pPr marL="0" indent="0">
+              <a:buNone/>
+            </a:pPr>
+            <a:r>
+              <a:rPr lang="en-US" i="1" dirty="0">
+                <a:latin typeface="Courier New" panose="02070309020205020404" pitchFamily="49" charset="0"/>
+              </a:rPr>
               <a:t>//}</a:t>
             </a:r>
-            <a:endParaRPr lang="en-US" dirty="0"/>
+            <a:endParaRPr lang="en-US" dirty="0">
+              <a:latin typeface="Courier New" panose="02070309020205020404" pitchFamily="49" charset="0"/>
+            </a:endParaRPr>
           </a:p>
           <a:p>
             <a:endParaRPr lang="en-US" dirty="0"/>
@@ -6699,7 +9683,7 @@
           <a:p>
             <a:r>
               <a:rPr lang="en-US" sz="4000" i="1" dirty="0"/>
-              <a:t>any piece of source code that has been disabled by means of commenting</a:t>
+              <a:t>Any piece of source code that has been disabled by means of commenting</a:t>
             </a:r>
             <a:endParaRPr lang="en-US" sz="4000" dirty="0"/>
           </a:p>
@@ -6718,7 +9702,126 @@
 </p:sld>
 </file>
 
-<file path=ppt/slides/slide4.xml><?xml version="1.0" encoding="utf-8"?>
+<file path=ppt/slides/slide6.xml><?xml version="1.0" encoding="utf-8"?>
+<p:sld xmlns:a="http://schemas.openxmlformats.org/drawingml/2006/main" xmlns:r="http://schemas.openxmlformats.org/officeDocument/2006/relationships" xmlns:p="http://schemas.openxmlformats.org/presentationml/2006/main">
+  <p:cSld>
+    <p:spTree>
+      <p:nvGrpSpPr>
+        <p:cNvPr id="1" name=""/>
+        <p:cNvGrpSpPr/>
+        <p:nvPr/>
+      </p:nvGrpSpPr>
+      <p:grpSpPr>
+        <a:xfrm>
+          <a:off x="0" y="0"/>
+          <a:ext cx="0" cy="0"/>
+          <a:chOff x="0" y="0"/>
+          <a:chExt cx="0" cy="0"/>
+        </a:xfrm>
+      </p:grpSpPr>
+      <p:sp>
+        <p:nvSpPr>
+          <p:cNvPr id="2" name="Title 1">
+            <a:extLst>
+              <a:ext uri="{FF2B5EF4-FFF2-40B4-BE49-F238E27FC236}">
+                <a16:creationId xmlns:a16="http://schemas.microsoft.com/office/drawing/2014/main" id="{A93E9343-3569-43EF-B790-E0DFFEF9C9FC}"/>
+              </a:ext>
+            </a:extLst>
+          </p:cNvPr>
+          <p:cNvSpPr>
+            <a:spLocks noGrp="1"/>
+          </p:cNvSpPr>
+          <p:nvPr>
+            <p:ph type="title"/>
+          </p:nvPr>
+        </p:nvSpPr>
+        <p:spPr/>
+        <p:txBody>
+          <a:bodyPr/>
+          <a:lstStyle/>
+          <a:p>
+            <a:pPr algn="ctr"/>
+            <a:r>
+              <a:rPr lang="en-US" dirty="0"/>
+              <a:t>Process of Manual Classification</a:t>
+            </a:r>
+          </a:p>
+        </p:txBody>
+      </p:sp>
+      <p:sp>
+        <p:nvSpPr>
+          <p:cNvPr id="3" name="Content Placeholder 2">
+            <a:extLst>
+              <a:ext uri="{FF2B5EF4-FFF2-40B4-BE49-F238E27FC236}">
+                <a16:creationId xmlns:a16="http://schemas.microsoft.com/office/drawing/2014/main" id="{03BABA44-DDFD-4DCC-86EF-2E8F1C81E125}"/>
+              </a:ext>
+            </a:extLst>
+          </p:cNvPr>
+          <p:cNvSpPr>
+            <a:spLocks noGrp="1"/>
+          </p:cNvSpPr>
+          <p:nvPr>
+            <p:ph idx="1"/>
+          </p:nvPr>
+        </p:nvSpPr>
+        <p:spPr/>
+        <p:txBody>
+          <a:bodyPr/>
+          <a:lstStyle/>
+          <a:p>
+            <a:r>
+              <a:rPr lang="en-US" dirty="0"/>
+              <a:t>We selected random files from each of the 78 originally selected projects.</a:t>
+            </a:r>
+          </a:p>
+          <a:p>
+            <a:r>
+              <a:rPr lang="en-US" dirty="0"/>
+              <a:t>Ran the projects through srcML followed by </a:t>
+            </a:r>
+            <a:r>
+              <a:rPr lang="en-US" dirty="0" err="1"/>
+              <a:t>Xpath</a:t>
+            </a:r>
+            <a:r>
+              <a:rPr lang="en-US" dirty="0"/>
+              <a:t> to retrieve comments.</a:t>
+            </a:r>
+          </a:p>
+          <a:p>
+            <a:r>
+              <a:rPr lang="en-US" dirty="0"/>
+              <a:t>Select random files from this archive to build the corpus.</a:t>
+            </a:r>
+          </a:p>
+          <a:p>
+            <a:r>
+              <a:rPr lang="en-US" dirty="0"/>
+              <a:t>Manually review each comment based off the fields of the Gold Set and our Taxonomy. </a:t>
+            </a:r>
+          </a:p>
+          <a:p>
+            <a:r>
+              <a:rPr lang="en-US" dirty="0"/>
+              <a:t>Secondary sweep of all comments for further verification.</a:t>
+            </a:r>
+          </a:p>
+        </p:txBody>
+      </p:sp>
+    </p:spTree>
+    <p:extLst>
+      <p:ext uri="{BB962C8B-B14F-4D97-AF65-F5344CB8AC3E}">
+        <p14:creationId xmlns:p14="http://schemas.microsoft.com/office/powerpoint/2010/main" val="2681129899"/>
+      </p:ext>
+    </p:extLst>
+  </p:cSld>
+  <p:clrMapOvr>
+    <a:masterClrMapping/>
+  </p:clrMapOvr>
+</p:sld>
+</file>
+
+<file path=ppt/slides/slide7.xml><?xml version="1.0" encoding="utf-8"?>
 <p:sld xmlns:a="http://schemas.openxmlformats.org/drawingml/2006/main" xmlns:r="http://schemas.openxmlformats.org/officeDocument/2006/relationships" xmlns:p="http://schemas.openxmlformats.org/presentationml/2006/main">
   <p:cSld>
     <p:spTree>
@@ -6751,9 +9854,16 @@
             <p:ph type="title"/>
           </p:nvPr>
         </p:nvSpPr>
-        <p:spPr/>
+        <p:spPr>
+          <a:xfrm>
+            <a:off x="838196" y="0"/>
+            <a:ext cx="10515600" cy="616387"/>
+          </a:xfrm>
+        </p:spPr>
         <p:txBody>
-          <a:bodyPr/>
+          <a:bodyPr>
+            <a:normAutofit fontScale="90000"/>
+          </a:bodyPr>
           <a:lstStyle/>
           <a:p>
             <a:pPr algn="ctr"/>
@@ -6780,14 +9890,14 @@
             <p:ph idx="1"/>
             <p:extLst>
               <p:ext uri="{D42A27DB-BD31-4B8C-83A1-F6EECF244321}">
-                <p14:modId xmlns:p14="http://schemas.microsoft.com/office/powerpoint/2010/main" val="2214011988"/>
+                <p14:modId xmlns:p14="http://schemas.microsoft.com/office/powerpoint/2010/main" val="1500126500"/>
               </p:ext>
             </p:extLst>
           </p:nvPr>
         </p:nvGraphicFramePr>
         <p:xfrm>
-          <a:off x="838200" y="1825625"/>
-          <a:ext cx="10515596" cy="3708400"/>
+          <a:off x="158691" y="616386"/>
+          <a:ext cx="11837565" cy="5431935"/>
         </p:xfrm>
         <a:graphic>
           <a:graphicData uri="http://schemas.openxmlformats.org/drawingml/2006/table">
@@ -6796,49 +9906,49 @@
                 <a:tableStyleId>{5C22544A-7EE6-4342-B048-85BDC9FD1C3A}</a:tableStyleId>
               </a:tblPr>
               <a:tblGrid>
-                <a:gridCol w="4539143">
+                <a:gridCol w="5109782">
                   <a:extLst>
                     <a:ext uri="{9D8B030D-6E8A-4147-A177-3AD203B41FA5}">
                       <a16:colId xmlns:a16="http://schemas.microsoft.com/office/drawing/2014/main" val="3167311383"/>
                     </a:ext>
                   </a:extLst>
                 </a:gridCol>
-                <a:gridCol w="1006679">
+                <a:gridCol w="1133234">
                   <a:extLst>
                     <a:ext uri="{9D8B030D-6E8A-4147-A177-3AD203B41FA5}">
                       <a16:colId xmlns:a16="http://schemas.microsoft.com/office/drawing/2014/main" val="190454912"/>
                     </a:ext>
                   </a:extLst>
                 </a:gridCol>
-                <a:gridCol w="956345">
+                <a:gridCol w="1076572">
                   <a:extLst>
                     <a:ext uri="{9D8B030D-6E8A-4147-A177-3AD203B41FA5}">
                       <a16:colId xmlns:a16="http://schemas.microsoft.com/office/drawing/2014/main" val="154394785"/>
                     </a:ext>
                   </a:extLst>
                 </a:gridCol>
-                <a:gridCol w="1115736">
+                <a:gridCol w="1256001">
                   <a:extLst>
                     <a:ext uri="{9D8B030D-6E8A-4147-A177-3AD203B41FA5}">
                       <a16:colId xmlns:a16="http://schemas.microsoft.com/office/drawing/2014/main" val="3358133384"/>
                     </a:ext>
                   </a:extLst>
                 </a:gridCol>
-                <a:gridCol w="1124125">
+                <a:gridCol w="1265444">
                   <a:extLst>
                     <a:ext uri="{9D8B030D-6E8A-4147-A177-3AD203B41FA5}">
                       <a16:colId xmlns:a16="http://schemas.microsoft.com/office/drawing/2014/main" val="1633490941"/>
                     </a:ext>
                   </a:extLst>
                 </a:gridCol>
-                <a:gridCol w="738231">
+                <a:gridCol w="831038">
                   <a:extLst>
                     <a:ext uri="{9D8B030D-6E8A-4147-A177-3AD203B41FA5}">
                       <a16:colId xmlns:a16="http://schemas.microsoft.com/office/drawing/2014/main" val="1210750934"/>
                     </a:ext>
                   </a:extLst>
                 </a:gridCol>
-                <a:gridCol w="1035337">
+                <a:gridCol w="1165494">
                   <a:extLst>
                     <a:ext uri="{9D8B030D-6E8A-4147-A177-3AD203B41FA5}">
                       <a16:colId xmlns:a16="http://schemas.microsoft.com/office/drawing/2014/main" val="3938956710"/>
@@ -6846,7 +9956,7 @@
                   </a:extLst>
                 </a:gridCol>
               </a:tblGrid>
-              <a:tr h="370840">
+              <a:tr h="541530">
                 <a:tc>
                   <a:txBody>
                     <a:bodyPr/>
@@ -6854,7 +9964,7 @@
                     <a:p>
                       <a:pPr algn="l" fontAlgn="b"/>
                       <a:r>
-                        <a:rPr lang="en-US" sz="1100" b="1" i="0" u="none" strike="noStrike" dirty="0">
+                        <a:rPr lang="en-US" sz="1800" b="1" i="0" u="none" strike="noStrike" dirty="0">
                           <a:solidFill>
                             <a:srgbClr val="000000"/>
                           </a:solidFill>
@@ -6874,7 +9984,7 @@
                     <a:p>
                       <a:pPr algn="l" fontAlgn="b"/>
                       <a:r>
-                        <a:rPr lang="en-US" sz="1100" b="1" i="0" u="none" strike="noStrike" dirty="0">
+                        <a:rPr lang="en-US" sz="1800" b="1" i="0" u="none" strike="noStrike" dirty="0">
                           <a:solidFill>
                             <a:srgbClr val="000000"/>
                           </a:solidFill>
@@ -6894,7 +10004,7 @@
                     <a:p>
                       <a:pPr algn="l" fontAlgn="b"/>
                       <a:r>
-                        <a:rPr lang="en-US" sz="1100" b="1" i="0" u="none" strike="noStrike" dirty="0">
+                        <a:rPr lang="en-US" sz="1800" b="1" i="0" u="none" strike="noStrike" dirty="0">
                           <a:solidFill>
                             <a:srgbClr val="000000"/>
                           </a:solidFill>
@@ -6914,7 +10024,7 @@
                     <a:p>
                       <a:pPr algn="l" fontAlgn="b"/>
                       <a:r>
-                        <a:rPr lang="en-US" sz="1100" b="1" i="0" u="none" strike="noStrike" dirty="0">
+                        <a:rPr lang="en-US" sz="1800" b="1" i="0" u="none" strike="noStrike" dirty="0">
                           <a:solidFill>
                             <a:srgbClr val="000000"/>
                           </a:solidFill>
@@ -6934,7 +10044,7 @@
                     <a:p>
                       <a:pPr algn="l" fontAlgn="b"/>
                       <a:r>
-                        <a:rPr lang="en-US" sz="1100" b="1" i="0" u="none" strike="noStrike" dirty="0">
+                        <a:rPr lang="en-US" sz="1800" b="1" i="0" u="none" strike="noStrike" dirty="0">
                           <a:solidFill>
                             <a:srgbClr val="000000"/>
                           </a:solidFill>
@@ -6954,7 +10064,7 @@
                     <a:p>
                       <a:pPr algn="l" fontAlgn="b"/>
                       <a:r>
-                        <a:rPr lang="en-US" sz="1100" b="1" i="0" u="none" strike="noStrike" dirty="0">
+                        <a:rPr lang="en-US" sz="1800" b="1" i="0" u="none" strike="noStrike" dirty="0">
                           <a:solidFill>
                             <a:srgbClr val="000000"/>
                           </a:solidFill>
@@ -6974,7 +10084,7 @@
                     <a:p>
                       <a:pPr algn="l" fontAlgn="b"/>
                       <a:r>
-                        <a:rPr lang="en-US" sz="1100" b="1" i="0" u="none" strike="noStrike" dirty="0">
+                        <a:rPr lang="en-US" sz="1800" b="1" i="0" u="none" strike="noStrike" dirty="0">
                           <a:solidFill>
                             <a:srgbClr val="000000"/>
                           </a:solidFill>
@@ -6993,7 +10103,7 @@
                   </a:ext>
                 </a:extLst>
               </a:tr>
-              <a:tr h="370840">
+              <a:tr h="541530">
                 <a:tc>
                   <a:txBody>
                     <a:bodyPr/>
@@ -7001,7 +10111,7 @@
                     <a:p>
                       <a:pPr algn="l" fontAlgn="b"/>
                       <a:r>
-                        <a:rPr lang="en-US" sz="1100" b="0" i="0" u="none" strike="noStrike" dirty="0">
+                        <a:rPr lang="en-US" sz="1400" b="0" i="0" u="none" strike="noStrike" dirty="0">
                           <a:solidFill>
                             <a:srgbClr val="000000"/>
                           </a:solidFill>
@@ -7011,7 +10121,7 @@
                         <a:t>//std::</a:t>
                       </a:r>
                       <a:r>
-                        <a:rPr lang="en-US" sz="1100" b="0" i="0" u="none" strike="noStrike" dirty="0" err="1">
+                        <a:rPr lang="en-US" sz="1400" b="0" i="0" u="none" strike="noStrike" dirty="0" err="1">
                           <a:solidFill>
                             <a:srgbClr val="000000"/>
                           </a:solidFill>
@@ -7021,7 +10131,7 @@
                         <a:t>cout</a:t>
                       </a:r>
                       <a:r>
-                        <a:rPr lang="en-US" sz="1100" b="0" i="0" u="none" strike="noStrike" dirty="0">
+                        <a:rPr lang="en-US" sz="1400" b="0" i="0" u="none" strike="noStrike" dirty="0">
                           <a:solidFill>
                             <a:srgbClr val="000000"/>
                           </a:solidFill>
@@ -7031,7 +10141,7 @@
                         <a:t>&lt;&lt;</a:t>
                       </a:r>
                       <a:r>
-                        <a:rPr lang="en-US" sz="1100" b="0" i="0" u="none" strike="noStrike" dirty="0" err="1">
+                        <a:rPr lang="en-US" sz="1400" b="0" i="0" u="none" strike="noStrike" dirty="0" err="1">
                           <a:solidFill>
                             <a:srgbClr val="000000"/>
                           </a:solidFill>
@@ -7041,7 +10151,7 @@
                         <a:t>matlab_format</a:t>
                       </a:r>
                       <a:r>
-                        <a:rPr lang="en-US" sz="1100" b="0" i="0" u="none" strike="noStrike" dirty="0">
+                        <a:rPr lang="en-US" sz="1400" b="0" i="0" u="none" strike="noStrike" dirty="0">
                           <a:solidFill>
                             <a:srgbClr val="000000"/>
                           </a:solidFill>
@@ -7051,7 +10161,7 @@
                         <a:t>(c_candidate,"</a:t>
                       </a:r>
                       <a:r>
-                        <a:rPr lang="en-US" sz="1100" b="0" i="0" u="none" strike="noStrike" dirty="0" err="1">
+                        <a:rPr lang="en-US" sz="1400" b="0" i="0" u="none" strike="noStrike" dirty="0" err="1">
                           <a:solidFill>
                             <a:srgbClr val="000000"/>
                           </a:solidFill>
@@ -7061,7 +10171,7 @@
                         <a:t>c_candidate</a:t>
                       </a:r>
                       <a:r>
-                        <a:rPr lang="en-US" sz="1100" b="0" i="0" u="none" strike="noStrike" dirty="0">
+                        <a:rPr lang="en-US" sz="1400" b="0" i="0" u="none" strike="noStrike" dirty="0">
                           <a:solidFill>
                             <a:srgbClr val="000000"/>
                           </a:solidFill>
@@ -7071,7 +10181,7 @@
                         <a:t>")&lt;&lt;std::</a:t>
                       </a:r>
                       <a:r>
-                        <a:rPr lang="en-US" sz="1100" b="0" i="0" u="none" strike="noStrike" dirty="0" err="1">
+                        <a:rPr lang="en-US" sz="1400" b="0" i="0" u="none" strike="noStrike" dirty="0" err="1">
                           <a:solidFill>
                             <a:srgbClr val="000000"/>
                           </a:solidFill>
@@ -7081,7 +10191,7 @@
                         <a:t>endl</a:t>
                       </a:r>
                       <a:r>
-                        <a:rPr lang="en-US" sz="1100" b="0" i="0" u="none" strike="noStrike" dirty="0">
+                        <a:rPr lang="en-US" sz="1400" b="0" i="0" u="none" strike="noStrike" dirty="0">
                           <a:solidFill>
                             <a:srgbClr val="000000"/>
                           </a:solidFill>
@@ -7101,7 +10211,7 @@
                     <a:p>
                       <a:pPr algn="l" fontAlgn="b"/>
                       <a:r>
-                        <a:rPr lang="en-US" sz="1100" b="0" i="0" u="none" strike="noStrike">
+                        <a:rPr lang="en-US" sz="1400" b="0" i="0" u="none" strike="noStrike">
                           <a:solidFill>
                             <a:srgbClr val="000000"/>
                           </a:solidFill>
@@ -7121,7 +10231,7 @@
                     <a:p>
                       <a:pPr algn="l" fontAlgn="b"/>
                       <a:r>
-                        <a:rPr lang="en-US" sz="1100" b="0" i="0" u="none" strike="noStrike">
+                        <a:rPr lang="en-US" sz="1400" b="0" i="0" u="none" strike="noStrike">
                           <a:solidFill>
                             <a:srgbClr val="000000"/>
                           </a:solidFill>
@@ -7141,7 +10251,7 @@
                     <a:p>
                       <a:pPr algn="l" fontAlgn="b"/>
                       <a:r>
-                        <a:rPr lang="en-US" sz="1100" b="0" i="0" u="none" strike="noStrike">
+                        <a:rPr lang="en-US" sz="1400" b="0" i="0" u="none" strike="noStrike">
                           <a:solidFill>
                             <a:srgbClr val="000000"/>
                           </a:solidFill>
@@ -7161,7 +10271,7 @@
                     <a:p>
                       <a:pPr algn="l" fontAlgn="b"/>
                       <a:r>
-                        <a:rPr lang="en-US" sz="1100" b="0" i="0" u="none" strike="noStrike">
+                        <a:rPr lang="en-US" sz="1400" b="0" i="0" u="none" strike="noStrike">
                           <a:solidFill>
                             <a:srgbClr val="000000"/>
                           </a:solidFill>
@@ -7181,7 +10291,7 @@
                     <a:p>
                       <a:pPr algn="l" fontAlgn="b"/>
                       <a:r>
-                        <a:rPr lang="en-US" sz="1100" b="0" i="0" u="none" strike="noStrike">
+                        <a:rPr lang="en-US" sz="1400" b="0" i="0" u="none" strike="noStrike">
                           <a:solidFill>
                             <a:srgbClr val="000000"/>
                           </a:solidFill>
@@ -7201,7 +10311,7 @@
                     <a:p>
                       <a:pPr algn="l" fontAlgn="b"/>
                       <a:r>
-                        <a:rPr lang="en-US" sz="1100" b="0" i="0" u="none" strike="noStrike">
+                        <a:rPr lang="en-US" sz="1400" b="0" i="0" u="none" strike="noStrike">
                           <a:solidFill>
                             <a:srgbClr val="000000"/>
                           </a:solidFill>
@@ -7220,7 +10330,7 @@
                   </a:ext>
                 </a:extLst>
               </a:tr>
-              <a:tr h="370840">
+              <a:tr h="541530">
                 <a:tc>
                   <a:txBody>
                     <a:bodyPr/>
@@ -7228,7 +10338,7 @@
                     <a:p>
                       <a:pPr algn="l" fontAlgn="b"/>
                       <a:r>
-                        <a:rPr lang="en-US" sz="1100" b="0" i="0" u="none" strike="noStrike">
+                        <a:rPr lang="en-US" sz="1400" b="0" i="0" u="none" strike="noStrike" dirty="0">
                           <a:solidFill>
                             <a:srgbClr val="000000"/>
                           </a:solidFill>
@@ -7248,7 +10358,7 @@
                     <a:p>
                       <a:pPr algn="l" fontAlgn="b"/>
                       <a:r>
-                        <a:rPr lang="en-US" sz="1100" b="0" i="0" u="none" strike="noStrike">
+                        <a:rPr lang="en-US" sz="1400" b="0" i="0" u="none" strike="noStrike">
                           <a:solidFill>
                             <a:srgbClr val="000000"/>
                           </a:solidFill>
@@ -7268,7 +10378,7 @@
                     <a:p>
                       <a:pPr algn="l" fontAlgn="b"/>
                       <a:r>
-                        <a:rPr lang="en-US" sz="1100" b="0" i="0" u="none" strike="noStrike">
+                        <a:rPr lang="en-US" sz="1400" b="0" i="0" u="none" strike="noStrike">
                           <a:solidFill>
                             <a:srgbClr val="000000"/>
                           </a:solidFill>
@@ -7288,7 +10398,7 @@
                     <a:p>
                       <a:pPr algn="l" fontAlgn="b"/>
                       <a:r>
-                        <a:rPr lang="en-US" sz="1100" b="0" i="0" u="none" strike="noStrike">
+                        <a:rPr lang="en-US" sz="1400" b="0" i="0" u="none" strike="noStrike">
                           <a:solidFill>
                             <a:srgbClr val="000000"/>
                           </a:solidFill>
@@ -7308,7 +10418,7 @@
                     <a:p>
                       <a:pPr algn="l" fontAlgn="b"/>
                       <a:r>
-                        <a:rPr lang="en-US" sz="1100" b="0" i="0" u="none" strike="noStrike">
+                        <a:rPr lang="en-US" sz="1400" b="0" i="0" u="none" strike="noStrike">
                           <a:solidFill>
                             <a:srgbClr val="000000"/>
                           </a:solidFill>
@@ -7328,7 +10438,7 @@
                     <a:p>
                       <a:pPr algn="l" fontAlgn="b"/>
                       <a:r>
-                        <a:rPr lang="en-US" sz="1100" b="0" i="0" u="none" strike="noStrike">
+                        <a:rPr lang="en-US" sz="1400" b="0" i="0" u="none" strike="noStrike">
                           <a:solidFill>
                             <a:srgbClr val="000000"/>
                           </a:solidFill>
@@ -7347,7 +10457,7 @@
                     <a:lstStyle/>
                     <a:p>
                       <a:pPr algn="l" fontAlgn="b"/>
-                      <a:endParaRPr lang="en-US" sz="1100" b="0" i="0" u="none" strike="noStrike">
+                      <a:endParaRPr lang="en-US" sz="1400" b="0" i="0" u="none" strike="noStrike">
                         <a:solidFill>
                           <a:srgbClr val="000000"/>
                         </a:solidFill>
@@ -7364,7 +10474,7 @@
                   </a:ext>
                 </a:extLst>
               </a:tr>
-              <a:tr h="370840">
+              <a:tr h="541530">
                 <a:tc>
                   <a:txBody>
                     <a:bodyPr/>
@@ -7372,7 +10482,7 @@
                     <a:p>
                       <a:pPr algn="l" fontAlgn="b"/>
                       <a:r>
-                        <a:rPr lang="en-US" sz="1100" b="0" i="0" u="none" strike="noStrike" dirty="0">
+                        <a:rPr lang="en-US" sz="1400" b="0" i="0" u="none" strike="noStrike" dirty="0">
                           <a:solidFill>
                             <a:srgbClr val="000000"/>
                           </a:solidFill>
@@ -7382,7 +10492,7 @@
                         <a:t>// const Scalar </a:t>
                       </a:r>
                       <a:r>
-                        <a:rPr lang="en-US" sz="1100" b="0" i="0" u="none" strike="noStrike" dirty="0" err="1">
+                        <a:rPr lang="en-US" sz="1400" b="0" i="0" u="none" strike="noStrike" dirty="0" err="1">
                           <a:solidFill>
                             <a:srgbClr val="000000"/>
                           </a:solidFill>
@@ -7392,7 +10502,7 @@
                         <a:t>pc_norm</a:t>
                       </a:r>
                       <a:r>
-                        <a:rPr lang="en-US" sz="1100" b="0" i="0" u="none" strike="noStrike" dirty="0">
+                        <a:rPr lang="en-US" sz="1400" b="0" i="0" u="none" strike="noStrike" dirty="0">
                           <a:solidFill>
                             <a:srgbClr val="000000"/>
                           </a:solidFill>
@@ -7402,7 +10512,7 @@
                         <a:t> = (p-</a:t>
                       </a:r>
                       <a:r>
-                        <a:rPr lang="en-US" sz="1100" b="0" i="0" u="none" strike="noStrike" dirty="0" err="1">
+                        <a:rPr lang="en-US" sz="1400" b="0" i="0" u="none" strike="noStrike" dirty="0" err="1">
                           <a:solidFill>
                             <a:srgbClr val="000000"/>
                           </a:solidFill>
@@ -7412,7 +10522,7 @@
                         <a:t>c_candidate</a:t>
                       </a:r>
                       <a:r>
-                        <a:rPr lang="en-US" sz="1100" b="0" i="0" u="none" strike="noStrike" dirty="0">
+                        <a:rPr lang="en-US" sz="1400" b="0" i="0" u="none" strike="noStrike" dirty="0">
                           <a:solidFill>
                             <a:srgbClr val="000000"/>
                           </a:solidFill>
@@ -7422,7 +10532,7 @@
                         <a:t>).</a:t>
                       </a:r>
                       <a:r>
-                        <a:rPr lang="en-US" sz="1100" b="0" i="0" u="none" strike="noStrike" dirty="0" err="1">
+                        <a:rPr lang="en-US" sz="1400" b="0" i="0" u="none" strike="noStrike" dirty="0" err="1">
                           <a:solidFill>
                             <a:srgbClr val="000000"/>
                           </a:solidFill>
@@ -7432,7 +10542,7 @@
                         <a:t>squaredNorm</a:t>
                       </a:r>
                       <a:r>
-                        <a:rPr lang="en-US" sz="1100" b="0" i="0" u="none" strike="noStrike" dirty="0">
+                        <a:rPr lang="en-US" sz="1400" b="0" i="0" u="none" strike="noStrike" dirty="0">
                           <a:solidFill>
                             <a:srgbClr val="000000"/>
                           </a:solidFill>
@@ -7452,7 +10562,7 @@
                     <a:p>
                       <a:pPr algn="l" fontAlgn="b"/>
                       <a:r>
-                        <a:rPr lang="en-US" sz="1100" b="0" i="0" u="none" strike="noStrike">
+                        <a:rPr lang="en-US" sz="1400" b="0" i="0" u="none" strike="noStrike">
                           <a:solidFill>
                             <a:srgbClr val="000000"/>
                           </a:solidFill>
@@ -7472,7 +10582,7 @@
                     <a:p>
                       <a:pPr algn="l" fontAlgn="b"/>
                       <a:r>
-                        <a:rPr lang="en-US" sz="1100" b="0" i="0" u="none" strike="noStrike" dirty="0">
+                        <a:rPr lang="en-US" sz="1400" b="0" i="0" u="none" strike="noStrike" dirty="0">
                           <a:solidFill>
                             <a:srgbClr val="000000"/>
                           </a:solidFill>
@@ -7492,7 +10602,7 @@
                     <a:p>
                       <a:pPr algn="l" fontAlgn="b"/>
                       <a:r>
-                        <a:rPr lang="en-US" sz="1100" b="0" i="0" u="none" strike="noStrike">
+                        <a:rPr lang="en-US" sz="1400" b="0" i="0" u="none" strike="noStrike">
                           <a:solidFill>
                             <a:srgbClr val="000000"/>
                           </a:solidFill>
@@ -7512,7 +10622,7 @@
                     <a:p>
                       <a:pPr algn="l" fontAlgn="b"/>
                       <a:r>
-                        <a:rPr lang="en-US" sz="1100" b="0" i="0" u="none" strike="noStrike">
+                        <a:rPr lang="en-US" sz="1400" b="0" i="0" u="none" strike="noStrike">
                           <a:solidFill>
                             <a:srgbClr val="000000"/>
                           </a:solidFill>
@@ -7532,7 +10642,7 @@
                     <a:p>
                       <a:pPr algn="l" fontAlgn="b"/>
                       <a:r>
-                        <a:rPr lang="en-US" sz="1100" b="0" i="0" u="none" strike="noStrike" dirty="0">
+                        <a:rPr lang="en-US" sz="1400" b="0" i="0" u="none" strike="noStrike" dirty="0">
                           <a:solidFill>
                             <a:srgbClr val="000000"/>
                           </a:solidFill>
@@ -7552,7 +10662,7 @@
                     <a:p>
                       <a:pPr algn="l" fontAlgn="b"/>
                       <a:r>
-                        <a:rPr lang="en-US" sz="1100" b="0" i="0" u="none" strike="noStrike">
+                        <a:rPr lang="en-US" sz="1400" b="0" i="0" u="none" strike="noStrike">
                           <a:solidFill>
                             <a:srgbClr val="000000"/>
                           </a:solidFill>
@@ -7571,7 +10681,7 @@
                   </a:ext>
                 </a:extLst>
               </a:tr>
-              <a:tr h="370840">
+              <a:tr h="541530">
                 <a:tc>
                   <a:txBody>
                     <a:bodyPr/>
@@ -7579,7 +10689,7 @@
                     <a:p>
                       <a:pPr algn="l" fontAlgn="b"/>
                       <a:r>
-                        <a:rPr lang="en-US" sz="1100" b="0" i="0" u="none" strike="noStrike">
+                        <a:rPr lang="en-US" sz="1400" b="0" i="0" u="none" strike="noStrike">
                           <a:solidFill>
                             <a:srgbClr val="000000"/>
                           </a:solidFill>
@@ -7599,7 +10709,7 @@
                     <a:p>
                       <a:pPr algn="l" fontAlgn="b"/>
                       <a:r>
-                        <a:rPr lang="en-US" sz="1100" b="0" i="0" u="none" strike="noStrike">
+                        <a:rPr lang="en-US" sz="1400" b="0" i="0" u="none" strike="noStrike">
                           <a:solidFill>
                             <a:srgbClr val="000000"/>
                           </a:solidFill>
@@ -7619,7 +10729,7 @@
                     <a:p>
                       <a:pPr algn="l" fontAlgn="b"/>
                       <a:r>
-                        <a:rPr lang="en-US" sz="1100" b="0" i="0" u="none" strike="noStrike">
+                        <a:rPr lang="en-US" sz="1400" b="0" i="0" u="none" strike="noStrike">
                           <a:solidFill>
                             <a:srgbClr val="000000"/>
                           </a:solidFill>
@@ -7639,7 +10749,7 @@
                     <a:p>
                       <a:pPr algn="l" fontAlgn="b"/>
                       <a:r>
-                        <a:rPr lang="en-US" sz="1100" b="0" i="0" u="none" strike="noStrike">
+                        <a:rPr lang="en-US" sz="1400" b="0" i="0" u="none" strike="noStrike">
                           <a:solidFill>
                             <a:srgbClr val="000000"/>
                           </a:solidFill>
@@ -7659,7 +10769,7 @@
                     <a:p>
                       <a:pPr algn="l" fontAlgn="b"/>
                       <a:r>
-                        <a:rPr lang="en-US" sz="1100" b="0" i="0" u="none" strike="noStrike">
+                        <a:rPr lang="en-US" sz="1400" b="0" i="0" u="none" strike="noStrike">
                           <a:solidFill>
                             <a:srgbClr val="000000"/>
                           </a:solidFill>
@@ -7679,7 +10789,7 @@
                     <a:p>
                       <a:pPr algn="l" fontAlgn="b"/>
                       <a:r>
-                        <a:rPr lang="en-US" sz="1100" b="0" i="0" u="none" strike="noStrike">
+                        <a:rPr lang="en-US" sz="1400" b="0" i="0" u="none" strike="noStrike">
                           <a:solidFill>
                             <a:srgbClr val="000000"/>
                           </a:solidFill>
@@ -7699,7 +10809,7 @@
                     <a:p>
                       <a:pPr algn="l" fontAlgn="b"/>
                       <a:r>
-                        <a:rPr lang="en-US" sz="1100" b="0" i="0" u="none" strike="noStrike">
+                        <a:rPr lang="en-US" sz="1400" b="0" i="0" u="none" strike="noStrike">
                           <a:solidFill>
                             <a:srgbClr val="000000"/>
                           </a:solidFill>
@@ -7718,7 +10828,7 @@
                   </a:ext>
                 </a:extLst>
               </a:tr>
-              <a:tr h="370840">
+              <a:tr h="541530">
                 <a:tc>
                   <a:txBody>
                     <a:bodyPr/>
@@ -7726,7 +10836,7 @@
                     <a:p>
                       <a:pPr algn="l" fontAlgn="b"/>
                       <a:r>
-                        <a:rPr lang="en-US" sz="1100" b="0" i="0" u="none" strike="noStrike">
+                        <a:rPr lang="en-US" sz="1400" b="0" i="0" u="none" strike="noStrike">
                           <a:solidFill>
                             <a:srgbClr val="000000"/>
                           </a:solidFill>
@@ -7746,7 +10856,7 @@
                     <a:p>
                       <a:pPr algn="l" fontAlgn="b"/>
                       <a:r>
-                        <a:rPr lang="en-US" sz="1100" b="0" i="0" u="none" strike="noStrike">
+                        <a:rPr lang="en-US" sz="1400" b="0" i="0" u="none" strike="noStrike">
                           <a:solidFill>
                             <a:srgbClr val="000000"/>
                           </a:solidFill>
@@ -7766,7 +10876,7 @@
                     <a:p>
                       <a:pPr algn="l" fontAlgn="b"/>
                       <a:r>
-                        <a:rPr lang="en-US" sz="1100" b="0" i="0" u="none" strike="noStrike" dirty="0">
+                        <a:rPr lang="en-US" sz="1400" b="0" i="0" u="none" strike="noStrike" dirty="0">
                           <a:solidFill>
                             <a:srgbClr val="000000"/>
                           </a:solidFill>
@@ -7786,7 +10896,7 @@
                     <a:p>
                       <a:pPr algn="l" fontAlgn="b"/>
                       <a:r>
-                        <a:rPr lang="en-US" sz="1100" b="0" i="0" u="none" strike="noStrike">
+                        <a:rPr lang="en-US" sz="1400" b="0" i="0" u="none" strike="noStrike">
                           <a:solidFill>
                             <a:srgbClr val="000000"/>
                           </a:solidFill>
@@ -7806,7 +10916,7 @@
                     <a:p>
                       <a:pPr algn="l" fontAlgn="b"/>
                       <a:r>
-                        <a:rPr lang="en-US" sz="1100" b="0" i="0" u="none" strike="noStrike">
+                        <a:rPr lang="en-US" sz="1400" b="0" i="0" u="none" strike="noStrike">
                           <a:solidFill>
                             <a:srgbClr val="000000"/>
                           </a:solidFill>
@@ -7826,7 +10936,7 @@
                     <a:p>
                       <a:pPr algn="l" fontAlgn="b"/>
                       <a:r>
-                        <a:rPr lang="en-US" sz="1100" b="0" i="0" u="none" strike="noStrike">
+                        <a:rPr lang="en-US" sz="1400" b="0" i="0" u="none" strike="noStrike">
                           <a:solidFill>
                             <a:srgbClr val="000000"/>
                           </a:solidFill>
@@ -7845,7 +10955,7 @@
                     <a:lstStyle/>
                     <a:p>
                       <a:pPr algn="l" fontAlgn="b"/>
-                      <a:endParaRPr lang="en-US" sz="1100" b="0" i="0" u="none" strike="noStrike" dirty="0">
+                      <a:endParaRPr lang="en-US" sz="1400" b="0" i="0" u="none" strike="noStrike" dirty="0">
                         <a:solidFill>
                           <a:srgbClr val="000000"/>
                         </a:solidFill>
@@ -7862,7 +10972,7 @@
                   </a:ext>
                 </a:extLst>
               </a:tr>
-              <a:tr h="370840">
+              <a:tr h="541530">
                 <a:tc>
                   <a:txBody>
                     <a:bodyPr/>
@@ -7870,7 +10980,7 @@
                     <a:p>
                       <a:pPr algn="l" fontAlgn="b"/>
                       <a:r>
-                        <a:rPr lang="en-US" sz="1100" b="0" i="0" u="none" strike="noStrike">
+                        <a:rPr lang="en-US" sz="1400" b="0" i="0" u="none" strike="noStrike">
                           <a:solidFill>
                             <a:srgbClr val="000000"/>
                           </a:solidFill>
@@ -7890,7 +11000,7 @@
                     <a:p>
                       <a:pPr algn="l" fontAlgn="b"/>
                       <a:r>
-                        <a:rPr lang="en-US" sz="1100" b="0" i="0" u="none" strike="noStrike">
+                        <a:rPr lang="en-US" sz="1400" b="0" i="0" u="none" strike="noStrike">
                           <a:solidFill>
                             <a:srgbClr val="000000"/>
                           </a:solidFill>
@@ -7910,7 +11020,7 @@
                     <a:p>
                       <a:pPr algn="l" fontAlgn="b"/>
                       <a:r>
-                        <a:rPr lang="en-US" sz="1100" b="0" i="0" u="none" strike="noStrike">
+                        <a:rPr lang="en-US" sz="1400" b="0" i="0" u="none" strike="noStrike">
                           <a:solidFill>
                             <a:srgbClr val="000000"/>
                           </a:solidFill>
@@ -7930,7 +11040,7 @@
                     <a:p>
                       <a:pPr algn="l" fontAlgn="b"/>
                       <a:r>
-                        <a:rPr lang="en-US" sz="1100" b="0" i="0" u="none" strike="noStrike">
+                        <a:rPr lang="en-US" sz="1400" b="0" i="0" u="none" strike="noStrike">
                           <a:solidFill>
                             <a:srgbClr val="000000"/>
                           </a:solidFill>
@@ -7950,7 +11060,7 @@
                     <a:p>
                       <a:pPr algn="l" fontAlgn="b"/>
                       <a:r>
-                        <a:rPr lang="en-US" sz="1100" b="0" i="0" u="none" strike="noStrike">
+                        <a:rPr lang="en-US" sz="1400" b="0" i="0" u="none" strike="noStrike">
                           <a:solidFill>
                             <a:srgbClr val="000000"/>
                           </a:solidFill>
@@ -7970,7 +11080,7 @@
                     <a:p>
                       <a:pPr algn="l" fontAlgn="b"/>
                       <a:r>
-                        <a:rPr lang="en-US" sz="1100" b="0" i="0" u="none" strike="noStrike">
+                        <a:rPr lang="en-US" sz="1400" b="0" i="0" u="none" strike="noStrike">
                           <a:solidFill>
                             <a:srgbClr val="000000"/>
                           </a:solidFill>
@@ -7989,7 +11099,7 @@
                     <a:lstStyle/>
                     <a:p>
                       <a:pPr algn="l" fontAlgn="b"/>
-                      <a:endParaRPr lang="en-US" sz="1100" b="0" i="0" u="none" strike="noStrike">
+                      <a:endParaRPr lang="en-US" sz="1400" b="0" i="0" u="none" strike="noStrike">
                         <a:solidFill>
                           <a:srgbClr val="000000"/>
                         </a:solidFill>
@@ -8006,7 +11116,7 @@
                   </a:ext>
                 </a:extLst>
               </a:tr>
-              <a:tr h="370840">
+              <a:tr h="541530">
                 <a:tc>
                   <a:txBody>
                     <a:bodyPr/>
@@ -8014,7 +11124,7 @@
                     <a:p>
                       <a:pPr algn="l" fontAlgn="b"/>
                       <a:r>
-                        <a:rPr lang="en-US" sz="1100" b="0" i="0" u="none" strike="noStrike">
+                        <a:rPr lang="en-US" sz="1400" b="0" i="0" u="none" strike="noStrike">
                           <a:solidFill>
                             <a:srgbClr val="000000"/>
                           </a:solidFill>
@@ -8034,7 +11144,7 @@
                     <a:p>
                       <a:pPr algn="l" fontAlgn="b"/>
                       <a:r>
-                        <a:rPr lang="en-US" sz="1100" b="0" i="0" u="none" strike="noStrike">
+                        <a:rPr lang="en-US" sz="1400" b="0" i="0" u="none" strike="noStrike">
                           <a:solidFill>
                             <a:srgbClr val="000000"/>
                           </a:solidFill>
@@ -8054,7 +11164,7 @@
                     <a:p>
                       <a:pPr algn="l" fontAlgn="b"/>
                       <a:r>
-                        <a:rPr lang="en-US" sz="1100" b="0" i="0" u="none" strike="noStrike">
+                        <a:rPr lang="en-US" sz="1400" b="0" i="0" u="none" strike="noStrike">
                           <a:solidFill>
                             <a:srgbClr val="000000"/>
                           </a:solidFill>
@@ -8074,7 +11184,7 @@
                     <a:p>
                       <a:pPr algn="l" fontAlgn="b"/>
                       <a:r>
-                        <a:rPr lang="en-US" sz="1100" b="0" i="0" u="none" strike="noStrike">
+                        <a:rPr lang="en-US" sz="1400" b="0" i="0" u="none" strike="noStrike">
                           <a:solidFill>
                             <a:srgbClr val="000000"/>
                           </a:solidFill>
@@ -8094,7 +11204,7 @@
                     <a:p>
                       <a:pPr algn="l" fontAlgn="b"/>
                       <a:r>
-                        <a:rPr lang="en-US" sz="1100" b="0" i="0" u="none" strike="noStrike">
+                        <a:rPr lang="en-US" sz="1400" b="0" i="0" u="none" strike="noStrike">
                           <a:solidFill>
                             <a:srgbClr val="000000"/>
                           </a:solidFill>
@@ -8114,7 +11224,7 @@
                     <a:p>
                       <a:pPr algn="l" fontAlgn="b"/>
                       <a:r>
-                        <a:rPr lang="en-US" sz="1100" b="0" i="0" u="none" strike="noStrike">
+                        <a:rPr lang="en-US" sz="1400" b="0" i="0" u="none" strike="noStrike">
                           <a:solidFill>
                             <a:srgbClr val="000000"/>
                           </a:solidFill>
@@ -8133,7 +11243,7 @@
                     <a:lstStyle/>
                     <a:p>
                       <a:pPr algn="l" fontAlgn="b"/>
-                      <a:endParaRPr lang="en-US" sz="1100" b="0" i="0" u="none" strike="noStrike">
+                      <a:endParaRPr lang="en-US" sz="1400" b="0" i="0" u="none" strike="noStrike">
                         <a:solidFill>
                           <a:srgbClr val="000000"/>
                         </a:solidFill>
@@ -8150,7 +11260,7 @@
                   </a:ext>
                 </a:extLst>
               </a:tr>
-              <a:tr h="370840">
+              <a:tr h="541530">
                 <a:tc>
                   <a:txBody>
                     <a:bodyPr/>
@@ -8158,14 +11268,34 @@
                     <a:p>
                       <a:pPr algn="l" fontAlgn="b"/>
                       <a:r>
-                        <a:rPr lang="en-US" sz="1100" b="0" i="0" u="none" strike="noStrike">
+                        <a:rPr lang="en-US" sz="1400" b="0" i="0" u="none" strike="noStrike" dirty="0">
                           <a:solidFill>
                             <a:srgbClr val="000000"/>
                           </a:solidFill>
                           <a:effectLst/>
                           <a:latin typeface="Calibri" panose="020F0502020204030204" pitchFamily="34" charset="0"/>
                         </a:rPr>
-                        <a:t>// Since we only gave ray_mesh_intersect a single face, it will have set</a:t>
+                        <a:t>// Since we only gave </a:t>
+                      </a:r>
+                      <a:r>
+                        <a:rPr lang="en-US" sz="1400" b="0" i="0" u="none" strike="noStrike" dirty="0" err="1">
+                          <a:solidFill>
+                            <a:srgbClr val="000000"/>
+                          </a:solidFill>
+                          <a:effectLst/>
+                          <a:latin typeface="Calibri" panose="020F0502020204030204" pitchFamily="34" charset="0"/>
+                        </a:rPr>
+                        <a:t>ray_mesh_intersect</a:t>
+                      </a:r>
+                      <a:r>
+                        <a:rPr lang="en-US" sz="1400" b="0" i="0" u="none" strike="noStrike" dirty="0">
+                          <a:solidFill>
+                            <a:srgbClr val="000000"/>
+                          </a:solidFill>
+                          <a:effectLst/>
+                          <a:latin typeface="Calibri" panose="020F0502020204030204" pitchFamily="34" charset="0"/>
+                        </a:rPr>
+                        <a:t> a single face, it will have set</a:t>
                       </a:r>
                     </a:p>
                   </a:txBody>
@@ -8178,7 +11308,7 @@
                     <a:p>
                       <a:pPr algn="l" fontAlgn="b"/>
                       <a:r>
-                        <a:rPr lang="en-US" sz="1100" b="0" i="0" u="none" strike="noStrike">
+                        <a:rPr lang="en-US" sz="1400" b="0" i="0" u="none" strike="noStrike">
                           <a:solidFill>
                             <a:srgbClr val="000000"/>
                           </a:solidFill>
@@ -8198,7 +11328,7 @@
                     <a:p>
                       <a:pPr algn="l" fontAlgn="b"/>
                       <a:r>
-                        <a:rPr lang="en-US" sz="1100" b="0" i="0" u="none" strike="noStrike">
+                        <a:rPr lang="en-US" sz="1400" b="0" i="0" u="none" strike="noStrike">
                           <a:solidFill>
                             <a:srgbClr val="000000"/>
                           </a:solidFill>
@@ -8218,7 +11348,7 @@
                     <a:p>
                       <a:pPr algn="l" fontAlgn="b"/>
                       <a:r>
-                        <a:rPr lang="en-US" sz="1100" b="0" i="0" u="none" strike="noStrike">
+                        <a:rPr lang="en-US" sz="1400" b="0" i="0" u="none" strike="noStrike">
                           <a:solidFill>
                             <a:srgbClr val="000000"/>
                           </a:solidFill>
@@ -8238,7 +11368,7 @@
                     <a:p>
                       <a:pPr algn="l" fontAlgn="b"/>
                       <a:r>
-                        <a:rPr lang="en-US" sz="1100" b="0" i="0" u="none" strike="noStrike">
+                        <a:rPr lang="en-US" sz="1400" b="0" i="0" u="none" strike="noStrike">
                           <a:solidFill>
                             <a:srgbClr val="000000"/>
                           </a:solidFill>
@@ -8258,7 +11388,7 @@
                     <a:p>
                       <a:pPr algn="l" fontAlgn="b"/>
                       <a:r>
-                        <a:rPr lang="en-US" sz="1100" b="0" i="0" u="none" strike="noStrike">
+                        <a:rPr lang="en-US" sz="1400" b="0" i="0" u="none" strike="noStrike">
                           <a:solidFill>
                             <a:srgbClr val="000000"/>
                           </a:solidFill>
@@ -8277,7 +11407,7 @@
                     <a:lstStyle/>
                     <a:p>
                       <a:pPr algn="l" fontAlgn="b"/>
-                      <a:endParaRPr lang="en-US" sz="1100" b="0" i="0" u="none" strike="noStrike">
+                      <a:endParaRPr lang="en-US" sz="1400" b="0" i="0" u="none" strike="noStrike">
                         <a:solidFill>
                           <a:srgbClr val="000000"/>
                         </a:solidFill>
@@ -8294,7 +11424,7 @@
                   </a:ext>
                 </a:extLst>
               </a:tr>
-              <a:tr h="370840">
+              <a:tr h="541530">
                 <a:tc>
                   <a:txBody>
                     <a:bodyPr/>
@@ -8302,7 +11432,7 @@
                     <a:p>
                       <a:pPr algn="l" fontAlgn="b"/>
                       <a:r>
-                        <a:rPr lang="en-US" sz="1100" b="0" i="0" u="none" strike="noStrike">
+                        <a:rPr lang="en-US" sz="1400" b="0" i="0" u="none" strike="noStrike" dirty="0">
                           <a:solidFill>
                             <a:srgbClr val="000000"/>
                           </a:solidFill>
@@ -8322,7 +11452,7 @@
                     <a:p>
                       <a:pPr algn="l" fontAlgn="b"/>
                       <a:r>
-                        <a:rPr lang="en-US" sz="1100" b="0" i="0" u="none" strike="noStrike">
+                        <a:rPr lang="en-US" sz="1400" b="0" i="0" u="none" strike="noStrike">
                           <a:solidFill>
                             <a:srgbClr val="000000"/>
                           </a:solidFill>
@@ -8342,7 +11472,7 @@
                     <a:p>
                       <a:pPr algn="l" fontAlgn="b"/>
                       <a:r>
-                        <a:rPr lang="en-US" sz="1100" b="0" i="0" u="none" strike="noStrike">
+                        <a:rPr lang="en-US" sz="1400" b="0" i="0" u="none" strike="noStrike">
                           <a:solidFill>
                             <a:srgbClr val="000000"/>
                           </a:solidFill>
@@ -8362,7 +11492,7 @@
                     <a:p>
                       <a:pPr algn="l" fontAlgn="b"/>
                       <a:r>
-                        <a:rPr lang="en-US" sz="1100" b="0" i="0" u="none" strike="noStrike">
+                        <a:rPr lang="en-US" sz="1400" b="0" i="0" u="none" strike="noStrike">
                           <a:solidFill>
                             <a:srgbClr val="000000"/>
                           </a:solidFill>
@@ -8382,7 +11512,7 @@
                     <a:p>
                       <a:pPr algn="l" fontAlgn="b"/>
                       <a:r>
-                        <a:rPr lang="en-US" sz="1100" b="0" i="0" u="none" strike="noStrike">
+                        <a:rPr lang="en-US" sz="1400" b="0" i="0" u="none" strike="noStrike">
                           <a:solidFill>
                             <a:srgbClr val="000000"/>
                           </a:solidFill>
@@ -8402,7 +11532,7 @@
                     <a:p>
                       <a:pPr algn="l" fontAlgn="b"/>
                       <a:r>
-                        <a:rPr lang="en-US" sz="1100" b="0" i="0" u="none" strike="noStrike">
+                        <a:rPr lang="en-US" sz="1400" b="0" i="0" u="none" strike="noStrike">
                           <a:solidFill>
                             <a:srgbClr val="000000"/>
                           </a:solidFill>
@@ -8421,7 +11551,7 @@
                     <a:lstStyle/>
                     <a:p>
                       <a:pPr algn="l" fontAlgn="b"/>
-                      <a:endParaRPr lang="en-US" sz="1100" b="0" i="0" u="none" strike="noStrike" dirty="0">
+                      <a:endParaRPr lang="en-US" sz="1400" b="0" i="0" u="none" strike="noStrike" dirty="0">
                         <a:solidFill>
                           <a:srgbClr val="000000"/>
                         </a:solidFill>
@@ -8446,297 +11576,6 @@
     <p:extLst>
       <p:ext uri="{BB962C8B-B14F-4D97-AF65-F5344CB8AC3E}">
         <p14:creationId xmlns:p14="http://schemas.microsoft.com/office/powerpoint/2010/main" val="1162188145"/>
-      </p:ext>
-    </p:extLst>
-  </p:cSld>
-  <p:clrMapOvr>
-    <a:masterClrMapping/>
-  </p:clrMapOvr>
-</p:sld>
-</file>
-
-<file path=ppt/slides/slide5.xml><?xml version="1.0" encoding="utf-8"?>
-<p:sld xmlns:a="http://schemas.openxmlformats.org/drawingml/2006/main" xmlns:r="http://schemas.openxmlformats.org/officeDocument/2006/relationships" xmlns:p="http://schemas.openxmlformats.org/presentationml/2006/main">
-  <p:cSld>
-    <p:spTree>
-      <p:nvGrpSpPr>
-        <p:cNvPr id="1" name=""/>
-        <p:cNvGrpSpPr/>
-        <p:nvPr/>
-      </p:nvGrpSpPr>
-      <p:grpSpPr>
-        <a:xfrm>
-          <a:off x="0" y="0"/>
-          <a:ext cx="0" cy="0"/>
-          <a:chOff x="0" y="0"/>
-          <a:chExt cx="0" cy="0"/>
-        </a:xfrm>
-      </p:grpSpPr>
-      <p:sp>
-        <p:nvSpPr>
-          <p:cNvPr id="2" name="Title 1">
-            <a:extLst>
-              <a:ext uri="{FF2B5EF4-FFF2-40B4-BE49-F238E27FC236}">
-                <a16:creationId xmlns:a16="http://schemas.microsoft.com/office/drawing/2014/main" id="{B977C087-054E-436B-890C-F55F1F3AEE0B}"/>
-              </a:ext>
-            </a:extLst>
-          </p:cNvPr>
-          <p:cNvSpPr>
-            <a:spLocks noGrp="1"/>
-          </p:cNvSpPr>
-          <p:nvPr>
-            <p:ph type="title"/>
-          </p:nvPr>
-        </p:nvSpPr>
-        <p:spPr>
-          <a:xfrm>
-            <a:off x="1052804" y="33734"/>
-            <a:ext cx="10515600" cy="662781"/>
-          </a:xfrm>
-        </p:spPr>
-        <p:txBody>
-          <a:bodyPr>
-            <a:normAutofit fontScale="90000"/>
-          </a:bodyPr>
-          <a:lstStyle/>
-          <a:p>
-            <a:pPr algn="ctr"/>
-            <a:r>
-              <a:rPr lang="en-US" dirty="0"/>
-              <a:t>Decision Tree</a:t>
-            </a:r>
-          </a:p>
-        </p:txBody>
-      </p:sp>
-      <p:pic>
-        <p:nvPicPr>
-          <p:cNvPr id="4" name="Content Placeholder 3">
-            <a:extLst>
-              <a:ext uri="{FF2B5EF4-FFF2-40B4-BE49-F238E27FC236}">
-                <a16:creationId xmlns:a16="http://schemas.microsoft.com/office/drawing/2014/main" id="{33382773-A887-4A66-94D3-39AE87D22C26}"/>
-              </a:ext>
-            </a:extLst>
-          </p:cNvPr>
-          <p:cNvPicPr>
-            <a:picLocks noGrp="1"/>
-          </p:cNvPicPr>
-          <p:nvPr>
-            <p:ph idx="1"/>
-          </p:nvPr>
-        </p:nvPicPr>
-        <p:blipFill>
-          <a:blip r:embed="rId2"/>
-          <a:stretch>
-            <a:fillRect/>
-          </a:stretch>
-        </p:blipFill>
-        <p:spPr>
-          <a:xfrm>
-            <a:off x="1915108" y="696515"/>
-            <a:ext cx="8361784" cy="5974873"/>
-          </a:xfrm>
-          <a:prstGeom prst="rect">
-            <a:avLst/>
-          </a:prstGeom>
-        </p:spPr>
-      </p:pic>
-    </p:spTree>
-    <p:extLst>
-      <p:ext uri="{BB962C8B-B14F-4D97-AF65-F5344CB8AC3E}">
-        <p14:creationId xmlns:p14="http://schemas.microsoft.com/office/powerpoint/2010/main" val="2904875981"/>
-      </p:ext>
-    </p:extLst>
-  </p:cSld>
-  <p:clrMapOvr>
-    <a:masterClrMapping/>
-  </p:clrMapOvr>
-</p:sld>
-</file>
-
-<file path=ppt/slides/slide6.xml><?xml version="1.0" encoding="utf-8"?>
-<p:sld xmlns:a="http://schemas.openxmlformats.org/drawingml/2006/main" xmlns:r="http://schemas.openxmlformats.org/officeDocument/2006/relationships" xmlns:p="http://schemas.openxmlformats.org/presentationml/2006/main">
-  <p:cSld>
-    <p:spTree>
-      <p:nvGrpSpPr>
-        <p:cNvPr id="1" name=""/>
-        <p:cNvGrpSpPr/>
-        <p:nvPr/>
-      </p:nvGrpSpPr>
-      <p:grpSpPr>
-        <a:xfrm>
-          <a:off x="0" y="0"/>
-          <a:ext cx="0" cy="0"/>
-          <a:chOff x="0" y="0"/>
-          <a:chExt cx="0" cy="0"/>
-        </a:xfrm>
-      </p:grpSpPr>
-      <p:sp>
-        <p:nvSpPr>
-          <p:cNvPr id="2" name="Title 1">
-            <a:extLst>
-              <a:ext uri="{FF2B5EF4-FFF2-40B4-BE49-F238E27FC236}">
-                <a16:creationId xmlns:a16="http://schemas.microsoft.com/office/drawing/2014/main" id="{F4A89AA5-E4B1-4340-BC1B-4244EFAAA439}"/>
-              </a:ext>
-            </a:extLst>
-          </p:cNvPr>
-          <p:cNvSpPr>
-            <a:spLocks noGrp="1"/>
-          </p:cNvSpPr>
-          <p:nvPr>
-            <p:ph type="title"/>
-          </p:nvPr>
-        </p:nvSpPr>
-        <p:spPr/>
-        <p:txBody>
-          <a:bodyPr/>
-          <a:lstStyle/>
-          <a:p>
-            <a:pPr algn="ctr"/>
-            <a:r>
-              <a:rPr lang="en-US" dirty="0"/>
-              <a:t>srcML</a:t>
-            </a:r>
-          </a:p>
-        </p:txBody>
-      </p:sp>
-      <p:sp>
-        <p:nvSpPr>
-          <p:cNvPr id="3" name="Content Placeholder 2">
-            <a:extLst>
-              <a:ext uri="{FF2B5EF4-FFF2-40B4-BE49-F238E27FC236}">
-                <a16:creationId xmlns:a16="http://schemas.microsoft.com/office/drawing/2014/main" id="{98E54243-CA48-436C-A54C-43DD3AAC9258}"/>
-              </a:ext>
-            </a:extLst>
-          </p:cNvPr>
-          <p:cNvSpPr>
-            <a:spLocks noGrp="1"/>
-          </p:cNvSpPr>
-          <p:nvPr>
-            <p:ph idx="1"/>
-          </p:nvPr>
-        </p:nvSpPr>
-        <p:spPr/>
-        <p:txBody>
-          <a:bodyPr/>
-          <a:lstStyle/>
-          <a:p>
-            <a:r>
-              <a:rPr lang="en-US" dirty="0"/>
-              <a:t>Powerful Parsing tool for C, C#, C++, and Java.</a:t>
-            </a:r>
-          </a:p>
-          <a:p>
-            <a:r>
-              <a:rPr lang="en-US" dirty="0"/>
-              <a:t>Converts source code and comments into XML.</a:t>
-            </a:r>
-          </a:p>
-          <a:p>
-            <a:r>
-              <a:rPr lang="en-US" dirty="0"/>
-              <a:t>XPATH – Used to query the XML data.</a:t>
-            </a:r>
-          </a:p>
-          <a:p>
-            <a:r>
-              <a:rPr lang="en-US" dirty="0"/>
-              <a:t>XSLT – used to modify an XML file.</a:t>
-            </a:r>
-          </a:p>
-          <a:p>
-            <a:endParaRPr lang="en-US" dirty="0"/>
-          </a:p>
-        </p:txBody>
-      </p:sp>
-    </p:spTree>
-    <p:extLst>
-      <p:ext uri="{BB962C8B-B14F-4D97-AF65-F5344CB8AC3E}">
-        <p14:creationId xmlns:p14="http://schemas.microsoft.com/office/powerpoint/2010/main" val="3259617639"/>
-      </p:ext>
-    </p:extLst>
-  </p:cSld>
-  <p:clrMapOvr>
-    <a:masterClrMapping/>
-  </p:clrMapOvr>
-</p:sld>
-</file>
-
-<file path=ppt/slides/slide7.xml><?xml version="1.0" encoding="utf-8"?>
-<p:sld xmlns:a="http://schemas.openxmlformats.org/drawingml/2006/main" xmlns:r="http://schemas.openxmlformats.org/officeDocument/2006/relationships" xmlns:p="http://schemas.openxmlformats.org/presentationml/2006/main">
-  <p:cSld>
-    <p:spTree>
-      <p:nvGrpSpPr>
-        <p:cNvPr id="1" name=""/>
-        <p:cNvGrpSpPr/>
-        <p:nvPr/>
-      </p:nvGrpSpPr>
-      <p:grpSpPr>
-        <a:xfrm>
-          <a:off x="0" y="0"/>
-          <a:ext cx="0" cy="0"/>
-          <a:chOff x="0" y="0"/>
-          <a:chExt cx="0" cy="0"/>
-        </a:xfrm>
-      </p:grpSpPr>
-      <p:sp>
-        <p:nvSpPr>
-          <p:cNvPr id="2" name="Title 1">
-            <a:extLst>
-              <a:ext uri="{FF2B5EF4-FFF2-40B4-BE49-F238E27FC236}">
-                <a16:creationId xmlns:a16="http://schemas.microsoft.com/office/drawing/2014/main" id="{26EDDDC5-A147-4394-9E69-88D59F5ED613}"/>
-              </a:ext>
-            </a:extLst>
-          </p:cNvPr>
-          <p:cNvSpPr>
-            <a:spLocks noGrp="1"/>
-          </p:cNvSpPr>
-          <p:nvPr>
-            <p:ph type="title"/>
-          </p:nvPr>
-        </p:nvSpPr>
-        <p:spPr/>
-        <p:txBody>
-          <a:bodyPr/>
-          <a:lstStyle/>
-          <a:p>
-            <a:pPr algn="ctr"/>
-            <a:r>
-              <a:rPr lang="en-US" dirty="0"/>
-              <a:t>Frequency Based Approach</a:t>
-            </a:r>
-          </a:p>
-        </p:txBody>
-      </p:sp>
-      <p:graphicFrame>
-        <p:nvGraphicFramePr>
-          <p:cNvPr id="4" name="Content Placeholder 3">
-            <a:extLst>
-              <a:ext uri="{FF2B5EF4-FFF2-40B4-BE49-F238E27FC236}">
-                <a16:creationId xmlns:a16="http://schemas.microsoft.com/office/drawing/2014/main" id="{B3A8FD22-75B7-4030-A11D-9ED108298469}"/>
-              </a:ext>
-            </a:extLst>
-          </p:cNvPr>
-          <p:cNvGraphicFramePr>
-            <a:graphicFrameLocks noGrp="1"/>
-          </p:cNvGraphicFramePr>
-          <p:nvPr>
-            <p:ph idx="1"/>
-          </p:nvPr>
-        </p:nvGraphicFramePr>
-        <p:xfrm>
-          <a:off x="838200" y="1825625"/>
-          <a:ext cx="10515600" cy="4351338"/>
-        </p:xfrm>
-        <a:graphic>
-          <a:graphicData uri="http://schemas.openxmlformats.org/drawingml/2006/chart">
-            <c:chart xmlns:c="http://schemas.openxmlformats.org/drawingml/2006/chart" xmlns:r="http://schemas.openxmlformats.org/officeDocument/2006/relationships" r:id="rId2"/>
-          </a:graphicData>
-        </a:graphic>
-      </p:graphicFrame>
-    </p:spTree>
-    <p:extLst>
-      <p:ext uri="{BB962C8B-B14F-4D97-AF65-F5344CB8AC3E}">
-        <p14:creationId xmlns:p14="http://schemas.microsoft.com/office/powerpoint/2010/main" val="1372362776"/>
       </p:ext>
     </p:extLst>
   </p:cSld>
@@ -8779,7 +11618,12 @@
             <p:ph type="title"/>
           </p:nvPr>
         </p:nvSpPr>
-        <p:spPr/>
+        <p:spPr>
+          <a:xfrm>
+            <a:off x="3230809" y="0"/>
+            <a:ext cx="5730381" cy="771787"/>
+          </a:xfrm>
+        </p:spPr>
         <p:txBody>
           <a:bodyPr/>
           <a:lstStyle/>
@@ -8808,14 +11652,14 @@
             <p:ph idx="1"/>
             <p:extLst>
               <p:ext uri="{D42A27DB-BD31-4B8C-83A1-F6EECF244321}">
-                <p14:modId xmlns:p14="http://schemas.microsoft.com/office/powerpoint/2010/main" val="3891810182"/>
+                <p14:modId xmlns:p14="http://schemas.microsoft.com/office/powerpoint/2010/main" val="1276700828"/>
               </p:ext>
             </p:extLst>
           </p:nvPr>
         </p:nvGraphicFramePr>
         <p:xfrm>
-          <a:off x="603309" y="1381008"/>
-          <a:ext cx="5965272" cy="5191760"/>
+          <a:off x="248173" y="771786"/>
+          <a:ext cx="6773412" cy="5880686"/>
         </p:xfrm>
         <a:graphic>
           <a:graphicData uri="http://schemas.openxmlformats.org/drawingml/2006/table">
@@ -8824,21 +11668,21 @@
                 <a:tableStyleId>{5C22544A-7EE6-4342-B048-85BDC9FD1C3A}</a:tableStyleId>
               </a:tblPr>
               <a:tblGrid>
-                <a:gridCol w="1988424">
+                <a:gridCol w="2257804">
                   <a:extLst>
                     <a:ext uri="{9D8B030D-6E8A-4147-A177-3AD203B41FA5}">
                       <a16:colId xmlns:a16="http://schemas.microsoft.com/office/drawing/2014/main" val="2011553624"/>
                     </a:ext>
                   </a:extLst>
                 </a:gridCol>
-                <a:gridCol w="1988424">
+                <a:gridCol w="2257804">
                   <a:extLst>
                     <a:ext uri="{9D8B030D-6E8A-4147-A177-3AD203B41FA5}">
                       <a16:colId xmlns:a16="http://schemas.microsoft.com/office/drawing/2014/main" val="2713089819"/>
                     </a:ext>
                   </a:extLst>
                 </a:gridCol>
-                <a:gridCol w="1988424">
+                <a:gridCol w="2257804">
                   <a:extLst>
                     <a:ext uri="{9D8B030D-6E8A-4147-A177-3AD203B41FA5}">
                       <a16:colId xmlns:a16="http://schemas.microsoft.com/office/drawing/2014/main" val="496322342"/>
@@ -8846,7 +11690,7 @@
                   </a:extLst>
                 </a:gridCol>
               </a:tblGrid>
-              <a:tr h="370840">
+              <a:tr h="420049">
                 <a:tc>
                   <a:txBody>
                     <a:bodyPr/>
@@ -8864,7 +11708,7 @@
                         </a:spcAft>
                       </a:pPr>
                       <a:r>
-                        <a:rPr lang="en-US" sz="1200" b="1" dirty="0">
+                        <a:rPr lang="en-US" sz="1600" b="1" dirty="0">
                           <a:effectLst/>
                           <a:latin typeface="Times New Roman" panose="02020603050405020304" pitchFamily="18" charset="0"/>
                           <a:ea typeface="Calibri" panose="020F0502020204030204" pitchFamily="34" charset="0"/>
@@ -8872,7 +11716,7 @@
                         </a:rPr>
                         <a:t>Symbol</a:t>
                       </a:r>
-                      <a:endParaRPr lang="en-US" sz="1200" dirty="0">
+                      <a:endParaRPr lang="en-US" sz="1600" dirty="0">
                         <a:effectLst/>
                         <a:latin typeface="Times New Roman" panose="02020603050405020304" pitchFamily="18" charset="0"/>
                         <a:ea typeface="Calibri" panose="020F0502020204030204" pitchFamily="34" charset="0"/>
@@ -8899,7 +11743,7 @@
                         </a:spcAft>
                       </a:pPr>
                       <a:r>
-                        <a:rPr lang="en-US" sz="1200" b="1" dirty="0">
+                        <a:rPr lang="en-US" sz="1600" b="1" dirty="0">
                           <a:effectLst/>
                           <a:latin typeface="Times New Roman" panose="02020603050405020304" pitchFamily="18" charset="0"/>
                           <a:ea typeface="Calibri" panose="020F0502020204030204" pitchFamily="34" charset="0"/>
@@ -8907,7 +11751,7 @@
                         </a:rPr>
                         <a:t>Count</a:t>
                       </a:r>
-                      <a:endParaRPr lang="en-US" sz="1200" dirty="0">
+                      <a:endParaRPr lang="en-US" sz="1600" dirty="0">
                         <a:effectLst/>
                         <a:latin typeface="Times New Roman" panose="02020603050405020304" pitchFamily="18" charset="0"/>
                         <a:ea typeface="Calibri" panose="020F0502020204030204" pitchFamily="34" charset="0"/>
@@ -8934,7 +11778,7 @@
                         </a:spcAft>
                       </a:pPr>
                       <a:r>
-                        <a:rPr lang="en-US" sz="1200" b="1">
+                        <a:rPr lang="en-US" sz="1600" b="1" dirty="0">
                           <a:effectLst/>
                           <a:latin typeface="Times New Roman" panose="02020603050405020304" pitchFamily="18" charset="0"/>
                           <a:ea typeface="Calibri" panose="020F0502020204030204" pitchFamily="34" charset="0"/>
@@ -8942,7 +11786,7 @@
                         </a:rPr>
                         <a:t>Frequency</a:t>
                       </a:r>
-                      <a:endParaRPr lang="en-US" sz="1200">
+                      <a:endParaRPr lang="en-US" sz="1600" dirty="0">
                         <a:effectLst/>
                         <a:latin typeface="Times New Roman" panose="02020603050405020304" pitchFamily="18" charset="0"/>
                         <a:ea typeface="Calibri" panose="020F0502020204030204" pitchFamily="34" charset="0"/>
@@ -8958,7 +11802,7 @@
                   </a:ext>
                 </a:extLst>
               </a:tr>
-              <a:tr h="370840">
+              <a:tr h="420049">
                 <a:tc>
                   <a:txBody>
                     <a:bodyPr/>
@@ -8976,7 +11820,7 @@
                         </a:spcAft>
                       </a:pPr>
                       <a:r>
-                        <a:rPr lang="en-US" sz="1200" dirty="0">
+                        <a:rPr lang="en-US" sz="1600" dirty="0">
                           <a:effectLst/>
                           <a:latin typeface="Times New Roman" panose="02020603050405020304" pitchFamily="18" charset="0"/>
                           <a:ea typeface="Calibri" panose="020F0502020204030204" pitchFamily="34" charset="0"/>
@@ -9005,7 +11849,7 @@
                         </a:spcAft>
                       </a:pPr>
                       <a:r>
-                        <a:rPr lang="en-US" sz="1200">
+                        <a:rPr lang="en-US" sz="1600">
                           <a:effectLst/>
                           <a:latin typeface="Times New Roman" panose="02020603050405020304" pitchFamily="18" charset="0"/>
                           <a:ea typeface="Calibri" panose="020F0502020204030204" pitchFamily="34" charset="0"/>
@@ -9034,7 +11878,7 @@
                         </a:spcAft>
                       </a:pPr>
                       <a:r>
-                        <a:rPr lang="en-US" sz="1200">
+                        <a:rPr lang="en-US" sz="1600">
                           <a:effectLst/>
                           <a:latin typeface="Times New Roman" panose="02020603050405020304" pitchFamily="18" charset="0"/>
                           <a:ea typeface="Calibri" panose="020F0502020204030204" pitchFamily="34" charset="0"/>
@@ -9052,7 +11896,7 @@
                   </a:ext>
                 </a:extLst>
               </a:tr>
-              <a:tr h="370840">
+              <a:tr h="420049">
                 <a:tc>
                   <a:txBody>
                     <a:bodyPr/>
@@ -9070,7 +11914,7 @@
                         </a:spcAft>
                       </a:pPr>
                       <a:r>
-                        <a:rPr lang="en-US" sz="1200">
+                        <a:rPr lang="en-US" sz="1600">
                           <a:effectLst/>
                           <a:latin typeface="Times New Roman" panose="02020603050405020304" pitchFamily="18" charset="0"/>
                           <a:ea typeface="Calibri" panose="020F0502020204030204" pitchFamily="34" charset="0"/>
@@ -9099,7 +11943,7 @@
                         </a:spcAft>
                       </a:pPr>
                       <a:r>
-                        <a:rPr lang="en-US" sz="1200">
+                        <a:rPr lang="en-US" sz="1600">
                           <a:effectLst/>
                           <a:latin typeface="Times New Roman" panose="02020603050405020304" pitchFamily="18" charset="0"/>
                           <a:ea typeface="Calibri" panose="020F0502020204030204" pitchFamily="34" charset="0"/>
@@ -9128,7 +11972,7 @@
                         </a:spcAft>
                       </a:pPr>
                       <a:r>
-                        <a:rPr lang="en-US" sz="1200">
+                        <a:rPr lang="en-US" sz="1600">
                           <a:effectLst/>
                           <a:latin typeface="Times New Roman" panose="02020603050405020304" pitchFamily="18" charset="0"/>
                           <a:ea typeface="Calibri" panose="020F0502020204030204" pitchFamily="34" charset="0"/>
@@ -9146,7 +11990,7 @@
                   </a:ext>
                 </a:extLst>
               </a:tr>
-              <a:tr h="370840">
+              <a:tr h="420049">
                 <a:tc>
                   <a:txBody>
                     <a:bodyPr/>
@@ -9164,7 +12008,7 @@
                         </a:spcAft>
                       </a:pPr>
                       <a:r>
-                        <a:rPr lang="en-US" sz="1200">
+                        <a:rPr lang="en-US" sz="1600">
                           <a:effectLst/>
                           <a:latin typeface="Times New Roman" panose="02020603050405020304" pitchFamily="18" charset="0"/>
                           <a:ea typeface="Calibri" panose="020F0502020204030204" pitchFamily="34" charset="0"/>
@@ -9193,7 +12037,7 @@
                         </a:spcAft>
                       </a:pPr>
                       <a:r>
-                        <a:rPr lang="en-US" sz="1200">
+                        <a:rPr lang="en-US" sz="1600">
                           <a:effectLst/>
                           <a:latin typeface="Times New Roman" panose="02020603050405020304" pitchFamily="18" charset="0"/>
                           <a:ea typeface="Calibri" panose="020F0502020204030204" pitchFamily="34" charset="0"/>
@@ -9222,7 +12066,7 @@
                         </a:spcAft>
                       </a:pPr>
                       <a:r>
-                        <a:rPr lang="en-US" sz="1200">
+                        <a:rPr lang="en-US" sz="1600">
                           <a:effectLst/>
                           <a:latin typeface="Times New Roman" panose="02020603050405020304" pitchFamily="18" charset="0"/>
                           <a:ea typeface="Calibri" panose="020F0502020204030204" pitchFamily="34" charset="0"/>
@@ -9240,7 +12084,7 @@
                   </a:ext>
                 </a:extLst>
               </a:tr>
-              <a:tr h="370840">
+              <a:tr h="420049">
                 <a:tc>
                   <a:txBody>
                     <a:bodyPr/>
@@ -9258,7 +12102,7 @@
                         </a:spcAft>
                       </a:pPr>
                       <a:r>
-                        <a:rPr lang="en-US" sz="1200">
+                        <a:rPr lang="en-US" sz="1600">
                           <a:effectLst/>
                           <a:latin typeface="Times New Roman" panose="02020603050405020304" pitchFamily="18" charset="0"/>
                           <a:ea typeface="Calibri" panose="020F0502020204030204" pitchFamily="34" charset="0"/>
@@ -9287,7 +12131,7 @@
                         </a:spcAft>
                       </a:pPr>
                       <a:r>
-                        <a:rPr lang="en-US" sz="1200">
+                        <a:rPr lang="en-US" sz="1600">
                           <a:effectLst/>
                           <a:latin typeface="Times New Roman" panose="02020603050405020304" pitchFamily="18" charset="0"/>
                           <a:ea typeface="Calibri" panose="020F0502020204030204" pitchFamily="34" charset="0"/>
@@ -9316,7 +12160,7 @@
                         </a:spcAft>
                       </a:pPr>
                       <a:r>
-                        <a:rPr lang="en-US" sz="1200">
+                        <a:rPr lang="en-US" sz="1600">
                           <a:effectLst/>
                           <a:latin typeface="Times New Roman" panose="02020603050405020304" pitchFamily="18" charset="0"/>
                           <a:ea typeface="Calibri" panose="020F0502020204030204" pitchFamily="34" charset="0"/>
@@ -9334,7 +12178,7 @@
                   </a:ext>
                 </a:extLst>
               </a:tr>
-              <a:tr h="370840">
+              <a:tr h="420049">
                 <a:tc>
                   <a:txBody>
                     <a:bodyPr/>
@@ -9352,7 +12196,7 @@
                         </a:spcAft>
                       </a:pPr>
                       <a:r>
-                        <a:rPr lang="en-US" sz="1200">
+                        <a:rPr lang="en-US" sz="1600">
                           <a:effectLst/>
                           <a:latin typeface="Times New Roman" panose="02020603050405020304" pitchFamily="18" charset="0"/>
                           <a:ea typeface="Calibri" panose="020F0502020204030204" pitchFamily="34" charset="0"/>
@@ -9381,7 +12225,7 @@
                         </a:spcAft>
                       </a:pPr>
                       <a:r>
-                        <a:rPr lang="en-US" sz="1200">
+                        <a:rPr lang="en-US" sz="1600">
                           <a:effectLst/>
                           <a:latin typeface="Times New Roman" panose="02020603050405020304" pitchFamily="18" charset="0"/>
                           <a:ea typeface="Calibri" panose="020F0502020204030204" pitchFamily="34" charset="0"/>
@@ -9410,7 +12254,7 @@
                         </a:spcAft>
                       </a:pPr>
                       <a:r>
-                        <a:rPr lang="en-US" sz="1200">
+                        <a:rPr lang="en-US" sz="1600">
                           <a:effectLst/>
                           <a:latin typeface="Times New Roman" panose="02020603050405020304" pitchFamily="18" charset="0"/>
                           <a:ea typeface="Calibri" panose="020F0502020204030204" pitchFamily="34" charset="0"/>
@@ -9428,7 +12272,7 @@
                   </a:ext>
                 </a:extLst>
               </a:tr>
-              <a:tr h="370840">
+              <a:tr h="420049">
                 <a:tc>
                   <a:txBody>
                     <a:bodyPr/>
@@ -9446,7 +12290,7 @@
                         </a:spcAft>
                       </a:pPr>
                       <a:r>
-                        <a:rPr lang="en-US" sz="1200">
+                        <a:rPr lang="en-US" sz="1600">
                           <a:effectLst/>
                           <a:latin typeface="Times New Roman" panose="02020603050405020304" pitchFamily="18" charset="0"/>
                           <a:ea typeface="Calibri" panose="020F0502020204030204" pitchFamily="34" charset="0"/>
@@ -9475,7 +12319,7 @@
                         </a:spcAft>
                       </a:pPr>
                       <a:r>
-                        <a:rPr lang="en-US" sz="1200">
+                        <a:rPr lang="en-US" sz="1600">
                           <a:effectLst/>
                           <a:latin typeface="Times New Roman" panose="02020603050405020304" pitchFamily="18" charset="0"/>
                           <a:ea typeface="Calibri" panose="020F0502020204030204" pitchFamily="34" charset="0"/>
@@ -9504,7 +12348,7 @@
                         </a:spcAft>
                       </a:pPr>
                       <a:r>
-                        <a:rPr lang="en-US" sz="1200">
+                        <a:rPr lang="en-US" sz="1600">
                           <a:effectLst/>
                           <a:latin typeface="Times New Roman" panose="02020603050405020304" pitchFamily="18" charset="0"/>
                           <a:ea typeface="Calibri" panose="020F0502020204030204" pitchFamily="34" charset="0"/>
@@ -9522,7 +12366,7 @@
                   </a:ext>
                 </a:extLst>
               </a:tr>
-              <a:tr h="370840">
+              <a:tr h="420049">
                 <a:tc>
                   <a:txBody>
                     <a:bodyPr/>
@@ -9540,7 +12384,7 @@
                         </a:spcAft>
                       </a:pPr>
                       <a:r>
-                        <a:rPr lang="en-US" sz="1200">
+                        <a:rPr lang="en-US" sz="1600">
                           <a:effectLst/>
                           <a:latin typeface="Times New Roman" panose="02020603050405020304" pitchFamily="18" charset="0"/>
                           <a:ea typeface="Calibri" panose="020F0502020204030204" pitchFamily="34" charset="0"/>
@@ -9569,7 +12413,7 @@
                         </a:spcAft>
                       </a:pPr>
                       <a:r>
-                        <a:rPr lang="en-US" sz="1200">
+                        <a:rPr lang="en-US" sz="1600">
                           <a:effectLst/>
                           <a:latin typeface="Times New Roman" panose="02020603050405020304" pitchFamily="18" charset="0"/>
                           <a:ea typeface="Calibri" panose="020F0502020204030204" pitchFamily="34" charset="0"/>
@@ -9598,7 +12442,7 @@
                         </a:spcAft>
                       </a:pPr>
                       <a:r>
-                        <a:rPr lang="en-US" sz="1200">
+                        <a:rPr lang="en-US" sz="1600">
                           <a:effectLst/>
                           <a:latin typeface="Times New Roman" panose="02020603050405020304" pitchFamily="18" charset="0"/>
                           <a:ea typeface="Calibri" panose="020F0502020204030204" pitchFamily="34" charset="0"/>
@@ -9616,7 +12460,7 @@
                   </a:ext>
                 </a:extLst>
               </a:tr>
-              <a:tr h="370840">
+              <a:tr h="420049">
                 <a:tc>
                   <a:txBody>
                     <a:bodyPr/>
@@ -9634,7 +12478,7 @@
                         </a:spcAft>
                       </a:pPr>
                       <a:r>
-                        <a:rPr lang="en-US" sz="1200">
+                        <a:rPr lang="en-US" sz="1600">
                           <a:effectLst/>
                           <a:latin typeface="Times New Roman" panose="02020603050405020304" pitchFamily="18" charset="0"/>
                           <a:ea typeface="Calibri" panose="020F0502020204030204" pitchFamily="34" charset="0"/>
@@ -9663,7 +12507,7 @@
                         </a:spcAft>
                       </a:pPr>
                       <a:r>
-                        <a:rPr lang="en-US" sz="1200">
+                        <a:rPr lang="en-US" sz="1600">
                           <a:effectLst/>
                           <a:latin typeface="Times New Roman" panose="02020603050405020304" pitchFamily="18" charset="0"/>
                           <a:ea typeface="Calibri" panose="020F0502020204030204" pitchFamily="34" charset="0"/>
@@ -9692,7 +12536,7 @@
                         </a:spcAft>
                       </a:pPr>
                       <a:r>
-                        <a:rPr lang="en-US" sz="1200">
+                        <a:rPr lang="en-US" sz="1600">
                           <a:effectLst/>
                           <a:latin typeface="Times New Roman" panose="02020603050405020304" pitchFamily="18" charset="0"/>
                           <a:ea typeface="Calibri" panose="020F0502020204030204" pitchFamily="34" charset="0"/>
@@ -9710,7 +12554,7 @@
                   </a:ext>
                 </a:extLst>
               </a:tr>
-              <a:tr h="370840">
+              <a:tr h="420049">
                 <a:tc>
                   <a:txBody>
                     <a:bodyPr/>
@@ -9728,7 +12572,7 @@
                         </a:spcAft>
                       </a:pPr>
                       <a:r>
-                        <a:rPr lang="en-US" sz="1200">
+                        <a:rPr lang="en-US" sz="1600">
                           <a:effectLst/>
                           <a:latin typeface="Times New Roman" panose="02020603050405020304" pitchFamily="18" charset="0"/>
                           <a:ea typeface="Calibri" panose="020F0502020204030204" pitchFamily="34" charset="0"/>
@@ -9757,13 +12601,13 @@
                         </a:spcAft>
                       </a:pPr>
                       <a:r>
-                        <a:rPr lang="en-US" sz="1200">
+                        <a:rPr lang="en-US" sz="1600" dirty="0">
                           <a:effectLst/>
                           <a:latin typeface="Times New Roman" panose="02020603050405020304" pitchFamily="18" charset="0"/>
                           <a:ea typeface="Calibri" panose="020F0502020204030204" pitchFamily="34" charset="0"/>
                           <a:cs typeface="Times New Roman" panose="02020603050405020304" pitchFamily="18" charset="0"/>
                         </a:rPr>
-                        <a:t>1</a:t>
+                        <a:t>2</a:t>
                       </a:r>
                     </a:p>
                   </a:txBody>
@@ -9786,13 +12630,13 @@
                         </a:spcAft>
                       </a:pPr>
                       <a:r>
-                        <a:rPr lang="en-US" sz="1200">
+                        <a:rPr lang="en-US" sz="1600" dirty="0">
                           <a:effectLst/>
                           <a:latin typeface="Times New Roman" panose="02020603050405020304" pitchFamily="18" charset="0"/>
                           <a:ea typeface="Calibri" panose="020F0502020204030204" pitchFamily="34" charset="0"/>
                           <a:cs typeface="Times New Roman" panose="02020603050405020304" pitchFamily="18" charset="0"/>
                         </a:rPr>
-                        <a:t>.048</a:t>
+                        <a:t>.095</a:t>
                       </a:r>
                     </a:p>
                   </a:txBody>
@@ -9804,7 +12648,7 @@
                   </a:ext>
                 </a:extLst>
               </a:tr>
-              <a:tr h="370840">
+              <a:tr h="420049">
                 <a:tc>
                   <a:txBody>
                     <a:bodyPr/>
@@ -9822,7 +12666,7 @@
                         </a:spcAft>
                       </a:pPr>
                       <a:r>
-                        <a:rPr lang="en-US" sz="1200">
+                        <a:rPr lang="en-US" sz="1600">
                           <a:effectLst/>
                           <a:latin typeface="Times New Roman" panose="02020603050405020304" pitchFamily="18" charset="0"/>
                           <a:ea typeface="Calibri" panose="020F0502020204030204" pitchFamily="34" charset="0"/>
@@ -9851,13 +12695,13 @@
                         </a:spcAft>
                       </a:pPr>
                       <a:r>
-                        <a:rPr lang="en-US" sz="1200">
+                        <a:rPr lang="en-US" sz="1600" dirty="0">
                           <a:effectLst/>
                           <a:latin typeface="Times New Roman" panose="02020603050405020304" pitchFamily="18" charset="0"/>
                           <a:ea typeface="Calibri" panose="020F0502020204030204" pitchFamily="34" charset="0"/>
                           <a:cs typeface="Times New Roman" panose="02020603050405020304" pitchFamily="18" charset="0"/>
                         </a:rPr>
-                        <a:t>4</a:t>
+                        <a:t>2</a:t>
                       </a:r>
                     </a:p>
                   </a:txBody>
@@ -9880,13 +12724,13 @@
                         </a:spcAft>
                       </a:pPr>
                       <a:r>
-                        <a:rPr lang="en-US" sz="1200">
+                        <a:rPr lang="en-US" sz="1600" dirty="0">
                           <a:effectLst/>
                           <a:latin typeface="Times New Roman" panose="02020603050405020304" pitchFamily="18" charset="0"/>
                           <a:ea typeface="Calibri" panose="020F0502020204030204" pitchFamily="34" charset="0"/>
                           <a:cs typeface="Times New Roman" panose="02020603050405020304" pitchFamily="18" charset="0"/>
                         </a:rPr>
-                        <a:t>.195</a:t>
+                        <a:t>.095</a:t>
                       </a:r>
                     </a:p>
                   </a:txBody>
@@ -9898,7 +12742,7 @@
                   </a:ext>
                 </a:extLst>
               </a:tr>
-              <a:tr h="370840">
+              <a:tr h="420049">
                 <a:tc>
                   <a:txBody>
                     <a:bodyPr/>
@@ -9916,7 +12760,7 @@
                         </a:spcAft>
                       </a:pPr>
                       <a:r>
-                        <a:rPr lang="en-US" sz="1200">
+                        <a:rPr lang="en-US" sz="1600">
                           <a:effectLst/>
                           <a:latin typeface="Times New Roman" panose="02020603050405020304" pitchFamily="18" charset="0"/>
                           <a:ea typeface="Calibri" panose="020F0502020204030204" pitchFamily="34" charset="0"/>
@@ -9945,7 +12789,7 @@
                         </a:spcAft>
                       </a:pPr>
                       <a:r>
-                        <a:rPr lang="en-US" sz="1200">
+                        <a:rPr lang="en-US" sz="1600">
                           <a:effectLst/>
                           <a:latin typeface="Times New Roman" panose="02020603050405020304" pitchFamily="18" charset="0"/>
                           <a:ea typeface="Calibri" panose="020F0502020204030204" pitchFamily="34" charset="0"/>
@@ -9974,7 +12818,7 @@
                         </a:spcAft>
                       </a:pPr>
                       <a:r>
-                        <a:rPr lang="en-US" sz="1200">
+                        <a:rPr lang="en-US" sz="1600">
                           <a:effectLst/>
                           <a:latin typeface="Times New Roman" panose="02020603050405020304" pitchFamily="18" charset="0"/>
                           <a:ea typeface="Calibri" panose="020F0502020204030204" pitchFamily="34" charset="0"/>
@@ -9992,7 +12836,7 @@
                   </a:ext>
                 </a:extLst>
               </a:tr>
-              <a:tr h="370840">
+              <a:tr h="420049">
                 <a:tc>
                   <a:txBody>
                     <a:bodyPr/>
@@ -10010,7 +12854,7 @@
                         </a:spcAft>
                       </a:pPr>
                       <a:r>
-                        <a:rPr lang="en-US" sz="1200">
+                        <a:rPr lang="en-US" sz="1600">
                           <a:effectLst/>
                           <a:latin typeface="Times New Roman" panose="02020603050405020304" pitchFamily="18" charset="0"/>
                           <a:ea typeface="Calibri" panose="020F0502020204030204" pitchFamily="34" charset="0"/>
@@ -10039,13 +12883,13 @@
                         </a:spcAft>
                       </a:pPr>
                       <a:r>
-                        <a:rPr lang="en-US" sz="1200">
+                        <a:rPr lang="en-US" sz="1600" dirty="0">
                           <a:effectLst/>
                           <a:latin typeface="Times New Roman" panose="02020603050405020304" pitchFamily="18" charset="0"/>
                           <a:ea typeface="Calibri" panose="020F0502020204030204" pitchFamily="34" charset="0"/>
                           <a:cs typeface="Times New Roman" panose="02020603050405020304" pitchFamily="18" charset="0"/>
                         </a:rPr>
-                        <a:t>1</a:t>
+                        <a:t>2</a:t>
                       </a:r>
                     </a:p>
                   </a:txBody>
@@ -10068,13 +12912,13 @@
                         </a:spcAft>
                       </a:pPr>
                       <a:r>
-                        <a:rPr lang="en-US" sz="1200">
+                        <a:rPr lang="en-US" sz="1600" dirty="0">
                           <a:effectLst/>
                           <a:latin typeface="Times New Roman" panose="02020603050405020304" pitchFamily="18" charset="0"/>
                           <a:ea typeface="Calibri" panose="020F0502020204030204" pitchFamily="34" charset="0"/>
                           <a:cs typeface="Times New Roman" panose="02020603050405020304" pitchFamily="18" charset="0"/>
                         </a:rPr>
-                        <a:t>.048</a:t>
+                        <a:t>.095</a:t>
                       </a:r>
                     </a:p>
                   </a:txBody>
@@ -10086,7 +12930,7 @@
                   </a:ext>
                 </a:extLst>
               </a:tr>
-              <a:tr h="370840">
+              <a:tr h="420049">
                 <a:tc>
                   <a:txBody>
                     <a:bodyPr/>
@@ -10104,7 +12948,7 @@
                         </a:spcAft>
                       </a:pPr>
                       <a:r>
-                        <a:rPr lang="en-US" sz="1200">
+                        <a:rPr lang="en-US" sz="1600">
                           <a:effectLst/>
                           <a:latin typeface="Times New Roman" panose="02020603050405020304" pitchFamily="18" charset="0"/>
                           <a:ea typeface="Calibri" panose="020F0502020204030204" pitchFamily="34" charset="0"/>
@@ -10133,7 +12977,7 @@
                         </a:spcAft>
                       </a:pPr>
                       <a:r>
-                        <a:rPr lang="en-US" sz="1200">
+                        <a:rPr lang="en-US" sz="1600">
                           <a:effectLst/>
                           <a:latin typeface="Times New Roman" panose="02020603050405020304" pitchFamily="18" charset="0"/>
                           <a:ea typeface="Calibri" panose="020F0502020204030204" pitchFamily="34" charset="0"/>
@@ -10162,7 +13006,7 @@
                         </a:spcAft>
                       </a:pPr>
                       <a:r>
-                        <a:rPr lang="en-US" sz="1200" dirty="0">
+                        <a:rPr lang="en-US" sz="1600" dirty="0">
                           <a:effectLst/>
                           <a:latin typeface="Times New Roman" panose="02020603050405020304" pitchFamily="18" charset="0"/>
                           <a:ea typeface="Calibri" panose="020F0502020204030204" pitchFamily="34" charset="0"/>
@@ -10198,7 +13042,7 @@
         </p:nvSpPr>
         <p:spPr>
           <a:xfrm>
-            <a:off x="7139030" y="1690688"/>
+            <a:off x="7297023" y="2422678"/>
             <a:ext cx="4723002" cy="584775"/>
           </a:xfrm>
           <a:prstGeom prst="rect">
@@ -10214,7 +13058,7 @@
           <a:p>
             <a:r>
               <a:rPr lang="it-IT" sz="3200" i="1" dirty="0"/>
-              <a:t>//a = sqrt(b**2 + c**2)</a:t>
+              <a:t>//a = sqrt(b*b + c*c)</a:t>
             </a:r>
             <a:endParaRPr lang="en-US" sz="3200" i="1" dirty="0"/>
           </a:p>
@@ -10234,8 +13078,8 @@
         </p:nvSpPr>
         <p:spPr>
           <a:xfrm>
-            <a:off x="7021585" y="2827090"/>
-            <a:ext cx="4412609" cy="646331"/>
+            <a:off x="7125049" y="3850547"/>
+            <a:ext cx="5066951" cy="1200329"/>
           </a:xfrm>
           <a:prstGeom prst="rect">
             <a:avLst/>
@@ -10249,14 +13093,17 @@
           <a:lstStyle/>
           <a:p>
             <a:r>
-              <a:rPr lang="en-US" dirty="0"/>
-              <a:t>Total Characters = 21</a:t>
-            </a:r>
-          </a:p>
-          <a:p>
-            <a:r>
-              <a:rPr lang="en-US" dirty="0"/>
-              <a:t>Most Frequent Characters = Space, *, 2</a:t>
+              <a:rPr lang="en-US" sz="2400" dirty="0"/>
+              <a:t>Total Characters = 19</a:t>
+            </a:r>
+          </a:p>
+          <a:p>
+            <a:endParaRPr lang="en-US" sz="2400" dirty="0"/>
+          </a:p>
+          <a:p>
+            <a:r>
+              <a:rPr lang="en-US" sz="2400" dirty="0"/>
+              <a:t>Most Frequent Characters = Space, *, </a:t>
             </a:r>
           </a:p>
         </p:txBody>
@@ -10296,7 +13143,7 @@
           <p:cNvPr id="2" name="Title 1">
             <a:extLst>
               <a:ext uri="{FF2B5EF4-FFF2-40B4-BE49-F238E27FC236}">
-                <a16:creationId xmlns:a16="http://schemas.microsoft.com/office/drawing/2014/main" id="{B16053C2-52D0-43D6-A767-E949EBF1D575}"/>
+                <a16:creationId xmlns:a16="http://schemas.microsoft.com/office/drawing/2014/main" id="{26EDDDC5-A147-4394-9E69-88D59F5ED613}"/>
               </a:ext>
             </a:extLst>
           </p:cNvPr>
@@ -10307,7 +13154,12 @@
             <p:ph type="title"/>
           </p:nvPr>
         </p:nvSpPr>
-        <p:spPr/>
+        <p:spPr>
+          <a:xfrm>
+            <a:off x="838200" y="0"/>
+            <a:ext cx="10515600" cy="679904"/>
+          </a:xfrm>
+        </p:spPr>
         <p:txBody>
           <a:bodyPr>
             <a:normAutofit fontScale="90000"/>
@@ -10317,17 +13169,17 @@
             <a:pPr algn="ctr"/>
             <a:r>
               <a:rPr lang="en-US" dirty="0"/>
-              <a:t>Can We Automatically Detect Commented-Out Code With an Acceptable Margin of Error?</a:t>
+              <a:t>Frequency Based Approach</a:t>
             </a:r>
           </a:p>
         </p:txBody>
       </p:sp>
       <p:graphicFrame>
         <p:nvGraphicFramePr>
-          <p:cNvPr id="6" name="Table 6">
+          <p:cNvPr id="4" name="Content Placeholder 3">
             <a:extLst>
               <a:ext uri="{FF2B5EF4-FFF2-40B4-BE49-F238E27FC236}">
-                <a16:creationId xmlns:a16="http://schemas.microsoft.com/office/drawing/2014/main" id="{77541845-92C5-4A53-B4A4-4B26FA10EA8E}"/>
+                <a16:creationId xmlns:a16="http://schemas.microsoft.com/office/drawing/2014/main" id="{B3A8FD22-75B7-4030-A11D-9ED108298469}"/>
               </a:ext>
             </a:extLst>
           </p:cNvPr>
@@ -10338,1700 +13190,25 @@
             <p:ph idx="1"/>
             <p:extLst>
               <p:ext uri="{D42A27DB-BD31-4B8C-83A1-F6EECF244321}">
-                <p14:modId xmlns:p14="http://schemas.microsoft.com/office/powerpoint/2010/main" val="426525840"/>
+                <p14:modId xmlns:p14="http://schemas.microsoft.com/office/powerpoint/2010/main" val="1933509787"/>
               </p:ext>
             </p:extLst>
           </p:nvPr>
         </p:nvGraphicFramePr>
         <p:xfrm>
-          <a:off x="838200" y="2316480"/>
-          <a:ext cx="10515600" cy="2225040"/>
+          <a:off x="125485" y="561068"/>
+          <a:ext cx="11941029" cy="6127750"/>
         </p:xfrm>
         <a:graphic>
-          <a:graphicData uri="http://schemas.openxmlformats.org/drawingml/2006/table">
-            <a:tbl>
-              <a:tblPr firstRow="1" bandRow="1">
-                <a:tableStyleId>{5C22544A-7EE6-4342-B048-85BDC9FD1C3A}</a:tableStyleId>
-              </a:tblPr>
-              <a:tblGrid>
-                <a:gridCol w="2103120">
-                  <a:extLst>
-                    <a:ext uri="{9D8B030D-6E8A-4147-A177-3AD203B41FA5}">
-                      <a16:colId xmlns:a16="http://schemas.microsoft.com/office/drawing/2014/main" val="1471558298"/>
-                    </a:ext>
-                  </a:extLst>
-                </a:gridCol>
-                <a:gridCol w="2103120">
-                  <a:extLst>
-                    <a:ext uri="{9D8B030D-6E8A-4147-A177-3AD203B41FA5}">
-                      <a16:colId xmlns:a16="http://schemas.microsoft.com/office/drawing/2014/main" val="2520520837"/>
-                    </a:ext>
-                  </a:extLst>
-                </a:gridCol>
-                <a:gridCol w="2103120">
-                  <a:extLst>
-                    <a:ext uri="{9D8B030D-6E8A-4147-A177-3AD203B41FA5}">
-                      <a16:colId xmlns:a16="http://schemas.microsoft.com/office/drawing/2014/main" val="3077038693"/>
-                    </a:ext>
-                  </a:extLst>
-                </a:gridCol>
-                <a:gridCol w="2103120">
-                  <a:extLst>
-                    <a:ext uri="{9D8B030D-6E8A-4147-A177-3AD203B41FA5}">
-                      <a16:colId xmlns:a16="http://schemas.microsoft.com/office/drawing/2014/main" val="705787540"/>
-                    </a:ext>
-                  </a:extLst>
-                </a:gridCol>
-                <a:gridCol w="2103120">
-                  <a:extLst>
-                    <a:ext uri="{9D8B030D-6E8A-4147-A177-3AD203B41FA5}">
-                      <a16:colId xmlns:a16="http://schemas.microsoft.com/office/drawing/2014/main" val="3120608333"/>
-                    </a:ext>
-                  </a:extLst>
-                </a:gridCol>
-              </a:tblGrid>
-              <a:tr h="370840">
-                <a:tc>
-                  <a:txBody>
-                    <a:bodyPr/>
-                    <a:lstStyle/>
-                    <a:p>
-                      <a:pPr marL="0" marR="0" indent="0" algn="ctr">
-                        <a:lnSpc>
-                          <a:spcPct val="200000"/>
-                        </a:lnSpc>
-                        <a:spcBef>
-                          <a:spcPts val="0"/>
-                        </a:spcBef>
-                        <a:spcAft>
-                          <a:spcPts val="0"/>
-                        </a:spcAft>
-                      </a:pPr>
-                      <a:r>
-                        <a:rPr lang="en-US" sz="1200" b="1" dirty="0">
-                          <a:solidFill>
-                            <a:srgbClr val="000000"/>
-                          </a:solidFill>
-                          <a:effectLst/>
-                          <a:latin typeface="Calibri" panose="020F0502020204030204" pitchFamily="34" charset="0"/>
-                          <a:ea typeface="Times New Roman" panose="02020603050405020304" pitchFamily="18" charset="0"/>
-                          <a:cs typeface="Times New Roman" panose="02020603050405020304" pitchFamily="18" charset="0"/>
-                        </a:rPr>
-                        <a:t>Fold Number</a:t>
-                      </a:r>
-                      <a:endParaRPr lang="en-US" sz="1200" dirty="0">
-                        <a:effectLst/>
-                        <a:latin typeface="Times New Roman" panose="02020603050405020304" pitchFamily="18" charset="0"/>
-                        <a:ea typeface="Calibri" panose="020F0502020204030204" pitchFamily="34" charset="0"/>
-                        <a:cs typeface="Times New Roman" panose="02020603050405020304" pitchFamily="18" charset="0"/>
-                      </a:endParaRPr>
-                    </a:p>
-                  </a:txBody>
-                  <a:tcPr marL="68580" marR="68580" marT="0" marB="0" anchor="b"/>
-                </a:tc>
-                <a:tc>
-                  <a:txBody>
-                    <a:bodyPr/>
-                    <a:lstStyle/>
-                    <a:p>
-                      <a:pPr marL="0" marR="0" indent="0" algn="ctr">
-                        <a:lnSpc>
-                          <a:spcPct val="200000"/>
-                        </a:lnSpc>
-                        <a:spcBef>
-                          <a:spcPts val="0"/>
-                        </a:spcBef>
-                        <a:spcAft>
-                          <a:spcPts val="0"/>
-                        </a:spcAft>
-                      </a:pPr>
-                      <a:r>
-                        <a:rPr lang="en-US" sz="1200" b="1" dirty="0">
-                          <a:solidFill>
-                            <a:srgbClr val="000000"/>
-                          </a:solidFill>
-                          <a:effectLst/>
-                          <a:latin typeface="Calibri" panose="020F0502020204030204" pitchFamily="34" charset="0"/>
-                          <a:ea typeface="Times New Roman" panose="02020603050405020304" pitchFamily="18" charset="0"/>
-                          <a:cs typeface="Times New Roman" panose="02020603050405020304" pitchFamily="18" charset="0"/>
-                        </a:rPr>
-                        <a:t>accuracy</a:t>
-                      </a:r>
-                      <a:endParaRPr lang="en-US" sz="1200" dirty="0">
-                        <a:effectLst/>
-                        <a:latin typeface="Times New Roman" panose="02020603050405020304" pitchFamily="18" charset="0"/>
-                        <a:ea typeface="Calibri" panose="020F0502020204030204" pitchFamily="34" charset="0"/>
-                        <a:cs typeface="Times New Roman" panose="02020603050405020304" pitchFamily="18" charset="0"/>
-                      </a:endParaRPr>
-                    </a:p>
-                  </a:txBody>
-                  <a:tcPr marL="68580" marR="68580" marT="0" marB="0" anchor="b"/>
-                </a:tc>
-                <a:tc>
-                  <a:txBody>
-                    <a:bodyPr/>
-                    <a:lstStyle/>
-                    <a:p>
-                      <a:pPr marL="0" marR="0" indent="0" algn="ctr">
-                        <a:lnSpc>
-                          <a:spcPct val="200000"/>
-                        </a:lnSpc>
-                        <a:spcBef>
-                          <a:spcPts val="0"/>
-                        </a:spcBef>
-                        <a:spcAft>
-                          <a:spcPts val="0"/>
-                        </a:spcAft>
-                      </a:pPr>
-                      <a:r>
-                        <a:rPr lang="en-US" sz="1200" b="1" dirty="0">
-                          <a:solidFill>
-                            <a:srgbClr val="000000"/>
-                          </a:solidFill>
-                          <a:effectLst/>
-                          <a:latin typeface="Calibri" panose="020F0502020204030204" pitchFamily="34" charset="0"/>
-                          <a:ea typeface="Times New Roman" panose="02020603050405020304" pitchFamily="18" charset="0"/>
-                          <a:cs typeface="Times New Roman" panose="02020603050405020304" pitchFamily="18" charset="0"/>
-                        </a:rPr>
-                        <a:t>precision</a:t>
-                      </a:r>
-                      <a:endParaRPr lang="en-US" sz="1200" dirty="0">
-                        <a:effectLst/>
-                        <a:latin typeface="Times New Roman" panose="02020603050405020304" pitchFamily="18" charset="0"/>
-                        <a:ea typeface="Calibri" panose="020F0502020204030204" pitchFamily="34" charset="0"/>
-                        <a:cs typeface="Times New Roman" panose="02020603050405020304" pitchFamily="18" charset="0"/>
-                      </a:endParaRPr>
-                    </a:p>
-                  </a:txBody>
-                  <a:tcPr marL="68580" marR="68580" marT="0" marB="0" anchor="b"/>
-                </a:tc>
-                <a:tc>
-                  <a:txBody>
-                    <a:bodyPr/>
-                    <a:lstStyle/>
-                    <a:p>
-                      <a:pPr marL="0" marR="0" indent="0" algn="ctr">
-                        <a:lnSpc>
-                          <a:spcPct val="200000"/>
-                        </a:lnSpc>
-                        <a:spcBef>
-                          <a:spcPts val="0"/>
-                        </a:spcBef>
-                        <a:spcAft>
-                          <a:spcPts val="0"/>
-                        </a:spcAft>
-                      </a:pPr>
-                      <a:r>
-                        <a:rPr lang="en-US" sz="1200" b="1" dirty="0">
-                          <a:solidFill>
-                            <a:srgbClr val="000000"/>
-                          </a:solidFill>
-                          <a:effectLst/>
-                          <a:latin typeface="Calibri" panose="020F0502020204030204" pitchFamily="34" charset="0"/>
-                          <a:ea typeface="Times New Roman" panose="02020603050405020304" pitchFamily="18" charset="0"/>
-                          <a:cs typeface="Times New Roman" panose="02020603050405020304" pitchFamily="18" charset="0"/>
-                        </a:rPr>
-                        <a:t>recall</a:t>
-                      </a:r>
-                      <a:endParaRPr lang="en-US" sz="1200" dirty="0">
-                        <a:effectLst/>
-                        <a:latin typeface="Times New Roman" panose="02020603050405020304" pitchFamily="18" charset="0"/>
-                        <a:ea typeface="Calibri" panose="020F0502020204030204" pitchFamily="34" charset="0"/>
-                        <a:cs typeface="Times New Roman" panose="02020603050405020304" pitchFamily="18" charset="0"/>
-                      </a:endParaRPr>
-                    </a:p>
-                  </a:txBody>
-                  <a:tcPr marL="68580" marR="68580" marT="0" marB="0" anchor="b"/>
-                </a:tc>
-                <a:tc>
-                  <a:txBody>
-                    <a:bodyPr/>
-                    <a:lstStyle/>
-                    <a:p>
-                      <a:pPr marL="0" marR="0" indent="0" algn="ctr">
-                        <a:lnSpc>
-                          <a:spcPct val="200000"/>
-                        </a:lnSpc>
-                        <a:spcBef>
-                          <a:spcPts val="0"/>
-                        </a:spcBef>
-                        <a:spcAft>
-                          <a:spcPts val="0"/>
-                        </a:spcAft>
-                      </a:pPr>
-                      <a:r>
-                        <a:rPr lang="en-US" sz="1200" b="1" dirty="0">
-                          <a:solidFill>
-                            <a:srgbClr val="000000"/>
-                          </a:solidFill>
-                          <a:effectLst/>
-                          <a:latin typeface="Calibri" panose="020F0502020204030204" pitchFamily="34" charset="0"/>
-                          <a:ea typeface="Times New Roman" panose="02020603050405020304" pitchFamily="18" charset="0"/>
-                          <a:cs typeface="Times New Roman" panose="02020603050405020304" pitchFamily="18" charset="0"/>
-                        </a:rPr>
-                        <a:t>F1</a:t>
-                      </a:r>
-                      <a:endParaRPr lang="en-US" sz="1200" dirty="0">
-                        <a:effectLst/>
-                        <a:latin typeface="Times New Roman" panose="02020603050405020304" pitchFamily="18" charset="0"/>
-                        <a:ea typeface="Calibri" panose="020F0502020204030204" pitchFamily="34" charset="0"/>
-                        <a:cs typeface="Times New Roman" panose="02020603050405020304" pitchFamily="18" charset="0"/>
-                      </a:endParaRPr>
-                    </a:p>
-                  </a:txBody>
-                  <a:tcPr marL="68580" marR="68580" marT="0" marB="0" anchor="b"/>
-                </a:tc>
-                <a:extLst>
-                  <a:ext uri="{0D108BD9-81ED-4DB2-BD59-A6C34878D82A}">
-                    <a16:rowId xmlns:a16="http://schemas.microsoft.com/office/drawing/2014/main" val="3013659293"/>
-                  </a:ext>
-                </a:extLst>
-              </a:tr>
-              <a:tr h="370840">
-                <a:tc>
-                  <a:txBody>
-                    <a:bodyPr/>
-                    <a:lstStyle/>
-                    <a:p>
-                      <a:pPr marL="0" marR="0" indent="0" algn="l">
-                        <a:lnSpc>
-                          <a:spcPct val="200000"/>
-                        </a:lnSpc>
-                        <a:spcBef>
-                          <a:spcPts val="0"/>
-                        </a:spcBef>
-                        <a:spcAft>
-                          <a:spcPts val="0"/>
-                        </a:spcAft>
-                      </a:pPr>
-                      <a:r>
-                        <a:rPr lang="en-US" sz="1200">
-                          <a:solidFill>
-                            <a:srgbClr val="000000"/>
-                          </a:solidFill>
-                          <a:effectLst/>
-                          <a:latin typeface="Calibri" panose="020F0502020204030204" pitchFamily="34" charset="0"/>
-                          <a:ea typeface="Times New Roman" panose="02020603050405020304" pitchFamily="18" charset="0"/>
-                          <a:cs typeface="Times New Roman" panose="02020603050405020304" pitchFamily="18" charset="0"/>
-                        </a:rPr>
-                        <a:t>1</a:t>
-                      </a:r>
-                      <a:endParaRPr lang="en-US" sz="1200">
-                        <a:effectLst/>
-                        <a:latin typeface="Times New Roman" panose="02020603050405020304" pitchFamily="18" charset="0"/>
-                        <a:ea typeface="Calibri" panose="020F0502020204030204" pitchFamily="34" charset="0"/>
-                        <a:cs typeface="Times New Roman" panose="02020603050405020304" pitchFamily="18" charset="0"/>
-                      </a:endParaRPr>
-                    </a:p>
-                  </a:txBody>
-                  <a:tcPr marL="68580" marR="68580" marT="0" marB="0" anchor="b"/>
-                </a:tc>
-                <a:tc>
-                  <a:txBody>
-                    <a:bodyPr/>
-                    <a:lstStyle/>
-                    <a:p>
-                      <a:pPr marL="0" marR="0" indent="0" algn="l">
-                        <a:lnSpc>
-                          <a:spcPct val="200000"/>
-                        </a:lnSpc>
-                        <a:spcBef>
-                          <a:spcPts val="0"/>
-                        </a:spcBef>
-                        <a:spcAft>
-                          <a:spcPts val="0"/>
-                        </a:spcAft>
-                      </a:pPr>
-                      <a:r>
-                        <a:rPr lang="en-US" sz="1200">
-                          <a:solidFill>
-                            <a:srgbClr val="000000"/>
-                          </a:solidFill>
-                          <a:effectLst/>
-                          <a:latin typeface="Calibri" panose="020F0502020204030204" pitchFamily="34" charset="0"/>
-                          <a:ea typeface="Times New Roman" panose="02020603050405020304" pitchFamily="18" charset="0"/>
-                          <a:cs typeface="Times New Roman" panose="02020603050405020304" pitchFamily="18" charset="0"/>
-                        </a:rPr>
-                        <a:t>98.50</a:t>
-                      </a:r>
-                      <a:endParaRPr lang="en-US" sz="1200">
-                        <a:effectLst/>
-                        <a:latin typeface="Times New Roman" panose="02020603050405020304" pitchFamily="18" charset="0"/>
-                        <a:ea typeface="Calibri" panose="020F0502020204030204" pitchFamily="34" charset="0"/>
-                        <a:cs typeface="Times New Roman" panose="02020603050405020304" pitchFamily="18" charset="0"/>
-                      </a:endParaRPr>
-                    </a:p>
-                  </a:txBody>
-                  <a:tcPr marL="68580" marR="68580" marT="0" marB="0" anchor="b"/>
-                </a:tc>
-                <a:tc>
-                  <a:txBody>
-                    <a:bodyPr/>
-                    <a:lstStyle/>
-                    <a:p>
-                      <a:pPr marL="0" marR="0" indent="0" algn="l">
-                        <a:lnSpc>
-                          <a:spcPct val="200000"/>
-                        </a:lnSpc>
-                        <a:spcBef>
-                          <a:spcPts val="0"/>
-                        </a:spcBef>
-                        <a:spcAft>
-                          <a:spcPts val="0"/>
-                        </a:spcAft>
-                      </a:pPr>
-                      <a:r>
-                        <a:rPr lang="en-US" sz="1200">
-                          <a:solidFill>
-                            <a:srgbClr val="000000"/>
-                          </a:solidFill>
-                          <a:effectLst/>
-                          <a:latin typeface="Calibri" panose="020F0502020204030204" pitchFamily="34" charset="0"/>
-                          <a:ea typeface="Times New Roman" panose="02020603050405020304" pitchFamily="18" charset="0"/>
-                          <a:cs typeface="Times New Roman" panose="02020603050405020304" pitchFamily="18" charset="0"/>
-                        </a:rPr>
-                        <a:t>98.15</a:t>
-                      </a:r>
-                      <a:endParaRPr lang="en-US" sz="1200">
-                        <a:effectLst/>
-                        <a:latin typeface="Times New Roman" panose="02020603050405020304" pitchFamily="18" charset="0"/>
-                        <a:ea typeface="Calibri" panose="020F0502020204030204" pitchFamily="34" charset="0"/>
-                        <a:cs typeface="Times New Roman" panose="02020603050405020304" pitchFamily="18" charset="0"/>
-                      </a:endParaRPr>
-                    </a:p>
-                  </a:txBody>
-                  <a:tcPr marL="68580" marR="68580" marT="0" marB="0" anchor="b"/>
-                </a:tc>
-                <a:tc>
-                  <a:txBody>
-                    <a:bodyPr/>
-                    <a:lstStyle/>
-                    <a:p>
-                      <a:pPr marL="0" marR="0" indent="0" algn="l">
-                        <a:lnSpc>
-                          <a:spcPct val="200000"/>
-                        </a:lnSpc>
-                        <a:spcBef>
-                          <a:spcPts val="0"/>
-                        </a:spcBef>
-                        <a:spcAft>
-                          <a:spcPts val="0"/>
-                        </a:spcAft>
-                      </a:pPr>
-                      <a:r>
-                        <a:rPr lang="en-US" sz="1200">
-                          <a:solidFill>
-                            <a:srgbClr val="000000"/>
-                          </a:solidFill>
-                          <a:effectLst/>
-                          <a:latin typeface="Calibri" panose="020F0502020204030204" pitchFamily="34" charset="0"/>
-                          <a:ea typeface="Times New Roman" panose="02020603050405020304" pitchFamily="18" charset="0"/>
-                          <a:cs typeface="Times New Roman" panose="02020603050405020304" pitchFamily="18" charset="0"/>
-                        </a:rPr>
-                        <a:t>99.07</a:t>
-                      </a:r>
-                      <a:endParaRPr lang="en-US" sz="1200">
-                        <a:effectLst/>
-                        <a:latin typeface="Times New Roman" panose="02020603050405020304" pitchFamily="18" charset="0"/>
-                        <a:ea typeface="Calibri" panose="020F0502020204030204" pitchFamily="34" charset="0"/>
-                        <a:cs typeface="Times New Roman" panose="02020603050405020304" pitchFamily="18" charset="0"/>
-                      </a:endParaRPr>
-                    </a:p>
-                  </a:txBody>
-                  <a:tcPr marL="68580" marR="68580" marT="0" marB="0" anchor="b"/>
-                </a:tc>
-                <a:tc>
-                  <a:txBody>
-                    <a:bodyPr/>
-                    <a:lstStyle/>
-                    <a:p>
-                      <a:pPr marL="0" marR="0" indent="0" algn="l">
-                        <a:lnSpc>
-                          <a:spcPct val="200000"/>
-                        </a:lnSpc>
-                        <a:spcBef>
-                          <a:spcPts val="0"/>
-                        </a:spcBef>
-                        <a:spcAft>
-                          <a:spcPts val="0"/>
-                        </a:spcAft>
-                      </a:pPr>
-                      <a:r>
-                        <a:rPr lang="en-US" sz="1200">
-                          <a:solidFill>
-                            <a:srgbClr val="000000"/>
-                          </a:solidFill>
-                          <a:effectLst/>
-                          <a:latin typeface="Calibri" panose="020F0502020204030204" pitchFamily="34" charset="0"/>
-                          <a:ea typeface="Times New Roman" panose="02020603050405020304" pitchFamily="18" charset="0"/>
-                          <a:cs typeface="Times New Roman" panose="02020603050405020304" pitchFamily="18" charset="0"/>
-                        </a:rPr>
-                        <a:t>98.60</a:t>
-                      </a:r>
-                      <a:endParaRPr lang="en-US" sz="1200">
-                        <a:effectLst/>
-                        <a:latin typeface="Times New Roman" panose="02020603050405020304" pitchFamily="18" charset="0"/>
-                        <a:ea typeface="Calibri" panose="020F0502020204030204" pitchFamily="34" charset="0"/>
-                        <a:cs typeface="Times New Roman" panose="02020603050405020304" pitchFamily="18" charset="0"/>
-                      </a:endParaRPr>
-                    </a:p>
-                  </a:txBody>
-                  <a:tcPr marL="68580" marR="68580" marT="0" marB="0" anchor="b"/>
-                </a:tc>
-                <a:extLst>
-                  <a:ext uri="{0D108BD9-81ED-4DB2-BD59-A6C34878D82A}">
-                    <a16:rowId xmlns:a16="http://schemas.microsoft.com/office/drawing/2014/main" val="2700766554"/>
-                  </a:ext>
-                </a:extLst>
-              </a:tr>
-              <a:tr h="370840">
-                <a:tc>
-                  <a:txBody>
-                    <a:bodyPr/>
-                    <a:lstStyle/>
-                    <a:p>
-                      <a:pPr marL="0" marR="0" indent="0" algn="l">
-                        <a:lnSpc>
-                          <a:spcPct val="200000"/>
-                        </a:lnSpc>
-                        <a:spcBef>
-                          <a:spcPts val="0"/>
-                        </a:spcBef>
-                        <a:spcAft>
-                          <a:spcPts val="0"/>
-                        </a:spcAft>
-                      </a:pPr>
-                      <a:r>
-                        <a:rPr lang="en-US" sz="1200">
-                          <a:solidFill>
-                            <a:srgbClr val="000000"/>
-                          </a:solidFill>
-                          <a:effectLst/>
-                          <a:latin typeface="Calibri" panose="020F0502020204030204" pitchFamily="34" charset="0"/>
-                          <a:ea typeface="Times New Roman" panose="02020603050405020304" pitchFamily="18" charset="0"/>
-                          <a:cs typeface="Times New Roman" panose="02020603050405020304" pitchFamily="18" charset="0"/>
-                        </a:rPr>
-                        <a:t>2</a:t>
-                      </a:r>
-                      <a:endParaRPr lang="en-US" sz="1200">
-                        <a:effectLst/>
-                        <a:latin typeface="Times New Roman" panose="02020603050405020304" pitchFamily="18" charset="0"/>
-                        <a:ea typeface="Calibri" panose="020F0502020204030204" pitchFamily="34" charset="0"/>
-                        <a:cs typeface="Times New Roman" panose="02020603050405020304" pitchFamily="18" charset="0"/>
-                      </a:endParaRPr>
-                    </a:p>
-                  </a:txBody>
-                  <a:tcPr marL="68580" marR="68580" marT="0" marB="0" anchor="b"/>
-                </a:tc>
-                <a:tc>
-                  <a:txBody>
-                    <a:bodyPr/>
-                    <a:lstStyle/>
-                    <a:p>
-                      <a:pPr marL="0" marR="0" indent="0" algn="l">
-                        <a:lnSpc>
-                          <a:spcPct val="200000"/>
-                        </a:lnSpc>
-                        <a:spcBef>
-                          <a:spcPts val="0"/>
-                        </a:spcBef>
-                        <a:spcAft>
-                          <a:spcPts val="0"/>
-                        </a:spcAft>
-                      </a:pPr>
-                      <a:r>
-                        <a:rPr lang="en-US" sz="1200">
-                          <a:solidFill>
-                            <a:srgbClr val="000000"/>
-                          </a:solidFill>
-                          <a:effectLst/>
-                          <a:latin typeface="Calibri" panose="020F0502020204030204" pitchFamily="34" charset="0"/>
-                          <a:ea typeface="Times New Roman" panose="02020603050405020304" pitchFamily="18" charset="0"/>
-                          <a:cs typeface="Times New Roman" panose="02020603050405020304" pitchFamily="18" charset="0"/>
-                        </a:rPr>
-                        <a:t>97.00</a:t>
-                      </a:r>
-                      <a:endParaRPr lang="en-US" sz="1200">
-                        <a:effectLst/>
-                        <a:latin typeface="Times New Roman" panose="02020603050405020304" pitchFamily="18" charset="0"/>
-                        <a:ea typeface="Calibri" panose="020F0502020204030204" pitchFamily="34" charset="0"/>
-                        <a:cs typeface="Times New Roman" panose="02020603050405020304" pitchFamily="18" charset="0"/>
-                      </a:endParaRPr>
-                    </a:p>
-                  </a:txBody>
-                  <a:tcPr marL="68580" marR="68580" marT="0" marB="0" anchor="b"/>
-                </a:tc>
-                <a:tc>
-                  <a:txBody>
-                    <a:bodyPr/>
-                    <a:lstStyle/>
-                    <a:p>
-                      <a:pPr marL="0" marR="0" indent="0" algn="l">
-                        <a:lnSpc>
-                          <a:spcPct val="200000"/>
-                        </a:lnSpc>
-                        <a:spcBef>
-                          <a:spcPts val="0"/>
-                        </a:spcBef>
-                        <a:spcAft>
-                          <a:spcPts val="0"/>
-                        </a:spcAft>
-                      </a:pPr>
-                      <a:r>
-                        <a:rPr lang="en-US" sz="1200">
-                          <a:solidFill>
-                            <a:srgbClr val="000000"/>
-                          </a:solidFill>
-                          <a:effectLst/>
-                          <a:latin typeface="Calibri" panose="020F0502020204030204" pitchFamily="34" charset="0"/>
-                          <a:ea typeface="Times New Roman" panose="02020603050405020304" pitchFamily="18" charset="0"/>
-                          <a:cs typeface="Times New Roman" panose="02020603050405020304" pitchFamily="18" charset="0"/>
-                        </a:rPr>
-                        <a:t>100.00</a:t>
-                      </a:r>
-                      <a:endParaRPr lang="en-US" sz="1200">
-                        <a:effectLst/>
-                        <a:latin typeface="Times New Roman" panose="02020603050405020304" pitchFamily="18" charset="0"/>
-                        <a:ea typeface="Calibri" panose="020F0502020204030204" pitchFamily="34" charset="0"/>
-                        <a:cs typeface="Times New Roman" panose="02020603050405020304" pitchFamily="18" charset="0"/>
-                      </a:endParaRPr>
-                    </a:p>
-                  </a:txBody>
-                  <a:tcPr marL="68580" marR="68580" marT="0" marB="0" anchor="b"/>
-                </a:tc>
-                <a:tc>
-                  <a:txBody>
-                    <a:bodyPr/>
-                    <a:lstStyle/>
-                    <a:p>
-                      <a:pPr marL="0" marR="0" indent="0" algn="l">
-                        <a:lnSpc>
-                          <a:spcPct val="200000"/>
-                        </a:lnSpc>
-                        <a:spcBef>
-                          <a:spcPts val="0"/>
-                        </a:spcBef>
-                        <a:spcAft>
-                          <a:spcPts val="0"/>
-                        </a:spcAft>
-                      </a:pPr>
-                      <a:r>
-                        <a:rPr lang="en-US" sz="1200">
-                          <a:solidFill>
-                            <a:srgbClr val="000000"/>
-                          </a:solidFill>
-                          <a:effectLst/>
-                          <a:latin typeface="Calibri" panose="020F0502020204030204" pitchFamily="34" charset="0"/>
-                          <a:ea typeface="Times New Roman" panose="02020603050405020304" pitchFamily="18" charset="0"/>
-                          <a:cs typeface="Times New Roman" panose="02020603050405020304" pitchFamily="18" charset="0"/>
-                        </a:rPr>
-                        <a:t>94.00</a:t>
-                      </a:r>
-                      <a:endParaRPr lang="en-US" sz="1200">
-                        <a:effectLst/>
-                        <a:latin typeface="Times New Roman" panose="02020603050405020304" pitchFamily="18" charset="0"/>
-                        <a:ea typeface="Calibri" panose="020F0502020204030204" pitchFamily="34" charset="0"/>
-                        <a:cs typeface="Times New Roman" panose="02020603050405020304" pitchFamily="18" charset="0"/>
-                      </a:endParaRPr>
-                    </a:p>
-                  </a:txBody>
-                  <a:tcPr marL="68580" marR="68580" marT="0" marB="0" anchor="b"/>
-                </a:tc>
-                <a:tc>
-                  <a:txBody>
-                    <a:bodyPr/>
-                    <a:lstStyle/>
-                    <a:p>
-                      <a:pPr marL="0" marR="0" indent="0" algn="l">
-                        <a:lnSpc>
-                          <a:spcPct val="200000"/>
-                        </a:lnSpc>
-                        <a:spcBef>
-                          <a:spcPts val="0"/>
-                        </a:spcBef>
-                        <a:spcAft>
-                          <a:spcPts val="0"/>
-                        </a:spcAft>
-                      </a:pPr>
-                      <a:r>
-                        <a:rPr lang="en-US" sz="1200">
-                          <a:solidFill>
-                            <a:srgbClr val="000000"/>
-                          </a:solidFill>
-                          <a:effectLst/>
-                          <a:latin typeface="Calibri" panose="020F0502020204030204" pitchFamily="34" charset="0"/>
-                          <a:ea typeface="Times New Roman" panose="02020603050405020304" pitchFamily="18" charset="0"/>
-                          <a:cs typeface="Times New Roman" panose="02020603050405020304" pitchFamily="18" charset="0"/>
-                        </a:rPr>
-                        <a:t>96.91</a:t>
-                      </a:r>
-                      <a:endParaRPr lang="en-US" sz="1200">
-                        <a:effectLst/>
-                        <a:latin typeface="Times New Roman" panose="02020603050405020304" pitchFamily="18" charset="0"/>
-                        <a:ea typeface="Calibri" panose="020F0502020204030204" pitchFamily="34" charset="0"/>
-                        <a:cs typeface="Times New Roman" panose="02020603050405020304" pitchFamily="18" charset="0"/>
-                      </a:endParaRPr>
-                    </a:p>
-                  </a:txBody>
-                  <a:tcPr marL="68580" marR="68580" marT="0" marB="0" anchor="b"/>
-                </a:tc>
-                <a:extLst>
-                  <a:ext uri="{0D108BD9-81ED-4DB2-BD59-A6C34878D82A}">
-                    <a16:rowId xmlns:a16="http://schemas.microsoft.com/office/drawing/2014/main" val="16180132"/>
-                  </a:ext>
-                </a:extLst>
-              </a:tr>
-              <a:tr h="370840">
-                <a:tc>
-                  <a:txBody>
-                    <a:bodyPr/>
-                    <a:lstStyle/>
-                    <a:p>
-                      <a:pPr marL="0" marR="0" indent="0" algn="l">
-                        <a:lnSpc>
-                          <a:spcPct val="200000"/>
-                        </a:lnSpc>
-                        <a:spcBef>
-                          <a:spcPts val="0"/>
-                        </a:spcBef>
-                        <a:spcAft>
-                          <a:spcPts val="0"/>
-                        </a:spcAft>
-                      </a:pPr>
-                      <a:r>
-                        <a:rPr lang="en-US" sz="1200">
-                          <a:solidFill>
-                            <a:srgbClr val="000000"/>
-                          </a:solidFill>
-                          <a:effectLst/>
-                          <a:latin typeface="Calibri" panose="020F0502020204030204" pitchFamily="34" charset="0"/>
-                          <a:ea typeface="Times New Roman" panose="02020603050405020304" pitchFamily="18" charset="0"/>
-                          <a:cs typeface="Times New Roman" panose="02020603050405020304" pitchFamily="18" charset="0"/>
-                        </a:rPr>
-                        <a:t>3</a:t>
-                      </a:r>
-                      <a:endParaRPr lang="en-US" sz="1200">
-                        <a:effectLst/>
-                        <a:latin typeface="Times New Roman" panose="02020603050405020304" pitchFamily="18" charset="0"/>
-                        <a:ea typeface="Calibri" panose="020F0502020204030204" pitchFamily="34" charset="0"/>
-                        <a:cs typeface="Times New Roman" panose="02020603050405020304" pitchFamily="18" charset="0"/>
-                      </a:endParaRPr>
-                    </a:p>
-                  </a:txBody>
-                  <a:tcPr marL="68580" marR="68580" marT="0" marB="0" anchor="b"/>
-                </a:tc>
-                <a:tc>
-                  <a:txBody>
-                    <a:bodyPr/>
-                    <a:lstStyle/>
-                    <a:p>
-                      <a:pPr marL="0" marR="0" indent="0" algn="l">
-                        <a:lnSpc>
-                          <a:spcPct val="200000"/>
-                        </a:lnSpc>
-                        <a:spcBef>
-                          <a:spcPts val="0"/>
-                        </a:spcBef>
-                        <a:spcAft>
-                          <a:spcPts val="0"/>
-                        </a:spcAft>
-                      </a:pPr>
-                      <a:r>
-                        <a:rPr lang="en-US" sz="1200">
-                          <a:solidFill>
-                            <a:srgbClr val="000000"/>
-                          </a:solidFill>
-                          <a:effectLst/>
-                          <a:latin typeface="Calibri" panose="020F0502020204030204" pitchFamily="34" charset="0"/>
-                          <a:ea typeface="Times New Roman" panose="02020603050405020304" pitchFamily="18" charset="0"/>
-                          <a:cs typeface="Times New Roman" panose="02020603050405020304" pitchFamily="18" charset="0"/>
-                        </a:rPr>
-                        <a:t>97.50</a:t>
-                      </a:r>
-                      <a:endParaRPr lang="en-US" sz="1200">
-                        <a:effectLst/>
-                        <a:latin typeface="Times New Roman" panose="02020603050405020304" pitchFamily="18" charset="0"/>
-                        <a:ea typeface="Calibri" panose="020F0502020204030204" pitchFamily="34" charset="0"/>
-                        <a:cs typeface="Times New Roman" panose="02020603050405020304" pitchFamily="18" charset="0"/>
-                      </a:endParaRPr>
-                    </a:p>
-                  </a:txBody>
-                  <a:tcPr marL="68580" marR="68580" marT="0" marB="0" anchor="b"/>
-                </a:tc>
-                <a:tc>
-                  <a:txBody>
-                    <a:bodyPr/>
-                    <a:lstStyle/>
-                    <a:p>
-                      <a:pPr marL="0" marR="0" indent="0" algn="l">
-                        <a:lnSpc>
-                          <a:spcPct val="200000"/>
-                        </a:lnSpc>
-                        <a:spcBef>
-                          <a:spcPts val="0"/>
-                        </a:spcBef>
-                        <a:spcAft>
-                          <a:spcPts val="0"/>
-                        </a:spcAft>
-                      </a:pPr>
-                      <a:r>
-                        <a:rPr lang="en-US" sz="1200">
-                          <a:solidFill>
-                            <a:srgbClr val="000000"/>
-                          </a:solidFill>
-                          <a:effectLst/>
-                          <a:latin typeface="Calibri" panose="020F0502020204030204" pitchFamily="34" charset="0"/>
-                          <a:ea typeface="Times New Roman" panose="02020603050405020304" pitchFamily="18" charset="0"/>
-                          <a:cs typeface="Times New Roman" panose="02020603050405020304" pitchFamily="18" charset="0"/>
-                        </a:rPr>
-                        <a:t>95.65</a:t>
-                      </a:r>
-                      <a:endParaRPr lang="en-US" sz="1200">
-                        <a:effectLst/>
-                        <a:latin typeface="Times New Roman" panose="02020603050405020304" pitchFamily="18" charset="0"/>
-                        <a:ea typeface="Calibri" panose="020F0502020204030204" pitchFamily="34" charset="0"/>
-                        <a:cs typeface="Times New Roman" panose="02020603050405020304" pitchFamily="18" charset="0"/>
-                      </a:endParaRPr>
-                    </a:p>
-                  </a:txBody>
-                  <a:tcPr marL="68580" marR="68580" marT="0" marB="0" anchor="b"/>
-                </a:tc>
-                <a:tc>
-                  <a:txBody>
-                    <a:bodyPr/>
-                    <a:lstStyle/>
-                    <a:p>
-                      <a:pPr marL="0" marR="0" indent="0" algn="l">
-                        <a:lnSpc>
-                          <a:spcPct val="200000"/>
-                        </a:lnSpc>
-                        <a:spcBef>
-                          <a:spcPts val="0"/>
-                        </a:spcBef>
-                        <a:spcAft>
-                          <a:spcPts val="0"/>
-                        </a:spcAft>
-                      </a:pPr>
-                      <a:r>
-                        <a:rPr lang="en-US" sz="1200">
-                          <a:solidFill>
-                            <a:srgbClr val="000000"/>
-                          </a:solidFill>
-                          <a:effectLst/>
-                          <a:latin typeface="Calibri" panose="020F0502020204030204" pitchFamily="34" charset="0"/>
-                          <a:ea typeface="Times New Roman" panose="02020603050405020304" pitchFamily="18" charset="0"/>
-                          <a:cs typeface="Times New Roman" panose="02020603050405020304" pitchFamily="18" charset="0"/>
-                        </a:rPr>
-                        <a:t>98.88</a:t>
-                      </a:r>
-                      <a:endParaRPr lang="en-US" sz="1200">
-                        <a:effectLst/>
-                        <a:latin typeface="Times New Roman" panose="02020603050405020304" pitchFamily="18" charset="0"/>
-                        <a:ea typeface="Calibri" panose="020F0502020204030204" pitchFamily="34" charset="0"/>
-                        <a:cs typeface="Times New Roman" panose="02020603050405020304" pitchFamily="18" charset="0"/>
-                      </a:endParaRPr>
-                    </a:p>
-                  </a:txBody>
-                  <a:tcPr marL="68580" marR="68580" marT="0" marB="0" anchor="b"/>
-                </a:tc>
-                <a:tc>
-                  <a:txBody>
-                    <a:bodyPr/>
-                    <a:lstStyle/>
-                    <a:p>
-                      <a:pPr marL="0" marR="0" indent="0" algn="l">
-                        <a:lnSpc>
-                          <a:spcPct val="200000"/>
-                        </a:lnSpc>
-                        <a:spcBef>
-                          <a:spcPts val="0"/>
-                        </a:spcBef>
-                        <a:spcAft>
-                          <a:spcPts val="0"/>
-                        </a:spcAft>
-                      </a:pPr>
-                      <a:r>
-                        <a:rPr lang="en-US" sz="1200">
-                          <a:solidFill>
-                            <a:srgbClr val="000000"/>
-                          </a:solidFill>
-                          <a:effectLst/>
-                          <a:latin typeface="Calibri" panose="020F0502020204030204" pitchFamily="34" charset="0"/>
-                          <a:ea typeface="Times New Roman" panose="02020603050405020304" pitchFamily="18" charset="0"/>
-                          <a:cs typeface="Times New Roman" panose="02020603050405020304" pitchFamily="18" charset="0"/>
-                        </a:rPr>
-                        <a:t>97.23</a:t>
-                      </a:r>
-                      <a:endParaRPr lang="en-US" sz="1200">
-                        <a:effectLst/>
-                        <a:latin typeface="Times New Roman" panose="02020603050405020304" pitchFamily="18" charset="0"/>
-                        <a:ea typeface="Calibri" panose="020F0502020204030204" pitchFamily="34" charset="0"/>
-                        <a:cs typeface="Times New Roman" panose="02020603050405020304" pitchFamily="18" charset="0"/>
-                      </a:endParaRPr>
-                    </a:p>
-                  </a:txBody>
-                  <a:tcPr marL="68580" marR="68580" marT="0" marB="0" anchor="b"/>
-                </a:tc>
-                <a:extLst>
-                  <a:ext uri="{0D108BD9-81ED-4DB2-BD59-A6C34878D82A}">
-                    <a16:rowId xmlns:a16="http://schemas.microsoft.com/office/drawing/2014/main" val="2007775634"/>
-                  </a:ext>
-                </a:extLst>
-              </a:tr>
-              <a:tr h="370840">
-                <a:tc>
-                  <a:txBody>
-                    <a:bodyPr/>
-                    <a:lstStyle/>
-                    <a:p>
-                      <a:pPr marL="0" marR="0" indent="0" algn="l">
-                        <a:lnSpc>
-                          <a:spcPct val="200000"/>
-                        </a:lnSpc>
-                        <a:spcBef>
-                          <a:spcPts val="0"/>
-                        </a:spcBef>
-                        <a:spcAft>
-                          <a:spcPts val="0"/>
-                        </a:spcAft>
-                      </a:pPr>
-                      <a:r>
-                        <a:rPr lang="en-US" sz="1200">
-                          <a:solidFill>
-                            <a:srgbClr val="000000"/>
-                          </a:solidFill>
-                          <a:effectLst/>
-                          <a:latin typeface="Calibri" panose="020F0502020204030204" pitchFamily="34" charset="0"/>
-                          <a:ea typeface="Times New Roman" panose="02020603050405020304" pitchFamily="18" charset="0"/>
-                          <a:cs typeface="Times New Roman" panose="02020603050405020304" pitchFamily="18" charset="0"/>
-                        </a:rPr>
-                        <a:t>4</a:t>
-                      </a:r>
-                      <a:endParaRPr lang="en-US" sz="1200">
-                        <a:effectLst/>
-                        <a:latin typeface="Times New Roman" panose="02020603050405020304" pitchFamily="18" charset="0"/>
-                        <a:ea typeface="Calibri" panose="020F0502020204030204" pitchFamily="34" charset="0"/>
-                        <a:cs typeface="Times New Roman" panose="02020603050405020304" pitchFamily="18" charset="0"/>
-                      </a:endParaRPr>
-                    </a:p>
-                  </a:txBody>
-                  <a:tcPr marL="68580" marR="68580" marT="0" marB="0" anchor="b"/>
-                </a:tc>
-                <a:tc>
-                  <a:txBody>
-                    <a:bodyPr/>
-                    <a:lstStyle/>
-                    <a:p>
-                      <a:pPr marL="0" marR="0" indent="0" algn="l">
-                        <a:lnSpc>
-                          <a:spcPct val="200000"/>
-                        </a:lnSpc>
-                        <a:spcBef>
-                          <a:spcPts val="0"/>
-                        </a:spcBef>
-                        <a:spcAft>
-                          <a:spcPts val="0"/>
-                        </a:spcAft>
-                      </a:pPr>
-                      <a:r>
-                        <a:rPr lang="en-US" sz="1200">
-                          <a:solidFill>
-                            <a:srgbClr val="000000"/>
-                          </a:solidFill>
-                          <a:effectLst/>
-                          <a:latin typeface="Calibri" panose="020F0502020204030204" pitchFamily="34" charset="0"/>
-                          <a:ea typeface="Times New Roman" panose="02020603050405020304" pitchFamily="18" charset="0"/>
-                          <a:cs typeface="Times New Roman" panose="02020603050405020304" pitchFamily="18" charset="0"/>
-                        </a:rPr>
-                        <a:t>98.50</a:t>
-                      </a:r>
-                      <a:endParaRPr lang="en-US" sz="1200">
-                        <a:effectLst/>
-                        <a:latin typeface="Times New Roman" panose="02020603050405020304" pitchFamily="18" charset="0"/>
-                        <a:ea typeface="Calibri" panose="020F0502020204030204" pitchFamily="34" charset="0"/>
-                        <a:cs typeface="Times New Roman" panose="02020603050405020304" pitchFamily="18" charset="0"/>
-                      </a:endParaRPr>
-                    </a:p>
-                  </a:txBody>
-                  <a:tcPr marL="68580" marR="68580" marT="0" marB="0" anchor="b"/>
-                </a:tc>
-                <a:tc>
-                  <a:txBody>
-                    <a:bodyPr/>
-                    <a:lstStyle/>
-                    <a:p>
-                      <a:pPr marL="0" marR="0" indent="0" algn="l">
-                        <a:lnSpc>
-                          <a:spcPct val="200000"/>
-                        </a:lnSpc>
-                        <a:spcBef>
-                          <a:spcPts val="0"/>
-                        </a:spcBef>
-                        <a:spcAft>
-                          <a:spcPts val="0"/>
-                        </a:spcAft>
-                      </a:pPr>
-                      <a:r>
-                        <a:rPr lang="en-US" sz="1200">
-                          <a:solidFill>
-                            <a:srgbClr val="000000"/>
-                          </a:solidFill>
-                          <a:effectLst/>
-                          <a:latin typeface="Calibri" panose="020F0502020204030204" pitchFamily="34" charset="0"/>
-                          <a:ea typeface="Times New Roman" panose="02020603050405020304" pitchFamily="18" charset="0"/>
-                          <a:cs typeface="Times New Roman" panose="02020603050405020304" pitchFamily="18" charset="0"/>
-                        </a:rPr>
-                        <a:t>99.00</a:t>
-                      </a:r>
-                      <a:endParaRPr lang="en-US" sz="1200">
-                        <a:effectLst/>
-                        <a:latin typeface="Times New Roman" panose="02020603050405020304" pitchFamily="18" charset="0"/>
-                        <a:ea typeface="Calibri" panose="020F0502020204030204" pitchFamily="34" charset="0"/>
-                        <a:cs typeface="Times New Roman" panose="02020603050405020304" pitchFamily="18" charset="0"/>
-                      </a:endParaRPr>
-                    </a:p>
-                  </a:txBody>
-                  <a:tcPr marL="68580" marR="68580" marT="0" marB="0" anchor="b"/>
-                </a:tc>
-                <a:tc>
-                  <a:txBody>
-                    <a:bodyPr/>
-                    <a:lstStyle/>
-                    <a:p>
-                      <a:pPr marL="0" marR="0" indent="0" algn="l">
-                        <a:lnSpc>
-                          <a:spcPct val="200000"/>
-                        </a:lnSpc>
-                        <a:spcBef>
-                          <a:spcPts val="0"/>
-                        </a:spcBef>
-                        <a:spcAft>
-                          <a:spcPts val="0"/>
-                        </a:spcAft>
-                      </a:pPr>
-                      <a:r>
-                        <a:rPr lang="en-US" sz="1200">
-                          <a:solidFill>
-                            <a:srgbClr val="000000"/>
-                          </a:solidFill>
-                          <a:effectLst/>
-                          <a:latin typeface="Calibri" panose="020F0502020204030204" pitchFamily="34" charset="0"/>
-                          <a:ea typeface="Times New Roman" panose="02020603050405020304" pitchFamily="18" charset="0"/>
-                          <a:cs typeface="Times New Roman" panose="02020603050405020304" pitchFamily="18" charset="0"/>
-                        </a:rPr>
-                        <a:t>98.02</a:t>
-                      </a:r>
-                      <a:endParaRPr lang="en-US" sz="1200">
-                        <a:effectLst/>
-                        <a:latin typeface="Times New Roman" panose="02020603050405020304" pitchFamily="18" charset="0"/>
-                        <a:ea typeface="Calibri" panose="020F0502020204030204" pitchFamily="34" charset="0"/>
-                        <a:cs typeface="Times New Roman" panose="02020603050405020304" pitchFamily="18" charset="0"/>
-                      </a:endParaRPr>
-                    </a:p>
-                  </a:txBody>
-                  <a:tcPr marL="68580" marR="68580" marT="0" marB="0" anchor="b"/>
-                </a:tc>
-                <a:tc>
-                  <a:txBody>
-                    <a:bodyPr/>
-                    <a:lstStyle/>
-                    <a:p>
-                      <a:pPr marL="0" marR="0" indent="0" algn="l">
-                        <a:lnSpc>
-                          <a:spcPct val="200000"/>
-                        </a:lnSpc>
-                        <a:spcBef>
-                          <a:spcPts val="0"/>
-                        </a:spcBef>
-                        <a:spcAft>
-                          <a:spcPts val="0"/>
-                        </a:spcAft>
-                      </a:pPr>
-                      <a:r>
-                        <a:rPr lang="en-US" sz="1200">
-                          <a:solidFill>
-                            <a:srgbClr val="000000"/>
-                          </a:solidFill>
-                          <a:effectLst/>
-                          <a:latin typeface="Calibri" panose="020F0502020204030204" pitchFamily="34" charset="0"/>
-                          <a:ea typeface="Times New Roman" panose="02020603050405020304" pitchFamily="18" charset="0"/>
-                          <a:cs typeface="Times New Roman" panose="02020603050405020304" pitchFamily="18" charset="0"/>
-                        </a:rPr>
-                        <a:t>98.51</a:t>
-                      </a:r>
-                      <a:endParaRPr lang="en-US" sz="1200">
-                        <a:effectLst/>
-                        <a:latin typeface="Times New Roman" panose="02020603050405020304" pitchFamily="18" charset="0"/>
-                        <a:ea typeface="Calibri" panose="020F0502020204030204" pitchFamily="34" charset="0"/>
-                        <a:cs typeface="Times New Roman" panose="02020603050405020304" pitchFamily="18" charset="0"/>
-                      </a:endParaRPr>
-                    </a:p>
-                  </a:txBody>
-                  <a:tcPr marL="68580" marR="68580" marT="0" marB="0" anchor="b"/>
-                </a:tc>
-                <a:extLst>
-                  <a:ext uri="{0D108BD9-81ED-4DB2-BD59-A6C34878D82A}">
-                    <a16:rowId xmlns:a16="http://schemas.microsoft.com/office/drawing/2014/main" val="643496013"/>
-                  </a:ext>
-                </a:extLst>
-              </a:tr>
-              <a:tr h="370840">
-                <a:tc>
-                  <a:txBody>
-                    <a:bodyPr/>
-                    <a:lstStyle/>
-                    <a:p>
-                      <a:pPr marL="0" marR="0" indent="0" algn="l">
-                        <a:lnSpc>
-                          <a:spcPct val="200000"/>
-                        </a:lnSpc>
-                        <a:spcBef>
-                          <a:spcPts val="0"/>
-                        </a:spcBef>
-                        <a:spcAft>
-                          <a:spcPts val="0"/>
-                        </a:spcAft>
-                      </a:pPr>
-                      <a:r>
-                        <a:rPr lang="en-US" sz="1200">
-                          <a:solidFill>
-                            <a:srgbClr val="000000"/>
-                          </a:solidFill>
-                          <a:effectLst/>
-                          <a:latin typeface="Calibri" panose="020F0502020204030204" pitchFamily="34" charset="0"/>
-                          <a:ea typeface="Times New Roman" panose="02020603050405020304" pitchFamily="18" charset="0"/>
-                          <a:cs typeface="Times New Roman" panose="02020603050405020304" pitchFamily="18" charset="0"/>
-                        </a:rPr>
-                        <a:t>5</a:t>
-                      </a:r>
-                      <a:endParaRPr lang="en-US" sz="1200">
-                        <a:effectLst/>
-                        <a:latin typeface="Times New Roman" panose="02020603050405020304" pitchFamily="18" charset="0"/>
-                        <a:ea typeface="Calibri" panose="020F0502020204030204" pitchFamily="34" charset="0"/>
-                        <a:cs typeface="Times New Roman" panose="02020603050405020304" pitchFamily="18" charset="0"/>
-                      </a:endParaRPr>
-                    </a:p>
-                  </a:txBody>
-                  <a:tcPr marL="68580" marR="68580" marT="0" marB="0" anchor="b"/>
-                </a:tc>
-                <a:tc>
-                  <a:txBody>
-                    <a:bodyPr/>
-                    <a:lstStyle/>
-                    <a:p>
-                      <a:pPr marL="0" marR="0" indent="0" algn="l">
-                        <a:lnSpc>
-                          <a:spcPct val="200000"/>
-                        </a:lnSpc>
-                        <a:spcBef>
-                          <a:spcPts val="0"/>
-                        </a:spcBef>
-                        <a:spcAft>
-                          <a:spcPts val="0"/>
-                        </a:spcAft>
-                      </a:pPr>
-                      <a:r>
-                        <a:rPr lang="en-US" sz="1200" dirty="0">
-                          <a:solidFill>
-                            <a:srgbClr val="000000"/>
-                          </a:solidFill>
-                          <a:effectLst/>
-                          <a:latin typeface="Calibri" panose="020F0502020204030204" pitchFamily="34" charset="0"/>
-                          <a:ea typeface="Times New Roman" panose="02020603050405020304" pitchFamily="18" charset="0"/>
-                          <a:cs typeface="Times New Roman" panose="02020603050405020304" pitchFamily="18" charset="0"/>
-                        </a:rPr>
-                        <a:t>98.00</a:t>
-                      </a:r>
-                      <a:endParaRPr lang="en-US" sz="1200" dirty="0">
-                        <a:effectLst/>
-                        <a:latin typeface="Times New Roman" panose="02020603050405020304" pitchFamily="18" charset="0"/>
-                        <a:ea typeface="Calibri" panose="020F0502020204030204" pitchFamily="34" charset="0"/>
-                        <a:cs typeface="Times New Roman" panose="02020603050405020304" pitchFamily="18" charset="0"/>
-                      </a:endParaRPr>
-                    </a:p>
-                  </a:txBody>
-                  <a:tcPr marL="68580" marR="68580" marT="0" marB="0" anchor="b"/>
-                </a:tc>
-                <a:tc>
-                  <a:txBody>
-                    <a:bodyPr/>
-                    <a:lstStyle/>
-                    <a:p>
-                      <a:pPr marL="0" marR="0" indent="0" algn="l">
-                        <a:lnSpc>
-                          <a:spcPct val="200000"/>
-                        </a:lnSpc>
-                        <a:spcBef>
-                          <a:spcPts val="0"/>
-                        </a:spcBef>
-                        <a:spcAft>
-                          <a:spcPts val="0"/>
-                        </a:spcAft>
-                      </a:pPr>
-                      <a:r>
-                        <a:rPr lang="en-US" sz="1200" dirty="0">
-                          <a:solidFill>
-                            <a:srgbClr val="000000"/>
-                          </a:solidFill>
-                          <a:effectLst/>
-                          <a:latin typeface="Calibri" panose="020F0502020204030204" pitchFamily="34" charset="0"/>
-                          <a:ea typeface="Times New Roman" panose="02020603050405020304" pitchFamily="18" charset="0"/>
-                          <a:cs typeface="Times New Roman" panose="02020603050405020304" pitchFamily="18" charset="0"/>
-                        </a:rPr>
-                        <a:t>99.01</a:t>
-                      </a:r>
-                      <a:endParaRPr lang="en-US" sz="1200" dirty="0">
-                        <a:effectLst/>
-                        <a:latin typeface="Times New Roman" panose="02020603050405020304" pitchFamily="18" charset="0"/>
-                        <a:ea typeface="Calibri" panose="020F0502020204030204" pitchFamily="34" charset="0"/>
-                        <a:cs typeface="Times New Roman" panose="02020603050405020304" pitchFamily="18" charset="0"/>
-                      </a:endParaRPr>
-                    </a:p>
-                  </a:txBody>
-                  <a:tcPr marL="68580" marR="68580" marT="0" marB="0" anchor="b"/>
-                </a:tc>
-                <a:tc>
-                  <a:txBody>
-                    <a:bodyPr/>
-                    <a:lstStyle/>
-                    <a:p>
-                      <a:pPr marL="0" marR="0" indent="0" algn="l">
-                        <a:lnSpc>
-                          <a:spcPct val="200000"/>
-                        </a:lnSpc>
-                        <a:spcBef>
-                          <a:spcPts val="0"/>
-                        </a:spcBef>
-                        <a:spcAft>
-                          <a:spcPts val="0"/>
-                        </a:spcAft>
-                      </a:pPr>
-                      <a:r>
-                        <a:rPr lang="en-US" sz="1200" dirty="0">
-                          <a:solidFill>
-                            <a:srgbClr val="000000"/>
-                          </a:solidFill>
-                          <a:effectLst/>
-                          <a:latin typeface="Calibri" panose="020F0502020204030204" pitchFamily="34" charset="0"/>
-                          <a:ea typeface="Times New Roman" panose="02020603050405020304" pitchFamily="18" charset="0"/>
-                          <a:cs typeface="Times New Roman" panose="02020603050405020304" pitchFamily="18" charset="0"/>
-                        </a:rPr>
-                        <a:t>97.09</a:t>
-                      </a:r>
-                      <a:endParaRPr lang="en-US" sz="1200" dirty="0">
-                        <a:effectLst/>
-                        <a:latin typeface="Times New Roman" panose="02020603050405020304" pitchFamily="18" charset="0"/>
-                        <a:ea typeface="Calibri" panose="020F0502020204030204" pitchFamily="34" charset="0"/>
-                        <a:cs typeface="Times New Roman" panose="02020603050405020304" pitchFamily="18" charset="0"/>
-                      </a:endParaRPr>
-                    </a:p>
-                  </a:txBody>
-                  <a:tcPr marL="68580" marR="68580" marT="0" marB="0" anchor="b"/>
-                </a:tc>
-                <a:tc>
-                  <a:txBody>
-                    <a:bodyPr/>
-                    <a:lstStyle/>
-                    <a:p>
-                      <a:pPr marL="0" marR="0" indent="0" algn="l">
-                        <a:lnSpc>
-                          <a:spcPct val="200000"/>
-                        </a:lnSpc>
-                        <a:spcBef>
-                          <a:spcPts val="0"/>
-                        </a:spcBef>
-                        <a:spcAft>
-                          <a:spcPts val="0"/>
-                        </a:spcAft>
-                      </a:pPr>
-                      <a:r>
-                        <a:rPr lang="en-US" sz="1200" dirty="0">
-                          <a:solidFill>
-                            <a:srgbClr val="000000"/>
-                          </a:solidFill>
-                          <a:effectLst/>
-                          <a:latin typeface="Calibri" panose="020F0502020204030204" pitchFamily="34" charset="0"/>
-                          <a:ea typeface="Times New Roman" panose="02020603050405020304" pitchFamily="18" charset="0"/>
-                          <a:cs typeface="Times New Roman" panose="02020603050405020304" pitchFamily="18" charset="0"/>
-                        </a:rPr>
-                        <a:t>98.04</a:t>
-                      </a:r>
-                      <a:endParaRPr lang="en-US" sz="1200" dirty="0">
-                        <a:effectLst/>
-                        <a:latin typeface="Times New Roman" panose="02020603050405020304" pitchFamily="18" charset="0"/>
-                        <a:ea typeface="Calibri" panose="020F0502020204030204" pitchFamily="34" charset="0"/>
-                        <a:cs typeface="Times New Roman" panose="02020603050405020304" pitchFamily="18" charset="0"/>
-                      </a:endParaRPr>
-                    </a:p>
-                  </a:txBody>
-                  <a:tcPr marL="68580" marR="68580" marT="0" marB="0" anchor="b"/>
-                </a:tc>
-                <a:extLst>
-                  <a:ext uri="{0D108BD9-81ED-4DB2-BD59-A6C34878D82A}">
-                    <a16:rowId xmlns:a16="http://schemas.microsoft.com/office/drawing/2014/main" val="1420824005"/>
-                  </a:ext>
-                </a:extLst>
-              </a:tr>
-            </a:tbl>
+          <a:graphicData uri="http://schemas.openxmlformats.org/drawingml/2006/chart">
+            <c:chart xmlns:c="http://schemas.openxmlformats.org/drawingml/2006/chart" xmlns:r="http://schemas.openxmlformats.org/officeDocument/2006/relationships" r:id="rId2"/>
           </a:graphicData>
         </a:graphic>
       </p:graphicFrame>
-      <p:graphicFrame>
-        <p:nvGraphicFramePr>
-          <p:cNvPr id="10" name="Table 10">
-            <a:extLst>
-              <a:ext uri="{FF2B5EF4-FFF2-40B4-BE49-F238E27FC236}">
-                <a16:creationId xmlns:a16="http://schemas.microsoft.com/office/drawing/2014/main" id="{DB65AFB8-FF3A-4116-993D-79DE492345E9}"/>
-              </a:ext>
-            </a:extLst>
-          </p:cNvPr>
-          <p:cNvGraphicFramePr>
-            <a:graphicFrameLocks noGrp="1"/>
-          </p:cNvGraphicFramePr>
-          <p:nvPr>
-            <p:extLst>
-              <p:ext uri="{D42A27DB-BD31-4B8C-83A1-F6EECF244321}">
-                <p14:modId xmlns:p14="http://schemas.microsoft.com/office/powerpoint/2010/main" val="2816491712"/>
-              </p:ext>
-            </p:extLst>
-          </p:nvPr>
-        </p:nvGraphicFramePr>
-        <p:xfrm>
-          <a:off x="2032000" y="5333611"/>
-          <a:ext cx="8128000" cy="741680"/>
-        </p:xfrm>
-        <a:graphic>
-          <a:graphicData uri="http://schemas.openxmlformats.org/drawingml/2006/table">
-            <a:tbl>
-              <a:tblPr firstRow="1" bandRow="1">
-                <a:tableStyleId>{5C22544A-7EE6-4342-B048-85BDC9FD1C3A}</a:tableStyleId>
-              </a:tblPr>
-              <a:tblGrid>
-                <a:gridCol w="2032000">
-                  <a:extLst>
-                    <a:ext uri="{9D8B030D-6E8A-4147-A177-3AD203B41FA5}">
-                      <a16:colId xmlns:a16="http://schemas.microsoft.com/office/drawing/2014/main" val="3450924420"/>
-                    </a:ext>
-                  </a:extLst>
-                </a:gridCol>
-                <a:gridCol w="2032000">
-                  <a:extLst>
-                    <a:ext uri="{9D8B030D-6E8A-4147-A177-3AD203B41FA5}">
-                      <a16:colId xmlns:a16="http://schemas.microsoft.com/office/drawing/2014/main" val="3408883311"/>
-                    </a:ext>
-                  </a:extLst>
-                </a:gridCol>
-                <a:gridCol w="2032000">
-                  <a:extLst>
-                    <a:ext uri="{9D8B030D-6E8A-4147-A177-3AD203B41FA5}">
-                      <a16:colId xmlns:a16="http://schemas.microsoft.com/office/drawing/2014/main" val="1751367319"/>
-                    </a:ext>
-                  </a:extLst>
-                </a:gridCol>
-                <a:gridCol w="2032000">
-                  <a:extLst>
-                    <a:ext uri="{9D8B030D-6E8A-4147-A177-3AD203B41FA5}">
-                      <a16:colId xmlns:a16="http://schemas.microsoft.com/office/drawing/2014/main" val="2484624937"/>
-                    </a:ext>
-                  </a:extLst>
-                </a:gridCol>
-              </a:tblGrid>
-              <a:tr h="370840">
-                <a:tc>
-                  <a:txBody>
-                    <a:bodyPr/>
-                    <a:lstStyle/>
-                    <a:p>
-                      <a:pPr marL="0" marR="0" indent="0" algn="ctr">
-                        <a:lnSpc>
-                          <a:spcPct val="200000"/>
-                        </a:lnSpc>
-                        <a:spcBef>
-                          <a:spcPts val="0"/>
-                        </a:spcBef>
-                        <a:spcAft>
-                          <a:spcPts val="0"/>
-                        </a:spcAft>
-                      </a:pPr>
-                      <a:r>
-                        <a:rPr lang="en-US" sz="1200" b="1" dirty="0">
-                          <a:solidFill>
-                            <a:srgbClr val="000000"/>
-                          </a:solidFill>
-                          <a:effectLst/>
-                          <a:latin typeface="Calibri" panose="020F0502020204030204" pitchFamily="34" charset="0"/>
-                          <a:ea typeface="Times New Roman" panose="02020603050405020304" pitchFamily="18" charset="0"/>
-                          <a:cs typeface="Times New Roman" panose="02020603050405020304" pitchFamily="18" charset="0"/>
-                        </a:rPr>
-                        <a:t>accuracy</a:t>
-                      </a:r>
-                      <a:endParaRPr lang="en-US" sz="1200" dirty="0">
-                        <a:effectLst/>
-                        <a:latin typeface="Times New Roman" panose="02020603050405020304" pitchFamily="18" charset="0"/>
-                        <a:ea typeface="Calibri" panose="020F0502020204030204" pitchFamily="34" charset="0"/>
-                        <a:cs typeface="Times New Roman" panose="02020603050405020304" pitchFamily="18" charset="0"/>
-                      </a:endParaRPr>
-                    </a:p>
-                  </a:txBody>
-                  <a:tcPr marL="68580" marR="68580" marT="0" marB="0" anchor="b"/>
-                </a:tc>
-                <a:tc>
-                  <a:txBody>
-                    <a:bodyPr/>
-                    <a:lstStyle/>
-                    <a:p>
-                      <a:pPr marL="0" marR="0" indent="0" algn="ctr">
-                        <a:lnSpc>
-                          <a:spcPct val="200000"/>
-                        </a:lnSpc>
-                        <a:spcBef>
-                          <a:spcPts val="0"/>
-                        </a:spcBef>
-                        <a:spcAft>
-                          <a:spcPts val="0"/>
-                        </a:spcAft>
-                      </a:pPr>
-                      <a:r>
-                        <a:rPr lang="en-US" sz="1200" b="1" dirty="0">
-                          <a:solidFill>
-                            <a:srgbClr val="000000"/>
-                          </a:solidFill>
-                          <a:effectLst/>
-                          <a:latin typeface="Calibri" panose="020F0502020204030204" pitchFamily="34" charset="0"/>
-                          <a:ea typeface="Times New Roman" panose="02020603050405020304" pitchFamily="18" charset="0"/>
-                          <a:cs typeface="Times New Roman" panose="02020603050405020304" pitchFamily="18" charset="0"/>
-                        </a:rPr>
-                        <a:t>precision</a:t>
-                      </a:r>
-                      <a:endParaRPr lang="en-US" sz="1200" dirty="0">
-                        <a:effectLst/>
-                        <a:latin typeface="Times New Roman" panose="02020603050405020304" pitchFamily="18" charset="0"/>
-                        <a:ea typeface="Calibri" panose="020F0502020204030204" pitchFamily="34" charset="0"/>
-                        <a:cs typeface="Times New Roman" panose="02020603050405020304" pitchFamily="18" charset="0"/>
-                      </a:endParaRPr>
-                    </a:p>
-                  </a:txBody>
-                  <a:tcPr marL="68580" marR="68580" marT="0" marB="0" anchor="b"/>
-                </a:tc>
-                <a:tc>
-                  <a:txBody>
-                    <a:bodyPr/>
-                    <a:lstStyle/>
-                    <a:p>
-                      <a:pPr marL="0" marR="0" indent="0" algn="ctr">
-                        <a:lnSpc>
-                          <a:spcPct val="200000"/>
-                        </a:lnSpc>
-                        <a:spcBef>
-                          <a:spcPts val="0"/>
-                        </a:spcBef>
-                        <a:spcAft>
-                          <a:spcPts val="0"/>
-                        </a:spcAft>
-                      </a:pPr>
-                      <a:r>
-                        <a:rPr lang="en-US" sz="1200" b="1" dirty="0">
-                          <a:solidFill>
-                            <a:srgbClr val="000000"/>
-                          </a:solidFill>
-                          <a:effectLst/>
-                          <a:latin typeface="Calibri" panose="020F0502020204030204" pitchFamily="34" charset="0"/>
-                          <a:ea typeface="Times New Roman" panose="02020603050405020304" pitchFamily="18" charset="0"/>
-                          <a:cs typeface="Times New Roman" panose="02020603050405020304" pitchFamily="18" charset="0"/>
-                        </a:rPr>
-                        <a:t>recall</a:t>
-                      </a:r>
-                      <a:endParaRPr lang="en-US" sz="1200" dirty="0">
-                        <a:effectLst/>
-                        <a:latin typeface="Times New Roman" panose="02020603050405020304" pitchFamily="18" charset="0"/>
-                        <a:ea typeface="Calibri" panose="020F0502020204030204" pitchFamily="34" charset="0"/>
-                        <a:cs typeface="Times New Roman" panose="02020603050405020304" pitchFamily="18" charset="0"/>
-                      </a:endParaRPr>
-                    </a:p>
-                  </a:txBody>
-                  <a:tcPr marL="68580" marR="68580" marT="0" marB="0" anchor="b"/>
-                </a:tc>
-                <a:tc>
-                  <a:txBody>
-                    <a:bodyPr/>
-                    <a:lstStyle/>
-                    <a:p>
-                      <a:pPr marL="0" marR="0" indent="0" algn="ctr">
-                        <a:lnSpc>
-                          <a:spcPct val="200000"/>
-                        </a:lnSpc>
-                        <a:spcBef>
-                          <a:spcPts val="0"/>
-                        </a:spcBef>
-                        <a:spcAft>
-                          <a:spcPts val="0"/>
-                        </a:spcAft>
-                      </a:pPr>
-                      <a:r>
-                        <a:rPr lang="en-US" sz="1200" b="1" dirty="0">
-                          <a:solidFill>
-                            <a:srgbClr val="000000"/>
-                          </a:solidFill>
-                          <a:effectLst/>
-                          <a:latin typeface="Calibri" panose="020F0502020204030204" pitchFamily="34" charset="0"/>
-                          <a:ea typeface="Times New Roman" panose="02020603050405020304" pitchFamily="18" charset="0"/>
-                          <a:cs typeface="Times New Roman" panose="02020603050405020304" pitchFamily="18" charset="0"/>
-                        </a:rPr>
-                        <a:t>F1</a:t>
-                      </a:r>
-                      <a:endParaRPr lang="en-US" sz="1200" dirty="0">
-                        <a:effectLst/>
-                        <a:latin typeface="Times New Roman" panose="02020603050405020304" pitchFamily="18" charset="0"/>
-                        <a:ea typeface="Calibri" panose="020F0502020204030204" pitchFamily="34" charset="0"/>
-                        <a:cs typeface="Times New Roman" panose="02020603050405020304" pitchFamily="18" charset="0"/>
-                      </a:endParaRPr>
-                    </a:p>
-                  </a:txBody>
-                  <a:tcPr marL="68580" marR="68580" marT="0" marB="0" anchor="b"/>
-                </a:tc>
-                <a:extLst>
-                  <a:ext uri="{0D108BD9-81ED-4DB2-BD59-A6C34878D82A}">
-                    <a16:rowId xmlns:a16="http://schemas.microsoft.com/office/drawing/2014/main" val="117126656"/>
-                  </a:ext>
-                </a:extLst>
-              </a:tr>
-              <a:tr h="370840">
-                <a:tc>
-                  <a:txBody>
-                    <a:bodyPr/>
-                    <a:lstStyle/>
-                    <a:p>
-                      <a:pPr marL="0" marR="0" indent="0" algn="l">
-                        <a:lnSpc>
-                          <a:spcPct val="200000"/>
-                        </a:lnSpc>
-                        <a:spcBef>
-                          <a:spcPts val="0"/>
-                        </a:spcBef>
-                        <a:spcAft>
-                          <a:spcPts val="0"/>
-                        </a:spcAft>
-                      </a:pPr>
-                      <a:r>
-                        <a:rPr lang="en-US" sz="1200" dirty="0">
-                          <a:solidFill>
-                            <a:srgbClr val="000000"/>
-                          </a:solidFill>
-                          <a:effectLst/>
-                          <a:latin typeface="Calibri" panose="020F0502020204030204" pitchFamily="34" charset="0"/>
-                          <a:ea typeface="Times New Roman" panose="02020603050405020304" pitchFamily="18" charset="0"/>
-                          <a:cs typeface="Times New Roman" panose="02020603050405020304" pitchFamily="18" charset="0"/>
-                        </a:rPr>
-                        <a:t>98.00</a:t>
-                      </a:r>
-                      <a:endParaRPr lang="en-US" sz="1200" dirty="0">
-                        <a:effectLst/>
-                        <a:latin typeface="Times New Roman" panose="02020603050405020304" pitchFamily="18" charset="0"/>
-                        <a:ea typeface="Calibri" panose="020F0502020204030204" pitchFamily="34" charset="0"/>
-                        <a:cs typeface="Times New Roman" panose="02020603050405020304" pitchFamily="18" charset="0"/>
-                      </a:endParaRPr>
-                    </a:p>
-                  </a:txBody>
-                  <a:tcPr marL="68580" marR="68580" marT="0" marB="0" anchor="b"/>
-                </a:tc>
-                <a:tc>
-                  <a:txBody>
-                    <a:bodyPr/>
-                    <a:lstStyle/>
-                    <a:p>
-                      <a:pPr marL="0" marR="0" indent="0" algn="l">
-                        <a:lnSpc>
-                          <a:spcPct val="200000"/>
-                        </a:lnSpc>
-                        <a:spcBef>
-                          <a:spcPts val="0"/>
-                        </a:spcBef>
-                        <a:spcAft>
-                          <a:spcPts val="0"/>
-                        </a:spcAft>
-                      </a:pPr>
-                      <a:r>
-                        <a:rPr lang="en-US" sz="1200" dirty="0">
-                          <a:solidFill>
-                            <a:srgbClr val="000000"/>
-                          </a:solidFill>
-                          <a:effectLst/>
-                          <a:latin typeface="Calibri" panose="020F0502020204030204" pitchFamily="34" charset="0"/>
-                          <a:ea typeface="Times New Roman" panose="02020603050405020304" pitchFamily="18" charset="0"/>
-                          <a:cs typeface="Times New Roman" panose="02020603050405020304" pitchFamily="18" charset="0"/>
-                        </a:rPr>
-                        <a:t>98.32</a:t>
-                      </a:r>
-                      <a:endParaRPr lang="en-US" sz="1200" dirty="0">
-                        <a:effectLst/>
-                        <a:latin typeface="Times New Roman" panose="02020603050405020304" pitchFamily="18" charset="0"/>
-                        <a:ea typeface="Calibri" panose="020F0502020204030204" pitchFamily="34" charset="0"/>
-                        <a:cs typeface="Times New Roman" panose="02020603050405020304" pitchFamily="18" charset="0"/>
-                      </a:endParaRPr>
-                    </a:p>
-                  </a:txBody>
-                  <a:tcPr marL="68580" marR="68580" marT="0" marB="0" anchor="b"/>
-                </a:tc>
-                <a:tc>
-                  <a:txBody>
-                    <a:bodyPr/>
-                    <a:lstStyle/>
-                    <a:p>
-                      <a:pPr marL="0" marR="0" indent="0" algn="l">
-                        <a:lnSpc>
-                          <a:spcPct val="200000"/>
-                        </a:lnSpc>
-                        <a:spcBef>
-                          <a:spcPts val="0"/>
-                        </a:spcBef>
-                        <a:spcAft>
-                          <a:spcPts val="0"/>
-                        </a:spcAft>
-                      </a:pPr>
-                      <a:r>
-                        <a:rPr lang="en-US" sz="1200" dirty="0">
-                          <a:solidFill>
-                            <a:srgbClr val="000000"/>
-                          </a:solidFill>
-                          <a:effectLst/>
-                          <a:latin typeface="Calibri" panose="020F0502020204030204" pitchFamily="34" charset="0"/>
-                          <a:ea typeface="Times New Roman" panose="02020603050405020304" pitchFamily="18" charset="0"/>
-                          <a:cs typeface="Times New Roman" panose="02020603050405020304" pitchFamily="18" charset="0"/>
-                        </a:rPr>
-                        <a:t>98.23</a:t>
-                      </a:r>
-                      <a:endParaRPr lang="en-US" sz="1200" dirty="0">
-                        <a:effectLst/>
-                        <a:latin typeface="Times New Roman" panose="02020603050405020304" pitchFamily="18" charset="0"/>
-                        <a:ea typeface="Calibri" panose="020F0502020204030204" pitchFamily="34" charset="0"/>
-                        <a:cs typeface="Times New Roman" panose="02020603050405020304" pitchFamily="18" charset="0"/>
-                      </a:endParaRPr>
-                    </a:p>
-                  </a:txBody>
-                  <a:tcPr marL="68580" marR="68580" marT="0" marB="0" anchor="b"/>
-                </a:tc>
-                <a:tc>
-                  <a:txBody>
-                    <a:bodyPr/>
-                    <a:lstStyle/>
-                    <a:p>
-                      <a:pPr marL="0" marR="0" indent="0" algn="l">
-                        <a:lnSpc>
-                          <a:spcPct val="200000"/>
-                        </a:lnSpc>
-                        <a:spcBef>
-                          <a:spcPts val="0"/>
-                        </a:spcBef>
-                        <a:spcAft>
-                          <a:spcPts val="0"/>
-                        </a:spcAft>
-                      </a:pPr>
-                      <a:r>
-                        <a:rPr lang="en-US" sz="1200" dirty="0">
-                          <a:solidFill>
-                            <a:srgbClr val="000000"/>
-                          </a:solidFill>
-                          <a:effectLst/>
-                          <a:latin typeface="Calibri" panose="020F0502020204030204" pitchFamily="34" charset="0"/>
-                          <a:ea typeface="Times New Roman" panose="02020603050405020304" pitchFamily="18" charset="0"/>
-                          <a:cs typeface="Times New Roman" panose="02020603050405020304" pitchFamily="18" charset="0"/>
-                        </a:rPr>
-                        <a:t>97.89</a:t>
-                      </a:r>
-                      <a:endParaRPr lang="en-US" sz="1200" dirty="0">
-                        <a:effectLst/>
-                        <a:latin typeface="Times New Roman" panose="02020603050405020304" pitchFamily="18" charset="0"/>
-                        <a:ea typeface="Calibri" panose="020F0502020204030204" pitchFamily="34" charset="0"/>
-                        <a:cs typeface="Times New Roman" panose="02020603050405020304" pitchFamily="18" charset="0"/>
-                      </a:endParaRPr>
-                    </a:p>
-                  </a:txBody>
-                  <a:tcPr marL="68580" marR="68580" marT="0" marB="0" anchor="b"/>
-                </a:tc>
-                <a:extLst>
-                  <a:ext uri="{0D108BD9-81ED-4DB2-BD59-A6C34878D82A}">
-                    <a16:rowId xmlns:a16="http://schemas.microsoft.com/office/drawing/2014/main" val="3051649833"/>
-                  </a:ext>
-                </a:extLst>
-              </a:tr>
-            </a:tbl>
-          </a:graphicData>
-        </a:graphic>
-      </p:graphicFrame>
-      <p:sp>
-        <p:nvSpPr>
-          <p:cNvPr id="12" name="TextBox 11">
-            <a:extLst>
-              <a:ext uri="{FF2B5EF4-FFF2-40B4-BE49-F238E27FC236}">
-                <a16:creationId xmlns:a16="http://schemas.microsoft.com/office/drawing/2014/main" id="{7A1E9305-7C9A-4983-BF55-B09BFC0B1331}"/>
-              </a:ext>
-            </a:extLst>
-          </p:cNvPr>
-          <p:cNvSpPr txBox="1"/>
-          <p:nvPr/>
-        </p:nvSpPr>
-        <p:spPr>
-          <a:xfrm>
-            <a:off x="5366856" y="1947148"/>
-            <a:ext cx="1458287" cy="369332"/>
-          </a:xfrm>
-          <a:prstGeom prst="rect">
-            <a:avLst/>
-          </a:prstGeom>
-          <a:noFill/>
-        </p:spPr>
-        <p:txBody>
-          <a:bodyPr wrap="square" rtlCol="0">
-            <a:spAutoFit/>
-          </a:bodyPr>
-          <a:lstStyle/>
-          <a:p>
-            <a:r>
-              <a:rPr lang="en-US" b="1" i="1" dirty="0"/>
-              <a:t>Initial Testing</a:t>
-            </a:r>
-          </a:p>
-        </p:txBody>
-      </p:sp>
-      <p:sp>
-        <p:nvSpPr>
-          <p:cNvPr id="13" name="TextBox 12">
-            <a:extLst>
-              <a:ext uri="{FF2B5EF4-FFF2-40B4-BE49-F238E27FC236}">
-                <a16:creationId xmlns:a16="http://schemas.microsoft.com/office/drawing/2014/main" id="{AB7AE213-E034-4891-92E0-AE3D97F67A3A}"/>
-              </a:ext>
-            </a:extLst>
-          </p:cNvPr>
-          <p:cNvSpPr txBox="1"/>
-          <p:nvPr/>
-        </p:nvSpPr>
-        <p:spPr>
-          <a:xfrm>
-            <a:off x="5596854" y="4981057"/>
-            <a:ext cx="998290" cy="369332"/>
-          </a:xfrm>
-          <a:prstGeom prst="rect">
-            <a:avLst/>
-          </a:prstGeom>
-          <a:noFill/>
-        </p:spPr>
-        <p:txBody>
-          <a:bodyPr wrap="square" rtlCol="0">
-            <a:spAutoFit/>
-          </a:bodyPr>
-          <a:lstStyle/>
-          <a:p>
-            <a:r>
-              <a:rPr lang="en-US" b="1" i="1" dirty="0"/>
-              <a:t>Full Set</a:t>
-            </a:r>
-          </a:p>
-        </p:txBody>
-      </p:sp>
     </p:spTree>
     <p:extLst>
       <p:ext uri="{BB962C8B-B14F-4D97-AF65-F5344CB8AC3E}">
-        <p14:creationId xmlns:p14="http://schemas.microsoft.com/office/powerpoint/2010/main" val="2857646808"/>
+        <p14:creationId xmlns:p14="http://schemas.microsoft.com/office/powerpoint/2010/main" val="1372362776"/>
       </p:ext>
     </p:extLst>
   </p:cSld>

--- a/AUTOMATIC IDENTIFICATION AND ANALYSIS OF COMMENTED OUT CODE.pptx
+++ b/AUTOMATIC IDENTIFICATION AND ANALYSIS OF COMMENTED OUT CODE.pptx
@@ -1219,7 +1219,7 @@
           <a:p>
             <a:fld id="{A708F1BC-E77D-4453-A5FD-60D9004400BE}" type="datetimeFigureOut">
               <a:rPr lang="en-US" smtClean="0"/>
-              <a:t>4/16/2020</a:t>
+              <a:t>4/16/20</a:t>
             </a:fld>
             <a:endParaRPr lang="en-US"/>
           </a:p>
@@ -1417,7 +1417,7 @@
           <a:p>
             <a:fld id="{A708F1BC-E77D-4453-A5FD-60D9004400BE}" type="datetimeFigureOut">
               <a:rPr lang="en-US" smtClean="0"/>
-              <a:t>4/16/2020</a:t>
+              <a:t>4/16/20</a:t>
             </a:fld>
             <a:endParaRPr lang="en-US"/>
           </a:p>
@@ -1625,7 +1625,7 @@
           <a:p>
             <a:fld id="{A708F1BC-E77D-4453-A5FD-60D9004400BE}" type="datetimeFigureOut">
               <a:rPr lang="en-US" smtClean="0"/>
-              <a:t>4/16/2020</a:t>
+              <a:t>4/16/20</a:t>
             </a:fld>
             <a:endParaRPr lang="en-US"/>
           </a:p>
@@ -1823,7 +1823,7 @@
           <a:p>
             <a:fld id="{A708F1BC-E77D-4453-A5FD-60D9004400BE}" type="datetimeFigureOut">
               <a:rPr lang="en-US" smtClean="0"/>
-              <a:t>4/16/2020</a:t>
+              <a:t>4/16/20</a:t>
             </a:fld>
             <a:endParaRPr lang="en-US"/>
           </a:p>
@@ -2098,7 +2098,7 @@
           <a:p>
             <a:fld id="{A708F1BC-E77D-4453-A5FD-60D9004400BE}" type="datetimeFigureOut">
               <a:rPr lang="en-US" smtClean="0"/>
-              <a:t>4/16/2020</a:t>
+              <a:t>4/16/20</a:t>
             </a:fld>
             <a:endParaRPr lang="en-US"/>
           </a:p>
@@ -2363,7 +2363,7 @@
           <a:p>
             <a:fld id="{A708F1BC-E77D-4453-A5FD-60D9004400BE}" type="datetimeFigureOut">
               <a:rPr lang="en-US" smtClean="0"/>
-              <a:t>4/16/2020</a:t>
+              <a:t>4/16/20</a:t>
             </a:fld>
             <a:endParaRPr lang="en-US"/>
           </a:p>
@@ -2775,7 +2775,7 @@
           <a:p>
             <a:fld id="{A708F1BC-E77D-4453-A5FD-60D9004400BE}" type="datetimeFigureOut">
               <a:rPr lang="en-US" smtClean="0"/>
-              <a:t>4/16/2020</a:t>
+              <a:t>4/16/20</a:t>
             </a:fld>
             <a:endParaRPr lang="en-US"/>
           </a:p>
@@ -2916,7 +2916,7 @@
           <a:p>
             <a:fld id="{A708F1BC-E77D-4453-A5FD-60D9004400BE}" type="datetimeFigureOut">
               <a:rPr lang="en-US" smtClean="0"/>
-              <a:t>4/16/2020</a:t>
+              <a:t>4/16/20</a:t>
             </a:fld>
             <a:endParaRPr lang="en-US"/>
           </a:p>
@@ -3029,7 +3029,7 @@
           <a:p>
             <a:fld id="{A708F1BC-E77D-4453-A5FD-60D9004400BE}" type="datetimeFigureOut">
               <a:rPr lang="en-US" smtClean="0"/>
-              <a:t>4/16/2020</a:t>
+              <a:t>4/16/20</a:t>
             </a:fld>
             <a:endParaRPr lang="en-US"/>
           </a:p>
@@ -3340,7 +3340,7 @@
           <a:p>
             <a:fld id="{A708F1BC-E77D-4453-A5FD-60D9004400BE}" type="datetimeFigureOut">
               <a:rPr lang="en-US" smtClean="0"/>
-              <a:t>4/16/2020</a:t>
+              <a:t>4/16/20</a:t>
             </a:fld>
             <a:endParaRPr lang="en-US"/>
           </a:p>
@@ -3628,7 +3628,7 @@
           <a:p>
             <a:fld id="{A708F1BC-E77D-4453-A5FD-60D9004400BE}" type="datetimeFigureOut">
               <a:rPr lang="en-US" smtClean="0"/>
-              <a:t>4/16/2020</a:t>
+              <a:t>4/16/20</a:t>
             </a:fld>
             <a:endParaRPr lang="en-US"/>
           </a:p>
@@ -3869,7 +3869,7 @@
           <a:p>
             <a:fld id="{A708F1BC-E77D-4453-A5FD-60D9004400BE}" type="datetimeFigureOut">
               <a:rPr lang="en-US" smtClean="0"/>
-              <a:t>4/16/2020</a:t>
+              <a:t>4/16/20</a:t>
             </a:fld>
             <a:endParaRPr lang="en-US"/>
           </a:p>
@@ -4404,7 +4404,7 @@
             <a:pPr algn="ctr"/>
             <a:r>
               <a:rPr lang="en-US" dirty="0"/>
-              <a:t>Process of Automation</a:t>
+              <a:t>Automatic Classification Strategy</a:t>
             </a:r>
           </a:p>
         </p:txBody>
@@ -4432,7 +4432,7 @@
           <a:p>
             <a:r>
               <a:rPr lang="en-US" dirty="0"/>
-              <a:t>Feed the full 250x250 set into a stratified K-fold cross validation K=5.</a:t>
+              <a:t>Feed 250 (commented-out code) x250 (English Prose) set into a stratified K-fold cross validation K=5.</a:t>
             </a:r>
           </a:p>
           <a:p>
@@ -4446,7 +4446,7 @@
             </a:r>
             <a:r>
               <a:rPr lang="en-US" dirty="0"/>
-              <a:t> for analysis of comments.</a:t>
+              <a:t> </a:t>
             </a:r>
           </a:p>
           <a:p>
@@ -4464,7 +4464,7 @@
           <a:p>
             <a:r>
               <a:rPr lang="en-US" dirty="0"/>
-              <a:t>Do a final verification against the full Gold Set to ensure quality of the 250x250 model.</a:t>
+              <a:t>Do a final verification against the remaining Gold Set to ensure quality of the 250x250 model.</a:t>
             </a:r>
           </a:p>
           <a:p>
@@ -9668,7 +9668,7 @@
         <p:spPr>
           <a:xfrm>
             <a:off x="6300132" y="2724021"/>
-            <a:ext cx="5053668" cy="2554545"/>
+            <a:ext cx="5053668" cy="3170099"/>
           </a:xfrm>
           <a:prstGeom prst="rect">
             <a:avLst/>
@@ -9683,7 +9683,7 @@
           <a:p>
             <a:r>
               <a:rPr lang="en-US" sz="4000" i="1" dirty="0"/>
-              <a:t>Any piece of source code that has been disabled by means of commenting</a:t>
+              <a:t>Any piece of source code that has been disabled by means of one of the previous methods</a:t>
             </a:r>
             <a:endParaRPr lang="en-US" sz="4000" dirty="0"/>
           </a:p>
@@ -9771,27 +9771,25 @@
           <a:p>
             <a:r>
               <a:rPr lang="en-US" dirty="0"/>
-              <a:t>We selected random files from each of the 78 originally selected projects.</a:t>
+              <a:t>Select 78 projects from GitHub</a:t>
             </a:r>
           </a:p>
           <a:p>
             <a:r>
               <a:rPr lang="en-US" dirty="0"/>
-              <a:t>Ran the projects through srcML followed by </a:t>
-            </a:r>
-            <a:r>
-              <a:rPr lang="en-US" dirty="0" err="1"/>
-              <a:t>Xpath</a:t>
-            </a:r>
-            <a:r>
-              <a:rPr lang="en-US" dirty="0"/>
-              <a:t> to retrieve comments.</a:t>
+              <a:t>Ran the projects through srcML followed by XPath to retrieve comments.</a:t>
             </a:r>
           </a:p>
           <a:p>
             <a:r>
               <a:rPr lang="en-US" dirty="0"/>
               <a:t>Select random files from this archive to build the corpus.</a:t>
+            </a:r>
+          </a:p>
+          <a:p>
+            <a:r>
+              <a:rPr lang="en-US" dirty="0"/>
+              <a:t>Randomly select comments from selected files</a:t>
             </a:r>
           </a:p>
           <a:p>
